--- a/Лекции/3 семестр/Часть 3/Программирование лекция 3.3.pptx
+++ b/Лекции/3 семестр/Часть 3/Программирование лекция 3.3.pptx
@@ -5,27 +5,36 @@
     <p:sldMasterId id="2147483648" r:id="rId1"/>
   </p:sldMasterIdLst>
   <p:notesMasterIdLst>
-    <p:notesMasterId r:id="rId20"/>
+    <p:notesMasterId r:id="rId29"/>
   </p:notesMasterIdLst>
   <p:sldIdLst>
     <p:sldId id="256" r:id="rId2"/>
     <p:sldId id="332" r:id="rId3"/>
-    <p:sldId id="333" r:id="rId4"/>
+    <p:sldId id="350" r:id="rId4"/>
     <p:sldId id="334" r:id="rId5"/>
-    <p:sldId id="335" r:id="rId6"/>
-    <p:sldId id="336" r:id="rId7"/>
-    <p:sldId id="337" r:id="rId8"/>
-    <p:sldId id="339" r:id="rId9"/>
-    <p:sldId id="340" r:id="rId10"/>
-    <p:sldId id="341" r:id="rId11"/>
-    <p:sldId id="338" r:id="rId12"/>
-    <p:sldId id="342" r:id="rId13"/>
-    <p:sldId id="343" r:id="rId14"/>
-    <p:sldId id="344" r:id="rId15"/>
-    <p:sldId id="345" r:id="rId16"/>
-    <p:sldId id="346" r:id="rId17"/>
-    <p:sldId id="347" r:id="rId18"/>
-    <p:sldId id="348" r:id="rId19"/>
+    <p:sldId id="333" r:id="rId6"/>
+    <p:sldId id="349" r:id="rId7"/>
+    <p:sldId id="335" r:id="rId8"/>
+    <p:sldId id="336" r:id="rId9"/>
+    <p:sldId id="337" r:id="rId10"/>
+    <p:sldId id="339" r:id="rId11"/>
+    <p:sldId id="340" r:id="rId12"/>
+    <p:sldId id="341" r:id="rId13"/>
+    <p:sldId id="338" r:id="rId14"/>
+    <p:sldId id="352" r:id="rId15"/>
+    <p:sldId id="353" r:id="rId16"/>
+    <p:sldId id="354" r:id="rId17"/>
+    <p:sldId id="313" r:id="rId18"/>
+    <p:sldId id="314" r:id="rId19"/>
+    <p:sldId id="355" r:id="rId20"/>
+    <p:sldId id="342" r:id="rId21"/>
+    <p:sldId id="343" r:id="rId22"/>
+    <p:sldId id="344" r:id="rId23"/>
+    <p:sldId id="345" r:id="rId24"/>
+    <p:sldId id="346" r:id="rId25"/>
+    <p:sldId id="347" r:id="rId26"/>
+    <p:sldId id="348" r:id="rId27"/>
+    <p:sldId id="351" r:id="rId28"/>
   </p:sldIdLst>
   <p:sldSz cx="12192000" cy="6858000"/>
   <p:notesSz cx="6858000" cy="9144000"/>
@@ -214,7 +223,7 @@
           <a:p>
             <a:fld id="{1DFBDE16-5B48-4340-A90D-4DD6140885ED}" type="datetimeFigureOut">
               <a:rPr lang="ru-RU" smtClean="0"/>
-              <a:t>16.09.2023</a:t>
+              <a:t>30.09.2023</a:t>
             </a:fld>
             <a:endParaRPr lang="ru-RU"/>
           </a:p>
@@ -565,7 +574,7 @@
           <a:p>
             <a:fld id="{FE2AB48A-37A8-4A81-8E9A-FD100D4B77F1}" type="slidenum">
               <a:rPr lang="ru-RU" smtClean="0"/>
-              <a:t>3</a:t>
+              <a:t>5</a:t>
             </a:fld>
             <a:endParaRPr lang="ru-RU"/>
           </a:p>
@@ -731,7 +740,7 @@
           <a:p>
             <a:fld id="{F41DA7D1-1507-4266-9305-D9D976117699}" type="datetime1">
               <a:rPr lang="ru-RU" smtClean="0"/>
-              <a:t>16.09.2023</a:t>
+              <a:t>30.09.2023</a:t>
             </a:fld>
             <a:endParaRPr lang="ru-RU"/>
           </a:p>
@@ -929,7 +938,7 @@
           <a:p>
             <a:fld id="{09B8B1D9-D5C0-4933-8D35-6096E21EBA53}" type="datetime1">
               <a:rPr lang="ru-RU" smtClean="0"/>
-              <a:t>16.09.2023</a:t>
+              <a:t>30.09.2023</a:t>
             </a:fld>
             <a:endParaRPr lang="ru-RU"/>
           </a:p>
@@ -1137,7 +1146,7 @@
           <a:p>
             <a:fld id="{571E2174-60B9-4D93-B161-65D5D8D291A9}" type="datetime1">
               <a:rPr lang="ru-RU" smtClean="0"/>
-              <a:t>16.09.2023</a:t>
+              <a:t>30.09.2023</a:t>
             </a:fld>
             <a:endParaRPr lang="ru-RU"/>
           </a:p>
@@ -1335,7 +1344,7 @@
           <a:p>
             <a:fld id="{495E6D17-6549-492A-8F0C-3F1C9FE6F0D0}" type="datetime1">
               <a:rPr lang="ru-RU" smtClean="0"/>
-              <a:t>16.09.2023</a:t>
+              <a:t>30.09.2023</a:t>
             </a:fld>
             <a:endParaRPr lang="ru-RU"/>
           </a:p>
@@ -1610,7 +1619,7 @@
           <a:p>
             <a:fld id="{E08945B4-69F6-431C-9382-AEFA596238B6}" type="datetime1">
               <a:rPr lang="ru-RU" smtClean="0"/>
-              <a:t>16.09.2023</a:t>
+              <a:t>30.09.2023</a:t>
             </a:fld>
             <a:endParaRPr lang="ru-RU"/>
           </a:p>
@@ -1875,7 +1884,7 @@
           <a:p>
             <a:fld id="{A7516350-5881-464D-B90A-019D53C87C87}" type="datetime1">
               <a:rPr lang="ru-RU" smtClean="0"/>
-              <a:t>16.09.2023</a:t>
+              <a:t>30.09.2023</a:t>
             </a:fld>
             <a:endParaRPr lang="ru-RU"/>
           </a:p>
@@ -2287,7 +2296,7 @@
           <a:p>
             <a:fld id="{3DE290D0-75C9-470D-B7BE-5F42616B87DB}" type="datetime1">
               <a:rPr lang="ru-RU" smtClean="0"/>
-              <a:t>16.09.2023</a:t>
+              <a:t>30.09.2023</a:t>
             </a:fld>
             <a:endParaRPr lang="ru-RU"/>
           </a:p>
@@ -2428,7 +2437,7 @@
           <a:p>
             <a:fld id="{25D2CC29-130B-4ABB-90FF-3B212105CC1B}" type="datetime1">
               <a:rPr lang="ru-RU" smtClean="0"/>
-              <a:t>16.09.2023</a:t>
+              <a:t>30.09.2023</a:t>
             </a:fld>
             <a:endParaRPr lang="ru-RU"/>
           </a:p>
@@ -2541,7 +2550,7 @@
           <a:p>
             <a:fld id="{B63335E3-9BAF-4439-9DD4-6CE08318DC6B}" type="datetime1">
               <a:rPr lang="ru-RU" smtClean="0"/>
-              <a:t>16.09.2023</a:t>
+              <a:t>30.09.2023</a:t>
             </a:fld>
             <a:endParaRPr lang="ru-RU"/>
           </a:p>
@@ -2852,7 +2861,7 @@
           <a:p>
             <a:fld id="{D4EB0FB4-4101-450F-8179-5504A41C85B8}" type="datetime1">
               <a:rPr lang="ru-RU" smtClean="0"/>
-              <a:t>16.09.2023</a:t>
+              <a:t>30.09.2023</a:t>
             </a:fld>
             <a:endParaRPr lang="ru-RU"/>
           </a:p>
@@ -3140,7 +3149,7 @@
           <a:p>
             <a:fld id="{7F222AF9-FD68-457C-92A0-426ADAE21948}" type="datetime1">
               <a:rPr lang="ru-RU" smtClean="0"/>
-              <a:t>16.09.2023</a:t>
+              <a:t>30.09.2023</a:t>
             </a:fld>
             <a:endParaRPr lang="ru-RU"/>
           </a:p>
@@ -3381,7 +3390,7 @@
           <a:p>
             <a:fld id="{54947EA2-CB44-449D-9F33-80421D88CC1D}" type="datetime1">
               <a:rPr lang="ru-RU" smtClean="0"/>
-              <a:t>16.09.2023</a:t>
+              <a:t>30.09.2023</a:t>
             </a:fld>
             <a:endParaRPr lang="ru-RU"/>
           </a:p>
@@ -3906,34 +3915,28 @@
             <a:r>
               <a:rPr lang="ru-RU" b="0" i="0" dirty="0">
                 <a:effectLst/>
-                <a:latin typeface="YS Text"/>
               </a:rPr>
               <a:t>Класс </a:t>
             </a:r>
             <a:r>
               <a:rPr lang="ru-RU" b="0" i="0" dirty="0" err="1">
                 <a:effectLst/>
-                <a:latin typeface="YS Text"/>
               </a:rPr>
               <a:t>Thread</a:t>
             </a:r>
             <a:r>
               <a:rPr lang="ru-RU" b="0" i="0" dirty="0">
                 <a:effectLst/>
-                <a:latin typeface="YS Text"/>
               </a:rPr>
               <a:t>. Создание </a:t>
             </a:r>
             <a:r>
-              <a:rPr lang="ru-RU" dirty="0">
-                <a:latin typeface="YS Text"/>
-              </a:rPr>
+              <a:rPr lang="ru-RU" dirty="0"/>
               <a:t>п</a:t>
             </a:r>
             <a:r>
               <a:rPr lang="ru-RU" b="0" i="0" dirty="0">
                 <a:effectLst/>
-                <a:latin typeface="YS Text"/>
               </a:rPr>
               <a:t>араметризованного потока</a:t>
             </a:r>
@@ -3969,17 +3972,19 @@
             </a:pPr>
             <a:r>
               <a:rPr lang="en-US" dirty="0"/>
-              <a:t>class Person {  /*….*/  }</a:t>
-            </a:r>
-            <a:endParaRPr lang="ru-RU" dirty="0"/>
-          </a:p>
-          <a:p>
-            <a:pPr marL="0" indent="0">
-              <a:buNone/>
-            </a:pPr>
+              <a:t>static void </a:t>
+            </a:r>
+            <a:r>
+              <a:rPr lang="en-US" dirty="0" err="1"/>
+              <a:t>MakeSomeWork</a:t>
+            </a:r>
+            <a:r>
+              <a:rPr lang="ru-RU" dirty="0"/>
+              <a:t>2</a:t>
+            </a:r>
             <a:r>
               <a:rPr lang="en-US" dirty="0"/>
-              <a:t>static void MakeSomeWork4 (Person person)</a:t>
+              <a:t> (object param)</a:t>
             </a:r>
           </a:p>
           <a:p>
@@ -3997,6 +4002,15 @@
             </a:pPr>
             <a:r>
               <a:rPr lang="en-US" dirty="0"/>
+              <a:t>      int num = (int) param; </a:t>
+            </a:r>
+          </a:p>
+          <a:p>
+            <a:pPr marL="0" indent="0">
+              <a:buNone/>
+            </a:pPr>
+            <a:r>
+              <a:rPr lang="en-US" dirty="0"/>
               <a:t>      </a:t>
             </a:r>
             <a:r>
@@ -4005,15 +4019,7 @@
             </a:r>
             <a:r>
               <a:rPr lang="en-US" dirty="0"/>
-              <a:t>(</a:t>
-            </a:r>
-            <a:r>
-              <a:rPr lang="en-US" dirty="0" err="1"/>
-              <a:t>person.Name</a:t>
-            </a:r>
-            <a:r>
-              <a:rPr lang="en-US" dirty="0"/>
-              <a:t>);</a:t>
+              <a:t>(num);</a:t>
             </a:r>
           </a:p>
           <a:p>
@@ -4043,18 +4049,15 @@
             <a:pPr marL="0" indent="0">
               <a:buNone/>
             </a:pPr>
+            <a:endParaRPr lang="ru-RU" dirty="0"/>
+          </a:p>
+          <a:p>
+            <a:pPr marL="0" indent="0">
+              <a:buNone/>
+            </a:pPr>
             <a:r>
               <a:rPr lang="en-US" dirty="0"/>
-              <a:t>Person p = new Person();</a:t>
-            </a:r>
-          </a:p>
-          <a:p>
-            <a:pPr marL="0" indent="0">
-              <a:buNone/>
-            </a:pPr>
-            <a:r>
-              <a:rPr lang="en-US" dirty="0"/>
-              <a:t>Thread t = new Thread( () =&gt; MakeSomeWork4(p) );</a:t>
+              <a:t>Thread t = new Thread(MakeSomeWork2);</a:t>
             </a:r>
           </a:p>
           <a:p>
@@ -4067,7 +4070,7 @@
             </a:r>
             <a:r>
               <a:rPr lang="en-US" dirty="0"/>
-              <a:t>();</a:t>
+              <a:t>(20);</a:t>
             </a:r>
           </a:p>
           <a:p>
@@ -4118,7 +4121,7 @@
     </p:spTree>
     <p:extLst>
       <p:ext uri="{BB962C8B-B14F-4D97-AF65-F5344CB8AC3E}">
-        <p14:creationId xmlns:p14="http://schemas.microsoft.com/office/powerpoint/2010/main" val="3387955158"/>
+        <p14:creationId xmlns:p14="http://schemas.microsoft.com/office/powerpoint/2010/main" val="2225005128"/>
       </p:ext>
     </p:extLst>
   </p:cSld>
@@ -4150,7 +4153,7 @@
           <p:cNvPr id="2" name="Заголовок 1">
             <a:extLst>
               <a:ext uri="{FF2B5EF4-FFF2-40B4-BE49-F238E27FC236}">
-                <a16:creationId xmlns:a16="http://schemas.microsoft.com/office/drawing/2014/main" id="{6DC03A1E-EA3C-46E6-A410-B01C57FF00F1}"/>
+                <a16:creationId xmlns:a16="http://schemas.microsoft.com/office/drawing/2014/main" id="{80DEB3C6-8E32-4CA3-A70B-727E9A014E67}"/>
               </a:ext>
             </a:extLst>
           </p:cNvPr>
@@ -4167,9 +4170,34 @@
           <a:lstStyle/>
           <a:p>
             <a:r>
+              <a:rPr lang="ru-RU" b="0" i="0" dirty="0">
+                <a:effectLst/>
+              </a:rPr>
+              <a:t>Класс </a:t>
+            </a:r>
+            <a:r>
+              <a:rPr lang="ru-RU" b="0" i="0" dirty="0" err="1">
+                <a:effectLst/>
+              </a:rPr>
+              <a:t>Thread</a:t>
+            </a:r>
+            <a:r>
+              <a:rPr lang="ru-RU" b="0" i="0" dirty="0">
+                <a:effectLst/>
+              </a:rPr>
+              <a:t>. Создание </a:t>
+            </a:r>
+            <a:r>
               <a:rPr lang="ru-RU" dirty="0"/>
-              <a:t>Пример – копирование файла</a:t>
-            </a:r>
+              <a:t>п</a:t>
+            </a:r>
+            <a:r>
+              <a:rPr lang="ru-RU" b="0" i="0" dirty="0">
+                <a:effectLst/>
+              </a:rPr>
+              <a:t>араметризованного потока</a:t>
+            </a:r>
+            <a:endParaRPr lang="ru-RU" dirty="0"/>
           </a:p>
         </p:txBody>
       </p:sp>
@@ -4178,7 +4206,7 @@
           <p:cNvPr id="3" name="Объект 2">
             <a:extLst>
               <a:ext uri="{FF2B5EF4-FFF2-40B4-BE49-F238E27FC236}">
-                <a16:creationId xmlns:a16="http://schemas.microsoft.com/office/drawing/2014/main" id="{3C940A4E-DF42-4D8E-99AA-089F6F5D3323}"/>
+                <a16:creationId xmlns:a16="http://schemas.microsoft.com/office/drawing/2014/main" id="{8AB4D5D2-0D7C-4ECE-82CC-E956DDB14A04}"/>
               </a:ext>
             </a:extLst>
           </p:cNvPr>
@@ -4191,13 +4219,159 @@
         </p:nvSpPr>
         <p:spPr/>
         <p:txBody>
-          <a:bodyPr/>
-          <a:lstStyle/>
-          <a:p>
+          <a:bodyPr>
+            <a:normAutofit fontScale="85000" lnSpcReduction="20000"/>
+          </a:bodyPr>
+          <a:lstStyle/>
+          <a:p>
+            <a:pPr marL="0" indent="0">
+              <a:buNone/>
+            </a:pPr>
+            <a:r>
+              <a:rPr lang="en-US" dirty="0"/>
+              <a:t>class Person {  /*….*/  }</a:t>
+            </a:r>
+            <a:endParaRPr lang="ru-RU" dirty="0"/>
+          </a:p>
+          <a:p>
+            <a:pPr marL="0" indent="0">
+              <a:buNone/>
+            </a:pPr>
+            <a:r>
+              <a:rPr lang="en-US" dirty="0"/>
+              <a:t>static void </a:t>
+            </a:r>
+            <a:r>
+              <a:rPr lang="en-US" dirty="0" err="1"/>
+              <a:t>MakeSomeWork</a:t>
+            </a:r>
             <a:r>
               <a:rPr lang="ru-RU" dirty="0"/>
-              <a:t>…</a:t>
-            </a:r>
+              <a:t>3</a:t>
+            </a:r>
+            <a:r>
+              <a:rPr lang="en-US" dirty="0"/>
+              <a:t> (object param)</a:t>
+            </a:r>
+          </a:p>
+          <a:p>
+            <a:pPr marL="0" indent="0">
+              <a:buNone/>
+            </a:pPr>
+            <a:r>
+              <a:rPr lang="en-US" dirty="0"/>
+              <a:t>{</a:t>
+            </a:r>
+          </a:p>
+          <a:p>
+            <a:pPr marL="0" indent="0">
+              <a:buNone/>
+            </a:pPr>
+            <a:r>
+              <a:rPr lang="en-US" dirty="0"/>
+              <a:t>      Person </a:t>
+            </a:r>
+            <a:r>
+              <a:rPr lang="en-US" dirty="0" err="1"/>
+              <a:t>person</a:t>
+            </a:r>
+            <a:r>
+              <a:rPr lang="en-US" dirty="0"/>
+              <a:t> = (Person) param; </a:t>
+            </a:r>
+          </a:p>
+          <a:p>
+            <a:pPr marL="0" indent="0">
+              <a:buNone/>
+            </a:pPr>
+            <a:r>
+              <a:rPr lang="en-US" dirty="0"/>
+              <a:t>      </a:t>
+            </a:r>
+            <a:r>
+              <a:rPr lang="en-US" dirty="0" err="1"/>
+              <a:t>Console.WriteLine</a:t>
+            </a:r>
+            <a:r>
+              <a:rPr lang="en-US" dirty="0"/>
+              <a:t>(</a:t>
+            </a:r>
+            <a:r>
+              <a:rPr lang="en-US" dirty="0" err="1"/>
+              <a:t>person.Name</a:t>
+            </a:r>
+            <a:r>
+              <a:rPr lang="en-US" dirty="0"/>
+              <a:t>);</a:t>
+            </a:r>
+          </a:p>
+          <a:p>
+            <a:pPr marL="0" indent="0">
+              <a:buNone/>
+            </a:pPr>
+            <a:r>
+              <a:rPr lang="en-US" dirty="0"/>
+              <a:t>      //</a:t>
+            </a:r>
+            <a:r>
+              <a:rPr lang="ru-RU" dirty="0"/>
+              <a:t>код выполнения какой-то длительной операции</a:t>
+            </a:r>
+            <a:endParaRPr lang="en-US" dirty="0"/>
+          </a:p>
+          <a:p>
+            <a:pPr marL="0" indent="0">
+              <a:buNone/>
+            </a:pPr>
+            <a:r>
+              <a:rPr lang="en-US" dirty="0"/>
+              <a:t>}</a:t>
+            </a:r>
+          </a:p>
+          <a:p>
+            <a:pPr marL="0" indent="0">
+              <a:buNone/>
+            </a:pPr>
+            <a:r>
+              <a:rPr lang="en-US" dirty="0"/>
+              <a:t>Thread t = new Thread(MakeSomeWork3);</a:t>
+            </a:r>
+          </a:p>
+          <a:p>
+            <a:pPr marL="0" indent="0">
+              <a:buNone/>
+            </a:pPr>
+            <a:r>
+              <a:rPr lang="en-US" dirty="0"/>
+              <a:t>Person p = new Person();</a:t>
+            </a:r>
+          </a:p>
+          <a:p>
+            <a:pPr marL="0" indent="0">
+              <a:buNone/>
+            </a:pPr>
+            <a:r>
+              <a:rPr lang="en-US" dirty="0" err="1"/>
+              <a:t>t.Start</a:t>
+            </a:r>
+            <a:r>
+              <a:rPr lang="en-US" dirty="0"/>
+              <a:t>(p);</a:t>
+            </a:r>
+          </a:p>
+          <a:p>
+            <a:pPr marL="0" indent="0">
+              <a:buNone/>
+            </a:pPr>
+            <a:r>
+              <a:rPr lang="en-US" dirty="0" err="1"/>
+              <a:t>t.Join</a:t>
+            </a:r>
+            <a:r>
+              <a:rPr lang="en-US" dirty="0"/>
+              <a:t>();</a:t>
+            </a:r>
+            <a:endParaRPr lang="ru-RU" dirty="0"/>
           </a:p>
         </p:txBody>
       </p:sp>
@@ -4206,7 +4380,7 @@
           <p:cNvPr id="4" name="Номер слайда 3">
             <a:extLst>
               <a:ext uri="{FF2B5EF4-FFF2-40B4-BE49-F238E27FC236}">
-                <a16:creationId xmlns:a16="http://schemas.microsoft.com/office/drawing/2014/main" id="{996EC39E-515C-4AE0-BDB3-153294AA3C8E}"/>
+                <a16:creationId xmlns:a16="http://schemas.microsoft.com/office/drawing/2014/main" id="{29297356-984D-473C-9C92-B1219153A1AB}"/>
               </a:ext>
             </a:extLst>
           </p:cNvPr>
@@ -4233,7 +4407,7 @@
     </p:spTree>
     <p:extLst>
       <p:ext uri="{BB962C8B-B14F-4D97-AF65-F5344CB8AC3E}">
-        <p14:creationId xmlns:p14="http://schemas.microsoft.com/office/powerpoint/2010/main" val="1585252818"/>
+        <p14:creationId xmlns:p14="http://schemas.microsoft.com/office/powerpoint/2010/main" val="2455007849"/>
       </p:ext>
     </p:extLst>
   </p:cSld>
@@ -4265,7 +4439,7 @@
           <p:cNvPr id="2" name="Заголовок 1">
             <a:extLst>
               <a:ext uri="{FF2B5EF4-FFF2-40B4-BE49-F238E27FC236}">
-                <a16:creationId xmlns:a16="http://schemas.microsoft.com/office/drawing/2014/main" id="{79013513-4DB7-4D2E-A02C-3FE5F93A00D7}"/>
+                <a16:creationId xmlns:a16="http://schemas.microsoft.com/office/drawing/2014/main" id="{80DEB3C6-8E32-4CA3-A70B-727E9A014E67}"/>
               </a:ext>
             </a:extLst>
           </p:cNvPr>
@@ -4284,23 +4458,30 @@
             <a:r>
               <a:rPr lang="ru-RU" b="0" i="0" dirty="0">
                 <a:effectLst/>
-                <a:latin typeface="YS Text"/>
               </a:rPr>
               <a:t>Класс </a:t>
             </a:r>
             <a:r>
               <a:rPr lang="ru-RU" b="0" i="0" dirty="0" err="1">
                 <a:effectLst/>
-                <a:latin typeface="YS Text"/>
               </a:rPr>
               <a:t>Thread</a:t>
             </a:r>
             <a:r>
               <a:rPr lang="ru-RU" b="0" i="0" dirty="0">
                 <a:effectLst/>
-                <a:latin typeface="YS Text"/>
               </a:rPr>
-              <a:t>. </a:t>
+              <a:t>. Создание </a:t>
+            </a:r>
+            <a:r>
+              <a:rPr lang="ru-RU" dirty="0"/>
+              <a:t>п</a:t>
+            </a:r>
+            <a:r>
+              <a:rPr lang="ru-RU" b="0" i="0" dirty="0">
+                <a:effectLst/>
+              </a:rPr>
+              <a:t>араметризованного потока</a:t>
             </a:r>
             <a:endParaRPr lang="ru-RU" dirty="0"/>
           </a:p>
@@ -4311,7 +4492,7 @@
           <p:cNvPr id="3" name="Объект 2">
             <a:extLst>
               <a:ext uri="{FF2B5EF4-FFF2-40B4-BE49-F238E27FC236}">
-                <a16:creationId xmlns:a16="http://schemas.microsoft.com/office/drawing/2014/main" id="{42F7AF6A-2F31-4E9A-9952-5F24E4CB693B}"/>
+                <a16:creationId xmlns:a16="http://schemas.microsoft.com/office/drawing/2014/main" id="{8AB4D5D2-0D7C-4ECE-82CC-E956DDB14A04}"/>
               </a:ext>
             </a:extLst>
           </p:cNvPr>
@@ -4325,93 +4506,130 @@
         <p:spPr/>
         <p:txBody>
           <a:bodyPr>
-            <a:normAutofit/>
+            <a:normAutofit fontScale="92500" lnSpcReduction="20000"/>
           </a:bodyPr>
           <a:lstStyle/>
           <a:p>
+            <a:pPr marL="0" indent="0">
+              <a:buNone/>
+            </a:pPr>
+            <a:r>
+              <a:rPr lang="en-US" dirty="0"/>
+              <a:t>class Person {  /*….*/  }</a:t>
+            </a:r>
+            <a:endParaRPr lang="ru-RU" dirty="0"/>
+          </a:p>
+          <a:p>
+            <a:pPr marL="0" indent="0">
+              <a:buNone/>
+            </a:pPr>
+            <a:r>
+              <a:rPr lang="en-US" dirty="0"/>
+              <a:t>static void MakeSomeWork4 (Person person)</a:t>
+            </a:r>
+          </a:p>
+          <a:p>
+            <a:pPr marL="0" indent="0">
+              <a:buNone/>
+            </a:pPr>
+            <a:r>
+              <a:rPr lang="en-US" dirty="0"/>
+              <a:t>{</a:t>
+            </a:r>
+          </a:p>
+          <a:p>
+            <a:pPr marL="0" indent="0">
+              <a:buNone/>
+            </a:pPr>
+            <a:r>
+              <a:rPr lang="en-US" dirty="0"/>
+              <a:t>      </a:t>
+            </a:r>
+            <a:r>
+              <a:rPr lang="en-US" dirty="0" err="1"/>
+              <a:t>Console.WriteLine</a:t>
+            </a:r>
+            <a:r>
+              <a:rPr lang="en-US" dirty="0"/>
+              <a:t>(</a:t>
+            </a:r>
+            <a:r>
+              <a:rPr lang="en-US" dirty="0" err="1"/>
+              <a:t>person.Name</a:t>
+            </a:r>
+            <a:r>
+              <a:rPr lang="en-US" dirty="0"/>
+              <a:t>);</a:t>
+            </a:r>
+          </a:p>
+          <a:p>
+            <a:pPr marL="0" indent="0">
+              <a:buNone/>
+            </a:pPr>
+            <a:r>
+              <a:rPr lang="en-US" dirty="0"/>
+              <a:t>      //</a:t>
+            </a:r>
             <a:r>
               <a:rPr lang="ru-RU" dirty="0"/>
-              <a:t>Создание нового потока – дорогая операция</a:t>
-            </a:r>
-          </a:p>
-          <a:p>
-            <a:r>
-              <a:rPr lang="ru-RU" dirty="0"/>
-              <a:t>Является ресурсом ОС, нужно следить за освобождением (через вызов </a:t>
-            </a:r>
+              <a:t>код выполнения какой-то длительной операции</a:t>
+            </a:r>
+            <a:endParaRPr lang="en-US" dirty="0"/>
+          </a:p>
+          <a:p>
+            <a:pPr marL="0" indent="0">
+              <a:buNone/>
+            </a:pPr>
             <a:r>
               <a:rPr lang="en-US" dirty="0"/>
-              <a:t>Dispose)</a:t>
-            </a:r>
-          </a:p>
-          <a:p>
-            <a:r>
-              <a:rPr lang="ru-RU" dirty="0"/>
-              <a:t>делятся на </a:t>
-            </a:r>
-            <a:r>
-              <a:rPr lang="ru-RU" dirty="0" err="1"/>
-              <a:t>background</a:t>
-            </a:r>
-            <a:r>
-              <a:rPr lang="ru-RU" dirty="0"/>
-              <a:t> (фоновый) и </a:t>
-            </a:r>
-            <a:r>
-              <a:rPr lang="ru-RU" dirty="0" err="1"/>
-              <a:t>foreground</a:t>
-            </a:r>
-            <a:r>
-              <a:rPr lang="ru-RU" dirty="0"/>
-              <a:t> (основные). </a:t>
-            </a:r>
+              <a:t>}</a:t>
+            </a:r>
+          </a:p>
+          <a:p>
+            <a:pPr marL="0" indent="0">
+              <a:buNone/>
+            </a:pPr>
             <a:r>
               <a:rPr lang="en-US" dirty="0"/>
-              <a:t>f</a:t>
-            </a:r>
-            <a:r>
-              <a:rPr lang="ru-RU" dirty="0" err="1"/>
-              <a:t>oreground</a:t>
-            </a:r>
-            <a:r>
-              <a:rPr lang="ru-RU" dirty="0"/>
-              <a:t>-потоки препятствуют завершению программы. Как только все </a:t>
-            </a:r>
-            <a:r>
-              <a:rPr lang="ru-RU" dirty="0" err="1"/>
-              <a:t>foreground</a:t>
-            </a:r>
-            <a:r>
-              <a:rPr lang="ru-RU" dirty="0"/>
-              <a:t>-потоки остановлены, система автоматически остановит все </a:t>
-            </a:r>
-            <a:r>
-              <a:rPr lang="ru-RU" dirty="0" err="1"/>
-              <a:t>background</a:t>
-            </a:r>
-            <a:r>
-              <a:rPr lang="ru-RU" dirty="0"/>
-              <a:t> и завершит выполнение приложения.</a:t>
-            </a:r>
+              <a:t>Person p = new Person();</a:t>
+            </a:r>
+          </a:p>
+          <a:p>
+            <a:pPr marL="0" indent="0">
+              <a:buNone/>
+            </a:pPr>
             <a:r>
               <a:rPr lang="en-US" dirty="0"/>
-              <a:t> </a:t>
+              <a:t>Thread t = new Thread( () =&gt; MakeSomeWork4(p) );</a:t>
+            </a:r>
+          </a:p>
+          <a:p>
+            <a:pPr marL="0" indent="0">
+              <a:buNone/>
+            </a:pPr>
+            <a:r>
+              <a:rPr lang="en-US" dirty="0" err="1"/>
+              <a:t>t.Start</a:t>
+            </a:r>
+            <a:r>
+              <a:rPr lang="en-US" dirty="0"/>
+              <a:t>();</a:t>
+            </a:r>
+          </a:p>
+          <a:p>
+            <a:pPr marL="0" indent="0">
+              <a:buNone/>
+            </a:pPr>
+            <a:r>
+              <a:rPr lang="en-US" dirty="0" err="1"/>
+              <a:t>t.Join</a:t>
+            </a:r>
+            <a:r>
+              <a:rPr lang="en-US" dirty="0"/>
+              <a:t>();</a:t>
             </a:r>
             <a:endParaRPr lang="ru-RU" dirty="0"/>
           </a:p>
-          <a:p>
-            <a:r>
-              <a:rPr lang="ru-RU" dirty="0"/>
-              <a:t>Для простых операций рекомендуется использовать пул потоков</a:t>
-            </a:r>
-            <a:endParaRPr lang="en-US" dirty="0"/>
-          </a:p>
-          <a:p>
-            <a:endParaRPr lang="en-US" dirty="0"/>
-          </a:p>
-          <a:p>
-            <a:endParaRPr lang="ru-RU" dirty="0"/>
-          </a:p>
         </p:txBody>
       </p:sp>
       <p:sp>
@@ -4419,7 +4637,7 @@
           <p:cNvPr id="4" name="Номер слайда 3">
             <a:extLst>
               <a:ext uri="{FF2B5EF4-FFF2-40B4-BE49-F238E27FC236}">
-                <a16:creationId xmlns:a16="http://schemas.microsoft.com/office/drawing/2014/main" id="{7BF289BB-D9CD-4106-B1A5-9B7CA75D62EA}"/>
+                <a16:creationId xmlns:a16="http://schemas.microsoft.com/office/drawing/2014/main" id="{29297356-984D-473C-9C92-B1219153A1AB}"/>
               </a:ext>
             </a:extLst>
           </p:cNvPr>
@@ -4446,7 +4664,7 @@
     </p:spTree>
     <p:extLst>
       <p:ext uri="{BB962C8B-B14F-4D97-AF65-F5344CB8AC3E}">
-        <p14:creationId xmlns:p14="http://schemas.microsoft.com/office/powerpoint/2010/main" val="3950520008"/>
+        <p14:creationId xmlns:p14="http://schemas.microsoft.com/office/powerpoint/2010/main" val="3387955158"/>
       </p:ext>
     </p:extLst>
   </p:cSld>
@@ -4478,7 +4696,7 @@
           <p:cNvPr id="2" name="Заголовок 1">
             <a:extLst>
               <a:ext uri="{FF2B5EF4-FFF2-40B4-BE49-F238E27FC236}">
-                <a16:creationId xmlns:a16="http://schemas.microsoft.com/office/drawing/2014/main" id="{6F61ABA8-F30C-4190-ACA1-B1203D07D412}"/>
+                <a16:creationId xmlns:a16="http://schemas.microsoft.com/office/drawing/2014/main" id="{6DC03A1E-EA3C-46E6-A410-B01C57FF00F1}"/>
               </a:ext>
             </a:extLst>
           </p:cNvPr>
@@ -4496,7 +4714,7 @@
           <a:p>
             <a:r>
               <a:rPr lang="ru-RU" dirty="0"/>
-              <a:t>Пул потоков</a:t>
+              <a:t>Пример – копирование файла</a:t>
             </a:r>
           </a:p>
         </p:txBody>
@@ -4506,7 +4724,7 @@
           <p:cNvPr id="3" name="Объект 2">
             <a:extLst>
               <a:ext uri="{FF2B5EF4-FFF2-40B4-BE49-F238E27FC236}">
-                <a16:creationId xmlns:a16="http://schemas.microsoft.com/office/drawing/2014/main" id="{FA0C50D5-0739-44FE-9820-D86D54D97C56}"/>
+                <a16:creationId xmlns:a16="http://schemas.microsoft.com/office/drawing/2014/main" id="{3C940A4E-DF42-4D8E-99AA-089F6F5D3323}"/>
               </a:ext>
             </a:extLst>
           </p:cNvPr>
@@ -4519,58 +4737,13 @@
         </p:nvSpPr>
         <p:spPr/>
         <p:txBody>
-          <a:bodyPr>
-            <a:normAutofit fontScale="92500" lnSpcReduction="10000"/>
-          </a:bodyPr>
-          <a:lstStyle/>
-          <a:p>
-            <a:r>
-              <a:rPr lang="ru-RU" b="0" i="0" dirty="0">
-                <a:effectLst/>
-                <a:latin typeface="YS Text"/>
-              </a:rPr>
-              <a:t>Экономия ресурсов: позволяет не создавать новые потоки каждый раз, когда они нужны, а использовать уже созданные;</a:t>
-            </a:r>
-          </a:p>
-          <a:p>
-            <a:r>
-              <a:rPr lang="ru-RU" dirty="0">
-                <a:latin typeface="YS Text"/>
-              </a:rPr>
-              <a:t>у</a:t>
-            </a:r>
-            <a:r>
-              <a:rPr lang="ru-RU" b="0" i="0" dirty="0">
-                <a:effectLst/>
-                <a:latin typeface="YS Text"/>
-              </a:rPr>
-              <a:t>правление временем жизни потоков: пул управляет временем жизни потоков, автоматически уничтожая те, которые не используются, и создавая новые при необходимости. Предотвращает утечки памяти и повышает производительность;</a:t>
-            </a:r>
-          </a:p>
-          <a:p>
-            <a:r>
-              <a:rPr lang="ru-RU" dirty="0">
-                <a:latin typeface="YS Text"/>
-              </a:rPr>
-              <a:t>р</a:t>
-            </a:r>
-            <a:r>
-              <a:rPr lang="ru-RU" b="0" i="0" dirty="0">
-                <a:effectLst/>
-                <a:latin typeface="YS Text"/>
-              </a:rPr>
-              <a:t>аспределение нагрузки: пул может распределять нагрузку между потоками, что позволяет более эффективно использовать ресурсы процессора и ускорить выполнение задач;</a:t>
-            </a:r>
-          </a:p>
-          <a:p>
-            <a:r>
-              <a:rPr lang="ru-RU" b="0" i="0" dirty="0">
-                <a:effectLst/>
-                <a:latin typeface="YS Text"/>
-              </a:rPr>
-              <a:t>упрощение кода: разработчикам не нужно заботиться о создании, уничтожении и управлении потоками.</a:t>
-            </a:r>
-            <a:endParaRPr lang="ru-RU" dirty="0"/>
+          <a:bodyPr/>
+          <a:lstStyle/>
+          <a:p>
+            <a:r>
+              <a:rPr lang="ru-RU" dirty="0"/>
+              <a:t>…</a:t>
+            </a:r>
           </a:p>
         </p:txBody>
       </p:sp>
@@ -4579,7 +4752,7 @@
           <p:cNvPr id="4" name="Номер слайда 3">
             <a:extLst>
               <a:ext uri="{FF2B5EF4-FFF2-40B4-BE49-F238E27FC236}">
-                <a16:creationId xmlns:a16="http://schemas.microsoft.com/office/drawing/2014/main" id="{E5EC97BF-F77B-431B-906F-7580C61D426A}"/>
+                <a16:creationId xmlns:a16="http://schemas.microsoft.com/office/drawing/2014/main" id="{996EC39E-515C-4AE0-BDB3-153294AA3C8E}"/>
               </a:ext>
             </a:extLst>
           </p:cNvPr>
@@ -4606,7 +4779,7 @@
     </p:spTree>
     <p:extLst>
       <p:ext uri="{BB962C8B-B14F-4D97-AF65-F5344CB8AC3E}">
-        <p14:creationId xmlns:p14="http://schemas.microsoft.com/office/powerpoint/2010/main" val="3418387891"/>
+        <p14:creationId xmlns:p14="http://schemas.microsoft.com/office/powerpoint/2010/main" val="1585252818"/>
       </p:ext>
     </p:extLst>
   </p:cSld>
@@ -4635,10 +4808,122 @@
       </p:grpSpPr>
       <p:sp>
         <p:nvSpPr>
+          <p:cNvPr id="2" name="Заголовок 1">
+            <a:extLst>
+              <a:ext uri="{FF2B5EF4-FFF2-40B4-BE49-F238E27FC236}">
+                <a16:creationId xmlns:a16="http://schemas.microsoft.com/office/drawing/2014/main" id="{A97BD9C6-8956-4AFA-ABE5-1EA7B5515CBC}"/>
+              </a:ext>
+            </a:extLst>
+          </p:cNvPr>
+          <p:cNvSpPr>
+            <a:spLocks noGrp="1"/>
+          </p:cNvSpPr>
+          <p:nvPr>
+            <p:ph type="title"/>
+          </p:nvPr>
+        </p:nvSpPr>
+        <p:spPr/>
+        <p:txBody>
+          <a:bodyPr/>
+          <a:lstStyle/>
+          <a:p>
+            <a:r>
+              <a:rPr lang="ru-RU" dirty="0"/>
+              <a:t>Проблема синхронизации</a:t>
+            </a:r>
+          </a:p>
+        </p:txBody>
+      </p:sp>
+      <p:sp>
+        <p:nvSpPr>
+          <p:cNvPr id="3" name="Объект 2">
+            <a:extLst>
+              <a:ext uri="{FF2B5EF4-FFF2-40B4-BE49-F238E27FC236}">
+                <a16:creationId xmlns:a16="http://schemas.microsoft.com/office/drawing/2014/main" id="{6E65A721-56D3-405D-A6CC-3413C18AB586}"/>
+              </a:ext>
+            </a:extLst>
+          </p:cNvPr>
+          <p:cNvSpPr>
+            <a:spLocks noGrp="1"/>
+          </p:cNvSpPr>
+          <p:nvPr>
+            <p:ph idx="1"/>
+          </p:nvPr>
+        </p:nvSpPr>
+        <p:spPr/>
+        <p:txBody>
+          <a:bodyPr>
+            <a:normAutofit lnSpcReduction="10000"/>
+          </a:bodyPr>
+          <a:lstStyle/>
+          <a:p>
+            <a:pPr marL="0" indent="0">
+              <a:buNone/>
+            </a:pPr>
+            <a:r>
+              <a:rPr lang="ru-RU" dirty="0"/>
+              <a:t>Пусть есть некоторое приложение, работающее со счетами клиентов, для чего выполняется 3 действия:</a:t>
+            </a:r>
+          </a:p>
+          <a:p>
+            <a:pPr marL="514350" indent="-514350">
+              <a:buFont typeface="+mj-lt"/>
+              <a:buAutoNum type="arabicPeriod"/>
+            </a:pPr>
+            <a:r>
+              <a:rPr lang="ru-RU" dirty="0"/>
+              <a:t>Прочитать из БД запись о клиенте</a:t>
+            </a:r>
+          </a:p>
+          <a:p>
+            <a:pPr marL="514350" indent="-514350">
+              <a:buFont typeface="+mj-lt"/>
+              <a:buAutoNum type="arabicPeriod"/>
+            </a:pPr>
+            <a:r>
+              <a:rPr lang="ru-RU" dirty="0"/>
+              <a:t>Изменить значение некоторого поля</a:t>
+            </a:r>
+          </a:p>
+          <a:p>
+            <a:pPr marL="514350" indent="-514350">
+              <a:buFont typeface="+mj-lt"/>
+              <a:buAutoNum type="arabicPeriod"/>
+            </a:pPr>
+            <a:r>
+              <a:rPr lang="ru-RU" dirty="0"/>
+              <a:t>Записать модифицированную запись в БД</a:t>
+            </a:r>
+          </a:p>
+          <a:p>
+            <a:pPr marL="0" indent="0">
+              <a:buNone/>
+            </a:pPr>
+            <a:r>
+              <a:rPr lang="ru-RU" dirty="0"/>
+              <a:t>Допустим, оно позволяет параллельно принимать и обрабатывать запросы по одному клиенту, в разных потоках. </a:t>
+            </a:r>
+          </a:p>
+          <a:p>
+            <a:pPr marL="0" indent="0">
+              <a:buNone/>
+            </a:pPr>
+            <a:r>
+              <a:rPr lang="ru-RU" dirty="0"/>
+              <a:t>Если в один момент времени пришли задачи на зачисление 3к рублей, и 5к рублей, какая сумма, с учетом вышеизложенного алгоритма, окажется на счете?</a:t>
+            </a:r>
+          </a:p>
+          <a:p>
+            <a:endParaRPr lang="ru-RU" dirty="0"/>
+          </a:p>
+        </p:txBody>
+      </p:sp>
+      <p:sp>
+        <p:nvSpPr>
           <p:cNvPr id="4" name="Номер слайда 3">
             <a:extLst>
               <a:ext uri="{FF2B5EF4-FFF2-40B4-BE49-F238E27FC236}">
-                <a16:creationId xmlns:a16="http://schemas.microsoft.com/office/drawing/2014/main" id="{85B8844E-54F3-4CE5-A4C2-3182D71BA2CA}"/>
+                <a16:creationId xmlns:a16="http://schemas.microsoft.com/office/drawing/2014/main" id="{237BFCD2-EE00-4746-B2D0-C25D5183A6E5}"/>
               </a:ext>
             </a:extLst>
           </p:cNvPr>
@@ -4657,6 +4942,2784 @@
             <a:fld id="{227C91C0-7371-407B-9696-36B720B1D03F}" type="slidenum">
               <a:rPr lang="ru-RU" smtClean="0"/>
               <a:t>14</a:t>
+            </a:fld>
+            <a:endParaRPr lang="ru-RU"/>
+          </a:p>
+        </p:txBody>
+      </p:sp>
+    </p:spTree>
+    <p:extLst>
+      <p:ext uri="{BB962C8B-B14F-4D97-AF65-F5344CB8AC3E}">
+        <p14:creationId xmlns:p14="http://schemas.microsoft.com/office/powerpoint/2010/main" val="1689429173"/>
+      </p:ext>
+    </p:extLst>
+  </p:cSld>
+  <p:clrMapOvr>
+    <a:masterClrMapping/>
+  </p:clrMapOvr>
+</p:sld>
+</file>
+
+<file path=ppt/slides/slide15.xml><?xml version="1.0" encoding="utf-8"?>
+<p:sld xmlns:a="http://schemas.openxmlformats.org/drawingml/2006/main" xmlns:r="http://schemas.openxmlformats.org/officeDocument/2006/relationships" xmlns:p="http://schemas.openxmlformats.org/presentationml/2006/main">
+  <p:cSld>
+    <p:spTree>
+      <p:nvGrpSpPr>
+        <p:cNvPr id="1" name=""/>
+        <p:cNvGrpSpPr/>
+        <p:nvPr/>
+      </p:nvGrpSpPr>
+      <p:grpSpPr>
+        <a:xfrm>
+          <a:off x="0" y="0"/>
+          <a:ext cx="0" cy="0"/>
+          <a:chOff x="0" y="0"/>
+          <a:chExt cx="0" cy="0"/>
+        </a:xfrm>
+      </p:grpSpPr>
+      <p:sp>
+        <p:nvSpPr>
+          <p:cNvPr id="2" name="Заголовок 1">
+            <a:extLst>
+              <a:ext uri="{FF2B5EF4-FFF2-40B4-BE49-F238E27FC236}">
+                <a16:creationId xmlns:a16="http://schemas.microsoft.com/office/drawing/2014/main" id="{DA9F83C9-8C08-4994-A9D1-8182CF99480D}"/>
+              </a:ext>
+            </a:extLst>
+          </p:cNvPr>
+          <p:cNvSpPr>
+            <a:spLocks noGrp="1"/>
+          </p:cNvSpPr>
+          <p:nvPr>
+            <p:ph type="title"/>
+          </p:nvPr>
+        </p:nvSpPr>
+        <p:spPr/>
+        <p:txBody>
+          <a:bodyPr/>
+          <a:lstStyle/>
+          <a:p>
+            <a:r>
+              <a:rPr lang="ru-RU" dirty="0"/>
+              <a:t>Проблема синхронизации</a:t>
+            </a:r>
+          </a:p>
+        </p:txBody>
+      </p:sp>
+      <p:sp>
+        <p:nvSpPr>
+          <p:cNvPr id="3" name="Объект 2">
+            <a:extLst>
+              <a:ext uri="{FF2B5EF4-FFF2-40B4-BE49-F238E27FC236}">
+                <a16:creationId xmlns:a16="http://schemas.microsoft.com/office/drawing/2014/main" id="{377842EB-110C-4BBE-A56D-FAE37A330BBF}"/>
+              </a:ext>
+            </a:extLst>
+          </p:cNvPr>
+          <p:cNvSpPr>
+            <a:spLocks noGrp="1"/>
+          </p:cNvSpPr>
+          <p:nvPr>
+            <p:ph idx="1"/>
+          </p:nvPr>
+        </p:nvSpPr>
+        <p:spPr/>
+        <p:txBody>
+          <a:bodyPr>
+            <a:normAutofit fontScale="92500" lnSpcReduction="20000"/>
+          </a:bodyPr>
+          <a:lstStyle/>
+          <a:p>
+            <a:pPr>
+              <a:buNone/>
+            </a:pPr>
+            <a:r>
+              <a:rPr lang="en-US" sz="2800" dirty="0">
+                <a:latin typeface="Consolas" pitchFamily="49" charset="0"/>
+                <a:cs typeface="Consolas" pitchFamily="49" charset="0"/>
+              </a:rPr>
+              <a:t>void </a:t>
+            </a:r>
+            <a:r>
+              <a:rPr lang="en-US" sz="2800" dirty="0" err="1">
+                <a:latin typeface="Consolas" pitchFamily="49" charset="0"/>
+                <a:cs typeface="Consolas" pitchFamily="49" charset="0"/>
+              </a:rPr>
+              <a:t>AddMoney</a:t>
+            </a:r>
+            <a:r>
+              <a:rPr lang="en-US" sz="2800" dirty="0">
+                <a:latin typeface="Consolas" pitchFamily="49" charset="0"/>
+                <a:cs typeface="Consolas" pitchFamily="49" charset="0"/>
+              </a:rPr>
+              <a:t>(int account, int amount) {</a:t>
+            </a:r>
+          </a:p>
+          <a:p>
+            <a:pPr>
+              <a:buNone/>
+            </a:pPr>
+            <a:r>
+              <a:rPr lang="en-US" sz="2800" dirty="0">
+                <a:latin typeface="Consolas" pitchFamily="49" charset="0"/>
+                <a:cs typeface="Consolas" pitchFamily="49" charset="0"/>
+              </a:rPr>
+              <a:t>	  // </a:t>
+            </a:r>
+            <a:r>
+              <a:rPr lang="ru-RU" sz="2800" dirty="0">
+                <a:latin typeface="Consolas" pitchFamily="49" charset="0"/>
+                <a:cs typeface="Consolas" pitchFamily="49" charset="0"/>
+              </a:rPr>
+              <a:t>чтение</a:t>
+            </a:r>
+            <a:r>
+              <a:rPr lang="en-US" sz="2800" dirty="0">
+                <a:latin typeface="Consolas" pitchFamily="49" charset="0"/>
+                <a:cs typeface="Consolas" pitchFamily="49" charset="0"/>
+              </a:rPr>
+              <a:t>:</a:t>
+            </a:r>
+          </a:p>
+          <a:p>
+            <a:pPr>
+              <a:buNone/>
+            </a:pPr>
+            <a:r>
+              <a:rPr lang="en-US" sz="2800" dirty="0">
+                <a:latin typeface="Consolas" pitchFamily="49" charset="0"/>
+                <a:cs typeface="Consolas" pitchFamily="49" charset="0"/>
+              </a:rPr>
+              <a:t>    int balance = </a:t>
+            </a:r>
+            <a:r>
+              <a:rPr lang="en-US" sz="2800" dirty="0" err="1">
+                <a:latin typeface="Consolas" pitchFamily="49" charset="0"/>
+                <a:cs typeface="Consolas" pitchFamily="49" charset="0"/>
+              </a:rPr>
+              <a:t>GetBalance</a:t>
+            </a:r>
+            <a:r>
+              <a:rPr lang="en-US" sz="2800" dirty="0">
+                <a:latin typeface="Consolas" pitchFamily="49" charset="0"/>
+                <a:cs typeface="Consolas" pitchFamily="49" charset="0"/>
+              </a:rPr>
+              <a:t>(account);</a:t>
+            </a:r>
+            <a:endParaRPr lang="ru-RU" sz="2800" dirty="0">
+              <a:latin typeface="Consolas" pitchFamily="49" charset="0"/>
+              <a:cs typeface="Consolas" pitchFamily="49" charset="0"/>
+            </a:endParaRPr>
+          </a:p>
+          <a:p>
+            <a:pPr>
+              <a:buNone/>
+            </a:pPr>
+            <a:r>
+              <a:rPr lang="ru-RU" sz="2800" dirty="0">
+                <a:latin typeface="Consolas" pitchFamily="49" charset="0"/>
+                <a:cs typeface="Consolas" pitchFamily="49" charset="0"/>
+              </a:rPr>
+              <a:t> </a:t>
+            </a:r>
+            <a:r>
+              <a:rPr lang="en-US" sz="2800" dirty="0">
+                <a:latin typeface="Consolas" pitchFamily="49" charset="0"/>
+                <a:cs typeface="Consolas" pitchFamily="49" charset="0"/>
+              </a:rPr>
+              <a:t>   // </a:t>
+            </a:r>
+            <a:r>
+              <a:rPr lang="ru-RU" sz="2800" dirty="0">
+                <a:latin typeface="Consolas" pitchFamily="49" charset="0"/>
+                <a:cs typeface="Consolas" pitchFamily="49" charset="0"/>
+              </a:rPr>
+              <a:t>изменение</a:t>
+            </a:r>
+            <a:r>
+              <a:rPr lang="en-US" sz="2800" dirty="0">
+                <a:latin typeface="Consolas" pitchFamily="49" charset="0"/>
+                <a:cs typeface="Consolas" pitchFamily="49" charset="0"/>
+              </a:rPr>
+              <a:t>  </a:t>
+            </a:r>
+          </a:p>
+          <a:p>
+            <a:pPr>
+              <a:buNone/>
+            </a:pPr>
+            <a:r>
+              <a:rPr lang="en-US" sz="2800" dirty="0">
+                <a:latin typeface="Consolas" pitchFamily="49" charset="0"/>
+                <a:cs typeface="Consolas" pitchFamily="49" charset="0"/>
+              </a:rPr>
+              <a:t>    balance </a:t>
+            </a:r>
+            <a:r>
+              <a:rPr lang="ru-RU" sz="2800" dirty="0">
+                <a:latin typeface="Consolas" pitchFamily="49" charset="0"/>
+                <a:cs typeface="Consolas" pitchFamily="49" charset="0"/>
+              </a:rPr>
+              <a:t>+</a:t>
+            </a:r>
+            <a:r>
+              <a:rPr lang="en-US" sz="2800" dirty="0">
+                <a:latin typeface="Consolas" pitchFamily="49" charset="0"/>
+                <a:cs typeface="Consolas" pitchFamily="49" charset="0"/>
+              </a:rPr>
+              <a:t>= amount; </a:t>
+            </a:r>
+            <a:r>
+              <a:rPr lang="ru-RU" sz="2800" dirty="0">
+                <a:latin typeface="Consolas" pitchFamily="49" charset="0"/>
+                <a:cs typeface="Consolas" pitchFamily="49" charset="0"/>
+              </a:rPr>
+              <a:t>          </a:t>
+            </a:r>
+            <a:endParaRPr lang="en-US" sz="2800" dirty="0">
+              <a:latin typeface="Consolas" pitchFamily="49" charset="0"/>
+              <a:cs typeface="Consolas" pitchFamily="49" charset="0"/>
+            </a:endParaRPr>
+          </a:p>
+          <a:p>
+            <a:pPr>
+              <a:buNone/>
+            </a:pPr>
+            <a:r>
+              <a:rPr lang="en-US" sz="2800" dirty="0">
+                <a:latin typeface="Consolas" pitchFamily="49" charset="0"/>
+                <a:cs typeface="Consolas" pitchFamily="49" charset="0"/>
+              </a:rPr>
+              <a:t>    // </a:t>
+            </a:r>
+            <a:r>
+              <a:rPr lang="ru-RU" sz="2800" dirty="0">
+                <a:latin typeface="Consolas" pitchFamily="49" charset="0"/>
+                <a:cs typeface="Consolas" pitchFamily="49" charset="0"/>
+              </a:rPr>
+              <a:t>запись</a:t>
+            </a:r>
+            <a:r>
+              <a:rPr lang="en-US" sz="2800" dirty="0">
+                <a:latin typeface="Consolas" pitchFamily="49" charset="0"/>
+                <a:cs typeface="Consolas" pitchFamily="49" charset="0"/>
+              </a:rPr>
+              <a:t>:</a:t>
+            </a:r>
+          </a:p>
+          <a:p>
+            <a:pPr>
+              <a:buNone/>
+            </a:pPr>
+            <a:r>
+              <a:rPr lang="en-US" sz="2800" dirty="0">
+                <a:latin typeface="Consolas" pitchFamily="49" charset="0"/>
+                <a:cs typeface="Consolas" pitchFamily="49" charset="0"/>
+              </a:rPr>
+              <a:t>    </a:t>
+            </a:r>
+            <a:r>
+              <a:rPr lang="en-US" sz="2800" dirty="0" err="1">
+                <a:latin typeface="Consolas" pitchFamily="49" charset="0"/>
+                <a:cs typeface="Consolas" pitchFamily="49" charset="0"/>
+              </a:rPr>
+              <a:t>SetBalance</a:t>
+            </a:r>
+            <a:r>
+              <a:rPr lang="en-US" sz="2800" dirty="0">
+                <a:latin typeface="Consolas" pitchFamily="49" charset="0"/>
+                <a:cs typeface="Consolas" pitchFamily="49" charset="0"/>
+              </a:rPr>
+              <a:t>(account, balance); </a:t>
+            </a:r>
+            <a:r>
+              <a:rPr lang="ru-RU" sz="2800" dirty="0">
+                <a:latin typeface="Consolas" pitchFamily="49" charset="0"/>
+                <a:cs typeface="Consolas" pitchFamily="49" charset="0"/>
+              </a:rPr>
+              <a:t>     </a:t>
+            </a:r>
+          </a:p>
+          <a:p>
+            <a:pPr>
+              <a:buNone/>
+            </a:pPr>
+            <a:r>
+              <a:rPr lang="ru-RU" sz="2800" dirty="0">
+                <a:latin typeface="Consolas" pitchFamily="49" charset="0"/>
+                <a:cs typeface="Consolas" pitchFamily="49" charset="0"/>
+              </a:rPr>
+              <a:t>  </a:t>
+            </a:r>
+            <a:r>
+              <a:rPr lang="en-US" sz="2800" dirty="0">
+                <a:latin typeface="Consolas" pitchFamily="49" charset="0"/>
+                <a:cs typeface="Consolas" pitchFamily="49" charset="0"/>
+              </a:rPr>
+              <a:t>  </a:t>
+            </a:r>
+            <a:r>
+              <a:rPr lang="en-US" sz="2800" dirty="0" err="1">
+                <a:latin typeface="Consolas" pitchFamily="49" charset="0"/>
+                <a:cs typeface="Consolas" pitchFamily="49" charset="0"/>
+              </a:rPr>
+              <a:t>GiveCashToUser</a:t>
+            </a:r>
+            <a:r>
+              <a:rPr lang="en-US" sz="2800" dirty="0">
+                <a:latin typeface="Consolas" pitchFamily="49" charset="0"/>
+                <a:cs typeface="Consolas" pitchFamily="49" charset="0"/>
+              </a:rPr>
+              <a:t>();</a:t>
+            </a:r>
+            <a:endParaRPr lang="ru-RU" sz="2800" dirty="0">
+              <a:latin typeface="Consolas" pitchFamily="49" charset="0"/>
+              <a:cs typeface="Consolas" pitchFamily="49" charset="0"/>
+            </a:endParaRPr>
+          </a:p>
+          <a:p>
+            <a:pPr>
+              <a:buNone/>
+            </a:pPr>
+            <a:r>
+              <a:rPr lang="en-US" sz="2800" dirty="0">
+                <a:latin typeface="Consolas" pitchFamily="49" charset="0"/>
+                <a:cs typeface="Consolas" pitchFamily="49" charset="0"/>
+              </a:rPr>
+              <a:t>}</a:t>
+            </a:r>
+            <a:endParaRPr lang="ru-RU" sz="2800" dirty="0">
+              <a:latin typeface="Consolas" pitchFamily="49" charset="0"/>
+              <a:cs typeface="Consolas" pitchFamily="49" charset="0"/>
+            </a:endParaRPr>
+          </a:p>
+          <a:p>
+            <a:pPr>
+              <a:buNone/>
+            </a:pPr>
+            <a:r>
+              <a:rPr lang="ru-RU" sz="2800" dirty="0">
+                <a:latin typeface="Consolas" pitchFamily="49" charset="0"/>
+                <a:cs typeface="Consolas" pitchFamily="49" charset="0"/>
+              </a:rPr>
+              <a:t>Какие проблемы могут возникнуть при выполнении этого кода в многопоточной среде?</a:t>
+            </a:r>
+          </a:p>
+          <a:p>
+            <a:endParaRPr lang="ru-RU" dirty="0"/>
+          </a:p>
+        </p:txBody>
+      </p:sp>
+      <p:sp>
+        <p:nvSpPr>
+          <p:cNvPr id="4" name="Номер слайда 3">
+            <a:extLst>
+              <a:ext uri="{FF2B5EF4-FFF2-40B4-BE49-F238E27FC236}">
+                <a16:creationId xmlns:a16="http://schemas.microsoft.com/office/drawing/2014/main" id="{4F5BBB3A-EFE9-4100-947E-7EEB543EEF9E}"/>
+              </a:ext>
+            </a:extLst>
+          </p:cNvPr>
+          <p:cNvSpPr>
+            <a:spLocks noGrp="1"/>
+          </p:cNvSpPr>
+          <p:nvPr>
+            <p:ph type="sldNum" sz="quarter" idx="12"/>
+          </p:nvPr>
+        </p:nvSpPr>
+        <p:spPr/>
+        <p:txBody>
+          <a:bodyPr/>
+          <a:lstStyle/>
+          <a:p>
+            <a:fld id="{227C91C0-7371-407B-9696-36B720B1D03F}" type="slidenum">
+              <a:rPr lang="ru-RU" smtClean="0"/>
+              <a:t>15</a:t>
+            </a:fld>
+            <a:endParaRPr lang="ru-RU"/>
+          </a:p>
+        </p:txBody>
+      </p:sp>
+    </p:spTree>
+    <p:extLst>
+      <p:ext uri="{BB962C8B-B14F-4D97-AF65-F5344CB8AC3E}">
+        <p14:creationId xmlns:p14="http://schemas.microsoft.com/office/powerpoint/2010/main" val="3284588864"/>
+      </p:ext>
+    </p:extLst>
+  </p:cSld>
+  <p:clrMapOvr>
+    <a:masterClrMapping/>
+  </p:clrMapOvr>
+</p:sld>
+</file>
+
+<file path=ppt/slides/slide16.xml><?xml version="1.0" encoding="utf-8"?>
+<p:sld xmlns:a="http://schemas.openxmlformats.org/drawingml/2006/main" xmlns:r="http://schemas.openxmlformats.org/officeDocument/2006/relationships" xmlns:p="http://schemas.openxmlformats.org/presentationml/2006/main">
+  <p:cSld>
+    <p:spTree>
+      <p:nvGrpSpPr>
+        <p:cNvPr id="1" name=""/>
+        <p:cNvGrpSpPr/>
+        <p:nvPr/>
+      </p:nvGrpSpPr>
+      <p:grpSpPr>
+        <a:xfrm>
+          <a:off x="0" y="0"/>
+          <a:ext cx="0" cy="0"/>
+          <a:chOff x="0" y="0"/>
+          <a:chExt cx="0" cy="0"/>
+        </a:xfrm>
+      </p:grpSpPr>
+      <p:sp>
+        <p:nvSpPr>
+          <p:cNvPr id="4" name="Номер слайда 3">
+            <a:extLst>
+              <a:ext uri="{FF2B5EF4-FFF2-40B4-BE49-F238E27FC236}">
+                <a16:creationId xmlns:a16="http://schemas.microsoft.com/office/drawing/2014/main" id="{8A72473D-5DB0-4689-97C3-74D2DF4D94F6}"/>
+              </a:ext>
+            </a:extLst>
+          </p:cNvPr>
+          <p:cNvSpPr>
+            <a:spLocks noGrp="1"/>
+          </p:cNvSpPr>
+          <p:nvPr>
+            <p:ph type="sldNum" sz="quarter" idx="12"/>
+          </p:nvPr>
+        </p:nvSpPr>
+        <p:spPr/>
+        <p:txBody>
+          <a:bodyPr/>
+          <a:lstStyle/>
+          <a:p>
+            <a:fld id="{227C91C0-7371-407B-9696-36B720B1D03F}" type="slidenum">
+              <a:rPr lang="ru-RU" smtClean="0"/>
+              <a:t>16</a:t>
+            </a:fld>
+            <a:endParaRPr lang="ru-RU"/>
+          </a:p>
+        </p:txBody>
+      </p:sp>
+      <p:sp>
+        <p:nvSpPr>
+          <p:cNvPr id="5" name="Заголовок 1">
+            <a:extLst>
+              <a:ext uri="{FF2B5EF4-FFF2-40B4-BE49-F238E27FC236}">
+                <a16:creationId xmlns:a16="http://schemas.microsoft.com/office/drawing/2014/main" id="{ED053934-E65A-4BA3-9994-3D66ACF65440}"/>
+              </a:ext>
+            </a:extLst>
+          </p:cNvPr>
+          <p:cNvSpPr txBox="1">
+            <a:spLocks/>
+          </p:cNvSpPr>
+          <p:nvPr/>
+        </p:nvSpPr>
+        <p:spPr>
+          <a:xfrm>
+            <a:off x="457200" y="274638"/>
+            <a:ext cx="8229600" cy="1143000"/>
+          </a:xfrm>
+          <a:prstGeom prst="rect">
+            <a:avLst/>
+          </a:prstGeom>
+        </p:spPr>
+        <p:txBody>
+          <a:bodyPr vert="horz" lIns="91440" tIns="45720" rIns="91440" bIns="45720" rtlCol="0" anchor="ctr">
+            <a:normAutofit fontScale="90000" lnSpcReduction="10000"/>
+          </a:bodyPr>
+          <a:lstStyle>
+            <a:lvl1pPr algn="l" defTabSz="914400" rtl="0" eaLnBrk="1" latinLnBrk="0" hangingPunct="1">
+              <a:lnSpc>
+                <a:spcPct val="90000"/>
+              </a:lnSpc>
+              <a:spcBef>
+                <a:spcPct val="0"/>
+              </a:spcBef>
+              <a:buNone/>
+              <a:defRPr sz="4400" kern="1200">
+                <a:solidFill>
+                  <a:schemeClr val="tx1"/>
+                </a:solidFill>
+                <a:latin typeface="+mj-lt"/>
+                <a:ea typeface="+mj-ea"/>
+                <a:cs typeface="+mj-cs"/>
+              </a:defRPr>
+            </a:lvl1pPr>
+          </a:lstStyle>
+          <a:p>
+            <a:r>
+              <a:rPr lang="ru-RU"/>
+              <a:t>Диаграммы выполнения многопоточного приложения</a:t>
+            </a:r>
+            <a:endParaRPr lang="ru-RU" dirty="0"/>
+          </a:p>
+        </p:txBody>
+      </p:sp>
+      <p:pic>
+        <p:nvPicPr>
+          <p:cNvPr id="6" name="Picture 3">
+            <a:extLst>
+              <a:ext uri="{FF2B5EF4-FFF2-40B4-BE49-F238E27FC236}">
+                <a16:creationId xmlns:a16="http://schemas.microsoft.com/office/drawing/2014/main" id="{87F5FE36-E923-4BD6-A6E7-007F3B617C9F}"/>
+              </a:ext>
+            </a:extLst>
+          </p:cNvPr>
+          <p:cNvPicPr>
+            <a:picLocks noChangeAspect="1" noChangeArrowheads="1"/>
+          </p:cNvPicPr>
+          <p:nvPr/>
+        </p:nvPicPr>
+        <p:blipFill>
+          <a:blip r:embed="rId2" cstate="print"/>
+          <a:srcRect/>
+          <a:stretch>
+            <a:fillRect/>
+          </a:stretch>
+        </p:blipFill>
+        <p:spPr bwMode="auto">
+          <a:xfrm>
+            <a:off x="457200" y="1453370"/>
+            <a:ext cx="9816027" cy="4902980"/>
+          </a:xfrm>
+          <a:prstGeom prst="rect">
+            <a:avLst/>
+          </a:prstGeom>
+          <a:noFill/>
+          <a:ln w="9525">
+            <a:noFill/>
+            <a:miter lim="800000"/>
+            <a:headEnd/>
+            <a:tailEnd/>
+          </a:ln>
+        </p:spPr>
+      </p:pic>
+    </p:spTree>
+    <p:extLst>
+      <p:ext uri="{BB962C8B-B14F-4D97-AF65-F5344CB8AC3E}">
+        <p14:creationId xmlns:p14="http://schemas.microsoft.com/office/powerpoint/2010/main" val="765168175"/>
+      </p:ext>
+    </p:extLst>
+  </p:cSld>
+  <p:clrMapOvr>
+    <a:masterClrMapping/>
+  </p:clrMapOvr>
+</p:sld>
+</file>
+
+<file path=ppt/slides/slide17.xml><?xml version="1.0" encoding="utf-8"?>
+<p:sld xmlns:a="http://schemas.openxmlformats.org/drawingml/2006/main" xmlns:r="http://schemas.openxmlformats.org/officeDocument/2006/relationships" xmlns:p="http://schemas.openxmlformats.org/presentationml/2006/main">
+  <p:cSld>
+    <p:spTree>
+      <p:nvGrpSpPr>
+        <p:cNvPr id="1" name=""/>
+        <p:cNvGrpSpPr/>
+        <p:nvPr/>
+      </p:nvGrpSpPr>
+      <p:grpSpPr>
+        <a:xfrm>
+          <a:off x="0" y="0"/>
+          <a:ext cx="0" cy="0"/>
+          <a:chOff x="0" y="0"/>
+          <a:chExt cx="0" cy="0"/>
+        </a:xfrm>
+      </p:grpSpPr>
+      <p:sp>
+        <p:nvSpPr>
+          <p:cNvPr id="2" name="Заголовок 1"/>
+          <p:cNvSpPr>
+            <a:spLocks noGrp="1"/>
+          </p:cNvSpPr>
+          <p:nvPr>
+            <p:ph type="title"/>
+          </p:nvPr>
+        </p:nvSpPr>
+        <p:spPr>
+          <a:xfrm>
+            <a:off x="569205" y="136525"/>
+            <a:ext cx="9648267" cy="1143000"/>
+          </a:xfrm>
+        </p:spPr>
+        <p:txBody>
+          <a:bodyPr/>
+          <a:lstStyle/>
+          <a:p>
+            <a:r>
+              <a:rPr lang="ru-RU" dirty="0"/>
+              <a:t>Критические области (секции)</a:t>
+            </a:r>
+          </a:p>
+        </p:txBody>
+      </p:sp>
+      <p:sp>
+        <p:nvSpPr>
+          <p:cNvPr id="3" name="Содержимое 2"/>
+          <p:cNvSpPr>
+            <a:spLocks noGrp="1"/>
+          </p:cNvSpPr>
+          <p:nvPr>
+            <p:ph idx="1"/>
+          </p:nvPr>
+        </p:nvSpPr>
+        <p:spPr>
+          <a:xfrm>
+            <a:off x="572877" y="1268760"/>
+            <a:ext cx="11049918" cy="5184576"/>
+          </a:xfrm>
+        </p:spPr>
+        <p:txBody>
+          <a:bodyPr>
+            <a:normAutofit/>
+          </a:bodyPr>
+          <a:lstStyle/>
+          <a:p>
+            <a:r>
+              <a:rPr lang="ru-RU" dirty="0"/>
+              <a:t>Последовательность инструкций, одновременное выполнение которой может привести к неправильным результатам называется критической секцией</a:t>
+            </a:r>
+          </a:p>
+          <a:p>
+            <a:r>
+              <a:rPr lang="ru-RU" dirty="0"/>
+              <a:t>В каких случаях возникают критические секции?</a:t>
+            </a:r>
+          </a:p>
+          <a:p>
+            <a:pPr lvl="1"/>
+            <a:r>
+              <a:rPr lang="ru-RU" dirty="0"/>
+              <a:t>В одновременно выполняемом коде</a:t>
+            </a:r>
+          </a:p>
+          <a:p>
+            <a:pPr lvl="1"/>
+            <a:r>
+              <a:rPr lang="ru-RU" dirty="0"/>
+              <a:t>Действия прочитать-изменить-записать</a:t>
+            </a:r>
+          </a:p>
+          <a:p>
+            <a:pPr lvl="1"/>
+            <a:r>
+              <a:rPr lang="ru-RU" dirty="0"/>
+              <a:t>Общая переменная</a:t>
+            </a:r>
+            <a:r>
+              <a:rPr lang="en-US" dirty="0"/>
+              <a:t> (</a:t>
+            </a:r>
+            <a:r>
+              <a:rPr lang="ru-RU" dirty="0"/>
+              <a:t>глобальные и выделенные из кучи переменные)</a:t>
+            </a:r>
+          </a:p>
+          <a:p>
+            <a:r>
+              <a:rPr lang="ru-RU" dirty="0"/>
+              <a:t>Т.о. взаимное исключение (</a:t>
+            </a:r>
+            <a:r>
+              <a:rPr lang="en-US" dirty="0"/>
+              <a:t>mutual exclusion)</a:t>
+            </a:r>
+            <a:r>
+              <a:rPr lang="ru-RU" dirty="0"/>
+              <a:t> между двумя критическими секциями достаточно для корректного исполнения</a:t>
+            </a:r>
+          </a:p>
+          <a:p>
+            <a:r>
+              <a:rPr lang="ru-RU" dirty="0"/>
+              <a:t>Один из способов гарантировать взаимное исключение – использовать блокировки (</a:t>
+            </a:r>
+            <a:r>
+              <a:rPr lang="en-US" dirty="0"/>
+              <a:t>locks)</a:t>
+            </a:r>
+            <a:endParaRPr lang="ru-RU" dirty="0"/>
+          </a:p>
+          <a:p>
+            <a:endParaRPr lang="ru-RU" dirty="0"/>
+          </a:p>
+        </p:txBody>
+      </p:sp>
+      <p:sp>
+        <p:nvSpPr>
+          <p:cNvPr id="4" name="Номер слайда 3"/>
+          <p:cNvSpPr>
+            <a:spLocks noGrp="1"/>
+          </p:cNvSpPr>
+          <p:nvPr>
+            <p:ph type="sldNum" sz="quarter" idx="12"/>
+          </p:nvPr>
+        </p:nvSpPr>
+        <p:spPr/>
+        <p:txBody>
+          <a:bodyPr/>
+          <a:lstStyle/>
+          <a:p>
+            <a:fld id="{EA7E5B89-0DA8-46B8-80CE-93ADCA05FE77}" type="slidenum">
+              <a:rPr lang="ru-RU" smtClean="0"/>
+              <a:pPr/>
+              <a:t>17</a:t>
+            </a:fld>
+            <a:endParaRPr lang="ru-RU"/>
+          </a:p>
+        </p:txBody>
+      </p:sp>
+    </p:spTree>
+  </p:cSld>
+  <p:clrMapOvr>
+    <a:masterClrMapping/>
+  </p:clrMapOvr>
+</p:sld>
+</file>
+
+<file path=ppt/slides/slide18.xml><?xml version="1.0" encoding="utf-8"?>
+<p:sld xmlns:a="http://schemas.openxmlformats.org/drawingml/2006/main" xmlns:r="http://schemas.openxmlformats.org/officeDocument/2006/relationships" xmlns:p="http://schemas.openxmlformats.org/presentationml/2006/main">
+  <p:cSld>
+    <p:spTree>
+      <p:nvGrpSpPr>
+        <p:cNvPr id="1" name=""/>
+        <p:cNvGrpSpPr/>
+        <p:nvPr/>
+      </p:nvGrpSpPr>
+      <p:grpSpPr>
+        <a:xfrm>
+          <a:off x="0" y="0"/>
+          <a:ext cx="0" cy="0"/>
+          <a:chOff x="0" y="0"/>
+          <a:chExt cx="0" cy="0"/>
+        </a:xfrm>
+      </p:grpSpPr>
+      <p:sp>
+        <p:nvSpPr>
+          <p:cNvPr id="2" name="Заголовок 1"/>
+          <p:cNvSpPr>
+            <a:spLocks noGrp="1"/>
+          </p:cNvSpPr>
+          <p:nvPr>
+            <p:ph type="title"/>
+          </p:nvPr>
+        </p:nvSpPr>
+        <p:spPr>
+          <a:xfrm>
+            <a:off x="2207568" y="0"/>
+            <a:ext cx="8229600" cy="1143000"/>
+          </a:xfrm>
+        </p:spPr>
+        <p:txBody>
+          <a:bodyPr/>
+          <a:lstStyle/>
+          <a:p>
+            <a:r>
+              <a:rPr lang="ru-RU" dirty="0"/>
+              <a:t>Пример выполнения КС</a:t>
+            </a:r>
+          </a:p>
+        </p:txBody>
+      </p:sp>
+      <p:grpSp>
+        <p:nvGrpSpPr>
+          <p:cNvPr id="3" name="Группа 68"/>
+          <p:cNvGrpSpPr/>
+          <p:nvPr/>
+        </p:nvGrpSpPr>
+        <p:grpSpPr>
+          <a:xfrm>
+            <a:off x="1925966" y="908720"/>
+            <a:ext cx="3161923" cy="5707796"/>
+            <a:chOff x="251520" y="1412776"/>
+            <a:chExt cx="2329838" cy="4631919"/>
+          </a:xfrm>
+        </p:grpSpPr>
+        <p:sp>
+          <p:nvSpPr>
+            <p:cNvPr id="4" name="Oval 5"/>
+            <p:cNvSpPr/>
+            <p:nvPr/>
+          </p:nvSpPr>
+          <p:spPr>
+            <a:xfrm>
+              <a:off x="899592" y="1916832"/>
+              <a:ext cx="216024" cy="216024"/>
+            </a:xfrm>
+            <a:prstGeom prst="ellipse">
+              <a:avLst/>
+            </a:prstGeom>
+          </p:spPr>
+          <p:style>
+            <a:lnRef idx="2">
+              <a:schemeClr val="accent1">
+                <a:shade val="50000"/>
+              </a:schemeClr>
+            </a:lnRef>
+            <a:fillRef idx="1">
+              <a:schemeClr val="accent1"/>
+            </a:fillRef>
+            <a:effectRef idx="0">
+              <a:schemeClr val="accent1"/>
+            </a:effectRef>
+            <a:fontRef idx="minor">
+              <a:schemeClr val="lt1"/>
+            </a:fontRef>
+          </p:style>
+          <p:txBody>
+            <a:bodyPr rtlCol="0" anchor="ctr"/>
+            <a:lstStyle/>
+            <a:p>
+              <a:pPr algn="ctr"/>
+              <a:endParaRPr lang="ru-RU"/>
+            </a:p>
+          </p:txBody>
+        </p:sp>
+        <p:sp>
+          <p:nvSpPr>
+            <p:cNvPr id="5" name="Oval 6"/>
+            <p:cNvSpPr/>
+            <p:nvPr/>
+          </p:nvSpPr>
+          <p:spPr>
+            <a:xfrm>
+              <a:off x="899592" y="2285256"/>
+              <a:ext cx="216024" cy="216024"/>
+            </a:xfrm>
+            <a:prstGeom prst="ellipse">
+              <a:avLst/>
+            </a:prstGeom>
+          </p:spPr>
+          <p:style>
+            <a:lnRef idx="2">
+              <a:schemeClr val="accent1">
+                <a:shade val="50000"/>
+              </a:schemeClr>
+            </a:lnRef>
+            <a:fillRef idx="1">
+              <a:schemeClr val="accent1"/>
+            </a:fillRef>
+            <a:effectRef idx="0">
+              <a:schemeClr val="accent1"/>
+            </a:effectRef>
+            <a:fontRef idx="minor">
+              <a:schemeClr val="lt1"/>
+            </a:fontRef>
+          </p:style>
+          <p:txBody>
+            <a:bodyPr rtlCol="0" anchor="ctr"/>
+            <a:lstStyle/>
+            <a:p>
+              <a:pPr algn="ctr"/>
+              <a:endParaRPr lang="ru-RU"/>
+            </a:p>
+          </p:txBody>
+        </p:sp>
+        <p:sp>
+          <p:nvSpPr>
+            <p:cNvPr id="6" name="Oval 7"/>
+            <p:cNvSpPr/>
+            <p:nvPr/>
+          </p:nvSpPr>
+          <p:spPr>
+            <a:xfrm>
+              <a:off x="899592" y="2636912"/>
+              <a:ext cx="216024" cy="216024"/>
+            </a:xfrm>
+            <a:prstGeom prst="ellipse">
+              <a:avLst/>
+            </a:prstGeom>
+          </p:spPr>
+          <p:style>
+            <a:lnRef idx="2">
+              <a:schemeClr val="accent1">
+                <a:shade val="50000"/>
+              </a:schemeClr>
+            </a:lnRef>
+            <a:fillRef idx="1">
+              <a:schemeClr val="accent1"/>
+            </a:fillRef>
+            <a:effectRef idx="0">
+              <a:schemeClr val="accent1"/>
+            </a:effectRef>
+            <a:fontRef idx="minor">
+              <a:schemeClr val="lt1"/>
+            </a:fontRef>
+          </p:style>
+          <p:txBody>
+            <a:bodyPr rtlCol="0" anchor="ctr"/>
+            <a:lstStyle/>
+            <a:p>
+              <a:pPr algn="ctr"/>
+              <a:endParaRPr lang="ru-RU"/>
+            </a:p>
+          </p:txBody>
+        </p:sp>
+        <p:sp>
+          <p:nvSpPr>
+            <p:cNvPr id="7" name="Oval 8"/>
+            <p:cNvSpPr/>
+            <p:nvPr/>
+          </p:nvSpPr>
+          <p:spPr>
+            <a:xfrm>
+              <a:off x="899592" y="2996952"/>
+              <a:ext cx="216024" cy="216024"/>
+            </a:xfrm>
+            <a:prstGeom prst="ellipse">
+              <a:avLst/>
+            </a:prstGeom>
+          </p:spPr>
+          <p:style>
+            <a:lnRef idx="2">
+              <a:schemeClr val="accent1">
+                <a:shade val="50000"/>
+              </a:schemeClr>
+            </a:lnRef>
+            <a:fillRef idx="1">
+              <a:schemeClr val="accent1"/>
+            </a:fillRef>
+            <a:effectRef idx="0">
+              <a:schemeClr val="accent1"/>
+            </a:effectRef>
+            <a:fontRef idx="minor">
+              <a:schemeClr val="lt1"/>
+            </a:fontRef>
+          </p:style>
+          <p:txBody>
+            <a:bodyPr rtlCol="0" anchor="ctr"/>
+            <a:lstStyle/>
+            <a:p>
+              <a:pPr algn="ctr"/>
+              <a:endParaRPr lang="ru-RU"/>
+            </a:p>
+          </p:txBody>
+        </p:sp>
+        <p:cxnSp>
+          <p:nvCxnSpPr>
+            <p:cNvPr id="8" name="Straight Connector 10"/>
+            <p:cNvCxnSpPr/>
+            <p:nvPr/>
+          </p:nvCxnSpPr>
+          <p:spPr>
+            <a:xfrm>
+              <a:off x="1007604" y="1844824"/>
+              <a:ext cx="0" cy="3888432"/>
+            </a:xfrm>
+            <a:prstGeom prst="line">
+              <a:avLst/>
+            </a:prstGeom>
+          </p:spPr>
+          <p:style>
+            <a:lnRef idx="1">
+              <a:schemeClr val="accent1"/>
+            </a:lnRef>
+            <a:fillRef idx="0">
+              <a:schemeClr val="accent1"/>
+            </a:fillRef>
+            <a:effectRef idx="0">
+              <a:schemeClr val="accent1"/>
+            </a:effectRef>
+            <a:fontRef idx="minor">
+              <a:schemeClr val="tx1"/>
+            </a:fontRef>
+          </p:style>
+        </p:cxnSp>
+        <p:sp>
+          <p:nvSpPr>
+            <p:cNvPr id="9" name="Oval 11"/>
+            <p:cNvSpPr/>
+            <p:nvPr/>
+          </p:nvSpPr>
+          <p:spPr>
+            <a:xfrm>
+              <a:off x="1583668" y="2348880"/>
+              <a:ext cx="216024" cy="216024"/>
+            </a:xfrm>
+            <a:prstGeom prst="ellipse">
+              <a:avLst/>
+            </a:prstGeom>
+          </p:spPr>
+          <p:style>
+            <a:lnRef idx="2">
+              <a:schemeClr val="accent1">
+                <a:shade val="50000"/>
+              </a:schemeClr>
+            </a:lnRef>
+            <a:fillRef idx="1">
+              <a:schemeClr val="accent1"/>
+            </a:fillRef>
+            <a:effectRef idx="0">
+              <a:schemeClr val="accent1"/>
+            </a:effectRef>
+            <a:fontRef idx="minor">
+              <a:schemeClr val="lt1"/>
+            </a:fontRef>
+          </p:style>
+          <p:txBody>
+            <a:bodyPr rtlCol="0" anchor="ctr"/>
+            <a:lstStyle/>
+            <a:p>
+              <a:pPr algn="ctr"/>
+              <a:endParaRPr lang="ru-RU"/>
+            </a:p>
+          </p:txBody>
+        </p:sp>
+        <p:sp>
+          <p:nvSpPr>
+            <p:cNvPr id="10" name="Oval 12"/>
+            <p:cNvSpPr/>
+            <p:nvPr/>
+          </p:nvSpPr>
+          <p:spPr>
+            <a:xfrm>
+              <a:off x="1583668" y="2717304"/>
+              <a:ext cx="216024" cy="216024"/>
+            </a:xfrm>
+            <a:prstGeom prst="ellipse">
+              <a:avLst/>
+            </a:prstGeom>
+          </p:spPr>
+          <p:style>
+            <a:lnRef idx="2">
+              <a:schemeClr val="accent1">
+                <a:shade val="50000"/>
+              </a:schemeClr>
+            </a:lnRef>
+            <a:fillRef idx="1">
+              <a:schemeClr val="accent1"/>
+            </a:fillRef>
+            <a:effectRef idx="0">
+              <a:schemeClr val="accent1"/>
+            </a:effectRef>
+            <a:fontRef idx="minor">
+              <a:schemeClr val="lt1"/>
+            </a:fontRef>
+          </p:style>
+          <p:txBody>
+            <a:bodyPr rtlCol="0" anchor="ctr"/>
+            <a:lstStyle/>
+            <a:p>
+              <a:pPr algn="ctr"/>
+              <a:endParaRPr lang="ru-RU"/>
+            </a:p>
+          </p:txBody>
+        </p:sp>
+        <p:sp>
+          <p:nvSpPr>
+            <p:cNvPr id="11" name="Oval 13"/>
+            <p:cNvSpPr/>
+            <p:nvPr/>
+          </p:nvSpPr>
+          <p:spPr>
+            <a:xfrm>
+              <a:off x="1583668" y="3068960"/>
+              <a:ext cx="216024" cy="216024"/>
+            </a:xfrm>
+            <a:prstGeom prst="ellipse">
+              <a:avLst/>
+            </a:prstGeom>
+          </p:spPr>
+          <p:style>
+            <a:lnRef idx="2">
+              <a:schemeClr val="accent1">
+                <a:shade val="50000"/>
+              </a:schemeClr>
+            </a:lnRef>
+            <a:fillRef idx="1">
+              <a:schemeClr val="accent1"/>
+            </a:fillRef>
+            <a:effectRef idx="0">
+              <a:schemeClr val="accent1"/>
+            </a:effectRef>
+            <a:fontRef idx="minor">
+              <a:schemeClr val="lt1"/>
+            </a:fontRef>
+          </p:style>
+          <p:txBody>
+            <a:bodyPr rtlCol="0" anchor="ctr"/>
+            <a:lstStyle/>
+            <a:p>
+              <a:pPr algn="ctr"/>
+              <a:endParaRPr lang="ru-RU"/>
+            </a:p>
+          </p:txBody>
+        </p:sp>
+        <p:sp>
+          <p:nvSpPr>
+            <p:cNvPr id="12" name="Oval 14"/>
+            <p:cNvSpPr/>
+            <p:nvPr/>
+          </p:nvSpPr>
+          <p:spPr>
+            <a:xfrm>
+              <a:off x="1583668" y="3429000"/>
+              <a:ext cx="216024" cy="216024"/>
+            </a:xfrm>
+            <a:prstGeom prst="ellipse">
+              <a:avLst/>
+            </a:prstGeom>
+          </p:spPr>
+          <p:style>
+            <a:lnRef idx="2">
+              <a:schemeClr val="accent1">
+                <a:shade val="50000"/>
+              </a:schemeClr>
+            </a:lnRef>
+            <a:fillRef idx="1">
+              <a:schemeClr val="accent1"/>
+            </a:fillRef>
+            <a:effectRef idx="0">
+              <a:schemeClr val="accent1"/>
+            </a:effectRef>
+            <a:fontRef idx="minor">
+              <a:schemeClr val="lt1"/>
+            </a:fontRef>
+          </p:style>
+          <p:txBody>
+            <a:bodyPr rtlCol="0" anchor="ctr"/>
+            <a:lstStyle/>
+            <a:p>
+              <a:pPr algn="ctr"/>
+              <a:endParaRPr lang="ru-RU"/>
+            </a:p>
+          </p:txBody>
+        </p:sp>
+        <p:cxnSp>
+          <p:nvCxnSpPr>
+            <p:cNvPr id="13" name="Straight Connector 15"/>
+            <p:cNvCxnSpPr/>
+            <p:nvPr/>
+          </p:nvCxnSpPr>
+          <p:spPr>
+            <a:xfrm>
+              <a:off x="1691680" y="1844824"/>
+              <a:ext cx="0" cy="3888432"/>
+            </a:xfrm>
+            <a:prstGeom prst="line">
+              <a:avLst/>
+            </a:prstGeom>
+          </p:spPr>
+          <p:style>
+            <a:lnRef idx="1">
+              <a:schemeClr val="accent1"/>
+            </a:lnRef>
+            <a:fillRef idx="0">
+              <a:schemeClr val="accent1"/>
+            </a:fillRef>
+            <a:effectRef idx="0">
+              <a:schemeClr val="accent1"/>
+            </a:effectRef>
+            <a:fontRef idx="minor">
+              <a:schemeClr val="tx1"/>
+            </a:fontRef>
+          </p:style>
+        </p:cxnSp>
+        <p:sp>
+          <p:nvSpPr>
+            <p:cNvPr id="14" name="TextBox 13"/>
+            <p:cNvSpPr txBox="1"/>
+            <p:nvPr/>
+          </p:nvSpPr>
+          <p:spPr>
+            <a:xfrm>
+              <a:off x="251520" y="1412776"/>
+              <a:ext cx="2016224" cy="424597"/>
+            </a:xfrm>
+            <a:prstGeom prst="rect">
+              <a:avLst/>
+            </a:prstGeom>
+            <a:noFill/>
+          </p:spPr>
+          <p:txBody>
+            <a:bodyPr wrap="square" rtlCol="0">
+              <a:spAutoFit/>
+            </a:bodyPr>
+            <a:lstStyle/>
+            <a:p>
+              <a:r>
+                <a:rPr lang="ru-RU" sz="2800" dirty="0"/>
+                <a:t>Поток1</a:t>
+              </a:r>
+              <a:r>
+                <a:rPr lang="en-US" sz="2800" dirty="0"/>
+                <a:t> </a:t>
+              </a:r>
+              <a:r>
+                <a:rPr lang="ru-RU" sz="2800" dirty="0"/>
+                <a:t>    Поток2</a:t>
+              </a:r>
+            </a:p>
+          </p:txBody>
+        </p:sp>
+        <p:sp>
+          <p:nvSpPr>
+            <p:cNvPr id="37" name="TextBox 36"/>
+            <p:cNvSpPr txBox="1"/>
+            <p:nvPr/>
+          </p:nvSpPr>
+          <p:spPr>
+            <a:xfrm>
+              <a:off x="463754" y="5620098"/>
+              <a:ext cx="2117604" cy="424597"/>
+            </a:xfrm>
+            <a:prstGeom prst="rect">
+              <a:avLst/>
+            </a:prstGeom>
+            <a:noFill/>
+          </p:spPr>
+          <p:txBody>
+            <a:bodyPr wrap="square" rtlCol="0">
+              <a:spAutoFit/>
+            </a:bodyPr>
+            <a:lstStyle/>
+            <a:p>
+              <a:r>
+                <a:rPr lang="ru-RU" sz="2800" dirty="0"/>
+                <a:t>Некорректно</a:t>
+              </a:r>
+            </a:p>
+          </p:txBody>
+        </p:sp>
+        <p:sp>
+          <p:nvSpPr>
+            <p:cNvPr id="40" name="Oval 42"/>
+            <p:cNvSpPr/>
+            <p:nvPr/>
+          </p:nvSpPr>
+          <p:spPr>
+            <a:xfrm>
+              <a:off x="899592" y="3320988"/>
+              <a:ext cx="216024" cy="216024"/>
+            </a:xfrm>
+            <a:prstGeom prst="ellipse">
+              <a:avLst/>
+            </a:prstGeom>
+          </p:spPr>
+          <p:style>
+            <a:lnRef idx="2">
+              <a:schemeClr val="accent1">
+                <a:shade val="50000"/>
+              </a:schemeClr>
+            </a:lnRef>
+            <a:fillRef idx="1">
+              <a:schemeClr val="accent1"/>
+            </a:fillRef>
+            <a:effectRef idx="0">
+              <a:schemeClr val="accent1"/>
+            </a:effectRef>
+            <a:fontRef idx="minor">
+              <a:schemeClr val="lt1"/>
+            </a:fontRef>
+          </p:style>
+          <p:txBody>
+            <a:bodyPr rtlCol="0" anchor="ctr"/>
+            <a:lstStyle/>
+            <a:p>
+              <a:pPr algn="ctr"/>
+              <a:endParaRPr lang="ru-RU"/>
+            </a:p>
+          </p:txBody>
+        </p:sp>
+        <p:sp>
+          <p:nvSpPr>
+            <p:cNvPr id="41" name="Oval 43"/>
+            <p:cNvSpPr/>
+            <p:nvPr/>
+          </p:nvSpPr>
+          <p:spPr>
+            <a:xfrm>
+              <a:off x="1583668" y="3789040"/>
+              <a:ext cx="216024" cy="216024"/>
+            </a:xfrm>
+            <a:prstGeom prst="ellipse">
+              <a:avLst/>
+            </a:prstGeom>
+          </p:spPr>
+          <p:style>
+            <a:lnRef idx="2">
+              <a:schemeClr val="accent1">
+                <a:shade val="50000"/>
+              </a:schemeClr>
+            </a:lnRef>
+            <a:fillRef idx="1">
+              <a:schemeClr val="accent1"/>
+            </a:fillRef>
+            <a:effectRef idx="0">
+              <a:schemeClr val="accent1"/>
+            </a:effectRef>
+            <a:fontRef idx="minor">
+              <a:schemeClr val="lt1"/>
+            </a:fontRef>
+          </p:style>
+          <p:txBody>
+            <a:bodyPr rtlCol="0" anchor="ctr"/>
+            <a:lstStyle/>
+            <a:p>
+              <a:pPr algn="ctr"/>
+              <a:endParaRPr lang="ru-RU"/>
+            </a:p>
+          </p:txBody>
+        </p:sp>
+      </p:grpSp>
+      <p:sp>
+        <p:nvSpPr>
+          <p:cNvPr id="46" name="Номер слайда 45"/>
+          <p:cNvSpPr>
+            <a:spLocks noGrp="1"/>
+          </p:cNvSpPr>
+          <p:nvPr>
+            <p:ph type="sldNum" sz="quarter" idx="12"/>
+          </p:nvPr>
+        </p:nvSpPr>
+        <p:spPr/>
+        <p:txBody>
+          <a:bodyPr/>
+          <a:lstStyle/>
+          <a:p>
+            <a:fld id="{EA7E5B89-0DA8-46B8-80CE-93ADCA05FE77}" type="slidenum">
+              <a:rPr lang="ru-RU" smtClean="0"/>
+              <a:pPr/>
+              <a:t>18</a:t>
+            </a:fld>
+            <a:endParaRPr lang="ru-RU"/>
+          </a:p>
+        </p:txBody>
+      </p:sp>
+      <p:grpSp>
+        <p:nvGrpSpPr>
+          <p:cNvPr id="15" name="Группа 64"/>
+          <p:cNvGrpSpPr/>
+          <p:nvPr/>
+        </p:nvGrpSpPr>
+        <p:grpSpPr>
+          <a:xfrm>
+            <a:off x="5303912" y="891982"/>
+            <a:ext cx="4752528" cy="5489347"/>
+            <a:chOff x="1619672" y="1412776"/>
+            <a:chExt cx="3456384" cy="4355489"/>
+          </a:xfrm>
+        </p:grpSpPr>
+        <p:sp>
+          <p:nvSpPr>
+            <p:cNvPr id="48" name="Oval 17"/>
+            <p:cNvSpPr/>
+            <p:nvPr/>
+          </p:nvSpPr>
+          <p:spPr>
+            <a:xfrm>
+              <a:off x="1979712" y="2276872"/>
+              <a:ext cx="216024" cy="216024"/>
+            </a:xfrm>
+            <a:prstGeom prst="ellipse">
+              <a:avLst/>
+            </a:prstGeom>
+          </p:spPr>
+          <p:style>
+            <a:lnRef idx="2">
+              <a:schemeClr val="accent1">
+                <a:shade val="50000"/>
+              </a:schemeClr>
+            </a:lnRef>
+            <a:fillRef idx="1">
+              <a:schemeClr val="accent1"/>
+            </a:fillRef>
+            <a:effectRef idx="0">
+              <a:schemeClr val="accent1"/>
+            </a:effectRef>
+            <a:fontRef idx="minor">
+              <a:schemeClr val="lt1"/>
+            </a:fontRef>
+          </p:style>
+          <p:txBody>
+            <a:bodyPr rtlCol="0" anchor="ctr"/>
+            <a:lstStyle/>
+            <a:p>
+              <a:pPr algn="ctr"/>
+              <a:endParaRPr lang="ru-RU" sz="2800"/>
+            </a:p>
+          </p:txBody>
+        </p:sp>
+        <p:sp>
+          <p:nvSpPr>
+            <p:cNvPr id="49" name="Oval 18"/>
+            <p:cNvSpPr/>
+            <p:nvPr/>
+          </p:nvSpPr>
+          <p:spPr>
+            <a:xfrm>
+              <a:off x="1979712" y="2645296"/>
+              <a:ext cx="216024" cy="216024"/>
+            </a:xfrm>
+            <a:prstGeom prst="ellipse">
+              <a:avLst/>
+            </a:prstGeom>
+          </p:spPr>
+          <p:style>
+            <a:lnRef idx="2">
+              <a:schemeClr val="accent1">
+                <a:shade val="50000"/>
+              </a:schemeClr>
+            </a:lnRef>
+            <a:fillRef idx="1">
+              <a:schemeClr val="accent1"/>
+            </a:fillRef>
+            <a:effectRef idx="0">
+              <a:schemeClr val="accent1"/>
+            </a:effectRef>
+            <a:fontRef idx="minor">
+              <a:schemeClr val="lt1"/>
+            </a:fontRef>
+          </p:style>
+          <p:txBody>
+            <a:bodyPr rtlCol="0" anchor="ctr"/>
+            <a:lstStyle/>
+            <a:p>
+              <a:pPr algn="ctr"/>
+              <a:endParaRPr lang="ru-RU" sz="2800"/>
+            </a:p>
+          </p:txBody>
+        </p:sp>
+        <p:sp>
+          <p:nvSpPr>
+            <p:cNvPr id="50" name="Oval 19"/>
+            <p:cNvSpPr/>
+            <p:nvPr/>
+          </p:nvSpPr>
+          <p:spPr>
+            <a:xfrm>
+              <a:off x="1979712" y="2996952"/>
+              <a:ext cx="216024" cy="216024"/>
+            </a:xfrm>
+            <a:prstGeom prst="ellipse">
+              <a:avLst/>
+            </a:prstGeom>
+          </p:spPr>
+          <p:style>
+            <a:lnRef idx="2">
+              <a:schemeClr val="accent1">
+                <a:shade val="50000"/>
+              </a:schemeClr>
+            </a:lnRef>
+            <a:fillRef idx="1">
+              <a:schemeClr val="accent1"/>
+            </a:fillRef>
+            <a:effectRef idx="0">
+              <a:schemeClr val="accent1"/>
+            </a:effectRef>
+            <a:fontRef idx="minor">
+              <a:schemeClr val="lt1"/>
+            </a:fontRef>
+          </p:style>
+          <p:txBody>
+            <a:bodyPr rtlCol="0" anchor="ctr"/>
+            <a:lstStyle/>
+            <a:p>
+              <a:pPr algn="ctr"/>
+              <a:endParaRPr lang="ru-RU" sz="2800"/>
+            </a:p>
+          </p:txBody>
+        </p:sp>
+        <p:sp>
+          <p:nvSpPr>
+            <p:cNvPr id="51" name="Oval 20"/>
+            <p:cNvSpPr/>
+            <p:nvPr/>
+          </p:nvSpPr>
+          <p:spPr>
+            <a:xfrm>
+              <a:off x="1979712" y="3356992"/>
+              <a:ext cx="216024" cy="216024"/>
+            </a:xfrm>
+            <a:prstGeom prst="ellipse">
+              <a:avLst/>
+            </a:prstGeom>
+          </p:spPr>
+          <p:style>
+            <a:lnRef idx="2">
+              <a:schemeClr val="accent1">
+                <a:shade val="50000"/>
+              </a:schemeClr>
+            </a:lnRef>
+            <a:fillRef idx="1">
+              <a:schemeClr val="accent1"/>
+            </a:fillRef>
+            <a:effectRef idx="0">
+              <a:schemeClr val="accent1"/>
+            </a:effectRef>
+            <a:fontRef idx="minor">
+              <a:schemeClr val="lt1"/>
+            </a:fontRef>
+          </p:style>
+          <p:txBody>
+            <a:bodyPr rtlCol="0" anchor="ctr"/>
+            <a:lstStyle/>
+            <a:p>
+              <a:pPr algn="ctr"/>
+              <a:endParaRPr lang="ru-RU" sz="2800"/>
+            </a:p>
+          </p:txBody>
+        </p:sp>
+        <p:cxnSp>
+          <p:nvCxnSpPr>
+            <p:cNvPr id="52" name="Straight Connector 21"/>
+            <p:cNvCxnSpPr/>
+            <p:nvPr/>
+          </p:nvCxnSpPr>
+          <p:spPr>
+            <a:xfrm>
+              <a:off x="2087724" y="1844824"/>
+              <a:ext cx="0" cy="3888432"/>
+            </a:xfrm>
+            <a:prstGeom prst="line">
+              <a:avLst/>
+            </a:prstGeom>
+          </p:spPr>
+          <p:style>
+            <a:lnRef idx="1">
+              <a:schemeClr val="accent1"/>
+            </a:lnRef>
+            <a:fillRef idx="0">
+              <a:schemeClr val="accent1"/>
+            </a:fillRef>
+            <a:effectRef idx="0">
+              <a:schemeClr val="accent1"/>
+            </a:effectRef>
+            <a:fontRef idx="minor">
+              <a:schemeClr val="tx1"/>
+            </a:fontRef>
+          </p:style>
+        </p:cxnSp>
+        <p:sp>
+          <p:nvSpPr>
+            <p:cNvPr id="53" name="Oval 22"/>
+            <p:cNvSpPr/>
+            <p:nvPr/>
+          </p:nvSpPr>
+          <p:spPr>
+            <a:xfrm>
+              <a:off x="4319972" y="3933056"/>
+              <a:ext cx="216024" cy="216024"/>
+            </a:xfrm>
+            <a:prstGeom prst="ellipse">
+              <a:avLst/>
+            </a:prstGeom>
+          </p:spPr>
+          <p:style>
+            <a:lnRef idx="2">
+              <a:schemeClr val="accent1">
+                <a:shade val="50000"/>
+              </a:schemeClr>
+            </a:lnRef>
+            <a:fillRef idx="1">
+              <a:schemeClr val="accent1"/>
+            </a:fillRef>
+            <a:effectRef idx="0">
+              <a:schemeClr val="accent1"/>
+            </a:effectRef>
+            <a:fontRef idx="minor">
+              <a:schemeClr val="lt1"/>
+            </a:fontRef>
+          </p:style>
+          <p:txBody>
+            <a:bodyPr rtlCol="0" anchor="ctr"/>
+            <a:lstStyle/>
+            <a:p>
+              <a:pPr algn="ctr"/>
+              <a:endParaRPr lang="ru-RU" sz="2800"/>
+            </a:p>
+          </p:txBody>
+        </p:sp>
+        <p:sp>
+          <p:nvSpPr>
+            <p:cNvPr id="54" name="Oval 23"/>
+            <p:cNvSpPr/>
+            <p:nvPr/>
+          </p:nvSpPr>
+          <p:spPr>
+            <a:xfrm>
+              <a:off x="4319972" y="4301480"/>
+              <a:ext cx="216024" cy="216024"/>
+            </a:xfrm>
+            <a:prstGeom prst="ellipse">
+              <a:avLst/>
+            </a:prstGeom>
+          </p:spPr>
+          <p:style>
+            <a:lnRef idx="2">
+              <a:schemeClr val="accent1">
+                <a:shade val="50000"/>
+              </a:schemeClr>
+            </a:lnRef>
+            <a:fillRef idx="1">
+              <a:schemeClr val="accent1"/>
+            </a:fillRef>
+            <a:effectRef idx="0">
+              <a:schemeClr val="accent1"/>
+            </a:effectRef>
+            <a:fontRef idx="minor">
+              <a:schemeClr val="lt1"/>
+            </a:fontRef>
+          </p:style>
+          <p:txBody>
+            <a:bodyPr rtlCol="0" anchor="ctr"/>
+            <a:lstStyle/>
+            <a:p>
+              <a:pPr algn="ctr"/>
+              <a:endParaRPr lang="ru-RU" sz="2800"/>
+            </a:p>
+          </p:txBody>
+        </p:sp>
+        <p:sp>
+          <p:nvSpPr>
+            <p:cNvPr id="55" name="Oval 24"/>
+            <p:cNvSpPr/>
+            <p:nvPr/>
+          </p:nvSpPr>
+          <p:spPr>
+            <a:xfrm>
+              <a:off x="4319972" y="4653136"/>
+              <a:ext cx="216024" cy="216024"/>
+            </a:xfrm>
+            <a:prstGeom prst="ellipse">
+              <a:avLst/>
+            </a:prstGeom>
+          </p:spPr>
+          <p:style>
+            <a:lnRef idx="2">
+              <a:schemeClr val="accent1">
+                <a:shade val="50000"/>
+              </a:schemeClr>
+            </a:lnRef>
+            <a:fillRef idx="1">
+              <a:schemeClr val="accent1"/>
+            </a:fillRef>
+            <a:effectRef idx="0">
+              <a:schemeClr val="accent1"/>
+            </a:effectRef>
+            <a:fontRef idx="minor">
+              <a:schemeClr val="lt1"/>
+            </a:fontRef>
+          </p:style>
+          <p:txBody>
+            <a:bodyPr rtlCol="0" anchor="ctr"/>
+            <a:lstStyle/>
+            <a:p>
+              <a:pPr algn="ctr"/>
+              <a:endParaRPr lang="ru-RU" sz="2800"/>
+            </a:p>
+          </p:txBody>
+        </p:sp>
+        <p:sp>
+          <p:nvSpPr>
+            <p:cNvPr id="56" name="Oval 25"/>
+            <p:cNvSpPr/>
+            <p:nvPr/>
+          </p:nvSpPr>
+          <p:spPr>
+            <a:xfrm>
+              <a:off x="4319972" y="5013176"/>
+              <a:ext cx="216024" cy="216024"/>
+            </a:xfrm>
+            <a:prstGeom prst="ellipse">
+              <a:avLst/>
+            </a:prstGeom>
+          </p:spPr>
+          <p:style>
+            <a:lnRef idx="2">
+              <a:schemeClr val="accent1">
+                <a:shade val="50000"/>
+              </a:schemeClr>
+            </a:lnRef>
+            <a:fillRef idx="1">
+              <a:schemeClr val="accent1"/>
+            </a:fillRef>
+            <a:effectRef idx="0">
+              <a:schemeClr val="accent1"/>
+            </a:effectRef>
+            <a:fontRef idx="minor">
+              <a:schemeClr val="lt1"/>
+            </a:fontRef>
+          </p:style>
+          <p:txBody>
+            <a:bodyPr rtlCol="0" anchor="ctr"/>
+            <a:lstStyle/>
+            <a:p>
+              <a:pPr algn="ctr"/>
+              <a:endParaRPr lang="ru-RU" sz="2800"/>
+            </a:p>
+          </p:txBody>
+        </p:sp>
+        <p:cxnSp>
+          <p:nvCxnSpPr>
+            <p:cNvPr id="57" name="Straight Connector 26"/>
+            <p:cNvCxnSpPr/>
+            <p:nvPr/>
+          </p:nvCxnSpPr>
+          <p:spPr>
+            <a:xfrm>
+              <a:off x="4427984" y="1844824"/>
+              <a:ext cx="0" cy="648072"/>
+            </a:xfrm>
+            <a:prstGeom prst="line">
+              <a:avLst/>
+            </a:prstGeom>
+          </p:spPr>
+          <p:style>
+            <a:lnRef idx="1">
+              <a:schemeClr val="accent1"/>
+            </a:lnRef>
+            <a:fillRef idx="0">
+              <a:schemeClr val="accent1"/>
+            </a:fillRef>
+            <a:effectRef idx="0">
+              <a:schemeClr val="accent1"/>
+            </a:effectRef>
+            <a:fontRef idx="minor">
+              <a:schemeClr val="tx1"/>
+            </a:fontRef>
+          </p:style>
+        </p:cxnSp>
+        <p:sp>
+          <p:nvSpPr>
+            <p:cNvPr id="58" name="TextBox 57"/>
+            <p:cNvSpPr txBox="1"/>
+            <p:nvPr/>
+          </p:nvSpPr>
+          <p:spPr>
+            <a:xfrm>
+              <a:off x="1619672" y="1412776"/>
+              <a:ext cx="936104" cy="415146"/>
+            </a:xfrm>
+            <a:prstGeom prst="rect">
+              <a:avLst/>
+            </a:prstGeom>
+            <a:noFill/>
+          </p:spPr>
+          <p:txBody>
+            <a:bodyPr wrap="square" rtlCol="0">
+              <a:spAutoFit/>
+            </a:bodyPr>
+            <a:lstStyle/>
+            <a:p>
+              <a:r>
+                <a:rPr lang="ru-RU" sz="2800" dirty="0"/>
+                <a:t>Поток1</a:t>
+              </a:r>
+            </a:p>
+          </p:txBody>
+        </p:sp>
+        <p:sp>
+          <p:nvSpPr>
+            <p:cNvPr id="59" name="TextBox 58"/>
+            <p:cNvSpPr txBox="1"/>
+            <p:nvPr/>
+          </p:nvSpPr>
+          <p:spPr>
+            <a:xfrm>
+              <a:off x="3923928" y="1412776"/>
+              <a:ext cx="1008112" cy="415146"/>
+            </a:xfrm>
+            <a:prstGeom prst="rect">
+              <a:avLst/>
+            </a:prstGeom>
+            <a:noFill/>
+          </p:spPr>
+          <p:txBody>
+            <a:bodyPr wrap="square" rtlCol="0">
+              <a:spAutoFit/>
+            </a:bodyPr>
+            <a:lstStyle/>
+            <a:p>
+              <a:r>
+                <a:rPr lang="ru-RU" sz="2800" dirty="0"/>
+                <a:t>Поток2</a:t>
+              </a:r>
+            </a:p>
+          </p:txBody>
+        </p:sp>
+        <p:sp>
+          <p:nvSpPr>
+            <p:cNvPr id="60" name="TextBox 59"/>
+            <p:cNvSpPr txBox="1"/>
+            <p:nvPr/>
+          </p:nvSpPr>
+          <p:spPr>
+            <a:xfrm>
+              <a:off x="1727684" y="1833755"/>
+              <a:ext cx="936104" cy="415146"/>
+            </a:xfrm>
+            <a:prstGeom prst="rect">
+              <a:avLst/>
+            </a:prstGeom>
+            <a:noFill/>
+          </p:spPr>
+          <p:txBody>
+            <a:bodyPr wrap="square" rtlCol="0">
+              <a:spAutoFit/>
+            </a:bodyPr>
+            <a:lstStyle/>
+            <a:p>
+              <a:r>
+                <a:rPr lang="en-US" sz="2800" dirty="0">
+                  <a:solidFill>
+                    <a:srgbClr val="FF0000"/>
+                  </a:solidFill>
+                </a:rPr>
+                <a:t>Lock()</a:t>
+              </a:r>
+              <a:endParaRPr lang="ru-RU" sz="2800" dirty="0">
+                <a:solidFill>
+                  <a:srgbClr val="FF0000"/>
+                </a:solidFill>
+              </a:endParaRPr>
+            </a:p>
+          </p:txBody>
+        </p:sp>
+        <p:sp>
+          <p:nvSpPr>
+            <p:cNvPr id="61" name="TextBox 60"/>
+            <p:cNvSpPr txBox="1"/>
+            <p:nvPr/>
+          </p:nvSpPr>
+          <p:spPr>
+            <a:xfrm>
+              <a:off x="1619672" y="3649670"/>
+              <a:ext cx="1080120" cy="415146"/>
+            </a:xfrm>
+            <a:prstGeom prst="rect">
+              <a:avLst/>
+            </a:prstGeom>
+            <a:noFill/>
+          </p:spPr>
+          <p:txBody>
+            <a:bodyPr wrap="square" rtlCol="0">
+              <a:spAutoFit/>
+            </a:bodyPr>
+            <a:lstStyle/>
+            <a:p>
+              <a:r>
+                <a:rPr lang="en-US" sz="2800" dirty="0">
+                  <a:solidFill>
+                    <a:srgbClr val="FF0000"/>
+                  </a:solidFill>
+                </a:rPr>
+                <a:t>Unlock()</a:t>
+              </a:r>
+              <a:endParaRPr lang="ru-RU" sz="2800" dirty="0">
+                <a:solidFill>
+                  <a:srgbClr val="FF0000"/>
+                </a:solidFill>
+              </a:endParaRPr>
+            </a:p>
+          </p:txBody>
+        </p:sp>
+        <p:sp>
+          <p:nvSpPr>
+            <p:cNvPr id="62" name="TextBox 61"/>
+            <p:cNvSpPr txBox="1"/>
+            <p:nvPr/>
+          </p:nvSpPr>
+          <p:spPr>
+            <a:xfrm>
+              <a:off x="3995936" y="5353119"/>
+              <a:ext cx="1080120" cy="415146"/>
+            </a:xfrm>
+            <a:prstGeom prst="rect">
+              <a:avLst/>
+            </a:prstGeom>
+            <a:noFill/>
+          </p:spPr>
+          <p:txBody>
+            <a:bodyPr wrap="square" rtlCol="0">
+              <a:spAutoFit/>
+            </a:bodyPr>
+            <a:lstStyle/>
+            <a:p>
+              <a:r>
+                <a:rPr lang="en-US" sz="2800" dirty="0">
+                  <a:solidFill>
+                    <a:srgbClr val="FF0000"/>
+                  </a:solidFill>
+                </a:rPr>
+                <a:t>Unlock()</a:t>
+              </a:r>
+              <a:endParaRPr lang="ru-RU" sz="2800" dirty="0">
+                <a:solidFill>
+                  <a:srgbClr val="FF0000"/>
+                </a:solidFill>
+              </a:endParaRPr>
+            </a:p>
+          </p:txBody>
+        </p:sp>
+        <p:sp>
+          <p:nvSpPr>
+            <p:cNvPr id="63" name="TextBox 62"/>
+            <p:cNvSpPr txBox="1"/>
+            <p:nvPr/>
+          </p:nvSpPr>
+          <p:spPr>
+            <a:xfrm>
+              <a:off x="4028667" y="2555612"/>
+              <a:ext cx="936104" cy="415146"/>
+            </a:xfrm>
+            <a:prstGeom prst="rect">
+              <a:avLst/>
+            </a:prstGeom>
+            <a:noFill/>
+          </p:spPr>
+          <p:txBody>
+            <a:bodyPr wrap="square" rtlCol="0">
+              <a:spAutoFit/>
+            </a:bodyPr>
+            <a:lstStyle/>
+            <a:p>
+              <a:r>
+                <a:rPr lang="en-US" sz="2800" dirty="0">
+                  <a:solidFill>
+                    <a:srgbClr val="FF0000"/>
+                  </a:solidFill>
+                </a:rPr>
+                <a:t>Lock()</a:t>
+              </a:r>
+              <a:endParaRPr lang="ru-RU" sz="2800" dirty="0">
+                <a:solidFill>
+                  <a:srgbClr val="FF0000"/>
+                </a:solidFill>
+              </a:endParaRPr>
+            </a:p>
+          </p:txBody>
+        </p:sp>
+        <p:cxnSp>
+          <p:nvCxnSpPr>
+            <p:cNvPr id="64" name="Straight Connector 47"/>
+            <p:cNvCxnSpPr/>
+            <p:nvPr/>
+          </p:nvCxnSpPr>
+          <p:spPr>
+            <a:xfrm flipH="1">
+              <a:off x="4425351" y="2888940"/>
+              <a:ext cx="2633" cy="949815"/>
+            </a:xfrm>
+            <a:prstGeom prst="line">
+              <a:avLst/>
+            </a:prstGeom>
+            <a:ln>
+              <a:prstDash val="dash"/>
+            </a:ln>
+          </p:spPr>
+          <p:style>
+            <a:lnRef idx="1">
+              <a:schemeClr val="accent1"/>
+            </a:lnRef>
+            <a:fillRef idx="0">
+              <a:schemeClr val="accent1"/>
+            </a:fillRef>
+            <a:effectRef idx="0">
+              <a:schemeClr val="accent1"/>
+            </a:effectRef>
+            <a:fontRef idx="minor">
+              <a:schemeClr val="tx1"/>
+            </a:fontRef>
+          </p:style>
+        </p:cxnSp>
+        <p:cxnSp>
+          <p:nvCxnSpPr>
+            <p:cNvPr id="65" name="Straight Connector 50"/>
+            <p:cNvCxnSpPr/>
+            <p:nvPr/>
+          </p:nvCxnSpPr>
+          <p:spPr>
+            <a:xfrm>
+              <a:off x="4425351" y="3830128"/>
+              <a:ext cx="2633" cy="1903128"/>
+            </a:xfrm>
+            <a:prstGeom prst="line">
+              <a:avLst/>
+            </a:prstGeom>
+          </p:spPr>
+          <p:style>
+            <a:lnRef idx="1">
+              <a:schemeClr val="accent1"/>
+            </a:lnRef>
+            <a:fillRef idx="0">
+              <a:schemeClr val="accent1"/>
+            </a:fillRef>
+            <a:effectRef idx="0">
+              <a:schemeClr val="accent1"/>
+            </a:effectRef>
+            <a:fontRef idx="minor">
+              <a:schemeClr val="tx1"/>
+            </a:fontRef>
+          </p:style>
+        </p:cxnSp>
+        <p:cxnSp>
+          <p:nvCxnSpPr>
+            <p:cNvPr id="66" name="Straight Connector 57"/>
+            <p:cNvCxnSpPr>
+              <a:stCxn id="61" idx="3"/>
+            </p:cNvCxnSpPr>
+            <p:nvPr/>
+          </p:nvCxnSpPr>
+          <p:spPr>
+            <a:xfrm flipV="1">
+              <a:off x="2699792" y="3834336"/>
+              <a:ext cx="1728192" cy="22907"/>
+            </a:xfrm>
+            <a:prstGeom prst="line">
+              <a:avLst/>
+            </a:prstGeom>
+          </p:spPr>
+          <p:style>
+            <a:lnRef idx="1">
+              <a:schemeClr val="accent1"/>
+            </a:lnRef>
+            <a:fillRef idx="0">
+              <a:schemeClr val="accent1"/>
+            </a:fillRef>
+            <a:effectRef idx="0">
+              <a:schemeClr val="accent1"/>
+            </a:effectRef>
+            <a:fontRef idx="minor">
+              <a:schemeClr val="tx1"/>
+            </a:fontRef>
+          </p:style>
+        </p:cxnSp>
+      </p:grpSp>
+    </p:spTree>
+  </p:cSld>
+  <p:clrMapOvr>
+    <a:masterClrMapping/>
+  </p:clrMapOvr>
+</p:sld>
+</file>
+
+<file path=ppt/slides/slide19.xml><?xml version="1.0" encoding="utf-8"?>
+<p:sld xmlns:a="http://schemas.openxmlformats.org/drawingml/2006/main" xmlns:r="http://schemas.openxmlformats.org/officeDocument/2006/relationships" xmlns:p="http://schemas.openxmlformats.org/presentationml/2006/main">
+  <p:cSld>
+    <p:spTree>
+      <p:nvGrpSpPr>
+        <p:cNvPr id="1" name=""/>
+        <p:cNvGrpSpPr/>
+        <p:nvPr/>
+      </p:nvGrpSpPr>
+      <p:grpSpPr>
+        <a:xfrm>
+          <a:off x="0" y="0"/>
+          <a:ext cx="0" cy="0"/>
+          <a:chOff x="0" y="0"/>
+          <a:chExt cx="0" cy="0"/>
+        </a:xfrm>
+      </p:grpSpPr>
+      <p:sp>
+        <p:nvSpPr>
+          <p:cNvPr id="2" name="Заголовок 1">
+            <a:extLst>
+              <a:ext uri="{FF2B5EF4-FFF2-40B4-BE49-F238E27FC236}">
+                <a16:creationId xmlns:a16="http://schemas.microsoft.com/office/drawing/2014/main" id="{8B18D855-9447-4AFD-BF04-E7E84FD28047}"/>
+              </a:ext>
+            </a:extLst>
+          </p:cNvPr>
+          <p:cNvSpPr>
+            <a:spLocks noGrp="1"/>
+          </p:cNvSpPr>
+          <p:nvPr>
+            <p:ph type="title"/>
+          </p:nvPr>
+        </p:nvSpPr>
+        <p:spPr/>
+        <p:txBody>
+          <a:bodyPr/>
+          <a:lstStyle/>
+          <a:p>
+            <a:r>
+              <a:rPr lang="ru-RU" dirty="0"/>
+              <a:t>Способы синхронизации потоков </a:t>
+            </a:r>
+          </a:p>
+        </p:txBody>
+      </p:sp>
+      <p:sp>
+        <p:nvSpPr>
+          <p:cNvPr id="3" name="Объект 2">
+            <a:extLst>
+              <a:ext uri="{FF2B5EF4-FFF2-40B4-BE49-F238E27FC236}">
+                <a16:creationId xmlns:a16="http://schemas.microsoft.com/office/drawing/2014/main" id="{0CC81C46-51E6-4602-81D4-542B8296A0B5}"/>
+              </a:ext>
+            </a:extLst>
+          </p:cNvPr>
+          <p:cNvSpPr>
+            <a:spLocks noGrp="1"/>
+          </p:cNvSpPr>
+          <p:nvPr>
+            <p:ph idx="1"/>
+          </p:nvPr>
+        </p:nvSpPr>
+        <p:spPr/>
+        <p:txBody>
+          <a:bodyPr/>
+          <a:lstStyle/>
+          <a:p>
+            <a:r>
+              <a:rPr lang="en-US" dirty="0"/>
+              <a:t>lock (</a:t>
+            </a:r>
+            <a:r>
+              <a:rPr lang="ru-RU" dirty="0"/>
+              <a:t>объект) </a:t>
+            </a:r>
+            <a:r>
+              <a:rPr lang="en-US" dirty="0"/>
+              <a:t>{  </a:t>
+            </a:r>
+            <a:r>
+              <a:rPr lang="ru-RU" dirty="0"/>
+              <a:t>/*синхронизируемый объект*/</a:t>
+            </a:r>
+            <a:r>
+              <a:rPr lang="en-US" dirty="0"/>
+              <a:t>  }</a:t>
+            </a:r>
+          </a:p>
+          <a:p>
+            <a:pPr algn="l">
+              <a:buFont typeface="Arial" panose="020B0604020202020204" pitchFamily="34" charset="0"/>
+              <a:buChar char="•"/>
+            </a:pPr>
+            <a:r>
+              <a:rPr lang="ru-RU" b="0" i="0" dirty="0">
+                <a:effectLst/>
+                <a:latin typeface="YS Text"/>
+              </a:rPr>
+              <a:t>Мьютексы (</a:t>
+            </a:r>
+            <a:r>
+              <a:rPr lang="en-US" b="0" i="0" dirty="0">
+                <a:effectLst/>
+                <a:latin typeface="YS Text"/>
+              </a:rPr>
+              <a:t>Mutex)</a:t>
+            </a:r>
+          </a:p>
+          <a:p>
+            <a:pPr algn="l">
+              <a:buFont typeface="Arial" panose="020B0604020202020204" pitchFamily="34" charset="0"/>
+              <a:buChar char="•"/>
+            </a:pPr>
+            <a:r>
+              <a:rPr lang="ru-RU" b="0" i="0" dirty="0">
+                <a:effectLst/>
+                <a:latin typeface="YS Text"/>
+              </a:rPr>
+              <a:t>События (</a:t>
+            </a:r>
+            <a:r>
+              <a:rPr lang="en-US" b="0" i="0" dirty="0" err="1">
+                <a:effectLst/>
+                <a:latin typeface="YS Text"/>
+              </a:rPr>
+              <a:t>AutoResetEvent</a:t>
+            </a:r>
+            <a:r>
+              <a:rPr lang="en-US" b="0" i="0" dirty="0">
+                <a:effectLst/>
+                <a:latin typeface="YS Text"/>
+              </a:rPr>
+              <a:t>, </a:t>
+            </a:r>
+            <a:r>
+              <a:rPr lang="en-US" b="0" i="0" dirty="0" err="1">
+                <a:effectLst/>
+                <a:latin typeface="YS Text"/>
+              </a:rPr>
+              <a:t>ManualResetEvent</a:t>
+            </a:r>
+            <a:r>
+              <a:rPr lang="en-US" b="0" i="0" dirty="0">
+                <a:effectLst/>
+                <a:latin typeface="YS Text"/>
+              </a:rPr>
+              <a:t>)</a:t>
+            </a:r>
+          </a:p>
+          <a:p>
+            <a:pPr algn="l">
+              <a:buFont typeface="Arial" panose="020B0604020202020204" pitchFamily="34" charset="0"/>
+              <a:buChar char="•"/>
+            </a:pPr>
+            <a:r>
+              <a:rPr lang="ru-RU" dirty="0">
+                <a:latin typeface="YS Text"/>
+              </a:rPr>
+              <a:t>Семафоры (</a:t>
+            </a:r>
+            <a:r>
+              <a:rPr lang="en-US" dirty="0">
+                <a:latin typeface="YS Text"/>
+              </a:rPr>
+              <a:t>Semaphore)</a:t>
+            </a:r>
+            <a:br>
+              <a:rPr lang="en-US" dirty="0"/>
+            </a:br>
+            <a:br>
+              <a:rPr lang="en-US" dirty="0"/>
+            </a:br>
+            <a:endParaRPr lang="ru-RU" dirty="0"/>
+          </a:p>
+        </p:txBody>
+      </p:sp>
+      <p:sp>
+        <p:nvSpPr>
+          <p:cNvPr id="4" name="Номер слайда 3">
+            <a:extLst>
+              <a:ext uri="{FF2B5EF4-FFF2-40B4-BE49-F238E27FC236}">
+                <a16:creationId xmlns:a16="http://schemas.microsoft.com/office/drawing/2014/main" id="{B71E7857-E30A-4A95-9F7D-FBAEF18A667E}"/>
+              </a:ext>
+            </a:extLst>
+          </p:cNvPr>
+          <p:cNvSpPr>
+            <a:spLocks noGrp="1"/>
+          </p:cNvSpPr>
+          <p:nvPr>
+            <p:ph type="sldNum" sz="quarter" idx="12"/>
+          </p:nvPr>
+        </p:nvSpPr>
+        <p:spPr/>
+        <p:txBody>
+          <a:bodyPr/>
+          <a:lstStyle/>
+          <a:p>
+            <a:fld id="{227C91C0-7371-407B-9696-36B720B1D03F}" type="slidenum">
+              <a:rPr lang="ru-RU" smtClean="0"/>
+              <a:t>19</a:t>
+            </a:fld>
+            <a:endParaRPr lang="ru-RU"/>
+          </a:p>
+        </p:txBody>
+      </p:sp>
+    </p:spTree>
+    <p:extLst>
+      <p:ext uri="{BB962C8B-B14F-4D97-AF65-F5344CB8AC3E}">
+        <p14:creationId xmlns:p14="http://schemas.microsoft.com/office/powerpoint/2010/main" val="2805136048"/>
+      </p:ext>
+    </p:extLst>
+  </p:cSld>
+  <p:clrMapOvr>
+    <a:masterClrMapping/>
+  </p:clrMapOvr>
+</p:sld>
+</file>
+
+<file path=ppt/slides/slide2.xml><?xml version="1.0" encoding="utf-8"?>
+<p:sld xmlns:a="http://schemas.openxmlformats.org/drawingml/2006/main" xmlns:r="http://schemas.openxmlformats.org/officeDocument/2006/relationships" xmlns:p="http://schemas.openxmlformats.org/presentationml/2006/main">
+  <p:cSld>
+    <p:spTree>
+      <p:nvGrpSpPr>
+        <p:cNvPr id="1" name=""/>
+        <p:cNvGrpSpPr/>
+        <p:nvPr/>
+      </p:nvGrpSpPr>
+      <p:grpSpPr>
+        <a:xfrm>
+          <a:off x="0" y="0"/>
+          <a:ext cx="0" cy="0"/>
+          <a:chOff x="0" y="0"/>
+          <a:chExt cx="0" cy="0"/>
+        </a:xfrm>
+      </p:grpSpPr>
+      <p:sp>
+        <p:nvSpPr>
+          <p:cNvPr id="2" name="Заголовок 1">
+            <a:extLst>
+              <a:ext uri="{FF2B5EF4-FFF2-40B4-BE49-F238E27FC236}">
+                <a16:creationId xmlns:a16="http://schemas.microsoft.com/office/drawing/2014/main" id="{8AF0A49D-B668-4F74-9DED-C9C65E9D8A1D}"/>
+              </a:ext>
+            </a:extLst>
+          </p:cNvPr>
+          <p:cNvSpPr>
+            <a:spLocks noGrp="1"/>
+          </p:cNvSpPr>
+          <p:nvPr>
+            <p:ph type="title"/>
+          </p:nvPr>
+        </p:nvSpPr>
+        <p:spPr/>
+        <p:txBody>
+          <a:bodyPr/>
+          <a:lstStyle/>
+          <a:p>
+            <a:r>
+              <a:rPr lang="ru-RU" dirty="0"/>
+              <a:t>Многопоточное программирование</a:t>
+            </a:r>
+          </a:p>
+        </p:txBody>
+      </p:sp>
+      <p:sp>
+        <p:nvSpPr>
+          <p:cNvPr id="3" name="Объект 2">
+            <a:extLst>
+              <a:ext uri="{FF2B5EF4-FFF2-40B4-BE49-F238E27FC236}">
+                <a16:creationId xmlns:a16="http://schemas.microsoft.com/office/drawing/2014/main" id="{7A29C519-A879-4A4B-AA57-FE340E41D112}"/>
+              </a:ext>
+            </a:extLst>
+          </p:cNvPr>
+          <p:cNvSpPr>
+            <a:spLocks noGrp="1"/>
+          </p:cNvSpPr>
+          <p:nvPr>
+            <p:ph idx="1"/>
+          </p:nvPr>
+        </p:nvSpPr>
+        <p:spPr/>
+        <p:txBody>
+          <a:bodyPr>
+            <a:normAutofit/>
+          </a:bodyPr>
+          <a:lstStyle/>
+          <a:p>
+            <a:pPr marL="0" indent="0" algn="l">
+              <a:buNone/>
+            </a:pPr>
+            <a:r>
+              <a:rPr lang="ru-RU" b="0" i="0" dirty="0">
+                <a:effectLst/>
+              </a:rPr>
+              <a:t>Это подход к разработке программного обеспечения, который позволяет выполнять несколько независимых потоков выполнения (или нитей) в рамках одного процесса. </a:t>
+            </a:r>
+          </a:p>
+          <a:p>
+            <a:pPr marL="0" indent="0" algn="l">
+              <a:buNone/>
+            </a:pPr>
+            <a:r>
+              <a:rPr lang="ru-RU" b="0" i="0" dirty="0">
+                <a:effectLst/>
+              </a:rPr>
+              <a:t>Это позволяет процессору использовать свое время более эффективно, выполняя несколько задач одновременно или переключаясь между ними, чтобы ускорить выполнение приложения.</a:t>
+            </a:r>
+          </a:p>
+          <a:p>
+            <a:endParaRPr lang="ru-RU" dirty="0"/>
+          </a:p>
+        </p:txBody>
+      </p:sp>
+      <p:sp>
+        <p:nvSpPr>
+          <p:cNvPr id="4" name="Номер слайда 3">
+            <a:extLst>
+              <a:ext uri="{FF2B5EF4-FFF2-40B4-BE49-F238E27FC236}">
+                <a16:creationId xmlns:a16="http://schemas.microsoft.com/office/drawing/2014/main" id="{F2B9F7B0-3544-4487-A55F-E540ED9EA8DE}"/>
+              </a:ext>
+            </a:extLst>
+          </p:cNvPr>
+          <p:cNvSpPr>
+            <a:spLocks noGrp="1"/>
+          </p:cNvSpPr>
+          <p:nvPr>
+            <p:ph type="sldNum" sz="quarter" idx="12"/>
+          </p:nvPr>
+        </p:nvSpPr>
+        <p:spPr/>
+        <p:txBody>
+          <a:bodyPr/>
+          <a:lstStyle/>
+          <a:p>
+            <a:fld id="{227C91C0-7371-407B-9696-36B720B1D03F}" type="slidenum">
+              <a:rPr lang="ru-RU" smtClean="0"/>
+              <a:t>2</a:t>
+            </a:fld>
+            <a:endParaRPr lang="ru-RU"/>
+          </a:p>
+        </p:txBody>
+      </p:sp>
+    </p:spTree>
+    <p:extLst>
+      <p:ext uri="{BB962C8B-B14F-4D97-AF65-F5344CB8AC3E}">
+        <p14:creationId xmlns:p14="http://schemas.microsoft.com/office/powerpoint/2010/main" val="1868400653"/>
+      </p:ext>
+    </p:extLst>
+  </p:cSld>
+  <p:clrMapOvr>
+    <a:masterClrMapping/>
+  </p:clrMapOvr>
+</p:sld>
+</file>
+
+<file path=ppt/slides/slide20.xml><?xml version="1.0" encoding="utf-8"?>
+<p:sld xmlns:a="http://schemas.openxmlformats.org/drawingml/2006/main" xmlns:r="http://schemas.openxmlformats.org/officeDocument/2006/relationships" xmlns:p="http://schemas.openxmlformats.org/presentationml/2006/main">
+  <p:cSld>
+    <p:spTree>
+      <p:nvGrpSpPr>
+        <p:cNvPr id="1" name=""/>
+        <p:cNvGrpSpPr/>
+        <p:nvPr/>
+      </p:nvGrpSpPr>
+      <p:grpSpPr>
+        <a:xfrm>
+          <a:off x="0" y="0"/>
+          <a:ext cx="0" cy="0"/>
+          <a:chOff x="0" y="0"/>
+          <a:chExt cx="0" cy="0"/>
+        </a:xfrm>
+      </p:grpSpPr>
+      <p:sp>
+        <p:nvSpPr>
+          <p:cNvPr id="2" name="Заголовок 1">
+            <a:extLst>
+              <a:ext uri="{FF2B5EF4-FFF2-40B4-BE49-F238E27FC236}">
+                <a16:creationId xmlns:a16="http://schemas.microsoft.com/office/drawing/2014/main" id="{79013513-4DB7-4D2E-A02C-3FE5F93A00D7}"/>
+              </a:ext>
+            </a:extLst>
+          </p:cNvPr>
+          <p:cNvSpPr>
+            <a:spLocks noGrp="1"/>
+          </p:cNvSpPr>
+          <p:nvPr>
+            <p:ph type="title"/>
+          </p:nvPr>
+        </p:nvSpPr>
+        <p:spPr/>
+        <p:txBody>
+          <a:bodyPr/>
+          <a:lstStyle/>
+          <a:p>
+            <a:r>
+              <a:rPr lang="ru-RU" i="0" dirty="0">
+                <a:effectLst/>
+              </a:rPr>
+              <a:t>Класс </a:t>
+            </a:r>
+            <a:r>
+              <a:rPr lang="ru-RU" i="0" dirty="0" err="1">
+                <a:effectLst/>
+              </a:rPr>
+              <a:t>Thread</a:t>
+            </a:r>
+            <a:endParaRPr lang="ru-RU" dirty="0"/>
+          </a:p>
+        </p:txBody>
+      </p:sp>
+      <p:sp>
+        <p:nvSpPr>
+          <p:cNvPr id="3" name="Объект 2">
+            <a:extLst>
+              <a:ext uri="{FF2B5EF4-FFF2-40B4-BE49-F238E27FC236}">
+                <a16:creationId xmlns:a16="http://schemas.microsoft.com/office/drawing/2014/main" id="{42F7AF6A-2F31-4E9A-9952-5F24E4CB693B}"/>
+              </a:ext>
+            </a:extLst>
+          </p:cNvPr>
+          <p:cNvSpPr>
+            <a:spLocks noGrp="1"/>
+          </p:cNvSpPr>
+          <p:nvPr>
+            <p:ph idx="1"/>
+          </p:nvPr>
+        </p:nvSpPr>
+        <p:spPr/>
+        <p:txBody>
+          <a:bodyPr>
+            <a:normAutofit/>
+          </a:bodyPr>
+          <a:lstStyle/>
+          <a:p>
+            <a:r>
+              <a:rPr lang="ru-RU" dirty="0"/>
+              <a:t>Создание нового потока – дорогая операция</a:t>
+            </a:r>
+          </a:p>
+          <a:p>
+            <a:r>
+              <a:rPr lang="ru-RU" dirty="0"/>
+              <a:t>Является ресурсом ОС, нужно следить за освобождением (через вызов </a:t>
+            </a:r>
+            <a:r>
+              <a:rPr lang="en-US" dirty="0"/>
+              <a:t>Dispose)</a:t>
+            </a:r>
+          </a:p>
+          <a:p>
+            <a:r>
+              <a:rPr lang="ru-RU" dirty="0"/>
+              <a:t>делятся на </a:t>
+            </a:r>
+            <a:r>
+              <a:rPr lang="ru-RU" dirty="0" err="1"/>
+              <a:t>background</a:t>
+            </a:r>
+            <a:r>
+              <a:rPr lang="ru-RU" dirty="0"/>
+              <a:t> (фоновый) и </a:t>
+            </a:r>
+            <a:r>
+              <a:rPr lang="ru-RU" dirty="0" err="1"/>
+              <a:t>foreground</a:t>
+            </a:r>
+            <a:r>
+              <a:rPr lang="ru-RU" dirty="0"/>
+              <a:t> (основные). </a:t>
+            </a:r>
+            <a:r>
+              <a:rPr lang="en-US" dirty="0"/>
+              <a:t>f</a:t>
+            </a:r>
+            <a:r>
+              <a:rPr lang="ru-RU" dirty="0" err="1"/>
+              <a:t>oreground</a:t>
+            </a:r>
+            <a:r>
+              <a:rPr lang="ru-RU" dirty="0"/>
+              <a:t>-потоки препятствуют завершению программы. Как только все </a:t>
+            </a:r>
+            <a:r>
+              <a:rPr lang="ru-RU" dirty="0" err="1"/>
+              <a:t>foreground</a:t>
+            </a:r>
+            <a:r>
+              <a:rPr lang="ru-RU" dirty="0"/>
+              <a:t>-потоки остановлены, система автоматически остановит все </a:t>
+            </a:r>
+            <a:r>
+              <a:rPr lang="ru-RU" dirty="0" err="1"/>
+              <a:t>background</a:t>
+            </a:r>
+            <a:r>
+              <a:rPr lang="ru-RU" dirty="0"/>
+              <a:t> и завершит выполнение приложения.</a:t>
+            </a:r>
+            <a:r>
+              <a:rPr lang="en-US" dirty="0"/>
+              <a:t> </a:t>
+            </a:r>
+            <a:endParaRPr lang="ru-RU" dirty="0"/>
+          </a:p>
+          <a:p>
+            <a:r>
+              <a:rPr lang="ru-RU" dirty="0"/>
+              <a:t>Для простых операций рекомендуется использовать пул потоков</a:t>
+            </a:r>
+            <a:endParaRPr lang="en-US" dirty="0"/>
+          </a:p>
+          <a:p>
+            <a:endParaRPr lang="en-US" dirty="0"/>
+          </a:p>
+          <a:p>
+            <a:endParaRPr lang="ru-RU" dirty="0"/>
+          </a:p>
+        </p:txBody>
+      </p:sp>
+      <p:sp>
+        <p:nvSpPr>
+          <p:cNvPr id="4" name="Номер слайда 3">
+            <a:extLst>
+              <a:ext uri="{FF2B5EF4-FFF2-40B4-BE49-F238E27FC236}">
+                <a16:creationId xmlns:a16="http://schemas.microsoft.com/office/drawing/2014/main" id="{7BF289BB-D9CD-4106-B1A5-9B7CA75D62EA}"/>
+              </a:ext>
+            </a:extLst>
+          </p:cNvPr>
+          <p:cNvSpPr>
+            <a:spLocks noGrp="1"/>
+          </p:cNvSpPr>
+          <p:nvPr>
+            <p:ph type="sldNum" sz="quarter" idx="12"/>
+          </p:nvPr>
+        </p:nvSpPr>
+        <p:spPr/>
+        <p:txBody>
+          <a:bodyPr/>
+          <a:lstStyle/>
+          <a:p>
+            <a:fld id="{227C91C0-7371-407B-9696-36B720B1D03F}" type="slidenum">
+              <a:rPr lang="ru-RU" smtClean="0"/>
+              <a:t>20</a:t>
+            </a:fld>
+            <a:endParaRPr lang="ru-RU"/>
+          </a:p>
+        </p:txBody>
+      </p:sp>
+    </p:spTree>
+    <p:extLst>
+      <p:ext uri="{BB962C8B-B14F-4D97-AF65-F5344CB8AC3E}">
+        <p14:creationId xmlns:p14="http://schemas.microsoft.com/office/powerpoint/2010/main" val="3950520008"/>
+      </p:ext>
+    </p:extLst>
+  </p:cSld>
+  <p:clrMapOvr>
+    <a:masterClrMapping/>
+  </p:clrMapOvr>
+</p:sld>
+</file>
+
+<file path=ppt/slides/slide21.xml><?xml version="1.0" encoding="utf-8"?>
+<p:sld xmlns:a="http://schemas.openxmlformats.org/drawingml/2006/main" xmlns:r="http://schemas.openxmlformats.org/officeDocument/2006/relationships" xmlns:p="http://schemas.openxmlformats.org/presentationml/2006/main">
+  <p:cSld>
+    <p:spTree>
+      <p:nvGrpSpPr>
+        <p:cNvPr id="1" name=""/>
+        <p:cNvGrpSpPr/>
+        <p:nvPr/>
+      </p:nvGrpSpPr>
+      <p:grpSpPr>
+        <a:xfrm>
+          <a:off x="0" y="0"/>
+          <a:ext cx="0" cy="0"/>
+          <a:chOff x="0" y="0"/>
+          <a:chExt cx="0" cy="0"/>
+        </a:xfrm>
+      </p:grpSpPr>
+      <p:sp>
+        <p:nvSpPr>
+          <p:cNvPr id="2" name="Заголовок 1">
+            <a:extLst>
+              <a:ext uri="{FF2B5EF4-FFF2-40B4-BE49-F238E27FC236}">
+                <a16:creationId xmlns:a16="http://schemas.microsoft.com/office/drawing/2014/main" id="{6F61ABA8-F30C-4190-ACA1-B1203D07D412}"/>
+              </a:ext>
+            </a:extLst>
+          </p:cNvPr>
+          <p:cNvSpPr>
+            <a:spLocks noGrp="1"/>
+          </p:cNvSpPr>
+          <p:nvPr>
+            <p:ph type="title"/>
+          </p:nvPr>
+        </p:nvSpPr>
+        <p:spPr/>
+        <p:txBody>
+          <a:bodyPr/>
+          <a:lstStyle/>
+          <a:p>
+            <a:r>
+              <a:rPr lang="ru-RU" dirty="0"/>
+              <a:t>Пул потоков</a:t>
+            </a:r>
+          </a:p>
+        </p:txBody>
+      </p:sp>
+      <p:sp>
+        <p:nvSpPr>
+          <p:cNvPr id="3" name="Объект 2">
+            <a:extLst>
+              <a:ext uri="{FF2B5EF4-FFF2-40B4-BE49-F238E27FC236}">
+                <a16:creationId xmlns:a16="http://schemas.microsoft.com/office/drawing/2014/main" id="{FA0C50D5-0739-44FE-9820-D86D54D97C56}"/>
+              </a:ext>
+            </a:extLst>
+          </p:cNvPr>
+          <p:cNvSpPr>
+            <a:spLocks noGrp="1"/>
+          </p:cNvSpPr>
+          <p:nvPr>
+            <p:ph idx="1"/>
+          </p:nvPr>
+        </p:nvSpPr>
+        <p:spPr/>
+        <p:txBody>
+          <a:bodyPr>
+            <a:normAutofit fontScale="92500" lnSpcReduction="10000"/>
+          </a:bodyPr>
+          <a:lstStyle/>
+          <a:p>
+            <a:r>
+              <a:rPr lang="ru-RU" dirty="0"/>
+              <a:t>Экономия ресурсов: позволяет не создавать новые потоки каждый раз, когда они нужны, а использовать уже созданные;</a:t>
+            </a:r>
+          </a:p>
+          <a:p>
+            <a:r>
+              <a:rPr lang="ru-RU" dirty="0"/>
+              <a:t>управление временем жизни потоков: пул управляет временем жизни потоков, автоматически уничтожая те, которые не используются, и создавая новые при необходимости. Предотвращает утечки памяти и повышает производительность;</a:t>
+            </a:r>
+          </a:p>
+          <a:p>
+            <a:r>
+              <a:rPr lang="ru-RU" dirty="0"/>
+              <a:t>распределение нагрузки: пул может распределять нагрузку между потоками, что позволяет более эффективно использовать ресурсы процессора и ускорить выполнение задач;</a:t>
+            </a:r>
+          </a:p>
+          <a:p>
+            <a:r>
+              <a:rPr lang="ru-RU" dirty="0"/>
+              <a:t>упрощение кода: разработчикам не нужно заботиться о создании, уничтожении и управлении потоками.</a:t>
+            </a:r>
+          </a:p>
+        </p:txBody>
+      </p:sp>
+      <p:sp>
+        <p:nvSpPr>
+          <p:cNvPr id="4" name="Номер слайда 3">
+            <a:extLst>
+              <a:ext uri="{FF2B5EF4-FFF2-40B4-BE49-F238E27FC236}">
+                <a16:creationId xmlns:a16="http://schemas.microsoft.com/office/drawing/2014/main" id="{E5EC97BF-F77B-431B-906F-7580C61D426A}"/>
+              </a:ext>
+            </a:extLst>
+          </p:cNvPr>
+          <p:cNvSpPr>
+            <a:spLocks noGrp="1"/>
+          </p:cNvSpPr>
+          <p:nvPr>
+            <p:ph type="sldNum" sz="quarter" idx="12"/>
+          </p:nvPr>
+        </p:nvSpPr>
+        <p:spPr/>
+        <p:txBody>
+          <a:bodyPr/>
+          <a:lstStyle/>
+          <a:p>
+            <a:fld id="{227C91C0-7371-407B-9696-36B720B1D03F}" type="slidenum">
+              <a:rPr lang="ru-RU" smtClean="0"/>
+              <a:t>21</a:t>
+            </a:fld>
+            <a:endParaRPr lang="ru-RU"/>
+          </a:p>
+        </p:txBody>
+      </p:sp>
+    </p:spTree>
+    <p:extLst>
+      <p:ext uri="{BB962C8B-B14F-4D97-AF65-F5344CB8AC3E}">
+        <p14:creationId xmlns:p14="http://schemas.microsoft.com/office/powerpoint/2010/main" val="3418387891"/>
+      </p:ext>
+    </p:extLst>
+  </p:cSld>
+  <p:clrMapOvr>
+    <a:masterClrMapping/>
+  </p:clrMapOvr>
+</p:sld>
+</file>
+
+<file path=ppt/slides/slide22.xml><?xml version="1.0" encoding="utf-8"?>
+<p:sld xmlns:a="http://schemas.openxmlformats.org/drawingml/2006/main" xmlns:r="http://schemas.openxmlformats.org/officeDocument/2006/relationships" xmlns:p="http://schemas.openxmlformats.org/presentationml/2006/main">
+  <p:cSld>
+    <p:spTree>
+      <p:nvGrpSpPr>
+        <p:cNvPr id="1" name=""/>
+        <p:cNvGrpSpPr/>
+        <p:nvPr/>
+      </p:nvGrpSpPr>
+      <p:grpSpPr>
+        <a:xfrm>
+          <a:off x="0" y="0"/>
+          <a:ext cx="0" cy="0"/>
+          <a:chOff x="0" y="0"/>
+          <a:chExt cx="0" cy="0"/>
+        </a:xfrm>
+      </p:grpSpPr>
+      <p:sp>
+        <p:nvSpPr>
+          <p:cNvPr id="4" name="Номер слайда 3">
+            <a:extLst>
+              <a:ext uri="{FF2B5EF4-FFF2-40B4-BE49-F238E27FC236}">
+                <a16:creationId xmlns:a16="http://schemas.microsoft.com/office/drawing/2014/main" id="{85B8844E-54F3-4CE5-A4C2-3182D71BA2CA}"/>
+              </a:ext>
+            </a:extLst>
+          </p:cNvPr>
+          <p:cNvSpPr>
+            <a:spLocks noGrp="1"/>
+          </p:cNvSpPr>
+          <p:nvPr>
+            <p:ph type="sldNum" sz="quarter" idx="12"/>
+          </p:nvPr>
+        </p:nvSpPr>
+        <p:spPr/>
+        <p:txBody>
+          <a:bodyPr/>
+          <a:lstStyle/>
+          <a:p>
+            <a:fld id="{227C91C0-7371-407B-9696-36B720B1D03F}" type="slidenum">
+              <a:rPr lang="ru-RU" smtClean="0"/>
+              <a:t>22</a:t>
             </a:fld>
             <a:endParaRPr lang="ru-RU"/>
           </a:p>
@@ -4724,7 +7787,7 @@
 </p:sld>
 </file>
 
-<file path=ppt/slides/slide15.xml><?xml version="1.0" encoding="utf-8"?>
+<file path=ppt/slides/slide23.xml><?xml version="1.0" encoding="utf-8"?>
 <p:sld xmlns:a="http://schemas.openxmlformats.org/drawingml/2006/main" xmlns:r="http://schemas.openxmlformats.org/officeDocument/2006/relationships" xmlns:p="http://schemas.openxmlformats.org/presentationml/2006/main">
   <p:cSld>
     <p:spTree>
@@ -4798,37 +7861,19 @@
           <a:lstStyle/>
           <a:p>
             <a:r>
-              <a:rPr lang="ru-RU" b="0" i="0" dirty="0">
-                <a:solidFill>
-                  <a:srgbClr val="333333"/>
-                </a:solidFill>
-                <a:effectLst/>
-                <a:latin typeface="-apple-system"/>
-              </a:rPr>
+              <a:rPr lang="ru-RU" dirty="0"/>
               <a:t>набор потоков, которые находятся в режиме ожидания и готовы выполнять любую полезную работу. </a:t>
             </a:r>
           </a:p>
           <a:p>
             <a:r>
-              <a:rPr lang="ru-RU" b="0" i="0" dirty="0">
-                <a:solidFill>
-                  <a:srgbClr val="333333"/>
-                </a:solidFill>
-                <a:effectLst/>
-                <a:latin typeface="-apple-system"/>
-              </a:rPr>
+              <a:rPr lang="ru-RU" dirty="0"/>
               <a:t>при запуске приложения пул-потоков запускает минимальное количество потоков, которые находятся в состоянии ожидания новых задач. </a:t>
             </a:r>
           </a:p>
           <a:p>
             <a:r>
-              <a:rPr lang="ru-RU" b="0" i="0" dirty="0">
-                <a:solidFill>
-                  <a:srgbClr val="333333"/>
-                </a:solidFill>
-                <a:effectLst/>
-                <a:latin typeface="-apple-system"/>
-              </a:rPr>
+              <a:rPr lang="ru-RU" dirty="0"/>
               <a:t>если активных потоков недостаточно для эффективного выполнения задач в пуле, он запускает новые и использует их по тому же принципу повторного использования. </a:t>
             </a:r>
           </a:p>
@@ -4860,7 +7905,7 @@
           <a:p>
             <a:fld id="{227C91C0-7371-407B-9696-36B720B1D03F}" type="slidenum">
               <a:rPr lang="ru-RU" smtClean="0"/>
-              <a:t>15</a:t>
+              <a:t>23</a:t>
             </a:fld>
             <a:endParaRPr lang="ru-RU"/>
           </a:p>
@@ -4879,7 +7924,7 @@
 </p:sld>
 </file>
 
-<file path=ppt/slides/slide16.xml><?xml version="1.0" encoding="utf-8"?>
+<file path=ppt/slides/slide24.xml><?xml version="1.0" encoding="utf-8"?>
 <p:sld xmlns:a="http://schemas.openxmlformats.org/drawingml/2006/main" xmlns:r="http://schemas.openxmlformats.org/officeDocument/2006/relationships" xmlns:p="http://schemas.openxmlformats.org/presentationml/2006/main">
   <p:cSld>
     <p:spTree>
@@ -4947,7 +7992,9 @@
         </p:nvSpPr>
         <p:spPr/>
         <p:txBody>
-          <a:bodyPr/>
+          <a:bodyPr>
+            <a:normAutofit lnSpcReduction="10000"/>
+          </a:bodyPr>
           <a:lstStyle/>
           <a:p>
             <a:r>
@@ -4960,7 +8007,14 @@
             </a:r>
             <a:r>
               <a:rPr lang="ru-RU" dirty="0"/>
-              <a:t> и I/O-потоки. Рабочие потоки фокусируются на работе, связанной с загрузкой CPU (CPU </a:t>
+              <a:t> и I/O-потоки. </a:t>
+            </a:r>
+            <a:endParaRPr lang="en-US" dirty="0"/>
+          </a:p>
+          <a:p>
+            <a:r>
+              <a:rPr lang="ru-RU" dirty="0"/>
+              <a:t>Рабочие потоки фокусируются на работе, связанной с загрузкой CPU (CPU </a:t>
             </a:r>
             <a:r>
               <a:rPr lang="ru-RU" dirty="0" err="1"/>
@@ -4968,7 +8022,14 @@
             </a:r>
             <a:r>
               <a:rPr lang="ru-RU" dirty="0"/>
-              <a:t>), в то время как I/O-потоки — на работе с устройствами ввода/вывода: файловая система, сетевая карта и другие. Если пытаться выполнять I/O-операцию на рабочем потоке (CPU </a:t>
+              <a:t>), в то время как I/O-потоки — на работе с устройствами ввода/вывода: файловая система, сетевая карта и другие. </a:t>
+            </a:r>
+            <a:endParaRPr lang="en-US" dirty="0"/>
+          </a:p>
+          <a:p>
+            <a:r>
+              <a:rPr lang="ru-RU" dirty="0"/>
+              <a:t>Если выполнять I/O-операцию на рабочем потоке (CPU </a:t>
             </a:r>
             <a:r>
               <a:rPr lang="ru-RU" dirty="0" err="1"/>
@@ -4976,11 +8037,8 @@
             </a:r>
             <a:r>
               <a:rPr lang="ru-RU" dirty="0"/>
-              <a:t>), то это будет напрасная трата ресурсов, так как поток будет находиться в состоянии ожидания завершения I/O-операции. Для подобных задач предназначены отдельные I/O-потоки. При использовании пула потоков это скрыто в явном виде от разработчиков. Получить количество разных потоков в пуле можно при помощи кода:</a:t>
-            </a:r>
-          </a:p>
-          <a:p>
-            <a:endParaRPr lang="ru-RU" dirty="0"/>
+              <a:t>), то расход ресурсов менее эффективен, т.к. поток будет находиться в состоянии ожидания завершения I/O-операции. Для подобных задач предназначены отдельные I/O-потоки. При использовании пула потоков это скрыто в явном виде от разработчиков. </a:t>
+            </a:r>
           </a:p>
         </p:txBody>
       </p:sp>
@@ -5007,7 +8065,7 @@
           <a:p>
             <a:fld id="{227C91C0-7371-407B-9696-36B720B1D03F}" type="slidenum">
               <a:rPr lang="ru-RU" smtClean="0"/>
-              <a:t>16</a:t>
+              <a:t>24</a:t>
             </a:fld>
             <a:endParaRPr lang="ru-RU"/>
           </a:p>
@@ -5026,7 +8084,7 @@
 </p:sld>
 </file>
 
-<file path=ppt/slides/slide17.xml><?xml version="1.0" encoding="utf-8"?>
+<file path=ppt/slides/slide25.xml><?xml version="1.0" encoding="utf-8"?>
 <p:sld xmlns:a="http://schemas.openxmlformats.org/drawingml/2006/main" xmlns:r="http://schemas.openxmlformats.org/officeDocument/2006/relationships" xmlns:p="http://schemas.openxmlformats.org/presentationml/2006/main">
   <p:cSld>
     <p:spTree>
@@ -5102,13 +8160,7 @@
               <a:buChar char="•"/>
             </a:pPr>
             <a:r>
-              <a:rPr lang="ru-RU" b="0" i="0" dirty="0">
-                <a:solidFill>
-                  <a:srgbClr val="333333"/>
-                </a:solidFill>
-                <a:effectLst/>
-                <a:latin typeface="-apple-system"/>
-              </a:rPr>
+              <a:rPr lang="ru-RU" dirty="0"/>
               <a:t>Потокам из пула невозможно назначить имя</a:t>
             </a:r>
           </a:p>
@@ -5118,33 +8170,15 @@
               <a:buChar char="•"/>
             </a:pPr>
             <a:r>
-              <a:rPr lang="ru-RU" b="0" i="0" dirty="0">
-                <a:solidFill>
-                  <a:srgbClr val="333333"/>
-                </a:solidFill>
-                <a:effectLst/>
-                <a:latin typeface="-apple-system"/>
-              </a:rPr>
+              <a:rPr lang="ru-RU" dirty="0"/>
               <a:t>Потоки из пула всегда фоновые (</a:t>
             </a:r>
             <a:r>
-              <a:rPr lang="ru-RU" b="0" i="0" dirty="0" err="1">
-                <a:solidFill>
-                  <a:srgbClr val="333333"/>
-                </a:solidFill>
-                <a:effectLst/>
-                <a:latin typeface="-apple-system"/>
-              </a:rPr>
+              <a:rPr lang="ru-RU" dirty="0" err="1"/>
               <a:t>background</a:t>
             </a:r>
             <a:r>
-              <a:rPr lang="ru-RU" b="0" i="0" dirty="0">
-                <a:solidFill>
-                  <a:srgbClr val="333333"/>
-                </a:solidFill>
-                <a:effectLst/>
-                <a:latin typeface="-apple-system"/>
-              </a:rPr>
+              <a:rPr lang="ru-RU" dirty="0"/>
               <a:t>)</a:t>
             </a:r>
           </a:p>
@@ -5154,14 +8188,19 @@
               <a:buChar char="•"/>
             </a:pPr>
             <a:r>
-              <a:rPr lang="ru-RU" b="0" i="0" dirty="0">
-                <a:solidFill>
-                  <a:srgbClr val="333333"/>
-                </a:solidFill>
-                <a:effectLst/>
-                <a:latin typeface="-apple-system"/>
-              </a:rPr>
+              <a:rPr lang="ru-RU" dirty="0"/>
               <a:t>Блокировка потоков из пула может привести к запуску дополнительных потоков и падению производительности</a:t>
+            </a:r>
+            <a:endParaRPr lang="en-US" dirty="0"/>
+          </a:p>
+          <a:p>
+            <a:pPr algn="l">
+              <a:buFont typeface="Arial" panose="020B0604020202020204" pitchFamily="34" charset="0"/>
+              <a:buChar char="•"/>
+            </a:pPr>
+            <a:r>
+              <a:rPr lang="ru-RU" dirty="0"/>
+              <a:t>Имеет размер, при его достижении (кол-во активных задач = кол-ву потоков) может увеличиваться, добавляя 2 потока в секунду. </a:t>
             </a:r>
           </a:p>
           <a:p>
@@ -5192,7 +8231,7 @@
           <a:p>
             <a:fld id="{227C91C0-7371-407B-9696-36B720B1D03F}" type="slidenum">
               <a:rPr lang="ru-RU" smtClean="0"/>
-              <a:t>17</a:t>
+              <a:t>25</a:t>
             </a:fld>
             <a:endParaRPr lang="ru-RU"/>
           </a:p>
@@ -5211,7 +8250,7 @@
 </p:sld>
 </file>
 
-<file path=ppt/slides/slide18.xml><?xml version="1.0" encoding="utf-8"?>
+<file path=ppt/slides/slide26.xml><?xml version="1.0" encoding="utf-8"?>
 <p:sld xmlns:a="http://schemas.openxmlformats.org/drawingml/2006/main" xmlns:r="http://schemas.openxmlformats.org/officeDocument/2006/relationships" xmlns:p="http://schemas.openxmlformats.org/presentationml/2006/main">
   <p:cSld>
     <p:spTree>
@@ -5385,7 +8424,7 @@
           <a:p>
             <a:fld id="{227C91C0-7371-407B-9696-36B720B1D03F}" type="slidenum">
               <a:rPr lang="ru-RU" smtClean="0"/>
-              <a:t>18</a:t>
+              <a:t>26</a:t>
             </a:fld>
             <a:endParaRPr lang="ru-RU"/>
           </a:p>
@@ -5404,7 +8443,7 @@
 </p:sld>
 </file>
 
-<file path=ppt/slides/slide2.xml><?xml version="1.0" encoding="utf-8"?>
+<file path=ppt/slides/slide27.xml><?xml version="1.0" encoding="utf-8"?>
 <p:sld xmlns:a="http://schemas.openxmlformats.org/drawingml/2006/main" xmlns:r="http://schemas.openxmlformats.org/officeDocument/2006/relationships" xmlns:p="http://schemas.openxmlformats.org/presentationml/2006/main">
   <p:cSld>
     <p:spTree>
@@ -5426,7 +8465,7 @@
           <p:cNvPr id="2" name="Заголовок 1">
             <a:extLst>
               <a:ext uri="{FF2B5EF4-FFF2-40B4-BE49-F238E27FC236}">
-                <a16:creationId xmlns:a16="http://schemas.microsoft.com/office/drawing/2014/main" id="{8AF0A49D-B668-4F74-9DED-C9C65E9D8A1D}"/>
+                <a16:creationId xmlns:a16="http://schemas.microsoft.com/office/drawing/2014/main" id="{2BFDA040-41AC-4AD9-8EF0-5440C8509D66}"/>
               </a:ext>
             </a:extLst>
           </p:cNvPr>
@@ -5444,8 +8483,13 @@
           <a:p>
             <a:r>
               <a:rPr lang="ru-RU" dirty="0"/>
-              <a:t>Многопоточное программирование</a:t>
-            </a:r>
+              <a:t>Класс </a:t>
+            </a:r>
+            <a:r>
+              <a:rPr lang="en-US" dirty="0" err="1"/>
+              <a:t>ThreadPool</a:t>
+            </a:r>
+            <a:endParaRPr lang="ru-RU" dirty="0"/>
           </a:p>
         </p:txBody>
       </p:sp>
@@ -5454,7 +8498,7 @@
           <p:cNvPr id="3" name="Объект 2">
             <a:extLst>
               <a:ext uri="{FF2B5EF4-FFF2-40B4-BE49-F238E27FC236}">
-                <a16:creationId xmlns:a16="http://schemas.microsoft.com/office/drawing/2014/main" id="{7A29C519-A879-4A4B-AA57-FE340E41D112}"/>
+                <a16:creationId xmlns:a16="http://schemas.microsoft.com/office/drawing/2014/main" id="{EBD7D7B0-4BBD-4527-A5EE-4962A5C40D73}"/>
               </a:ext>
             </a:extLst>
           </p:cNvPr>
@@ -5467,33 +8511,24 @@
         </p:nvSpPr>
         <p:spPr/>
         <p:txBody>
-          <a:bodyPr>
-            <a:normAutofit/>
-          </a:bodyPr>
-          <a:lstStyle/>
-          <a:p>
-            <a:pPr marL="0" indent="0" algn="l">
-              <a:buNone/>
-            </a:pPr>
-            <a:r>
-              <a:rPr lang="ru-RU" b="0" i="0" dirty="0">
-                <a:effectLst/>
-                <a:latin typeface="YS Text"/>
-              </a:rPr>
-              <a:t>Это подход к разработке программного обеспечения, который позволяет выполнять несколько независимых потоков выполнения (или нитей) в рамках одного процесса. </a:t>
-            </a:r>
-          </a:p>
-          <a:p>
-            <a:pPr marL="0" indent="0" algn="l">
-              <a:buNone/>
-            </a:pPr>
-            <a:r>
-              <a:rPr lang="ru-RU" b="0" i="0" dirty="0">
-                <a:effectLst/>
-                <a:latin typeface="YS Text"/>
-              </a:rPr>
-              <a:t>Это позволяет процессору использовать свое время более эффективно, выполняя несколько задач одновременно или переключаясь между ними, чтобы ускорить выполнение приложения.</a:t>
-            </a:r>
+          <a:bodyPr/>
+          <a:lstStyle/>
+          <a:p>
+            <a:r>
+              <a:rPr lang="ru-RU" dirty="0"/>
+              <a:t>Использование класса </a:t>
+            </a:r>
+            <a:r>
+              <a:rPr lang="en-US" sz="2800" dirty="0" err="1"/>
+              <a:t>ThreadPool</a:t>
+            </a:r>
+            <a:r>
+              <a:rPr lang="ru-RU" sz="2800" dirty="0"/>
+              <a:t> не позволяет отслеживать состояние задачи, управлять ее выполнением;</a:t>
+            </a:r>
+          </a:p>
+          <a:p>
+            <a:endParaRPr lang="en-US" sz="2800" dirty="0"/>
           </a:p>
           <a:p>
             <a:endParaRPr lang="ru-RU" dirty="0"/>
@@ -5505,7 +8540,7 @@
           <p:cNvPr id="4" name="Номер слайда 3">
             <a:extLst>
               <a:ext uri="{FF2B5EF4-FFF2-40B4-BE49-F238E27FC236}">
-                <a16:creationId xmlns:a16="http://schemas.microsoft.com/office/drawing/2014/main" id="{F2B9F7B0-3544-4487-A55F-E540ED9EA8DE}"/>
+                <a16:creationId xmlns:a16="http://schemas.microsoft.com/office/drawing/2014/main" id="{D1D6AF9C-BFAB-4BA8-8CF3-280D541AF2CA}"/>
               </a:ext>
             </a:extLst>
           </p:cNvPr>
@@ -5523,7 +8558,7 @@
           <a:p>
             <a:fld id="{227C91C0-7371-407B-9696-36B720B1D03F}" type="slidenum">
               <a:rPr lang="ru-RU" smtClean="0"/>
-              <a:t>2</a:t>
+              <a:t>27</a:t>
             </a:fld>
             <a:endParaRPr lang="ru-RU"/>
           </a:p>
@@ -5532,7 +8567,7 @@
     </p:spTree>
     <p:extLst>
       <p:ext uri="{BB962C8B-B14F-4D97-AF65-F5344CB8AC3E}">
-        <p14:creationId xmlns:p14="http://schemas.microsoft.com/office/powerpoint/2010/main" val="1868400653"/>
+        <p14:creationId xmlns:p14="http://schemas.microsoft.com/office/powerpoint/2010/main" val="3236139878"/>
       </p:ext>
     </p:extLst>
   </p:cSld>
@@ -5564,7 +8599,7 @@
           <p:cNvPr id="2" name="Заголовок 1">
             <a:extLst>
               <a:ext uri="{FF2B5EF4-FFF2-40B4-BE49-F238E27FC236}">
-                <a16:creationId xmlns:a16="http://schemas.microsoft.com/office/drawing/2014/main" id="{DBE523D7-5C92-4B40-B668-AEF27AEA7CA4}"/>
+                <a16:creationId xmlns:a16="http://schemas.microsoft.com/office/drawing/2014/main" id="{F6307968-32ED-4935-A944-FE2CBE9D3BC3}"/>
               </a:ext>
             </a:extLst>
           </p:cNvPr>
@@ -5582,7 +8617,7 @@
           <a:p>
             <a:r>
               <a:rPr lang="ru-RU" dirty="0"/>
-              <a:t>Многопоточное программирование</a:t>
+              <a:t>Понятие потока</a:t>
             </a:r>
           </a:p>
         </p:txBody>
@@ -5592,7 +8627,7 @@
           <p:cNvPr id="3" name="Объект 2">
             <a:extLst>
               <a:ext uri="{FF2B5EF4-FFF2-40B4-BE49-F238E27FC236}">
-                <a16:creationId xmlns:a16="http://schemas.microsoft.com/office/drawing/2014/main" id="{F79A2952-B682-4052-82D1-41FF4FC61F68}"/>
+                <a16:creationId xmlns:a16="http://schemas.microsoft.com/office/drawing/2014/main" id="{47A0C9AA-4E8A-44B6-A644-87754B4F2762}"/>
               </a:ext>
             </a:extLst>
           </p:cNvPr>
@@ -5603,83 +8638,32 @@
             <p:ph idx="1"/>
           </p:nvPr>
         </p:nvSpPr>
-        <p:spPr>
-          <a:xfrm>
-            <a:off x="838200" y="1582220"/>
-            <a:ext cx="10515600" cy="5003515"/>
-          </a:xfrm>
-        </p:spPr>
+        <p:spPr/>
         <p:txBody>
           <a:bodyPr>
-            <a:normAutofit fontScale="92500" lnSpcReduction="20000"/>
+            <a:normAutofit/>
           </a:bodyPr>
           <a:lstStyle/>
           <a:p>
-            <a:pPr algn="l">
-              <a:buFont typeface="+mj-lt"/>
-              <a:buAutoNum type="arabicPeriod"/>
-            </a:pPr>
-            <a:r>
-              <a:rPr lang="ru-RU" b="0" i="0" dirty="0">
-                <a:effectLst/>
-                <a:latin typeface="YS Text"/>
-              </a:rPr>
-              <a:t>Сокращение общего времени выполнения программы. Например, когда программа загружает данные из интернета и обрабатывает их, многопоточность позволит выполнять обе операции одновременно, в то время как последовательное выполнение заняло бы вдвое больше времени.</a:t>
-            </a:r>
-          </a:p>
-          <a:p>
-            <a:pPr algn="l">
-              <a:buFont typeface="+mj-lt"/>
-              <a:buAutoNum type="arabicPeriod"/>
-            </a:pPr>
-            <a:r>
-              <a:rPr lang="ru-RU" b="0" i="0" dirty="0">
-                <a:effectLst/>
-                <a:latin typeface="YS Text"/>
-              </a:rPr>
-              <a:t>Оптимизация использования ресурсов: более эффективное использование процессорного времени, переключаясь между потоками и выполняя задачи, которые наиболее важны в данный момент. Это помогает избежать простоя ресурсов и улучшает общую производительность системы.</a:t>
-            </a:r>
-          </a:p>
-          <a:p>
-            <a:pPr algn="l">
-              <a:buFont typeface="+mj-lt"/>
-              <a:buAutoNum type="arabicPeriod"/>
-            </a:pPr>
-            <a:r>
-              <a:rPr lang="ru-RU" b="0" i="0" dirty="0">
-                <a:effectLst/>
-                <a:latin typeface="YS Text"/>
-              </a:rPr>
-              <a:t>Улучшение пользовательского опыта (</a:t>
-            </a:r>
-            <a:r>
-              <a:rPr lang="en-US" b="0" i="0" dirty="0">
-                <a:effectLst/>
-                <a:latin typeface="YS Text"/>
-              </a:rPr>
-              <a:t>UX – User Experience</a:t>
-            </a:r>
-            <a:r>
-              <a:rPr lang="ru-RU" b="0" i="0" dirty="0">
-                <a:effectLst/>
-                <a:latin typeface="YS Text"/>
-              </a:rPr>
-              <a:t>)</a:t>
-            </a:r>
-            <a:r>
-              <a:rPr lang="en-US" b="0" i="0" dirty="0">
-                <a:effectLst/>
-                <a:latin typeface="YS Text"/>
-              </a:rPr>
-              <a:t> </a:t>
-            </a:r>
-            <a:r>
-              <a:rPr lang="ru-RU" b="0" i="0" dirty="0">
-                <a:effectLst/>
-                <a:latin typeface="YS Text"/>
-              </a:rPr>
-              <a:t>: приложение будет реагировать на действия пользователя быстрее. Например, при работе с графическим интерфейсом пользователя, многопоточная обработка может ускорить обработку ввода, отображая изменения на экране быстрее.</a:t>
-            </a:r>
+            <a:r>
+              <a:rPr lang="ru-RU" dirty="0"/>
+              <a:t>некая последовательность команд для процессора, которые он последовательно параллельно либо псевдопараллельно относительно других потоков исполнения кода. </a:t>
+            </a:r>
+          </a:p>
+          <a:p>
+            <a:r>
+              <a:rPr lang="ru-RU" dirty="0"/>
+              <a:t>Параллельно — в случае, если код разных потоков исполняется на разных физических ядрах. </a:t>
+            </a:r>
+          </a:p>
+          <a:p>
+            <a:r>
+              <a:rPr lang="ru-RU" dirty="0"/>
+              <a:t>Псевдопараллельно — если код разных потоков исполняется на одном физическом ядре. Чтобы эмулировать параллельность задачи делятся по времени исполнения на очень короткие интервалы и чередуются, создавая видимость параллельного исполнения.</a:t>
+            </a:r>
+          </a:p>
+          <a:p>
+            <a:endParaRPr lang="ru-RU" dirty="0"/>
           </a:p>
         </p:txBody>
       </p:sp>
@@ -5688,7 +8672,7 @@
           <p:cNvPr id="4" name="Номер слайда 3">
             <a:extLst>
               <a:ext uri="{FF2B5EF4-FFF2-40B4-BE49-F238E27FC236}">
-                <a16:creationId xmlns:a16="http://schemas.microsoft.com/office/drawing/2014/main" id="{3B9DED15-730E-4029-A4AF-FDDF87CD723A}"/>
+                <a16:creationId xmlns:a16="http://schemas.microsoft.com/office/drawing/2014/main" id="{E83BAAA9-012B-4435-83F2-B18BB618507F}"/>
               </a:ext>
             </a:extLst>
           </p:cNvPr>
@@ -5715,7 +8699,7 @@
     </p:spTree>
     <p:extLst>
       <p:ext uri="{BB962C8B-B14F-4D97-AF65-F5344CB8AC3E}">
-        <p14:creationId xmlns:p14="http://schemas.microsoft.com/office/powerpoint/2010/main" val="252181602"/>
+        <p14:creationId xmlns:p14="http://schemas.microsoft.com/office/powerpoint/2010/main" val="87589337"/>
       </p:ext>
     </p:extLst>
   </p:cSld>
@@ -5794,7 +8778,6 @@
             <a:r>
               <a:rPr lang="ru-RU" b="0" i="0" dirty="0">
                 <a:effectLst/>
-                <a:latin typeface="YS Text"/>
               </a:rPr>
               <a:t>Поток - это последовательность инструкций, которые выполняются процессором. Процессор (ядро) может выполнять только один поток инструкций за раз, переключаясь между различными потоками по мере необходимости. </a:t>
             </a:r>
@@ -5803,7 +8786,6 @@
             <a:r>
               <a:rPr lang="ru-RU" b="0" i="0" dirty="0">
                 <a:effectLst/>
-                <a:latin typeface="YS Text"/>
               </a:rPr>
               <a:t>Многопоточное программирование позволяет создавать приложения, которые могут использовать несколько потоков для выполнения различных задач одновременно.</a:t>
             </a:r>
@@ -5875,7 +8857,7 @@
           <p:cNvPr id="2" name="Заголовок 1">
             <a:extLst>
               <a:ext uri="{FF2B5EF4-FFF2-40B4-BE49-F238E27FC236}">
-                <a16:creationId xmlns:a16="http://schemas.microsoft.com/office/drawing/2014/main" id="{56D52758-8EE6-49A6-918D-99168B2D926B}"/>
+                <a16:creationId xmlns:a16="http://schemas.microsoft.com/office/drawing/2014/main" id="{DBE523D7-5C92-4B40-B668-AEF27AEA7CA4}"/>
               </a:ext>
             </a:extLst>
           </p:cNvPr>
@@ -5893,13 +8875,8 @@
           <a:p>
             <a:r>
               <a:rPr lang="ru-RU" dirty="0"/>
-              <a:t>Способы реализации многопоточности в </a:t>
-            </a:r>
-            <a:r>
-              <a:rPr lang="en-US" dirty="0" err="1"/>
-              <a:t>.net</a:t>
-            </a:r>
-            <a:endParaRPr lang="ru-RU" dirty="0"/>
+              <a:t>Многопоточное программирование</a:t>
+            </a:r>
           </a:p>
         </p:txBody>
       </p:sp>
@@ -5908,7 +8885,7 @@
           <p:cNvPr id="3" name="Объект 2">
             <a:extLst>
               <a:ext uri="{FF2B5EF4-FFF2-40B4-BE49-F238E27FC236}">
-                <a16:creationId xmlns:a16="http://schemas.microsoft.com/office/drawing/2014/main" id="{190E86A0-4121-485A-BD1D-4A6F0A804FA3}"/>
+                <a16:creationId xmlns:a16="http://schemas.microsoft.com/office/drawing/2014/main" id="{F79A2952-B682-4052-82D1-41FF4FC61F68}"/>
               </a:ext>
             </a:extLst>
           </p:cNvPr>
@@ -5919,79 +8896,49 @@
             <p:ph idx="1"/>
           </p:nvPr>
         </p:nvSpPr>
-        <p:spPr/>
-        <p:txBody>
-          <a:bodyPr/>
+        <p:spPr>
+          <a:xfrm>
+            <a:off x="838200" y="1582220"/>
+            <a:ext cx="10515600" cy="5003515"/>
+          </a:xfrm>
+        </p:spPr>
+        <p:txBody>
+          <a:bodyPr>
+            <a:normAutofit fontScale="92500" lnSpcReduction="20000"/>
+          </a:bodyPr>
           <a:lstStyle/>
           <a:p>
             <a:r>
               <a:rPr lang="ru-RU" dirty="0"/>
-              <a:t>класс </a:t>
-            </a:r>
-            <a:r>
-              <a:rPr lang="ru-RU" dirty="0" err="1"/>
-              <a:t>Thread</a:t>
-            </a:r>
-            <a:endParaRPr lang="ru-RU" dirty="0"/>
+              <a:t>сокращение общего времени выполнения программы. Например, когда программа загружает данные из интернета и обрабатывает их, многопоточность позволит выполнять обе операции одновременно, в то время как последовательное выполнение заняло бы вдвое больше времени.</a:t>
+            </a:r>
           </a:p>
           <a:p>
             <a:r>
               <a:rPr lang="ru-RU" dirty="0"/>
-              <a:t>пул потоков (классы </a:t>
+              <a:t>оптимизация использования ресурсов: более эффективное использование процессорного времени, переключаясь между потоками и выполняя задачи, которые наиболее важны в данный момент. Это помогает избежать простоя ресурсов и улучшает общую производительность системы.</a:t>
+            </a:r>
+          </a:p>
+          <a:p>
+            <a:r>
+              <a:rPr lang="ru-RU" dirty="0"/>
+              <a:t>улучшение пользовательского опыта (</a:t>
             </a:r>
             <a:r>
               <a:rPr lang="en-US" dirty="0"/>
-              <a:t>Task, </a:t>
-            </a:r>
-            <a:r>
-              <a:rPr lang="en-US" dirty="0" err="1"/>
-              <a:t>ThreadPool</a:t>
+              <a:t>UX – User Experience</a:t>
+            </a:r>
+            <a:r>
+              <a:rPr lang="ru-RU" dirty="0"/>
+              <a:t>)</a:t>
             </a:r>
             <a:r>
               <a:rPr lang="en-US" dirty="0"/>
-              <a:t>)</a:t>
-            </a:r>
-            <a:endParaRPr lang="ru-RU" dirty="0"/>
-          </a:p>
-          <a:p>
+              <a:t> </a:t>
+            </a:r>
             <a:r>
               <a:rPr lang="ru-RU" dirty="0"/>
-              <a:t>асинхронные методы и </a:t>
-            </a:r>
-            <a:r>
-              <a:rPr lang="ru-RU" dirty="0" err="1"/>
-              <a:t>async</a:t>
-            </a:r>
-            <a:r>
-              <a:rPr lang="ru-RU" dirty="0"/>
-              <a:t>/</a:t>
-            </a:r>
-            <a:r>
-              <a:rPr lang="ru-RU" dirty="0" err="1"/>
-              <a:t>await</a:t>
-            </a:r>
-            <a:endParaRPr lang="ru-RU" dirty="0"/>
-          </a:p>
-          <a:p>
-            <a:r>
-              <a:rPr lang="ru-RU" dirty="0"/>
-              <a:t>библиотеки для работы с параллельными вычислениями, такие как TPL (Task </a:t>
-            </a:r>
-            <a:r>
-              <a:rPr lang="ru-RU" dirty="0" err="1"/>
-              <a:t>Parallel</a:t>
-            </a:r>
-            <a:r>
-              <a:rPr lang="ru-RU" dirty="0"/>
-              <a:t> Library) или PLINQ (</a:t>
-            </a:r>
-            <a:r>
-              <a:rPr lang="ru-RU" dirty="0" err="1"/>
-              <a:t>Parallel</a:t>
-            </a:r>
-            <a:r>
-              <a:rPr lang="ru-RU" dirty="0"/>
-              <a:t> LINQ)</a:t>
+              <a:t>: приложение будет реагировать на действия пользователя быстрее. Например, при работе с графическим интерфейсом пользователя, многопоточная обработка может ускорить обработку ввода, отображая изменения на экране быстрее.</a:t>
             </a:r>
           </a:p>
         </p:txBody>
@@ -6001,7 +8948,7 @@
           <p:cNvPr id="4" name="Номер слайда 3">
             <a:extLst>
               <a:ext uri="{FF2B5EF4-FFF2-40B4-BE49-F238E27FC236}">
-                <a16:creationId xmlns:a16="http://schemas.microsoft.com/office/drawing/2014/main" id="{819712CF-16E0-4559-918D-201794EBC358}"/>
+                <a16:creationId xmlns:a16="http://schemas.microsoft.com/office/drawing/2014/main" id="{3B9DED15-730E-4029-A4AF-FDDF87CD723A}"/>
               </a:ext>
             </a:extLst>
           </p:cNvPr>
@@ -6028,7 +8975,7 @@
     </p:spTree>
     <p:extLst>
       <p:ext uri="{BB962C8B-B14F-4D97-AF65-F5344CB8AC3E}">
-        <p14:creationId xmlns:p14="http://schemas.microsoft.com/office/powerpoint/2010/main" val="2941573222"/>
+        <p14:creationId xmlns:p14="http://schemas.microsoft.com/office/powerpoint/2010/main" val="252181602"/>
       </p:ext>
     </p:extLst>
   </p:cSld>
@@ -6060,7 +9007,7 @@
           <p:cNvPr id="2" name="Заголовок 1">
             <a:extLst>
               <a:ext uri="{FF2B5EF4-FFF2-40B4-BE49-F238E27FC236}">
-                <a16:creationId xmlns:a16="http://schemas.microsoft.com/office/drawing/2014/main" id="{75B92E58-341C-42AF-8F57-0FE844CCC1CB}"/>
+                <a16:creationId xmlns:a16="http://schemas.microsoft.com/office/drawing/2014/main" id="{89D350AC-1065-40A7-9BEE-8620699A9411}"/>
               </a:ext>
             </a:extLst>
           </p:cNvPr>
@@ -6075,102 +9022,87 @@
         <p:txBody>
           <a:bodyPr/>
           <a:lstStyle/>
+          <a:p>
+            <a:r>
+              <a:rPr lang="ru-RU" dirty="0"/>
+              <a:t>Многопоточное программирование</a:t>
+            </a:r>
+          </a:p>
+        </p:txBody>
+      </p:sp>
+      <p:sp>
+        <p:nvSpPr>
+          <p:cNvPr id="3" name="Объект 2">
+            <a:extLst>
+              <a:ext uri="{FF2B5EF4-FFF2-40B4-BE49-F238E27FC236}">
+                <a16:creationId xmlns:a16="http://schemas.microsoft.com/office/drawing/2014/main" id="{E1DC3708-50D9-4F5E-B154-206C3E57FD87}"/>
+              </a:ext>
+            </a:extLst>
+          </p:cNvPr>
+          <p:cNvSpPr>
+            <a:spLocks noGrp="1"/>
+          </p:cNvSpPr>
+          <p:nvPr>
+            <p:ph idx="1"/>
+          </p:nvPr>
+        </p:nvSpPr>
+        <p:spPr/>
+        <p:txBody>
+          <a:bodyPr>
+            <a:normAutofit/>
+          </a:bodyPr>
+          <a:lstStyle/>
+          <a:p>
+            <a:r>
+              <a:rPr lang="ru-RU" dirty="0"/>
+              <a:t>Потоки выполняются в т.н. режиме разделения времени. Слишком большое кол-во потоков -</a:t>
+            </a:r>
+            <a:r>
+              <a:rPr lang="en-US" dirty="0"/>
+              <a:t>&gt;</a:t>
+            </a:r>
+            <a:r>
+              <a:rPr lang="ru-RU" dirty="0"/>
+              <a:t> менее эффективная работа планировщика;</a:t>
+            </a:r>
+          </a:p>
+          <a:p>
+            <a:r>
+              <a:rPr lang="ru-RU" dirty="0"/>
+              <a:t>Каждый поток резервирует некоторый объем памяти (1 МБ по умолчанию), большое кол-во потоков </a:t>
+            </a:r>
+            <a:r>
+              <a:rPr lang="en-US" dirty="0"/>
+              <a:t>-&gt; </a:t>
+            </a:r>
+            <a:r>
+              <a:rPr lang="ru-RU" dirty="0"/>
+              <a:t>большой расход памяти;</a:t>
+            </a:r>
+          </a:p>
           <a:p>
             <a:r>
               <a:rPr lang="ru-RU" b="0" i="0" dirty="0">
                 <a:effectLst/>
                 <a:latin typeface="YS Text"/>
               </a:rPr>
-              <a:t>Класс </a:t>
-            </a:r>
-            <a:r>
-              <a:rPr lang="ru-RU" b="0" i="0" dirty="0" err="1">
-                <a:effectLst/>
-                <a:latin typeface="YS Text"/>
-              </a:rPr>
-              <a:t>Thread</a:t>
-            </a:r>
+              <a:t>потребность в синхронизации: если в приложении много одновременных операций или взаимодействия между потоками, может потребоваться больше времени на синхронизацию и координацию между потоками. Это может снизить производительность и усложнить код.</a:t>
+            </a:r>
+          </a:p>
+          <a:p>
+            <a:pPr marL="0" indent="0">
+              <a:buNone/>
+            </a:pPr>
             <a:endParaRPr lang="ru-RU" dirty="0"/>
           </a:p>
         </p:txBody>
       </p:sp>
       <p:sp>
         <p:nvSpPr>
-          <p:cNvPr id="3" name="Объект 2">
-            <a:extLst>
-              <a:ext uri="{FF2B5EF4-FFF2-40B4-BE49-F238E27FC236}">
-                <a16:creationId xmlns:a16="http://schemas.microsoft.com/office/drawing/2014/main" id="{9C96881D-633F-4C39-AEDE-FAF6CC2939CD}"/>
-              </a:ext>
-            </a:extLst>
-          </p:cNvPr>
-          <p:cNvSpPr>
-            <a:spLocks noGrp="1"/>
-          </p:cNvSpPr>
-          <p:nvPr>
-            <p:ph idx="1"/>
-          </p:nvPr>
-        </p:nvSpPr>
-        <p:spPr/>
-        <p:txBody>
-          <a:bodyPr/>
-          <a:lstStyle/>
-          <a:p>
-            <a:r>
-              <a:rPr lang="ru-RU" b="0" i="0" dirty="0">
-                <a:effectLst/>
-                <a:latin typeface="YS Text"/>
-              </a:rPr>
-              <a:t>Используется для создания новых потоков выполнения. </a:t>
-            </a:r>
-          </a:p>
-          <a:p>
-            <a:r>
-              <a:rPr lang="ru-RU" b="0" i="0" dirty="0">
-                <a:effectLst/>
-                <a:latin typeface="YS Text"/>
-              </a:rPr>
-              <a:t>Создание потока включает в себя создание объекта класса </a:t>
-            </a:r>
-            <a:r>
-              <a:rPr lang="ru-RU" b="0" i="0" dirty="0" err="1">
-                <a:effectLst/>
-                <a:latin typeface="YS Text"/>
-              </a:rPr>
-              <a:t>Thread</a:t>
-            </a:r>
-            <a:r>
-              <a:rPr lang="ru-RU" b="0" i="0" dirty="0">
-                <a:effectLst/>
-                <a:latin typeface="YS Text"/>
-              </a:rPr>
-              <a:t>, указание метода, который должен выполняться в этом потоке, и запуск потока с помощью метода Start.</a:t>
-            </a:r>
-          </a:p>
-          <a:p>
-            <a:r>
-              <a:rPr lang="ru-RU" dirty="0"/>
-              <a:t>Имеют приоритет, который определяет </a:t>
-            </a:r>
-            <a:r>
-              <a:rPr lang="en-US" dirty="0"/>
-              <a:t>% </a:t>
-            </a:r>
-            <a:r>
-              <a:rPr lang="ru-RU" dirty="0"/>
-              <a:t>используемого процессорного времени.</a:t>
-            </a:r>
-          </a:p>
-          <a:p>
-            <a:endParaRPr lang="ru-RU" dirty="0"/>
-          </a:p>
-        </p:txBody>
-      </p:sp>
-      <p:sp>
-        <p:nvSpPr>
           <p:cNvPr id="4" name="Номер слайда 3">
             <a:extLst>
               <a:ext uri="{FF2B5EF4-FFF2-40B4-BE49-F238E27FC236}">
-                <a16:creationId xmlns:a16="http://schemas.microsoft.com/office/drawing/2014/main" id="{612DEC66-674E-4537-A375-FD703EC17B48}"/>
+                <a16:creationId xmlns:a16="http://schemas.microsoft.com/office/drawing/2014/main" id="{514FE024-B4FA-4300-BF73-60A4F6800D81}"/>
               </a:ext>
             </a:extLst>
           </p:cNvPr>
@@ -6197,7 +9129,7 @@
     </p:spTree>
     <p:extLst>
       <p:ext uri="{BB962C8B-B14F-4D97-AF65-F5344CB8AC3E}">
-        <p14:creationId xmlns:p14="http://schemas.microsoft.com/office/powerpoint/2010/main" val="1747477544"/>
+        <p14:creationId xmlns:p14="http://schemas.microsoft.com/office/powerpoint/2010/main" val="4182042144"/>
       </p:ext>
     </p:extLst>
   </p:cSld>
@@ -6229,7 +9161,7 @@
           <p:cNvPr id="2" name="Заголовок 1">
             <a:extLst>
               <a:ext uri="{FF2B5EF4-FFF2-40B4-BE49-F238E27FC236}">
-                <a16:creationId xmlns:a16="http://schemas.microsoft.com/office/drawing/2014/main" id="{80DEB3C6-8E32-4CA3-A70B-727E9A014E67}"/>
+                <a16:creationId xmlns:a16="http://schemas.microsoft.com/office/drawing/2014/main" id="{56D52758-8EE6-49A6-918D-99168B2D926B}"/>
               </a:ext>
             </a:extLst>
           </p:cNvPr>
@@ -6246,141 +9178,107 @@
           <a:lstStyle/>
           <a:p>
             <a:r>
-              <a:rPr lang="ru-RU" b="0" i="0" dirty="0">
-                <a:effectLst/>
-                <a:latin typeface="YS Text"/>
-              </a:rPr>
-              <a:t>Класс </a:t>
-            </a:r>
-            <a:r>
-              <a:rPr lang="ru-RU" b="0" i="0" dirty="0" err="1">
-                <a:effectLst/>
-                <a:latin typeface="YS Text"/>
-              </a:rPr>
+              <a:rPr lang="ru-RU" dirty="0"/>
+              <a:t>Способы реализации многопоточности в </a:t>
+            </a:r>
+            <a:r>
+              <a:rPr lang="en-US" dirty="0" err="1"/>
+              <a:t>.net</a:t>
+            </a:r>
+            <a:endParaRPr lang="ru-RU" dirty="0"/>
+          </a:p>
+        </p:txBody>
+      </p:sp>
+      <p:sp>
+        <p:nvSpPr>
+          <p:cNvPr id="3" name="Объект 2">
+            <a:extLst>
+              <a:ext uri="{FF2B5EF4-FFF2-40B4-BE49-F238E27FC236}">
+                <a16:creationId xmlns:a16="http://schemas.microsoft.com/office/drawing/2014/main" id="{190E86A0-4121-485A-BD1D-4A6F0A804FA3}"/>
+              </a:ext>
+            </a:extLst>
+          </p:cNvPr>
+          <p:cNvSpPr>
+            <a:spLocks noGrp="1"/>
+          </p:cNvSpPr>
+          <p:nvPr>
+            <p:ph idx="1"/>
+          </p:nvPr>
+        </p:nvSpPr>
+        <p:spPr/>
+        <p:txBody>
+          <a:bodyPr/>
+          <a:lstStyle/>
+          <a:p>
+            <a:r>
+              <a:rPr lang="ru-RU" dirty="0"/>
+              <a:t>класс </a:t>
+            </a:r>
+            <a:r>
+              <a:rPr lang="ru-RU" dirty="0" err="1"/>
               <a:t>Thread</a:t>
             </a:r>
             <a:endParaRPr lang="ru-RU" dirty="0"/>
           </a:p>
-        </p:txBody>
-      </p:sp>
-      <p:sp>
-        <p:nvSpPr>
-          <p:cNvPr id="3" name="Объект 2">
-            <a:extLst>
-              <a:ext uri="{FF2B5EF4-FFF2-40B4-BE49-F238E27FC236}">
-                <a16:creationId xmlns:a16="http://schemas.microsoft.com/office/drawing/2014/main" id="{8AB4D5D2-0D7C-4ECE-82CC-E956DDB14A04}"/>
-              </a:ext>
-            </a:extLst>
-          </p:cNvPr>
-          <p:cNvSpPr>
-            <a:spLocks noGrp="1"/>
-          </p:cNvSpPr>
-          <p:nvPr>
-            <p:ph idx="1"/>
-          </p:nvPr>
-        </p:nvSpPr>
-        <p:spPr/>
-        <p:txBody>
-          <a:bodyPr/>
-          <a:lstStyle/>
-          <a:p>
-            <a:pPr marL="0" indent="0">
-              <a:buNone/>
-            </a:pPr>
+          <a:p>
+            <a:r>
+              <a:rPr lang="ru-RU" dirty="0"/>
+              <a:t>пул потоков (классы </a:t>
+            </a:r>
             <a:r>
               <a:rPr lang="en-US" dirty="0"/>
-              <a:t>static void </a:t>
+              <a:t>Task, </a:t>
             </a:r>
             <a:r>
               <a:rPr lang="en-US" dirty="0" err="1"/>
-              <a:t>MakeSomeWork</a:t>
+              <a:t>ThreadPool</a:t>
             </a:r>
             <a:r>
               <a:rPr lang="en-US" dirty="0"/>
-              <a:t> ()</a:t>
-            </a:r>
-          </a:p>
-          <a:p>
-            <a:pPr marL="0" indent="0">
-              <a:buNone/>
-            </a:pPr>
-            <a:r>
-              <a:rPr lang="en-US" dirty="0"/>
-              <a:t>{</a:t>
-            </a:r>
-          </a:p>
-          <a:p>
-            <a:pPr marL="0" indent="0">
-              <a:buNone/>
-            </a:pPr>
-            <a:r>
-              <a:rPr lang="en-US" dirty="0"/>
-              <a:t>      //</a:t>
-            </a:r>
+              <a:t>)</a:t>
+            </a:r>
+            <a:endParaRPr lang="ru-RU" dirty="0"/>
+          </a:p>
+          <a:p>
             <a:r>
               <a:rPr lang="ru-RU" dirty="0"/>
-              <a:t>метод выполняющий какую-то длительную операцию</a:t>
-            </a:r>
-            <a:endParaRPr lang="en-US" dirty="0"/>
-          </a:p>
-          <a:p>
-            <a:pPr marL="0" indent="0">
-              <a:buNone/>
-            </a:pPr>
-            <a:r>
-              <a:rPr lang="en-US" dirty="0"/>
-              <a:t>}</a:t>
-            </a:r>
-          </a:p>
-          <a:p>
-            <a:pPr marL="0" indent="0">
-              <a:buNone/>
-            </a:pPr>
+              <a:t>асинхронные методы и </a:t>
+            </a:r>
+            <a:r>
+              <a:rPr lang="ru-RU" dirty="0" err="1"/>
+              <a:t>async</a:t>
+            </a:r>
+            <a:r>
+              <a:rPr lang="ru-RU" dirty="0"/>
+              <a:t>/</a:t>
+            </a:r>
+            <a:r>
+              <a:rPr lang="ru-RU" dirty="0" err="1"/>
+              <a:t>await</a:t>
+            </a:r>
             <a:endParaRPr lang="ru-RU" dirty="0"/>
           </a:p>
           <a:p>
-            <a:pPr marL="0" indent="0">
-              <a:buNone/>
-            </a:pPr>
-            <a:r>
-              <a:rPr lang="en-US" dirty="0"/>
-              <a:t>Thread t = new Thread(</a:t>
-            </a:r>
-            <a:r>
-              <a:rPr lang="en-US" dirty="0" err="1"/>
-              <a:t>MakeSomeWork</a:t>
-            </a:r>
-            <a:r>
-              <a:rPr lang="en-US" dirty="0"/>
-              <a:t>);</a:t>
-            </a:r>
-          </a:p>
-          <a:p>
-            <a:pPr marL="0" indent="0">
-              <a:buNone/>
-            </a:pPr>
-            <a:r>
-              <a:rPr lang="en-US" dirty="0" err="1"/>
-              <a:t>t.Start</a:t>
-            </a:r>
-            <a:r>
-              <a:rPr lang="en-US" dirty="0"/>
-              <a:t>();</a:t>
-            </a:r>
-          </a:p>
-          <a:p>
-            <a:pPr marL="0" indent="0">
-              <a:buNone/>
-            </a:pPr>
-            <a:r>
-              <a:rPr lang="en-US" dirty="0" err="1"/>
-              <a:t>t.Join</a:t>
-            </a:r>
-            <a:r>
-              <a:rPr lang="en-US" dirty="0"/>
-              <a:t>();</a:t>
-            </a:r>
-            <a:endParaRPr lang="ru-RU" dirty="0"/>
+            <a:r>
+              <a:rPr lang="ru-RU" dirty="0"/>
+              <a:t>библиотеки для работы с параллельными вычислениями, такие как TPL (Task </a:t>
+            </a:r>
+            <a:r>
+              <a:rPr lang="ru-RU" dirty="0" err="1"/>
+              <a:t>Parallel</a:t>
+            </a:r>
+            <a:r>
+              <a:rPr lang="ru-RU" dirty="0"/>
+              <a:t> Library) или PLINQ (</a:t>
+            </a:r>
+            <a:r>
+              <a:rPr lang="ru-RU" dirty="0" err="1"/>
+              <a:t>Parallel</a:t>
+            </a:r>
+            <a:r>
+              <a:rPr lang="ru-RU" dirty="0"/>
+              <a:t> LINQ)</a:t>
+            </a:r>
           </a:p>
         </p:txBody>
       </p:sp>
@@ -6389,7 +9287,7 @@
           <p:cNvPr id="4" name="Номер слайда 3">
             <a:extLst>
               <a:ext uri="{FF2B5EF4-FFF2-40B4-BE49-F238E27FC236}">
-                <a16:creationId xmlns:a16="http://schemas.microsoft.com/office/drawing/2014/main" id="{29297356-984D-473C-9C92-B1219153A1AB}"/>
+                <a16:creationId xmlns:a16="http://schemas.microsoft.com/office/drawing/2014/main" id="{819712CF-16E0-4559-918D-201794EBC358}"/>
               </a:ext>
             </a:extLst>
           </p:cNvPr>
@@ -6416,7 +9314,7 @@
     </p:spTree>
     <p:extLst>
       <p:ext uri="{BB962C8B-B14F-4D97-AF65-F5344CB8AC3E}">
-        <p14:creationId xmlns:p14="http://schemas.microsoft.com/office/powerpoint/2010/main" val="4059121452"/>
+        <p14:creationId xmlns:p14="http://schemas.microsoft.com/office/powerpoint/2010/main" val="2941573222"/>
       </p:ext>
     </p:extLst>
   </p:cSld>
@@ -6448,7 +9346,7 @@
           <p:cNvPr id="2" name="Заголовок 1">
             <a:extLst>
               <a:ext uri="{FF2B5EF4-FFF2-40B4-BE49-F238E27FC236}">
-                <a16:creationId xmlns:a16="http://schemas.microsoft.com/office/drawing/2014/main" id="{80DEB3C6-8E32-4CA3-A70B-727E9A014E67}"/>
+                <a16:creationId xmlns:a16="http://schemas.microsoft.com/office/drawing/2014/main" id="{75B92E58-341C-42AF-8F57-0FE844CCC1CB}"/>
               </a:ext>
             </a:extLst>
           </p:cNvPr>
@@ -6457,6 +9355,43 @@
           </p:cNvSpPr>
           <p:nvPr>
             <p:ph type="title"/>
+          </p:nvPr>
+        </p:nvSpPr>
+        <p:spPr/>
+        <p:txBody>
+          <a:bodyPr/>
+          <a:lstStyle/>
+          <a:p>
+            <a:r>
+              <a:rPr lang="ru-RU" b="0" i="0" dirty="0">
+                <a:effectLst/>
+              </a:rPr>
+              <a:t>Класс </a:t>
+            </a:r>
+            <a:r>
+              <a:rPr lang="ru-RU" b="0" i="0" dirty="0" err="1">
+                <a:effectLst/>
+              </a:rPr>
+              <a:t>Thread</a:t>
+            </a:r>
+            <a:endParaRPr lang="ru-RU" dirty="0"/>
+          </a:p>
+        </p:txBody>
+      </p:sp>
+      <p:sp>
+        <p:nvSpPr>
+          <p:cNvPr id="3" name="Объект 2">
+            <a:extLst>
+              <a:ext uri="{FF2B5EF4-FFF2-40B4-BE49-F238E27FC236}">
+                <a16:creationId xmlns:a16="http://schemas.microsoft.com/office/drawing/2014/main" id="{9C96881D-633F-4C39-AEDE-FAF6CC2939CD}"/>
+              </a:ext>
+            </a:extLst>
+          </p:cNvPr>
+          <p:cNvSpPr>
+            <a:spLocks noGrp="1"/>
+          </p:cNvSpPr>
+          <p:nvPr>
+            <p:ph idx="1"/>
           </p:nvPr>
         </p:nvSpPr>
         <p:spPr/>
@@ -6469,7 +9404,16 @@
                 <a:effectLst/>
                 <a:latin typeface="YS Text"/>
               </a:rPr>
-              <a:t>Класс </a:t>
+              <a:t>Используется для создания новых потоков выполнения. </a:t>
+            </a:r>
+          </a:p>
+          <a:p>
+            <a:r>
+              <a:rPr lang="ru-RU" b="0" i="0" dirty="0">
+                <a:effectLst/>
+                <a:latin typeface="YS Text"/>
+              </a:rPr>
+              <a:t>Создание потока включает в себя создание объекта класса </a:t>
             </a:r>
             <a:r>
               <a:rPr lang="ru-RU" b="0" i="0" dirty="0" err="1">
@@ -6483,176 +9427,34 @@
                 <a:effectLst/>
                 <a:latin typeface="YS Text"/>
               </a:rPr>
-              <a:t>. Создание </a:t>
-            </a:r>
-            <a:r>
-              <a:rPr lang="ru-RU" dirty="0">
-                <a:latin typeface="YS Text"/>
-              </a:rPr>
-              <a:t>п</a:t>
-            </a:r>
-            <a:r>
-              <a:rPr lang="ru-RU" b="0" i="0" dirty="0">
-                <a:effectLst/>
-                <a:latin typeface="YS Text"/>
-              </a:rPr>
-              <a:t>араметризованного потока</a:t>
-            </a:r>
+              <a:t>, указание метода, который должен выполняться в этом потоке, и запуск потока с помощью метода Start.</a:t>
+            </a:r>
+          </a:p>
+          <a:p>
+            <a:r>
+              <a:rPr lang="ru-RU" dirty="0"/>
+              <a:t>Имеют приоритет, который определяет </a:t>
+            </a:r>
+            <a:r>
+              <a:rPr lang="en-US" dirty="0"/>
+              <a:t>% </a:t>
+            </a:r>
+            <a:r>
+              <a:rPr lang="ru-RU" dirty="0"/>
+              <a:t>используемого процессорного времени.</a:t>
+            </a:r>
+          </a:p>
+          <a:p>
             <a:endParaRPr lang="ru-RU" dirty="0"/>
           </a:p>
         </p:txBody>
       </p:sp>
       <p:sp>
         <p:nvSpPr>
-          <p:cNvPr id="3" name="Объект 2">
-            <a:extLst>
-              <a:ext uri="{FF2B5EF4-FFF2-40B4-BE49-F238E27FC236}">
-                <a16:creationId xmlns:a16="http://schemas.microsoft.com/office/drawing/2014/main" id="{8AB4D5D2-0D7C-4ECE-82CC-E956DDB14A04}"/>
-              </a:ext>
-            </a:extLst>
-          </p:cNvPr>
-          <p:cNvSpPr>
-            <a:spLocks noGrp="1"/>
-          </p:cNvSpPr>
-          <p:nvPr>
-            <p:ph idx="1"/>
-          </p:nvPr>
-        </p:nvSpPr>
-        <p:spPr/>
-        <p:txBody>
-          <a:bodyPr>
-            <a:normAutofit fontScale="92500" lnSpcReduction="20000"/>
-          </a:bodyPr>
-          <a:lstStyle/>
-          <a:p>
-            <a:pPr marL="0" indent="0">
-              <a:buNone/>
-            </a:pPr>
-            <a:r>
-              <a:rPr lang="en-US" dirty="0"/>
-              <a:t>static void </a:t>
-            </a:r>
-            <a:r>
-              <a:rPr lang="en-US" dirty="0" err="1"/>
-              <a:t>MakeSomeWork</a:t>
-            </a:r>
-            <a:r>
-              <a:rPr lang="ru-RU" dirty="0"/>
-              <a:t>2</a:t>
-            </a:r>
-            <a:r>
-              <a:rPr lang="en-US" dirty="0"/>
-              <a:t> (object param)</a:t>
-            </a:r>
-          </a:p>
-          <a:p>
-            <a:pPr marL="0" indent="0">
-              <a:buNone/>
-            </a:pPr>
-            <a:r>
-              <a:rPr lang="en-US" dirty="0"/>
-              <a:t>{</a:t>
-            </a:r>
-          </a:p>
-          <a:p>
-            <a:pPr marL="0" indent="0">
-              <a:buNone/>
-            </a:pPr>
-            <a:r>
-              <a:rPr lang="en-US" dirty="0"/>
-              <a:t>      int num = (int) param; </a:t>
-            </a:r>
-          </a:p>
-          <a:p>
-            <a:pPr marL="0" indent="0">
-              <a:buNone/>
-            </a:pPr>
-            <a:r>
-              <a:rPr lang="en-US" dirty="0"/>
-              <a:t>      </a:t>
-            </a:r>
-            <a:r>
-              <a:rPr lang="en-US" dirty="0" err="1"/>
-              <a:t>Console.WriteLine</a:t>
-            </a:r>
-            <a:r>
-              <a:rPr lang="en-US" dirty="0"/>
-              <a:t>(num);</a:t>
-            </a:r>
-          </a:p>
-          <a:p>
-            <a:pPr marL="0" indent="0">
-              <a:buNone/>
-            </a:pPr>
-            <a:r>
-              <a:rPr lang="en-US" dirty="0"/>
-              <a:t>      //</a:t>
-            </a:r>
-            <a:r>
-              <a:rPr lang="ru-RU" dirty="0"/>
-              <a:t>код выполнения какой-то длительной операции</a:t>
-            </a:r>
-            <a:endParaRPr lang="en-US" dirty="0"/>
-          </a:p>
-          <a:p>
-            <a:pPr marL="0" indent="0">
-              <a:buNone/>
-            </a:pPr>
-            <a:r>
-              <a:rPr lang="en-US" dirty="0"/>
-              <a:t>}</a:t>
-            </a:r>
-          </a:p>
-          <a:p>
-            <a:pPr marL="0" indent="0">
-              <a:buNone/>
-            </a:pPr>
-            <a:endParaRPr lang="ru-RU" dirty="0"/>
-          </a:p>
-          <a:p>
-            <a:pPr marL="0" indent="0">
-              <a:buNone/>
-            </a:pPr>
-            <a:r>
-              <a:rPr lang="en-US" dirty="0"/>
-              <a:t>Thread t = new Thread(MakeSomeWork2);</a:t>
-            </a:r>
-          </a:p>
-          <a:p>
-            <a:pPr marL="0" indent="0">
-              <a:buNone/>
-            </a:pPr>
-            <a:r>
-              <a:rPr lang="en-US" dirty="0" err="1"/>
-              <a:t>t.Start</a:t>
-            </a:r>
-            <a:r>
-              <a:rPr lang="en-US" dirty="0"/>
-              <a:t>(20);</a:t>
-            </a:r>
-          </a:p>
-          <a:p>
-            <a:pPr marL="0" indent="0">
-              <a:buNone/>
-            </a:pPr>
-            <a:r>
-              <a:rPr lang="en-US" dirty="0" err="1"/>
-              <a:t>t.Join</a:t>
-            </a:r>
-            <a:r>
-              <a:rPr lang="en-US" dirty="0"/>
-              <a:t>();</a:t>
-            </a:r>
-            <a:endParaRPr lang="ru-RU" dirty="0"/>
-          </a:p>
-        </p:txBody>
-      </p:sp>
-      <p:sp>
-        <p:nvSpPr>
           <p:cNvPr id="4" name="Номер слайда 3">
             <a:extLst>
               <a:ext uri="{FF2B5EF4-FFF2-40B4-BE49-F238E27FC236}">
-                <a16:creationId xmlns:a16="http://schemas.microsoft.com/office/drawing/2014/main" id="{29297356-984D-473C-9C92-B1219153A1AB}"/>
+                <a16:creationId xmlns:a16="http://schemas.microsoft.com/office/drawing/2014/main" id="{612DEC66-674E-4537-A375-FD703EC17B48}"/>
               </a:ext>
             </a:extLst>
           </p:cNvPr>
@@ -6679,7 +9481,7 @@
     </p:spTree>
     <p:extLst>
       <p:ext uri="{BB962C8B-B14F-4D97-AF65-F5344CB8AC3E}">
-        <p14:creationId xmlns:p14="http://schemas.microsoft.com/office/powerpoint/2010/main" val="2225005128"/>
+        <p14:creationId xmlns:p14="http://schemas.microsoft.com/office/powerpoint/2010/main" val="1747477544"/>
       </p:ext>
     </p:extLst>
   </p:cSld>
@@ -6730,37 +9532,15 @@
             <a:r>
               <a:rPr lang="ru-RU" b="0" i="0" dirty="0">
                 <a:effectLst/>
-                <a:latin typeface="YS Text"/>
               </a:rPr>
               <a:t>Класс </a:t>
             </a:r>
             <a:r>
               <a:rPr lang="ru-RU" b="0" i="0" dirty="0" err="1">
                 <a:effectLst/>
-                <a:latin typeface="YS Text"/>
               </a:rPr>
               <a:t>Thread</a:t>
             </a:r>
-            <a:r>
-              <a:rPr lang="ru-RU" b="0" i="0" dirty="0">
-                <a:effectLst/>
-                <a:latin typeface="YS Text"/>
-              </a:rPr>
-              <a:t>. Создание </a:t>
-            </a:r>
-            <a:r>
-              <a:rPr lang="ru-RU" dirty="0">
-                <a:latin typeface="YS Text"/>
-              </a:rPr>
-              <a:t>п</a:t>
-            </a:r>
-            <a:r>
-              <a:rPr lang="ru-RU" b="0" i="0" dirty="0">
-                <a:effectLst/>
-                <a:latin typeface="YS Text"/>
-              </a:rPr>
-              <a:t>араметризованного потока</a:t>
-            </a:r>
             <a:endParaRPr lang="ru-RU" dirty="0"/>
           </a:p>
         </p:txBody>
@@ -6783,20 +9563,8 @@
         </p:nvSpPr>
         <p:spPr/>
         <p:txBody>
-          <a:bodyPr>
-            <a:normAutofit fontScale="85000" lnSpcReduction="20000"/>
-          </a:bodyPr>
-          <a:lstStyle/>
-          <a:p>
-            <a:pPr marL="0" indent="0">
-              <a:buNone/>
-            </a:pPr>
-            <a:r>
-              <a:rPr lang="en-US" dirty="0"/>
-              <a:t>class Person {  /*….*/  }</a:t>
-            </a:r>
-            <a:endParaRPr lang="ru-RU" dirty="0"/>
-          </a:p>
+          <a:bodyPr/>
+          <a:lstStyle/>
           <a:p>
             <a:pPr marL="0" indent="0">
               <a:buNone/>
@@ -6810,12 +9578,8 @@
               <a:t>MakeSomeWork</a:t>
             </a:r>
             <a:r>
-              <a:rPr lang="ru-RU" dirty="0"/>
-              <a:t>3</a:t>
-            </a:r>
-            <a:r>
               <a:rPr lang="en-US" dirty="0"/>
-              <a:t> (object param)</a:t>
+              <a:t> ()</a:t>
             </a:r>
           </a:p>
           <a:p>
@@ -6833,36 +9597,40 @@
             </a:pPr>
             <a:r>
               <a:rPr lang="en-US" dirty="0"/>
-              <a:t>      Person </a:t>
+              <a:t>      //</a:t>
+            </a:r>
+            <a:r>
+              <a:rPr lang="ru-RU" dirty="0"/>
+              <a:t>метод выполняющий какую-то длительную операцию</a:t>
+            </a:r>
+            <a:endParaRPr lang="en-US" dirty="0"/>
+          </a:p>
+          <a:p>
+            <a:pPr marL="0" indent="0">
+              <a:buNone/>
+            </a:pPr>
+            <a:r>
+              <a:rPr lang="en-US" dirty="0"/>
+              <a:t>}</a:t>
+            </a:r>
+          </a:p>
+          <a:p>
+            <a:pPr marL="0" indent="0">
+              <a:buNone/>
+            </a:pPr>
+            <a:endParaRPr lang="ru-RU" dirty="0"/>
+          </a:p>
+          <a:p>
+            <a:pPr marL="0" indent="0">
+              <a:buNone/>
+            </a:pPr>
+            <a:r>
+              <a:rPr lang="en-US" dirty="0"/>
+              <a:t>Thread t = new Thread(</a:t>
             </a:r>
             <a:r>
               <a:rPr lang="en-US" dirty="0" err="1"/>
-              <a:t>person</a:t>
-            </a:r>
-            <a:r>
-              <a:rPr lang="en-US" dirty="0"/>
-              <a:t> = (Person) param; </a:t>
-            </a:r>
-          </a:p>
-          <a:p>
-            <a:pPr marL="0" indent="0">
-              <a:buNone/>
-            </a:pPr>
-            <a:r>
-              <a:rPr lang="en-US" dirty="0"/>
-              <a:t>      </a:t>
-            </a:r>
-            <a:r>
-              <a:rPr lang="en-US" dirty="0" err="1"/>
-              <a:t>Console.WriteLine</a:t>
-            </a:r>
-            <a:r>
-              <a:rPr lang="en-US" dirty="0"/>
-              <a:t>(</a:t>
-            </a:r>
-            <a:r>
-              <a:rPr lang="en-US" dirty="0" err="1"/>
-              <a:t>person.Name</a:t>
+              <a:t>MakeSomeWork</a:t>
             </a:r>
             <a:r>
               <a:rPr lang="en-US" dirty="0"/>
@@ -6874,53 +9642,12 @@
               <a:buNone/>
             </a:pPr>
             <a:r>
-              <a:rPr lang="en-US" dirty="0"/>
-              <a:t>      //</a:t>
-            </a:r>
-            <a:r>
-              <a:rPr lang="ru-RU" dirty="0"/>
-              <a:t>код выполнения какой-то длительной операции</a:t>
-            </a:r>
-            <a:endParaRPr lang="en-US" dirty="0"/>
-          </a:p>
-          <a:p>
-            <a:pPr marL="0" indent="0">
-              <a:buNone/>
-            </a:pPr>
-            <a:r>
-              <a:rPr lang="en-US" dirty="0"/>
-              <a:t>}</a:t>
-            </a:r>
-          </a:p>
-          <a:p>
-            <a:pPr marL="0" indent="0">
-              <a:buNone/>
-            </a:pPr>
-            <a:r>
-              <a:rPr lang="en-US" dirty="0"/>
-              <a:t>Thread t = new Thread(MakeSomeWork3);</a:t>
-            </a:r>
-          </a:p>
-          <a:p>
-            <a:pPr marL="0" indent="0">
-              <a:buNone/>
-            </a:pPr>
-            <a:r>
-              <a:rPr lang="en-US" dirty="0"/>
-              <a:t>Person p = new Person();</a:t>
-            </a:r>
-          </a:p>
-          <a:p>
-            <a:pPr marL="0" indent="0">
-              <a:buNone/>
-            </a:pPr>
-            <a:r>
               <a:rPr lang="en-US" dirty="0" err="1"/>
               <a:t>t.Start</a:t>
             </a:r>
             <a:r>
               <a:rPr lang="en-US" dirty="0"/>
-              <a:t>(p);</a:t>
+              <a:t>();</a:t>
             </a:r>
           </a:p>
           <a:p>
@@ -6971,7 +9698,7 @@
     </p:spTree>
     <p:extLst>
       <p:ext uri="{BB962C8B-B14F-4D97-AF65-F5344CB8AC3E}">
-        <p14:creationId xmlns:p14="http://schemas.microsoft.com/office/powerpoint/2010/main" val="2455007849"/>
+        <p14:creationId xmlns:p14="http://schemas.microsoft.com/office/powerpoint/2010/main" val="4059121452"/>
       </p:ext>
     </p:extLst>
   </p:cSld>

--- a/Лекции/3 семестр/Часть 3/Программирование лекция 3.3.pptx
+++ b/Лекции/3 семестр/Часть 3/Программирование лекция 3.3.pptx
@@ -5,7 +5,7 @@
     <p:sldMasterId id="2147483648" r:id="rId1"/>
   </p:sldMasterIdLst>
   <p:notesMasterIdLst>
-    <p:notesMasterId r:id="rId29"/>
+    <p:notesMasterId r:id="rId38"/>
   </p:notesMasterIdLst>
   <p:sldIdLst>
     <p:sldId id="256" r:id="rId2"/>
@@ -26,15 +26,24 @@
     <p:sldId id="354" r:id="rId17"/>
     <p:sldId id="313" r:id="rId18"/>
     <p:sldId id="314" r:id="rId19"/>
-    <p:sldId id="355" r:id="rId20"/>
-    <p:sldId id="342" r:id="rId21"/>
-    <p:sldId id="343" r:id="rId22"/>
-    <p:sldId id="344" r:id="rId23"/>
-    <p:sldId id="345" r:id="rId24"/>
-    <p:sldId id="346" r:id="rId25"/>
-    <p:sldId id="347" r:id="rId26"/>
-    <p:sldId id="348" r:id="rId27"/>
-    <p:sldId id="351" r:id="rId28"/>
+    <p:sldId id="365" r:id="rId20"/>
+    <p:sldId id="355" r:id="rId21"/>
+    <p:sldId id="356" r:id="rId22"/>
+    <p:sldId id="357" r:id="rId23"/>
+    <p:sldId id="359" r:id="rId24"/>
+    <p:sldId id="360" r:id="rId25"/>
+    <p:sldId id="361" r:id="rId26"/>
+    <p:sldId id="364" r:id="rId27"/>
+    <p:sldId id="362" r:id="rId28"/>
+    <p:sldId id="363" r:id="rId29"/>
+    <p:sldId id="342" r:id="rId30"/>
+    <p:sldId id="343" r:id="rId31"/>
+    <p:sldId id="344" r:id="rId32"/>
+    <p:sldId id="345" r:id="rId33"/>
+    <p:sldId id="346" r:id="rId34"/>
+    <p:sldId id="347" r:id="rId35"/>
+    <p:sldId id="348" r:id="rId36"/>
+    <p:sldId id="351" r:id="rId37"/>
   </p:sldIdLst>
   <p:sldSz cx="12192000" cy="6858000"/>
   <p:notesSz cx="6858000" cy="9144000"/>
@@ -223,7 +232,7 @@
           <a:p>
             <a:fld id="{1DFBDE16-5B48-4340-A90D-4DD6140885ED}" type="datetimeFigureOut">
               <a:rPr lang="ru-RU" smtClean="0"/>
-              <a:t>30.09.2023</a:t>
+              <a:t>14.10.2023</a:t>
             </a:fld>
             <a:endParaRPr lang="ru-RU"/>
           </a:p>
@@ -740,7 +749,7 @@
           <a:p>
             <a:fld id="{F41DA7D1-1507-4266-9305-D9D976117699}" type="datetime1">
               <a:rPr lang="ru-RU" smtClean="0"/>
-              <a:t>30.09.2023</a:t>
+              <a:t>14.10.2023</a:t>
             </a:fld>
             <a:endParaRPr lang="ru-RU"/>
           </a:p>
@@ -938,7 +947,7 @@
           <a:p>
             <a:fld id="{09B8B1D9-D5C0-4933-8D35-6096E21EBA53}" type="datetime1">
               <a:rPr lang="ru-RU" smtClean="0"/>
-              <a:t>30.09.2023</a:t>
+              <a:t>14.10.2023</a:t>
             </a:fld>
             <a:endParaRPr lang="ru-RU"/>
           </a:p>
@@ -1146,7 +1155,7 @@
           <a:p>
             <a:fld id="{571E2174-60B9-4D93-B161-65D5D8D291A9}" type="datetime1">
               <a:rPr lang="ru-RU" smtClean="0"/>
-              <a:t>30.09.2023</a:t>
+              <a:t>14.10.2023</a:t>
             </a:fld>
             <a:endParaRPr lang="ru-RU"/>
           </a:p>
@@ -1344,7 +1353,7 @@
           <a:p>
             <a:fld id="{495E6D17-6549-492A-8F0C-3F1C9FE6F0D0}" type="datetime1">
               <a:rPr lang="ru-RU" smtClean="0"/>
-              <a:t>30.09.2023</a:t>
+              <a:t>14.10.2023</a:t>
             </a:fld>
             <a:endParaRPr lang="ru-RU"/>
           </a:p>
@@ -1619,7 +1628,7 @@
           <a:p>
             <a:fld id="{E08945B4-69F6-431C-9382-AEFA596238B6}" type="datetime1">
               <a:rPr lang="ru-RU" smtClean="0"/>
-              <a:t>30.09.2023</a:t>
+              <a:t>14.10.2023</a:t>
             </a:fld>
             <a:endParaRPr lang="ru-RU"/>
           </a:p>
@@ -1884,7 +1893,7 @@
           <a:p>
             <a:fld id="{A7516350-5881-464D-B90A-019D53C87C87}" type="datetime1">
               <a:rPr lang="ru-RU" smtClean="0"/>
-              <a:t>30.09.2023</a:t>
+              <a:t>14.10.2023</a:t>
             </a:fld>
             <a:endParaRPr lang="ru-RU"/>
           </a:p>
@@ -2296,7 +2305,7 @@
           <a:p>
             <a:fld id="{3DE290D0-75C9-470D-B7BE-5F42616B87DB}" type="datetime1">
               <a:rPr lang="ru-RU" smtClean="0"/>
-              <a:t>30.09.2023</a:t>
+              <a:t>14.10.2023</a:t>
             </a:fld>
             <a:endParaRPr lang="ru-RU"/>
           </a:p>
@@ -2437,7 +2446,7 @@
           <a:p>
             <a:fld id="{25D2CC29-130B-4ABB-90FF-3B212105CC1B}" type="datetime1">
               <a:rPr lang="ru-RU" smtClean="0"/>
-              <a:t>30.09.2023</a:t>
+              <a:t>14.10.2023</a:t>
             </a:fld>
             <a:endParaRPr lang="ru-RU"/>
           </a:p>
@@ -2550,7 +2559,7 @@
           <a:p>
             <a:fld id="{B63335E3-9BAF-4439-9DD4-6CE08318DC6B}" type="datetime1">
               <a:rPr lang="ru-RU" smtClean="0"/>
-              <a:t>30.09.2023</a:t>
+              <a:t>14.10.2023</a:t>
             </a:fld>
             <a:endParaRPr lang="ru-RU"/>
           </a:p>
@@ -2861,7 +2870,7 @@
           <a:p>
             <a:fld id="{D4EB0FB4-4101-450F-8179-5504A41C85B8}" type="datetime1">
               <a:rPr lang="ru-RU" smtClean="0"/>
-              <a:t>30.09.2023</a:t>
+              <a:t>14.10.2023</a:t>
             </a:fld>
             <a:endParaRPr lang="ru-RU"/>
           </a:p>
@@ -3149,7 +3158,7 @@
           <a:p>
             <a:fld id="{7F222AF9-FD68-457C-92A0-426ADAE21948}" type="datetime1">
               <a:rPr lang="ru-RU" smtClean="0"/>
-              <a:t>30.09.2023</a:t>
+              <a:t>14.10.2023</a:t>
             </a:fld>
             <a:endParaRPr lang="ru-RU"/>
           </a:p>
@@ -3390,7 +3399,7 @@
           <a:p>
             <a:fld id="{54947EA2-CB44-449D-9F33-80421D88CC1D}" type="datetime1">
               <a:rPr lang="ru-RU" smtClean="0"/>
-              <a:t>30.09.2023</a:t>
+              <a:t>14.10.2023</a:t>
             </a:fld>
             <a:endParaRPr lang="ru-RU"/>
           </a:p>
@@ -7009,7 +7018,7 @@
           <p:cNvPr id="2" name="Заголовок 1">
             <a:extLst>
               <a:ext uri="{FF2B5EF4-FFF2-40B4-BE49-F238E27FC236}">
-                <a16:creationId xmlns:a16="http://schemas.microsoft.com/office/drawing/2014/main" id="{8B18D855-9447-4AFD-BF04-E7E84FD28047}"/>
+                <a16:creationId xmlns:a16="http://schemas.microsoft.com/office/drawing/2014/main" id="{74B1DDF4-74C1-4F51-A5D8-C3DDCDCD49BD}"/>
               </a:ext>
             </a:extLst>
           </p:cNvPr>
@@ -7027,7 +7036,23 @@
           <a:p>
             <a:r>
               <a:rPr lang="ru-RU" dirty="0"/>
-              <a:t>Способы синхронизации потоков </a:t>
+              <a:t>Гонка данных, или </a:t>
+            </a:r>
+            <a:r>
+              <a:rPr lang="ru-RU" dirty="0" err="1"/>
+              <a:t>data</a:t>
+            </a:r>
+            <a:r>
+              <a:rPr lang="ru-RU" dirty="0"/>
+              <a:t> </a:t>
+            </a:r>
+            <a:r>
+              <a:rPr lang="ru-RU" dirty="0" err="1"/>
+              <a:t>race</a:t>
+            </a:r>
+            <a:r>
+              <a:rPr lang="ru-RU" dirty="0"/>
+              <a:t> </a:t>
             </a:r>
           </a:p>
         </p:txBody>
@@ -7037,7 +7062,7 @@
           <p:cNvPr id="3" name="Объект 2">
             <a:extLst>
               <a:ext uri="{FF2B5EF4-FFF2-40B4-BE49-F238E27FC236}">
-                <a16:creationId xmlns:a16="http://schemas.microsoft.com/office/drawing/2014/main" id="{0CC81C46-51E6-4602-81D4-542B8296A0B5}"/>
+                <a16:creationId xmlns:a16="http://schemas.microsoft.com/office/drawing/2014/main" id="{BA458EBF-1EF7-47D6-9455-96264C85C9E3}"/>
               </a:ext>
             </a:extLst>
           </p:cNvPr>
@@ -7050,115 +7075,45 @@
         </p:nvSpPr>
         <p:spPr/>
         <p:txBody>
-          <a:bodyPr/>
-          <a:lstStyle/>
-          <a:p>
-            <a:r>
-              <a:rPr lang="en-US" dirty="0"/>
-              <a:t>lock (</a:t>
-            </a:r>
-            <a:r>
-              <a:rPr lang="ru-RU" dirty="0"/>
-              <a:t>объект) </a:t>
-            </a:r>
-            <a:r>
-              <a:rPr lang="en-US" dirty="0"/>
-              <a:t>{  </a:t>
-            </a:r>
-            <a:r>
-              <a:rPr lang="ru-RU" dirty="0"/>
-              <a:t>/*синхронизируемый объект*/</a:t>
-            </a:r>
-            <a:r>
-              <a:rPr lang="en-US" dirty="0"/>
-              <a:t>  }</a:t>
-            </a:r>
-          </a:p>
-          <a:p>
-            <a:pPr algn="l">
-              <a:buFont typeface="Arial" panose="020B0604020202020204" pitchFamily="34" charset="0"/>
-              <a:buChar char="•"/>
-            </a:pPr>
+          <a:bodyPr>
+            <a:normAutofit fontScale="92500" lnSpcReduction="10000"/>
+          </a:bodyPr>
+          <a:lstStyle/>
+          <a:p>
             <a:r>
               <a:rPr lang="ru-RU" b="0" i="0" dirty="0">
                 <a:effectLst/>
                 <a:latin typeface="YS Text"/>
               </a:rPr>
-              <a:t>Мьютексы (</a:t>
-            </a:r>
-            <a:r>
-              <a:rPr lang="en-US" b="0" i="0" dirty="0">
+              <a:t>явление, которое может возникнуть при одновременном доступе к общим данным из нескольких потоков исполнения или процессоров. Когда происходит гонка данных, конечный результат может быть непредсказуемым, так как существует вероятность того, что изменения, внесённые одним потоком, могут быть перезаписаны другим потоком, и конечный результат будет отличаться от ожидаемого.</a:t>
+            </a:r>
+            <a:endParaRPr lang="en-US" b="0" i="0" dirty="0">
+              <a:effectLst/>
+              <a:latin typeface="YS Text"/>
+            </a:endParaRPr>
+          </a:p>
+          <a:p>
+            <a:pPr algn="l"/>
+            <a:r>
+              <a:rPr lang="ru-RU" b="0" i="0">
+                <a:solidFill>
+                  <a:srgbClr val="000000"/>
+                </a:solidFill>
                 <a:effectLst/>
                 <a:latin typeface="YS Text"/>
               </a:rPr>
-              <a:t>Mutex)</a:t>
-            </a:r>
-          </a:p>
-          <a:p>
-            <a:pPr algn="l">
-              <a:buFont typeface="Arial" panose="020B0604020202020204" pitchFamily="34" charset="0"/>
-              <a:buChar char="•"/>
-            </a:pPr>
+              <a:t>для </a:t>
+            </a:r>
             <a:r>
               <a:rPr lang="ru-RU" b="0" i="0" dirty="0">
+                <a:solidFill>
+                  <a:srgbClr val="000000"/>
+                </a:solidFill>
                 <a:effectLst/>
                 <a:latin typeface="YS Text"/>
               </a:rPr>
-              <a:t>События (</a:t>
-            </a:r>
-            <a:r>
-              <a:rPr lang="en-US" b="0" i="0" dirty="0" err="1">
-                <a:effectLst/>
-                <a:latin typeface="YS Text"/>
-              </a:rPr>
-              <a:t>AutoResetEvent</a:t>
-            </a:r>
-            <a:r>
-              <a:rPr lang="en-US" b="0" i="0" dirty="0">
-                <a:effectLst/>
-                <a:latin typeface="YS Text"/>
-              </a:rPr>
-              <a:t>, </a:t>
-            </a:r>
-            <a:r>
-              <a:rPr lang="en-US" b="0" i="0" dirty="0" err="1">
-                <a:effectLst/>
-                <a:latin typeface="YS Text"/>
-              </a:rPr>
-              <a:t>ManualResetEvent</a:t>
-            </a:r>
-            <a:r>
-              <a:rPr lang="en-US" b="0" i="0" dirty="0">
-                <a:effectLst/>
-                <a:latin typeface="YS Text"/>
-              </a:rPr>
-              <a:t>)</a:t>
-            </a:r>
-          </a:p>
-          <a:p>
-            <a:pPr algn="l">
-              <a:buFont typeface="Arial" panose="020B0604020202020204" pitchFamily="34" charset="0"/>
-              <a:buChar char="•"/>
-            </a:pPr>
-            <a:r>
-              <a:rPr lang="ru-RU" dirty="0">
-                <a:latin typeface="YS Text"/>
-              </a:rPr>
-              <a:t>Семафоры (</a:t>
-            </a:r>
-            <a:r>
-              <a:rPr lang="en-US" dirty="0">
-                <a:latin typeface="YS Text"/>
-              </a:rPr>
-              <a:t>Semaphore)</a:t>
-            </a:r>
-            <a:br>
-              <a:rPr lang="en-US" dirty="0"/>
-            </a:br>
-            <a:br>
-              <a:rPr lang="en-US" dirty="0"/>
-            </a:br>
-            <a:endParaRPr lang="ru-RU" dirty="0"/>
+              <a:t>предотвращения гонок данных используются различные механизмы синхронизации, такие как блокировки, мьютексы, семафоры и события. Эти механизмы позволяют контролировать доступ к общим ресурсам и гарантировать, что изменения, внесённые одним потоком, гарантированно будут видны другим потокам.</a:t>
+            </a:r>
           </a:p>
         </p:txBody>
       </p:sp>
@@ -7167,7 +7122,7 @@
           <p:cNvPr id="4" name="Номер слайда 3">
             <a:extLst>
               <a:ext uri="{FF2B5EF4-FFF2-40B4-BE49-F238E27FC236}">
-                <a16:creationId xmlns:a16="http://schemas.microsoft.com/office/drawing/2014/main" id="{B71E7857-E30A-4A95-9F7D-FBAEF18A667E}"/>
+                <a16:creationId xmlns:a16="http://schemas.microsoft.com/office/drawing/2014/main" id="{8A63155C-F645-4B64-A56A-8CF875EE2789}"/>
               </a:ext>
             </a:extLst>
           </p:cNvPr>
@@ -7194,7 +7149,7 @@
     </p:spTree>
     <p:extLst>
       <p:ext uri="{BB962C8B-B14F-4D97-AF65-F5344CB8AC3E}">
-        <p14:creationId xmlns:p14="http://schemas.microsoft.com/office/powerpoint/2010/main" val="2805136048"/>
+        <p14:creationId xmlns:p14="http://schemas.microsoft.com/office/powerpoint/2010/main" val="3313465909"/>
       </p:ext>
     </p:extLst>
   </p:cSld>
@@ -7362,7 +7317,7 @@
           <p:cNvPr id="2" name="Заголовок 1">
             <a:extLst>
               <a:ext uri="{FF2B5EF4-FFF2-40B4-BE49-F238E27FC236}">
-                <a16:creationId xmlns:a16="http://schemas.microsoft.com/office/drawing/2014/main" id="{79013513-4DB7-4D2E-A02C-3FE5F93A00D7}"/>
+                <a16:creationId xmlns:a16="http://schemas.microsoft.com/office/drawing/2014/main" id="{8B18D855-9447-4AFD-BF04-E7E84FD28047}"/>
               </a:ext>
             </a:extLst>
           </p:cNvPr>
@@ -7379,135 +7334,193 @@
           <a:lstStyle/>
           <a:p>
             <a:r>
-              <a:rPr lang="ru-RU" i="0" dirty="0">
+              <a:rPr lang="ru-RU" dirty="0"/>
+              <a:t>Способы синхронизации потоков </a:t>
+            </a:r>
+          </a:p>
+        </p:txBody>
+      </p:sp>
+      <p:sp>
+        <p:nvSpPr>
+          <p:cNvPr id="3" name="Объект 2">
+            <a:extLst>
+              <a:ext uri="{FF2B5EF4-FFF2-40B4-BE49-F238E27FC236}">
+                <a16:creationId xmlns:a16="http://schemas.microsoft.com/office/drawing/2014/main" id="{0CC81C46-51E6-4602-81D4-542B8296A0B5}"/>
+              </a:ext>
+            </a:extLst>
+          </p:cNvPr>
+          <p:cNvSpPr>
+            <a:spLocks noGrp="1"/>
+          </p:cNvSpPr>
+          <p:nvPr>
+            <p:ph idx="1"/>
+          </p:nvPr>
+        </p:nvSpPr>
+        <p:spPr/>
+        <p:txBody>
+          <a:bodyPr>
+            <a:normAutofit lnSpcReduction="10000"/>
+          </a:bodyPr>
+          <a:lstStyle/>
+          <a:p>
+            <a:r>
+              <a:rPr lang="en-US" dirty="0"/>
+              <a:t>lock (</a:t>
+            </a:r>
+            <a:r>
+              <a:rPr lang="ru-RU" dirty="0"/>
+              <a:t>объект) </a:t>
+            </a:r>
+            <a:r>
+              <a:rPr lang="en-US" dirty="0"/>
+              <a:t>{  </a:t>
+            </a:r>
+            <a:r>
+              <a:rPr lang="ru-RU" dirty="0"/>
+              <a:t>/*синхронизируемый объект*/</a:t>
+            </a:r>
+            <a:r>
+              <a:rPr lang="en-US" dirty="0"/>
+              <a:t>  }</a:t>
+            </a:r>
+          </a:p>
+          <a:p>
+            <a:pPr algn="l">
+              <a:buFont typeface="Arial" panose="020B0604020202020204" pitchFamily="34" charset="0"/>
+              <a:buChar char="•"/>
+            </a:pPr>
+            <a:r>
+              <a:rPr lang="ru-RU" b="0" i="0" dirty="0">
                 <a:effectLst/>
+                <a:latin typeface="YS Text"/>
               </a:rPr>
-              <a:t>Класс </a:t>
-            </a:r>
-            <a:r>
-              <a:rPr lang="ru-RU" i="0" dirty="0" err="1">
+              <a:t>Мьютексы (</a:t>
+            </a:r>
+            <a:r>
+              <a:rPr lang="en-US" b="0" i="0" dirty="0">
                 <a:effectLst/>
+                <a:latin typeface="YS Text"/>
               </a:rPr>
-              <a:t>Thread</a:t>
-            </a:r>
+              <a:t>Mutex)</a:t>
+            </a:r>
+          </a:p>
+          <a:p>
+            <a:pPr algn="l">
+              <a:buFont typeface="Arial" panose="020B0604020202020204" pitchFamily="34" charset="0"/>
+              <a:buChar char="•"/>
+            </a:pPr>
+            <a:r>
+              <a:rPr lang="ru-RU" b="0" i="0" dirty="0">
+                <a:effectLst/>
+                <a:latin typeface="YS Text"/>
+              </a:rPr>
+              <a:t>События (</a:t>
+            </a:r>
+            <a:r>
+              <a:rPr lang="en-US" b="0" i="0" dirty="0" err="1">
+                <a:effectLst/>
+                <a:latin typeface="YS Text"/>
+              </a:rPr>
+              <a:t>AutoResetEvent</a:t>
+            </a:r>
+            <a:r>
+              <a:rPr lang="en-US" b="0" i="0" dirty="0">
+                <a:effectLst/>
+                <a:latin typeface="YS Text"/>
+              </a:rPr>
+              <a:t>, </a:t>
+            </a:r>
+            <a:r>
+              <a:rPr lang="en-US" b="0" i="0" dirty="0" err="1">
+                <a:effectLst/>
+                <a:latin typeface="YS Text"/>
+              </a:rPr>
+              <a:t>ManualResetEvent</a:t>
+            </a:r>
+            <a:r>
+              <a:rPr lang="en-US" b="0" i="0" dirty="0">
+                <a:effectLst/>
+                <a:latin typeface="YS Text"/>
+              </a:rPr>
+              <a:t>)</a:t>
+            </a:r>
+          </a:p>
+          <a:p>
+            <a:pPr algn="l">
+              <a:buFont typeface="Arial" panose="020B0604020202020204" pitchFamily="34" charset="0"/>
+              <a:buChar char="•"/>
+            </a:pPr>
+            <a:r>
+              <a:rPr lang="en-US" b="0" i="0" dirty="0" err="1">
+                <a:effectLst/>
+                <a:latin typeface="YS Text"/>
+              </a:rPr>
+              <a:t>EventWaitHandle</a:t>
+            </a:r>
+            <a:endParaRPr lang="en-US" b="0" i="0" dirty="0">
+              <a:effectLst/>
+              <a:latin typeface="YS Text"/>
+            </a:endParaRPr>
+          </a:p>
+          <a:p>
+            <a:pPr algn="l">
+              <a:buFont typeface="Arial" panose="020B0604020202020204" pitchFamily="34" charset="0"/>
+              <a:buChar char="•"/>
+            </a:pPr>
+            <a:r>
+              <a:rPr lang="ru-RU" dirty="0">
+                <a:latin typeface="YS Text"/>
+              </a:rPr>
+              <a:t>Семафоры (</a:t>
+            </a:r>
+            <a:r>
+              <a:rPr lang="en-US" dirty="0">
+                <a:latin typeface="YS Text"/>
+              </a:rPr>
+              <a:t>Semaphore)</a:t>
+            </a:r>
+          </a:p>
+          <a:p>
+            <a:pPr algn="l">
+              <a:buFont typeface="Arial" panose="020B0604020202020204" pitchFamily="34" charset="0"/>
+              <a:buChar char="•"/>
+            </a:pPr>
+            <a:endParaRPr lang="en-US" dirty="0">
+              <a:latin typeface="YS Text"/>
+            </a:endParaRPr>
+          </a:p>
+          <a:p>
+            <a:pPr marL="0" indent="0" algn="l">
+              <a:buNone/>
+            </a:pPr>
+            <a:r>
+              <a:rPr lang="en-US" dirty="0">
+                <a:latin typeface="YS Text"/>
+              </a:rPr>
+              <a:t>* </a:t>
+            </a:r>
+            <a:r>
+              <a:rPr lang="ru-RU" dirty="0">
+                <a:latin typeface="YS Text"/>
+              </a:rPr>
+              <a:t>некоторые из этих объектов создаются на уровне ОС и позволяют синхронизацию разных приложений (!)</a:t>
+            </a:r>
+            <a:br>
+              <a:rPr lang="en-US" dirty="0"/>
+            </a:br>
+            <a:br>
+              <a:rPr lang="en-US" dirty="0"/>
+            </a:br>
             <a:endParaRPr lang="ru-RU" dirty="0"/>
           </a:p>
         </p:txBody>
       </p:sp>
       <p:sp>
         <p:nvSpPr>
-          <p:cNvPr id="3" name="Объект 2">
-            <a:extLst>
-              <a:ext uri="{FF2B5EF4-FFF2-40B4-BE49-F238E27FC236}">
-                <a16:creationId xmlns:a16="http://schemas.microsoft.com/office/drawing/2014/main" id="{42F7AF6A-2F31-4E9A-9952-5F24E4CB693B}"/>
-              </a:ext>
-            </a:extLst>
-          </p:cNvPr>
-          <p:cNvSpPr>
-            <a:spLocks noGrp="1"/>
-          </p:cNvSpPr>
-          <p:nvPr>
-            <p:ph idx="1"/>
-          </p:nvPr>
-        </p:nvSpPr>
-        <p:spPr/>
-        <p:txBody>
-          <a:bodyPr>
-            <a:normAutofit/>
-          </a:bodyPr>
-          <a:lstStyle/>
-          <a:p>
-            <a:r>
-              <a:rPr lang="ru-RU" dirty="0"/>
-              <a:t>Создание нового потока – дорогая операция</a:t>
-            </a:r>
-          </a:p>
-          <a:p>
-            <a:r>
-              <a:rPr lang="ru-RU" dirty="0"/>
-              <a:t>Является ресурсом ОС, нужно следить за освобождением (через вызов </a:t>
-            </a:r>
-            <a:r>
-              <a:rPr lang="en-US" dirty="0"/>
-              <a:t>Dispose)</a:t>
-            </a:r>
-          </a:p>
-          <a:p>
-            <a:r>
-              <a:rPr lang="ru-RU" dirty="0"/>
-              <a:t>делятся на </a:t>
-            </a:r>
-            <a:r>
-              <a:rPr lang="ru-RU" dirty="0" err="1"/>
-              <a:t>background</a:t>
-            </a:r>
-            <a:r>
-              <a:rPr lang="ru-RU" dirty="0"/>
-              <a:t> (фоновый) и </a:t>
-            </a:r>
-            <a:r>
-              <a:rPr lang="ru-RU" dirty="0" err="1"/>
-              <a:t>foreground</a:t>
-            </a:r>
-            <a:r>
-              <a:rPr lang="ru-RU" dirty="0"/>
-              <a:t> (основные). </a:t>
-            </a:r>
-            <a:r>
-              <a:rPr lang="en-US" dirty="0"/>
-              <a:t>f</a:t>
-            </a:r>
-            <a:r>
-              <a:rPr lang="ru-RU" dirty="0" err="1"/>
-              <a:t>oreground</a:t>
-            </a:r>
-            <a:r>
-              <a:rPr lang="ru-RU" dirty="0"/>
-              <a:t>-потоки препятствуют завершению программы. Как только все </a:t>
-            </a:r>
-            <a:r>
-              <a:rPr lang="ru-RU" dirty="0" err="1"/>
-              <a:t>foreground</a:t>
-            </a:r>
-            <a:r>
-              <a:rPr lang="ru-RU" dirty="0"/>
-              <a:t>-потоки остановлены, система автоматически остановит все </a:t>
-            </a:r>
-            <a:r>
-              <a:rPr lang="ru-RU" dirty="0" err="1"/>
-              <a:t>background</a:t>
-            </a:r>
-            <a:r>
-              <a:rPr lang="ru-RU" dirty="0"/>
-              <a:t> и завершит выполнение приложения.</a:t>
-            </a:r>
-            <a:r>
-              <a:rPr lang="en-US" dirty="0"/>
-              <a:t> </a:t>
-            </a:r>
-            <a:endParaRPr lang="ru-RU" dirty="0"/>
-          </a:p>
-          <a:p>
-            <a:r>
-              <a:rPr lang="ru-RU" dirty="0"/>
-              <a:t>Для простых операций рекомендуется использовать пул потоков</a:t>
-            </a:r>
-            <a:endParaRPr lang="en-US" dirty="0"/>
-          </a:p>
-          <a:p>
-            <a:endParaRPr lang="en-US" dirty="0"/>
-          </a:p>
-          <a:p>
-            <a:endParaRPr lang="ru-RU" dirty="0"/>
-          </a:p>
-        </p:txBody>
-      </p:sp>
-      <p:sp>
-        <p:nvSpPr>
           <p:cNvPr id="4" name="Номер слайда 3">
             <a:extLst>
               <a:ext uri="{FF2B5EF4-FFF2-40B4-BE49-F238E27FC236}">
-                <a16:creationId xmlns:a16="http://schemas.microsoft.com/office/drawing/2014/main" id="{7BF289BB-D9CD-4106-B1A5-9B7CA75D62EA}"/>
+                <a16:creationId xmlns:a16="http://schemas.microsoft.com/office/drawing/2014/main" id="{B71E7857-E30A-4A95-9F7D-FBAEF18A667E}"/>
               </a:ext>
             </a:extLst>
           </p:cNvPr>
@@ -7534,7 +7547,7 @@
     </p:spTree>
     <p:extLst>
       <p:ext uri="{BB962C8B-B14F-4D97-AF65-F5344CB8AC3E}">
-        <p14:creationId xmlns:p14="http://schemas.microsoft.com/office/powerpoint/2010/main" val="3950520008"/>
+        <p14:creationId xmlns:p14="http://schemas.microsoft.com/office/powerpoint/2010/main" val="2805136048"/>
       </p:ext>
     </p:extLst>
   </p:cSld>
@@ -7566,7 +7579,7 @@
           <p:cNvPr id="2" name="Заголовок 1">
             <a:extLst>
               <a:ext uri="{FF2B5EF4-FFF2-40B4-BE49-F238E27FC236}">
-                <a16:creationId xmlns:a16="http://schemas.microsoft.com/office/drawing/2014/main" id="{6F61ABA8-F30C-4190-ACA1-B1203D07D412}"/>
+                <a16:creationId xmlns:a16="http://schemas.microsoft.com/office/drawing/2014/main" id="{4D0B6B62-ABF8-46C7-AA14-022FA8828113}"/>
               </a:ext>
             </a:extLst>
           </p:cNvPr>
@@ -7577,15 +7590,27 @@
             <p:ph type="title"/>
           </p:nvPr>
         </p:nvSpPr>
-        <p:spPr/>
-        <p:txBody>
-          <a:bodyPr/>
-          <a:lstStyle/>
-          <a:p>
-            <a:r>
-              <a:rPr lang="ru-RU" dirty="0"/>
-              <a:t>Пул потоков</a:t>
-            </a:r>
+        <p:spPr>
+          <a:xfrm>
+            <a:off x="838200" y="162603"/>
+            <a:ext cx="10515600" cy="1325563"/>
+          </a:xfrm>
+        </p:spPr>
+        <p:txBody>
+          <a:bodyPr>
+            <a:normAutofit/>
+          </a:bodyPr>
+          <a:lstStyle/>
+          <a:p>
+            <a:r>
+              <a:rPr lang="ru-RU" dirty="0"/>
+              <a:t>Пример использования </a:t>
+            </a:r>
+            <a:r>
+              <a:rPr lang="en-US" dirty="0"/>
+              <a:t>lock</a:t>
+            </a:r>
+            <a:endParaRPr lang="ru-RU" dirty="0"/>
           </a:p>
         </p:txBody>
       </p:sp>
@@ -7594,7 +7619,7 @@
           <p:cNvPr id="3" name="Объект 2">
             <a:extLst>
               <a:ext uri="{FF2B5EF4-FFF2-40B4-BE49-F238E27FC236}">
-                <a16:creationId xmlns:a16="http://schemas.microsoft.com/office/drawing/2014/main" id="{FA0C50D5-0739-44FE-9820-D86D54D97C56}"/>
+                <a16:creationId xmlns:a16="http://schemas.microsoft.com/office/drawing/2014/main" id="{FE0E572A-6BBC-4AEB-81CE-495C2907CAA7}"/>
               </a:ext>
             </a:extLst>
           </p:cNvPr>
@@ -7605,34 +7630,166 @@
             <p:ph idx="1"/>
           </p:nvPr>
         </p:nvSpPr>
-        <p:spPr/>
+        <p:spPr>
+          <a:xfrm>
+            <a:off x="838200" y="1263722"/>
+            <a:ext cx="10515600" cy="5229154"/>
+          </a:xfrm>
+        </p:spPr>
         <p:txBody>
           <a:bodyPr>
-            <a:normAutofit fontScale="92500" lnSpcReduction="10000"/>
+            <a:normAutofit fontScale="85000" lnSpcReduction="20000"/>
           </a:bodyPr>
           <a:lstStyle/>
           <a:p>
-            <a:r>
-              <a:rPr lang="ru-RU" dirty="0"/>
-              <a:t>Экономия ресурсов: позволяет не создавать новые потоки каждый раз, когда они нужны, а использовать уже созданные;</a:t>
-            </a:r>
-          </a:p>
-          <a:p>
-            <a:r>
-              <a:rPr lang="ru-RU" dirty="0"/>
-              <a:t>управление временем жизни потоков: пул управляет временем жизни потоков, автоматически уничтожая те, которые не используются, и создавая новые при необходимости. Предотвращает утечки памяти и повышает производительность;</a:t>
-            </a:r>
-          </a:p>
-          <a:p>
-            <a:r>
-              <a:rPr lang="ru-RU" dirty="0"/>
-              <a:t>распределение нагрузки: пул может распределять нагрузку между потоками, что позволяет более эффективно использовать ресурсы процессора и ускорить выполнение задач;</a:t>
-            </a:r>
-          </a:p>
-          <a:p>
-            <a:r>
-              <a:rPr lang="ru-RU" dirty="0"/>
-              <a:t>упрощение кода: разработчикам не нужно заботиться о создании, уничтожении и управлении потоками.</a:t>
+            <a:pPr marL="0" indent="0">
+              <a:buNone/>
+            </a:pPr>
+            <a:r>
+              <a:rPr lang="en-US" dirty="0"/>
+              <a:t>private </a:t>
+            </a:r>
+            <a:r>
+              <a:rPr lang="en-US" dirty="0" err="1"/>
+              <a:t>readonly</a:t>
+            </a:r>
+            <a:r>
+              <a:rPr lang="en-US" dirty="0"/>
+              <a:t> object _</a:t>
+            </a:r>
+            <a:r>
+              <a:rPr lang="en-US" dirty="0" err="1"/>
+              <a:t>lockObject</a:t>
+            </a:r>
+            <a:r>
+              <a:rPr lang="en-US" dirty="0"/>
+              <a:t> = new object();</a:t>
+            </a:r>
+          </a:p>
+          <a:p>
+            <a:pPr marL="0" indent="0">
+              <a:buNone/>
+            </a:pPr>
+            <a:r>
+              <a:rPr lang="en-US" dirty="0"/>
+              <a:t>    </a:t>
+            </a:r>
+          </a:p>
+          <a:p>
+            <a:pPr marL="0" indent="0">
+              <a:buNone/>
+            </a:pPr>
+            <a:r>
+              <a:rPr lang="en-US" dirty="0"/>
+              <a:t>public void Method1()</a:t>
+            </a:r>
+          </a:p>
+          <a:p>
+            <a:pPr marL="0" indent="0">
+              <a:buNone/>
+            </a:pPr>
+            <a:r>
+              <a:rPr lang="en-US" dirty="0"/>
+              <a:t>{</a:t>
+            </a:r>
+          </a:p>
+          <a:p>
+            <a:pPr marL="0" indent="0">
+              <a:buNone/>
+            </a:pPr>
+            <a:r>
+              <a:rPr lang="en-US" dirty="0"/>
+              <a:t>     lock (_</a:t>
+            </a:r>
+            <a:r>
+              <a:rPr lang="en-US" dirty="0" err="1"/>
+              <a:t>lockObject</a:t>
+            </a:r>
+            <a:r>
+              <a:rPr lang="en-US" dirty="0"/>
+              <a:t> )  //</a:t>
+            </a:r>
+            <a:r>
+              <a:rPr lang="ru-RU" dirty="0"/>
+              <a:t>синхронизироваться можно по любому объекту (в теории)</a:t>
+            </a:r>
+            <a:endParaRPr lang="en-US" dirty="0"/>
+          </a:p>
+          <a:p>
+            <a:pPr marL="0" indent="0">
+              <a:buNone/>
+            </a:pPr>
+            <a:r>
+              <a:rPr lang="en-US" dirty="0"/>
+              <a:t>     {</a:t>
+            </a:r>
+          </a:p>
+          <a:p>
+            <a:pPr marL="0" indent="0">
+              <a:buNone/>
+            </a:pPr>
+            <a:r>
+              <a:rPr lang="en-US" dirty="0"/>
+              <a:t>        // Critical section</a:t>
+            </a:r>
+          </a:p>
+          <a:p>
+            <a:pPr marL="0" indent="0">
+              <a:buNone/>
+            </a:pPr>
+            <a:r>
+              <a:rPr lang="en-US" dirty="0"/>
+              <a:t>     }</a:t>
+            </a:r>
+          </a:p>
+          <a:p>
+            <a:pPr marL="0" indent="0">
+              <a:buNone/>
+            </a:pPr>
+            <a:r>
+              <a:rPr lang="en-US" dirty="0"/>
+              <a:t>}</a:t>
+            </a:r>
+          </a:p>
+          <a:p>
+            <a:pPr marL="0" indent="0">
+              <a:buNone/>
+            </a:pPr>
+            <a:endParaRPr lang="ru-RU" dirty="0"/>
+          </a:p>
+          <a:p>
+            <a:pPr marL="0" indent="0">
+              <a:buNone/>
+            </a:pPr>
+            <a:r>
+              <a:rPr lang="ru-RU" dirty="0"/>
+              <a:t>* предполагается, что </a:t>
+            </a:r>
+            <a:r>
+              <a:rPr lang="en-US" dirty="0"/>
+              <a:t>Method1()</a:t>
+            </a:r>
+            <a:r>
+              <a:rPr lang="ru-RU" dirty="0"/>
+              <a:t> выполняется параллельно несколькими потоками</a:t>
+            </a:r>
+            <a:endParaRPr lang="en-US" dirty="0"/>
+          </a:p>
+          <a:p>
+            <a:pPr marL="0" indent="0">
+              <a:buNone/>
+            </a:pPr>
+            <a:r>
+              <a:rPr lang="ru-RU" dirty="0"/>
+              <a:t>* </a:t>
+            </a:r>
+            <a:r>
+              <a:rPr lang="en-US" dirty="0"/>
+              <a:t>lock</a:t>
+            </a:r>
+            <a:r>
+              <a:rPr lang="ru-RU" dirty="0"/>
+              <a:t> позволяет синхронизировать потоки только внутри одного приложения.</a:t>
             </a:r>
           </a:p>
         </p:txBody>
@@ -7642,7 +7799,7 @@
           <p:cNvPr id="4" name="Номер слайда 3">
             <a:extLst>
               <a:ext uri="{FF2B5EF4-FFF2-40B4-BE49-F238E27FC236}">
-                <a16:creationId xmlns:a16="http://schemas.microsoft.com/office/drawing/2014/main" id="{E5EC97BF-F77B-431B-906F-7580C61D426A}"/>
+                <a16:creationId xmlns:a16="http://schemas.microsoft.com/office/drawing/2014/main" id="{C4D35B0E-1A7D-43F1-B69E-D4D747D0EEAE}"/>
               </a:ext>
             </a:extLst>
           </p:cNvPr>
@@ -7669,7 +7826,7 @@
     </p:spTree>
     <p:extLst>
       <p:ext uri="{BB962C8B-B14F-4D97-AF65-F5344CB8AC3E}">
-        <p14:creationId xmlns:p14="http://schemas.microsoft.com/office/powerpoint/2010/main" val="3418387891"/>
+        <p14:creationId xmlns:p14="http://schemas.microsoft.com/office/powerpoint/2010/main" val="952597969"/>
       </p:ext>
     </p:extLst>
   </p:cSld>
@@ -7698,10 +7855,274 @@
       </p:grpSpPr>
       <p:sp>
         <p:nvSpPr>
+          <p:cNvPr id="2" name="Заголовок 1">
+            <a:extLst>
+              <a:ext uri="{FF2B5EF4-FFF2-40B4-BE49-F238E27FC236}">
+                <a16:creationId xmlns:a16="http://schemas.microsoft.com/office/drawing/2014/main" id="{3FC09A17-57BC-4858-A8CF-5194E1A3FC3B}"/>
+              </a:ext>
+            </a:extLst>
+          </p:cNvPr>
+          <p:cNvSpPr>
+            <a:spLocks noGrp="1"/>
+          </p:cNvSpPr>
+          <p:nvPr>
+            <p:ph type="title"/>
+          </p:nvPr>
+        </p:nvSpPr>
+        <p:spPr/>
+        <p:txBody>
+          <a:bodyPr/>
+          <a:lstStyle/>
+          <a:p>
+            <a:r>
+              <a:rPr lang="ru-RU" dirty="0"/>
+              <a:t>Мьютекс (</a:t>
+            </a:r>
+            <a:r>
+              <a:rPr lang="en-US" dirty="0"/>
+              <a:t>Mutex)</a:t>
+            </a:r>
+            <a:endParaRPr lang="ru-RU" dirty="0"/>
+          </a:p>
+        </p:txBody>
+      </p:sp>
+      <p:sp>
+        <p:nvSpPr>
+          <p:cNvPr id="3" name="Объект 2">
+            <a:extLst>
+              <a:ext uri="{FF2B5EF4-FFF2-40B4-BE49-F238E27FC236}">
+                <a16:creationId xmlns:a16="http://schemas.microsoft.com/office/drawing/2014/main" id="{7512455D-EEC2-47C0-A59A-201DF0E4BC6C}"/>
+              </a:ext>
+            </a:extLst>
+          </p:cNvPr>
+          <p:cNvSpPr>
+            <a:spLocks noGrp="1"/>
+          </p:cNvSpPr>
+          <p:nvPr>
+            <p:ph idx="1"/>
+          </p:nvPr>
+        </p:nvSpPr>
+        <p:spPr>
+          <a:xfrm>
+            <a:off x="838199" y="1520575"/>
+            <a:ext cx="11141467" cy="4972300"/>
+          </a:xfrm>
+        </p:spPr>
+        <p:txBody>
+          <a:bodyPr>
+            <a:normAutofit fontScale="85000" lnSpcReduction="10000"/>
+          </a:bodyPr>
+          <a:lstStyle/>
+          <a:p>
+            <a:pPr marL="0" indent="0">
+              <a:buNone/>
+            </a:pPr>
+            <a:r>
+              <a:rPr lang="en-US" dirty="0"/>
+              <a:t>public void Method</a:t>
+            </a:r>
+            <a:r>
+              <a:rPr lang="ru-RU" dirty="0"/>
+              <a:t>2</a:t>
+            </a:r>
+            <a:r>
+              <a:rPr lang="en-US" dirty="0"/>
+              <a:t>()</a:t>
+            </a:r>
+          </a:p>
+          <a:p>
+            <a:pPr marL="0" indent="0">
+              <a:buNone/>
+            </a:pPr>
+            <a:r>
+              <a:rPr lang="en-US" dirty="0"/>
+              <a:t>{</a:t>
+            </a:r>
+          </a:p>
+          <a:p>
+            <a:pPr marL="0" indent="0">
+              <a:buNone/>
+            </a:pPr>
+            <a:r>
+              <a:rPr lang="en-US" dirty="0"/>
+              <a:t>     Mutex </a:t>
+            </a:r>
+            <a:r>
+              <a:rPr lang="en-US" dirty="0" err="1"/>
+              <a:t>mutex</a:t>
+            </a:r>
+            <a:r>
+              <a:rPr lang="en-US" dirty="0"/>
+              <a:t> = new Mutex(false, "</a:t>
+            </a:r>
+            <a:r>
+              <a:rPr lang="en-US" dirty="0" err="1"/>
+              <a:t>myMutexName</a:t>
+            </a:r>
+            <a:r>
+              <a:rPr lang="en-US" dirty="0"/>
+              <a:t>");</a:t>
+            </a:r>
+          </a:p>
+          <a:p>
+            <a:pPr marL="0" indent="0">
+              <a:buNone/>
+            </a:pPr>
+            <a:r>
+              <a:rPr lang="en-US" dirty="0"/>
+              <a:t>     </a:t>
+            </a:r>
+            <a:r>
+              <a:rPr lang="en-US" dirty="0" err="1"/>
+              <a:t>mutex.WaitOne</a:t>
+            </a:r>
+            <a:r>
+              <a:rPr lang="en-US" dirty="0"/>
+              <a:t>();//</a:t>
+            </a:r>
+            <a:r>
+              <a:rPr lang="ru-RU" dirty="0"/>
+              <a:t>ждем освобождения </a:t>
+            </a:r>
+            <a:r>
+              <a:rPr lang="en-US" dirty="0"/>
+              <a:t>mutex, </a:t>
+            </a:r>
+            <a:r>
+              <a:rPr lang="ru-RU" dirty="0"/>
+              <a:t>и сразу захватываем</a:t>
+            </a:r>
+          </a:p>
+          <a:p>
+            <a:pPr marL="0" indent="0">
+              <a:buNone/>
+            </a:pPr>
+            <a:r>
+              <a:rPr lang="en-US" dirty="0"/>
+              <a:t>     // Critical section</a:t>
+            </a:r>
+            <a:endParaRPr lang="ru-RU" dirty="0"/>
+          </a:p>
+          <a:p>
+            <a:pPr marL="0" indent="0">
+              <a:buNone/>
+            </a:pPr>
+            <a:r>
+              <a:rPr lang="ru-RU" dirty="0"/>
+              <a:t>     </a:t>
+            </a:r>
+            <a:r>
+              <a:rPr lang="en-US" dirty="0" err="1"/>
+              <a:t>Console.WriteLine</a:t>
+            </a:r>
+            <a:r>
+              <a:rPr lang="en-US" dirty="0"/>
+              <a:t>("it's my mutex!");            </a:t>
+            </a:r>
+          </a:p>
+          <a:p>
+            <a:pPr marL="0" indent="0">
+              <a:buNone/>
+            </a:pPr>
+            <a:r>
+              <a:rPr lang="en-US" dirty="0"/>
+              <a:t>     </a:t>
+            </a:r>
+            <a:r>
+              <a:rPr lang="en-US" dirty="0" err="1"/>
+              <a:t>mutex.ReleaseMutex</a:t>
+            </a:r>
+            <a:r>
+              <a:rPr lang="en-US" dirty="0"/>
+              <a:t>();</a:t>
+            </a:r>
+          </a:p>
+          <a:p>
+            <a:pPr marL="0" indent="0">
+              <a:buNone/>
+            </a:pPr>
+            <a:r>
+              <a:rPr lang="en-US" dirty="0"/>
+              <a:t>     </a:t>
+            </a:r>
+            <a:r>
+              <a:rPr lang="en-US" dirty="0" err="1"/>
+              <a:t>Console.WriteLine</a:t>
+            </a:r>
+            <a:r>
+              <a:rPr lang="en-US" dirty="0"/>
+              <a:t>("mutex was released!");</a:t>
+            </a:r>
+          </a:p>
+          <a:p>
+            <a:pPr marL="0" indent="0">
+              <a:buNone/>
+            </a:pPr>
+            <a:r>
+              <a:rPr lang="en-US" dirty="0"/>
+              <a:t>}</a:t>
+            </a:r>
+          </a:p>
+          <a:p>
+            <a:pPr marL="0" indent="0">
+              <a:buNone/>
+            </a:pPr>
+            <a:r>
+              <a:rPr lang="ru-RU" dirty="0"/>
+              <a:t>* предполагается, что </a:t>
+            </a:r>
+            <a:r>
+              <a:rPr lang="en-US" dirty="0"/>
+              <a:t>Method2()</a:t>
+            </a:r>
+            <a:r>
+              <a:rPr lang="ru-RU" dirty="0"/>
+              <a:t> выполняется параллельно несколькими потоками</a:t>
+            </a:r>
+            <a:endParaRPr lang="en-US" dirty="0"/>
+          </a:p>
+          <a:p>
+            <a:pPr marL="0" indent="0">
+              <a:buNone/>
+            </a:pPr>
+            <a:r>
+              <a:rPr lang="en-US" dirty="0"/>
+              <a:t>* Mutex – </a:t>
+            </a:r>
+            <a:r>
+              <a:rPr lang="ru-RU" dirty="0"/>
+              <a:t>объект уровня ОС</a:t>
+            </a:r>
+            <a:r>
+              <a:rPr lang="en-US" dirty="0"/>
+              <a:t>, </a:t>
+            </a:r>
+            <a:r>
+              <a:rPr lang="ru-RU" dirty="0"/>
+              <a:t>при использовании одного имени мьютекса в разных приложениях позволяет синхронизировать поведение разных процессов (!)</a:t>
+            </a:r>
+            <a:endParaRPr lang="en-US" dirty="0"/>
+          </a:p>
+          <a:p>
+            <a:pPr marL="0" indent="0">
+              <a:buNone/>
+            </a:pPr>
+            <a:endParaRPr lang="en-US" dirty="0"/>
+          </a:p>
+          <a:p>
+            <a:pPr marL="0" indent="0">
+              <a:buNone/>
+            </a:pPr>
+            <a:endParaRPr lang="ru-RU" dirty="0"/>
+          </a:p>
+        </p:txBody>
+      </p:sp>
+      <p:sp>
+        <p:nvSpPr>
           <p:cNvPr id="4" name="Номер слайда 3">
             <a:extLst>
               <a:ext uri="{FF2B5EF4-FFF2-40B4-BE49-F238E27FC236}">
-                <a16:creationId xmlns:a16="http://schemas.microsoft.com/office/drawing/2014/main" id="{85B8844E-54F3-4CE5-A4C2-3182D71BA2CA}"/>
+                <a16:creationId xmlns:a16="http://schemas.microsoft.com/office/drawing/2014/main" id="{C61DB79F-0047-4990-BACE-48FFD0CD6AAB}"/>
               </a:ext>
             </a:extLst>
           </p:cNvPr>
@@ -7720,6 +8141,1754 @@
             <a:fld id="{227C91C0-7371-407B-9696-36B720B1D03F}" type="slidenum">
               <a:rPr lang="ru-RU" smtClean="0"/>
               <a:t>22</a:t>
+            </a:fld>
+            <a:endParaRPr lang="ru-RU"/>
+          </a:p>
+        </p:txBody>
+      </p:sp>
+    </p:spTree>
+    <p:extLst>
+      <p:ext uri="{BB962C8B-B14F-4D97-AF65-F5344CB8AC3E}">
+        <p14:creationId xmlns:p14="http://schemas.microsoft.com/office/powerpoint/2010/main" val="2834500283"/>
+      </p:ext>
+    </p:extLst>
+  </p:cSld>
+  <p:clrMapOvr>
+    <a:masterClrMapping/>
+  </p:clrMapOvr>
+</p:sld>
+</file>
+
+<file path=ppt/slides/slide23.xml><?xml version="1.0" encoding="utf-8"?>
+<p:sld xmlns:a="http://schemas.openxmlformats.org/drawingml/2006/main" xmlns:r="http://schemas.openxmlformats.org/officeDocument/2006/relationships" xmlns:p="http://schemas.openxmlformats.org/presentationml/2006/main">
+  <p:cSld>
+    <p:spTree>
+      <p:nvGrpSpPr>
+        <p:cNvPr id="1" name=""/>
+        <p:cNvGrpSpPr/>
+        <p:nvPr/>
+      </p:nvGrpSpPr>
+      <p:grpSpPr>
+        <a:xfrm>
+          <a:off x="0" y="0"/>
+          <a:ext cx="0" cy="0"/>
+          <a:chOff x="0" y="0"/>
+          <a:chExt cx="0" cy="0"/>
+        </a:xfrm>
+      </p:grpSpPr>
+      <p:sp>
+        <p:nvSpPr>
+          <p:cNvPr id="2" name="Заголовок 1">
+            <a:extLst>
+              <a:ext uri="{FF2B5EF4-FFF2-40B4-BE49-F238E27FC236}">
+                <a16:creationId xmlns:a16="http://schemas.microsoft.com/office/drawing/2014/main" id="{4E957D91-DCC2-49E6-94A5-6C8EE369B159}"/>
+              </a:ext>
+            </a:extLst>
+          </p:cNvPr>
+          <p:cNvSpPr>
+            <a:spLocks noGrp="1"/>
+          </p:cNvSpPr>
+          <p:nvPr>
+            <p:ph type="title"/>
+          </p:nvPr>
+        </p:nvSpPr>
+        <p:spPr>
+          <a:xfrm>
+            <a:off x="838199" y="365125"/>
+            <a:ext cx="11100371" cy="1325563"/>
+          </a:xfrm>
+        </p:spPr>
+        <p:txBody>
+          <a:bodyPr/>
+          <a:lstStyle/>
+          <a:p>
+            <a:r>
+              <a:rPr lang="ru-RU" dirty="0"/>
+              <a:t>События (</a:t>
+            </a:r>
+            <a:r>
+              <a:rPr lang="en-US" dirty="0" err="1"/>
+              <a:t>AutoResetEvent</a:t>
+            </a:r>
+            <a:r>
+              <a:rPr lang="en-US" dirty="0"/>
+              <a:t> </a:t>
+            </a:r>
+            <a:r>
+              <a:rPr lang="ru-RU" dirty="0"/>
+              <a:t>и </a:t>
+            </a:r>
+            <a:r>
+              <a:rPr lang="en-US" dirty="0" err="1"/>
+              <a:t>ManualResetEvent</a:t>
+            </a:r>
+            <a:r>
+              <a:rPr lang="en-US" dirty="0"/>
+              <a:t>)</a:t>
+            </a:r>
+            <a:endParaRPr lang="ru-RU" dirty="0"/>
+          </a:p>
+        </p:txBody>
+      </p:sp>
+      <p:sp>
+        <p:nvSpPr>
+          <p:cNvPr id="3" name="Объект 2">
+            <a:extLst>
+              <a:ext uri="{FF2B5EF4-FFF2-40B4-BE49-F238E27FC236}">
+                <a16:creationId xmlns:a16="http://schemas.microsoft.com/office/drawing/2014/main" id="{A16C3266-90BC-4E0D-8CA4-DB38F0E44D84}"/>
+              </a:ext>
+            </a:extLst>
+          </p:cNvPr>
+          <p:cNvSpPr>
+            <a:spLocks noGrp="1"/>
+          </p:cNvSpPr>
+          <p:nvPr>
+            <p:ph idx="1"/>
+          </p:nvPr>
+        </p:nvSpPr>
+        <p:spPr/>
+        <p:txBody>
+          <a:bodyPr/>
+          <a:lstStyle/>
+          <a:p>
+            <a:pPr algn="l"/>
+            <a:r>
+              <a:rPr lang="ru-RU" b="0" i="0" dirty="0" err="1">
+                <a:effectLst/>
+                <a:latin typeface="YS Text"/>
+              </a:rPr>
+              <a:t>AutoResetEvent</a:t>
+            </a:r>
+            <a:r>
+              <a:rPr lang="ru-RU" b="0" i="0" dirty="0">
+                <a:effectLst/>
+                <a:latin typeface="YS Text"/>
+              </a:rPr>
+              <a:t> используется для ожидания выполнения некоторого условия или действия. Когда условие выполнено, </a:t>
+            </a:r>
+            <a:r>
+              <a:rPr lang="ru-RU" b="0" i="0" dirty="0" err="1">
+                <a:effectLst/>
+                <a:latin typeface="YS Text"/>
+              </a:rPr>
+              <a:t>AutoResetEvent</a:t>
+            </a:r>
+            <a:r>
+              <a:rPr lang="ru-RU" b="0" i="0" dirty="0">
+                <a:effectLst/>
+                <a:latin typeface="YS Text"/>
+              </a:rPr>
+              <a:t> автоматически сбрасывается и позволяет потоку продолжить выполнение.</a:t>
+            </a:r>
+          </a:p>
+          <a:p>
+            <a:pPr algn="l"/>
+            <a:r>
+              <a:rPr lang="ru-RU" b="0" i="0" dirty="0" err="1">
+                <a:effectLst/>
+                <a:latin typeface="YS Text"/>
+              </a:rPr>
+              <a:t>ManualResetEvent</a:t>
+            </a:r>
+            <a:r>
+              <a:rPr lang="ru-RU" b="0" i="0" dirty="0">
+                <a:effectLst/>
+                <a:latin typeface="YS Text"/>
+              </a:rPr>
+              <a:t> аналогично </a:t>
+            </a:r>
+            <a:r>
+              <a:rPr lang="ru-RU" b="0" i="0" dirty="0" err="1">
+                <a:effectLst/>
+                <a:latin typeface="YS Text"/>
+              </a:rPr>
+              <a:t>AutoResetEvent</a:t>
+            </a:r>
+            <a:r>
+              <a:rPr lang="ru-RU" b="0" i="0" dirty="0">
+                <a:effectLst/>
+                <a:latin typeface="YS Text"/>
+              </a:rPr>
+              <a:t>, но отличается тем, что для продолжения выполнения потока после сброса события нужно явно вызвать метод </a:t>
+            </a:r>
+            <a:r>
+              <a:rPr lang="ru-RU" b="0" i="0" dirty="0" err="1">
+                <a:effectLst/>
+                <a:latin typeface="YS Text"/>
+              </a:rPr>
+              <a:t>ManualResetEvent.Set</a:t>
+            </a:r>
+            <a:r>
+              <a:rPr lang="ru-RU" b="0" i="0" dirty="0">
+                <a:effectLst/>
+                <a:latin typeface="YS Text"/>
+              </a:rPr>
+              <a:t>().</a:t>
+            </a:r>
+          </a:p>
+        </p:txBody>
+      </p:sp>
+      <p:sp>
+        <p:nvSpPr>
+          <p:cNvPr id="4" name="Номер слайда 3">
+            <a:extLst>
+              <a:ext uri="{FF2B5EF4-FFF2-40B4-BE49-F238E27FC236}">
+                <a16:creationId xmlns:a16="http://schemas.microsoft.com/office/drawing/2014/main" id="{38F2F1E4-7559-427E-829B-DD7623719B6F}"/>
+              </a:ext>
+            </a:extLst>
+          </p:cNvPr>
+          <p:cNvSpPr>
+            <a:spLocks noGrp="1"/>
+          </p:cNvSpPr>
+          <p:nvPr>
+            <p:ph type="sldNum" sz="quarter" idx="12"/>
+          </p:nvPr>
+        </p:nvSpPr>
+        <p:spPr/>
+        <p:txBody>
+          <a:bodyPr/>
+          <a:lstStyle/>
+          <a:p>
+            <a:fld id="{227C91C0-7371-407B-9696-36B720B1D03F}" type="slidenum">
+              <a:rPr lang="ru-RU" smtClean="0"/>
+              <a:t>23</a:t>
+            </a:fld>
+            <a:endParaRPr lang="ru-RU"/>
+          </a:p>
+        </p:txBody>
+      </p:sp>
+    </p:spTree>
+    <p:extLst>
+      <p:ext uri="{BB962C8B-B14F-4D97-AF65-F5344CB8AC3E}">
+        <p14:creationId xmlns:p14="http://schemas.microsoft.com/office/powerpoint/2010/main" val="940481617"/>
+      </p:ext>
+    </p:extLst>
+  </p:cSld>
+  <p:clrMapOvr>
+    <a:masterClrMapping/>
+  </p:clrMapOvr>
+</p:sld>
+</file>
+
+<file path=ppt/slides/slide24.xml><?xml version="1.0" encoding="utf-8"?>
+<p:sld xmlns:a="http://schemas.openxmlformats.org/drawingml/2006/main" xmlns:r="http://schemas.openxmlformats.org/officeDocument/2006/relationships" xmlns:p="http://schemas.openxmlformats.org/presentationml/2006/main">
+  <p:cSld>
+    <p:spTree>
+      <p:nvGrpSpPr>
+        <p:cNvPr id="1" name=""/>
+        <p:cNvGrpSpPr/>
+        <p:nvPr/>
+      </p:nvGrpSpPr>
+      <p:grpSpPr>
+        <a:xfrm>
+          <a:off x="0" y="0"/>
+          <a:ext cx="0" cy="0"/>
+          <a:chOff x="0" y="0"/>
+          <a:chExt cx="0" cy="0"/>
+        </a:xfrm>
+      </p:grpSpPr>
+      <p:sp>
+        <p:nvSpPr>
+          <p:cNvPr id="3" name="Объект 2">
+            <a:extLst>
+              <a:ext uri="{FF2B5EF4-FFF2-40B4-BE49-F238E27FC236}">
+                <a16:creationId xmlns:a16="http://schemas.microsoft.com/office/drawing/2014/main" id="{EF1EB83B-1802-41A3-B694-29B40627AC43}"/>
+              </a:ext>
+            </a:extLst>
+          </p:cNvPr>
+          <p:cNvSpPr>
+            <a:spLocks noGrp="1"/>
+          </p:cNvSpPr>
+          <p:nvPr>
+            <p:ph idx="1"/>
+          </p:nvPr>
+        </p:nvSpPr>
+        <p:spPr>
+          <a:xfrm>
+            <a:off x="838200" y="308225"/>
+            <a:ext cx="10515600" cy="6413250"/>
+          </a:xfrm>
+        </p:spPr>
+        <p:txBody>
+          <a:bodyPr>
+            <a:normAutofit fontScale="92500" lnSpcReduction="20000"/>
+          </a:bodyPr>
+          <a:lstStyle/>
+          <a:p>
+            <a:pPr marL="0" indent="0">
+              <a:buNone/>
+            </a:pPr>
+            <a:r>
+              <a:rPr lang="en-US" dirty="0"/>
+              <a:t>static </a:t>
+            </a:r>
+            <a:r>
+              <a:rPr lang="en-US" dirty="0" err="1"/>
+              <a:t>AutoResetEvent</a:t>
+            </a:r>
+            <a:r>
+              <a:rPr lang="en-US" dirty="0"/>
+              <a:t> </a:t>
+            </a:r>
+            <a:r>
+              <a:rPr lang="en-US" dirty="0" err="1"/>
+              <a:t>autoResetEvent</a:t>
+            </a:r>
+            <a:r>
+              <a:rPr lang="en-US" dirty="0"/>
+              <a:t> = new </a:t>
+            </a:r>
+            <a:r>
+              <a:rPr lang="en-US" dirty="0" err="1"/>
+              <a:t>AutoResetEvent</a:t>
+            </a:r>
+            <a:r>
+              <a:rPr lang="en-US" dirty="0"/>
+              <a:t>(false);</a:t>
+            </a:r>
+          </a:p>
+          <a:p>
+            <a:pPr marL="0" indent="0">
+              <a:buNone/>
+            </a:pPr>
+            <a:r>
+              <a:rPr lang="en-US" dirty="0"/>
+              <a:t>static void Method3()</a:t>
+            </a:r>
+          </a:p>
+          <a:p>
+            <a:pPr marL="0" indent="0">
+              <a:buNone/>
+            </a:pPr>
+            <a:r>
+              <a:rPr lang="en-US" dirty="0"/>
+              <a:t>{</a:t>
+            </a:r>
+          </a:p>
+          <a:p>
+            <a:pPr marL="0" indent="0">
+              <a:buNone/>
+            </a:pPr>
+            <a:r>
+              <a:rPr lang="en-US" dirty="0"/>
+              <a:t>    </a:t>
+            </a:r>
+            <a:r>
+              <a:rPr lang="en-US" dirty="0" err="1"/>
+              <a:t>autoResetEvent.WaitOne</a:t>
+            </a:r>
+            <a:r>
+              <a:rPr lang="en-US" dirty="0"/>
+              <a:t>();</a:t>
+            </a:r>
+          </a:p>
+          <a:p>
+            <a:pPr marL="0" indent="0">
+              <a:buNone/>
+            </a:pPr>
+            <a:r>
+              <a:rPr lang="en-US" dirty="0"/>
+              <a:t>    //</a:t>
+            </a:r>
+            <a:r>
+              <a:rPr lang="ru-RU" dirty="0"/>
+              <a:t>сюда не попадем, пока другой поток не вызовет </a:t>
+            </a:r>
+            <a:r>
+              <a:rPr lang="en-US" dirty="0" err="1"/>
+              <a:t>autoResetEvent.Set</a:t>
+            </a:r>
+            <a:r>
+              <a:rPr lang="en-US" dirty="0"/>
+              <a:t>();</a:t>
+            </a:r>
+          </a:p>
+          <a:p>
+            <a:pPr marL="0" indent="0">
+              <a:buNone/>
+            </a:pPr>
+            <a:r>
+              <a:rPr lang="en-US" dirty="0"/>
+              <a:t>    </a:t>
+            </a:r>
+            <a:r>
+              <a:rPr lang="en-US" dirty="0" err="1"/>
+              <a:t>Console.WriteLine</a:t>
+            </a:r>
+            <a:r>
+              <a:rPr lang="en-US" dirty="0"/>
+              <a:t>("it my section!");</a:t>
+            </a:r>
+          </a:p>
+          <a:p>
+            <a:pPr marL="0" indent="0">
+              <a:buNone/>
+            </a:pPr>
+            <a:r>
+              <a:rPr lang="en-US" dirty="0"/>
+              <a:t>}</a:t>
+            </a:r>
+          </a:p>
+          <a:p>
+            <a:pPr marL="0" indent="0">
+              <a:buNone/>
+            </a:pPr>
+            <a:r>
+              <a:rPr lang="en-US" dirty="0"/>
+              <a:t>static void Main(string[] </a:t>
+            </a:r>
+            <a:r>
+              <a:rPr lang="en-US" dirty="0" err="1"/>
+              <a:t>args</a:t>
+            </a:r>
+            <a:r>
+              <a:rPr lang="en-US" dirty="0"/>
+              <a:t>)</a:t>
+            </a:r>
+          </a:p>
+          <a:p>
+            <a:pPr marL="0" indent="0">
+              <a:buNone/>
+            </a:pPr>
+            <a:r>
+              <a:rPr lang="en-US" dirty="0"/>
+              <a:t>{</a:t>
+            </a:r>
+          </a:p>
+          <a:p>
+            <a:pPr marL="0" indent="0">
+              <a:buNone/>
+            </a:pPr>
+            <a:r>
+              <a:rPr lang="en-US" dirty="0"/>
+              <a:t>    Thread </a:t>
+            </a:r>
+            <a:r>
+              <a:rPr lang="en-US" dirty="0" err="1"/>
+              <a:t>thread</a:t>
+            </a:r>
+            <a:r>
+              <a:rPr lang="en-US" dirty="0"/>
+              <a:t> = new Thread(Method3);</a:t>
+            </a:r>
+          </a:p>
+          <a:p>
+            <a:pPr marL="0" indent="0">
+              <a:buNone/>
+            </a:pPr>
+            <a:r>
+              <a:rPr lang="en-US" dirty="0"/>
+              <a:t>    </a:t>
+            </a:r>
+            <a:r>
+              <a:rPr lang="en-US" dirty="0" err="1"/>
+              <a:t>thread.Start</a:t>
+            </a:r>
+            <a:r>
+              <a:rPr lang="en-US" dirty="0"/>
+              <a:t>();</a:t>
+            </a:r>
+          </a:p>
+          <a:p>
+            <a:pPr marL="0" indent="0">
+              <a:buNone/>
+            </a:pPr>
+            <a:r>
+              <a:rPr lang="en-US" dirty="0"/>
+              <a:t>    </a:t>
+            </a:r>
+            <a:r>
+              <a:rPr lang="en-US" dirty="0" err="1"/>
+              <a:t>Console.WriteLine</a:t>
+            </a:r>
+            <a:r>
+              <a:rPr lang="en-US" dirty="0"/>
+              <a:t>("thread started");</a:t>
+            </a:r>
+          </a:p>
+          <a:p>
+            <a:pPr marL="0" indent="0">
+              <a:buNone/>
+            </a:pPr>
+            <a:r>
+              <a:rPr lang="en-US" dirty="0"/>
+              <a:t>    </a:t>
+            </a:r>
+            <a:r>
+              <a:rPr lang="en-US" dirty="0" err="1"/>
+              <a:t>autoResetEvent.Set</a:t>
+            </a:r>
+            <a:r>
+              <a:rPr lang="en-US" dirty="0"/>
+              <a:t>();</a:t>
+            </a:r>
+          </a:p>
+          <a:p>
+            <a:pPr marL="0" indent="0">
+              <a:buNone/>
+            </a:pPr>
+            <a:r>
+              <a:rPr lang="en-US" dirty="0"/>
+              <a:t>    </a:t>
+            </a:r>
+            <a:r>
+              <a:rPr lang="en-US" dirty="0" err="1"/>
+              <a:t>thread.Join</a:t>
+            </a:r>
+            <a:r>
+              <a:rPr lang="en-US" dirty="0"/>
+              <a:t>();</a:t>
+            </a:r>
+          </a:p>
+          <a:p>
+            <a:pPr marL="0" indent="0">
+              <a:buNone/>
+            </a:pPr>
+            <a:r>
+              <a:rPr lang="en-US" dirty="0"/>
+              <a:t>}</a:t>
+            </a:r>
+            <a:endParaRPr lang="ru-RU" dirty="0"/>
+          </a:p>
+        </p:txBody>
+      </p:sp>
+      <p:sp>
+        <p:nvSpPr>
+          <p:cNvPr id="4" name="Номер слайда 3">
+            <a:extLst>
+              <a:ext uri="{FF2B5EF4-FFF2-40B4-BE49-F238E27FC236}">
+                <a16:creationId xmlns:a16="http://schemas.microsoft.com/office/drawing/2014/main" id="{799EE910-0630-462E-A86C-2359F3AC2C7E}"/>
+              </a:ext>
+            </a:extLst>
+          </p:cNvPr>
+          <p:cNvSpPr>
+            <a:spLocks noGrp="1"/>
+          </p:cNvSpPr>
+          <p:nvPr>
+            <p:ph type="sldNum" sz="quarter" idx="12"/>
+          </p:nvPr>
+        </p:nvSpPr>
+        <p:spPr/>
+        <p:txBody>
+          <a:bodyPr/>
+          <a:lstStyle/>
+          <a:p>
+            <a:fld id="{227C91C0-7371-407B-9696-36B720B1D03F}" type="slidenum">
+              <a:rPr lang="ru-RU" smtClean="0"/>
+              <a:t>24</a:t>
+            </a:fld>
+            <a:endParaRPr lang="ru-RU"/>
+          </a:p>
+        </p:txBody>
+      </p:sp>
+    </p:spTree>
+    <p:extLst>
+      <p:ext uri="{BB962C8B-B14F-4D97-AF65-F5344CB8AC3E}">
+        <p14:creationId xmlns:p14="http://schemas.microsoft.com/office/powerpoint/2010/main" val="447426964"/>
+      </p:ext>
+    </p:extLst>
+  </p:cSld>
+  <p:clrMapOvr>
+    <a:masterClrMapping/>
+  </p:clrMapOvr>
+</p:sld>
+</file>
+
+<file path=ppt/slides/slide25.xml><?xml version="1.0" encoding="utf-8"?>
+<p:sld xmlns:a="http://schemas.openxmlformats.org/drawingml/2006/main" xmlns:r="http://schemas.openxmlformats.org/officeDocument/2006/relationships" xmlns:p="http://schemas.openxmlformats.org/presentationml/2006/main">
+  <p:cSld>
+    <p:spTree>
+      <p:nvGrpSpPr>
+        <p:cNvPr id="1" name=""/>
+        <p:cNvGrpSpPr/>
+        <p:nvPr/>
+      </p:nvGrpSpPr>
+      <p:grpSpPr>
+        <a:xfrm>
+          <a:off x="0" y="0"/>
+          <a:ext cx="0" cy="0"/>
+          <a:chOff x="0" y="0"/>
+          <a:chExt cx="0" cy="0"/>
+        </a:xfrm>
+      </p:grpSpPr>
+      <p:sp>
+        <p:nvSpPr>
+          <p:cNvPr id="2" name="Заголовок 1">
+            <a:extLst>
+              <a:ext uri="{FF2B5EF4-FFF2-40B4-BE49-F238E27FC236}">
+                <a16:creationId xmlns:a16="http://schemas.microsoft.com/office/drawing/2014/main" id="{9E908E27-ACC0-4780-B14D-6AE4AC80DB5D}"/>
+              </a:ext>
+            </a:extLst>
+          </p:cNvPr>
+          <p:cNvSpPr>
+            <a:spLocks noGrp="1"/>
+          </p:cNvSpPr>
+          <p:nvPr>
+            <p:ph type="title"/>
+          </p:nvPr>
+        </p:nvSpPr>
+        <p:spPr>
+          <a:xfrm>
+            <a:off x="838200" y="320675"/>
+            <a:ext cx="11353799" cy="1325563"/>
+          </a:xfrm>
+        </p:spPr>
+        <p:txBody>
+          <a:bodyPr/>
+          <a:lstStyle/>
+          <a:p>
+            <a:r>
+              <a:rPr lang="ru-RU" dirty="0"/>
+              <a:t>События и мьютексы. Области использования</a:t>
+            </a:r>
+          </a:p>
+        </p:txBody>
+      </p:sp>
+      <p:sp>
+        <p:nvSpPr>
+          <p:cNvPr id="3" name="Объект 2">
+            <a:extLst>
+              <a:ext uri="{FF2B5EF4-FFF2-40B4-BE49-F238E27FC236}">
+                <a16:creationId xmlns:a16="http://schemas.microsoft.com/office/drawing/2014/main" id="{F6696763-3BC2-4754-AC97-47BB58907CC6}"/>
+              </a:ext>
+            </a:extLst>
+          </p:cNvPr>
+          <p:cNvSpPr>
+            <a:spLocks noGrp="1"/>
+          </p:cNvSpPr>
+          <p:nvPr>
+            <p:ph idx="1"/>
+          </p:nvPr>
+        </p:nvSpPr>
+        <p:spPr/>
+        <p:txBody>
+          <a:bodyPr>
+            <a:normAutofit fontScale="92500" lnSpcReduction="10000"/>
+          </a:bodyPr>
+          <a:lstStyle/>
+          <a:p>
+            <a:pPr algn="l"/>
+            <a:r>
+              <a:rPr lang="ru-RU" b="0" i="0" dirty="0">
+                <a:effectLst/>
+                <a:latin typeface="YS Text"/>
+              </a:rPr>
+              <a:t>События обычно используются для оповещения одного или нескольких потоков о том, что произошло определенное событие или условие. Например, можно использовать событие для уведомления потока, что данные были загружены или обработаны. После того, как событие сработало, поток может продолжить выполнение с того места, где оно было приостановлено.</a:t>
+            </a:r>
+          </a:p>
+          <a:p>
+            <a:pPr algn="l"/>
+            <a:r>
+              <a:rPr lang="ru-RU" b="0" i="0" dirty="0">
+                <a:effectLst/>
+                <a:latin typeface="YS Text"/>
+              </a:rPr>
+              <a:t>Мьютекс предоставляет более прямой способ управления доступом к ресурсу. Он позволяет только одному потоку иметь доступ к ресурсу одновременно, блокируя все остальные потоки, пытающиеся получить доступ. Мьютексы обычно используются, когда вам нужно гарантировать, что только один поток будет работать с ресурсом в любой момент времени.</a:t>
+            </a:r>
+          </a:p>
+        </p:txBody>
+      </p:sp>
+      <p:sp>
+        <p:nvSpPr>
+          <p:cNvPr id="4" name="Номер слайда 3">
+            <a:extLst>
+              <a:ext uri="{FF2B5EF4-FFF2-40B4-BE49-F238E27FC236}">
+                <a16:creationId xmlns:a16="http://schemas.microsoft.com/office/drawing/2014/main" id="{B9B0B2CD-005E-44BA-8A63-B13177FE7B40}"/>
+              </a:ext>
+            </a:extLst>
+          </p:cNvPr>
+          <p:cNvSpPr>
+            <a:spLocks noGrp="1"/>
+          </p:cNvSpPr>
+          <p:nvPr>
+            <p:ph type="sldNum" sz="quarter" idx="12"/>
+          </p:nvPr>
+        </p:nvSpPr>
+        <p:spPr/>
+        <p:txBody>
+          <a:bodyPr/>
+          <a:lstStyle/>
+          <a:p>
+            <a:fld id="{227C91C0-7371-407B-9696-36B720B1D03F}" type="slidenum">
+              <a:rPr lang="ru-RU" smtClean="0"/>
+              <a:t>25</a:t>
+            </a:fld>
+            <a:endParaRPr lang="ru-RU"/>
+          </a:p>
+        </p:txBody>
+      </p:sp>
+    </p:spTree>
+    <p:extLst>
+      <p:ext uri="{BB962C8B-B14F-4D97-AF65-F5344CB8AC3E}">
+        <p14:creationId xmlns:p14="http://schemas.microsoft.com/office/powerpoint/2010/main" val="4066498693"/>
+      </p:ext>
+    </p:extLst>
+  </p:cSld>
+  <p:clrMapOvr>
+    <a:masterClrMapping/>
+  </p:clrMapOvr>
+</p:sld>
+</file>
+
+<file path=ppt/slides/slide26.xml><?xml version="1.0" encoding="utf-8"?>
+<p:sld xmlns:a="http://schemas.openxmlformats.org/drawingml/2006/main" xmlns:r="http://schemas.openxmlformats.org/officeDocument/2006/relationships" xmlns:p="http://schemas.openxmlformats.org/presentationml/2006/main">
+  <p:cSld>
+    <p:spTree>
+      <p:nvGrpSpPr>
+        <p:cNvPr id="1" name=""/>
+        <p:cNvGrpSpPr/>
+        <p:nvPr/>
+      </p:nvGrpSpPr>
+      <p:grpSpPr>
+        <a:xfrm>
+          <a:off x="0" y="0"/>
+          <a:ext cx="0" cy="0"/>
+          <a:chOff x="0" y="0"/>
+          <a:chExt cx="0" cy="0"/>
+        </a:xfrm>
+      </p:grpSpPr>
+      <p:sp>
+        <p:nvSpPr>
+          <p:cNvPr id="2" name="Заголовок 1">
+            <a:extLst>
+              <a:ext uri="{FF2B5EF4-FFF2-40B4-BE49-F238E27FC236}">
+                <a16:creationId xmlns:a16="http://schemas.microsoft.com/office/drawing/2014/main" id="{C16D13CC-C8A9-41A9-8153-D43804B5033B}"/>
+              </a:ext>
+            </a:extLst>
+          </p:cNvPr>
+          <p:cNvSpPr>
+            <a:spLocks noGrp="1"/>
+          </p:cNvSpPr>
+          <p:nvPr>
+            <p:ph type="title"/>
+          </p:nvPr>
+        </p:nvSpPr>
+        <p:spPr/>
+        <p:txBody>
+          <a:bodyPr/>
+          <a:lstStyle/>
+          <a:p>
+            <a:r>
+              <a:rPr lang="en-US" dirty="0" err="1"/>
+              <a:t>EventWaitHandle</a:t>
+            </a:r>
+            <a:endParaRPr lang="ru-RU" dirty="0"/>
+          </a:p>
+        </p:txBody>
+      </p:sp>
+      <p:sp>
+        <p:nvSpPr>
+          <p:cNvPr id="3" name="Объект 2">
+            <a:extLst>
+              <a:ext uri="{FF2B5EF4-FFF2-40B4-BE49-F238E27FC236}">
+                <a16:creationId xmlns:a16="http://schemas.microsoft.com/office/drawing/2014/main" id="{181EDD0E-BEFB-4039-BF05-DEC1CC57267B}"/>
+              </a:ext>
+            </a:extLst>
+          </p:cNvPr>
+          <p:cNvSpPr>
+            <a:spLocks noGrp="1"/>
+          </p:cNvSpPr>
+          <p:nvPr>
+            <p:ph idx="1"/>
+          </p:nvPr>
+        </p:nvSpPr>
+        <p:spPr>
+          <a:xfrm>
+            <a:off x="410967" y="1825625"/>
+            <a:ext cx="11661168" cy="4351338"/>
+          </a:xfrm>
+        </p:spPr>
+        <p:txBody>
+          <a:bodyPr/>
+          <a:lstStyle/>
+          <a:p>
+            <a:pPr marL="0" indent="0">
+              <a:buNone/>
+            </a:pPr>
+            <a:r>
+              <a:rPr lang="ru-RU" dirty="0"/>
+              <a:t>События уровня ОС:</a:t>
+            </a:r>
+          </a:p>
+          <a:p>
+            <a:pPr marL="0" indent="0">
+              <a:buNone/>
+            </a:pPr>
+            <a:endParaRPr lang="en-US" dirty="0"/>
+          </a:p>
+          <a:p>
+            <a:pPr marL="0" indent="0">
+              <a:buNone/>
+            </a:pPr>
+            <a:r>
+              <a:rPr lang="en-US" dirty="0" err="1"/>
+              <a:t>EventWaitHandle</a:t>
+            </a:r>
+            <a:r>
+              <a:rPr lang="en-US" dirty="0"/>
+              <a:t> </a:t>
+            </a:r>
+            <a:r>
+              <a:rPr lang="en-US" dirty="0" err="1"/>
+              <a:t>waitEventHandle</a:t>
+            </a:r>
+            <a:r>
+              <a:rPr lang="en-US" dirty="0"/>
+              <a:t> = </a:t>
+            </a:r>
+          </a:p>
+          <a:p>
+            <a:pPr marL="0" indent="0">
+              <a:buNone/>
+            </a:pPr>
+            <a:r>
+              <a:rPr lang="en-US" dirty="0"/>
+              <a:t>    new </a:t>
+            </a:r>
+            <a:r>
+              <a:rPr lang="en-US" dirty="0" err="1"/>
+              <a:t>EventWaitHandle</a:t>
+            </a:r>
+            <a:r>
+              <a:rPr lang="en-US" dirty="0"/>
+              <a:t>(false, </a:t>
+            </a:r>
+            <a:r>
+              <a:rPr lang="en-US" dirty="0" err="1"/>
+              <a:t>EventResetMode.AutoReset</a:t>
+            </a:r>
+            <a:r>
+              <a:rPr lang="en-US" dirty="0"/>
+              <a:t>, "</a:t>
+            </a:r>
+            <a:r>
+              <a:rPr lang="en-US" dirty="0" err="1"/>
+              <a:t>myGlobalEvent</a:t>
+            </a:r>
+            <a:r>
+              <a:rPr lang="en-US" dirty="0"/>
+              <a:t>");</a:t>
+            </a:r>
+          </a:p>
+          <a:p>
+            <a:pPr marL="0" indent="0">
+              <a:buNone/>
+            </a:pPr>
+            <a:endParaRPr lang="en-US" dirty="0"/>
+          </a:p>
+          <a:p>
+            <a:pPr marL="0" indent="0">
+              <a:buNone/>
+            </a:pPr>
+            <a:r>
+              <a:rPr lang="en-US" dirty="0" err="1"/>
+              <a:t>waitEventHandle.WaitOne</a:t>
+            </a:r>
+            <a:r>
+              <a:rPr lang="en-US" dirty="0"/>
+              <a:t>();</a:t>
+            </a:r>
+          </a:p>
+          <a:p>
+            <a:pPr marL="0" indent="0">
+              <a:buNone/>
+            </a:pPr>
+            <a:r>
+              <a:rPr lang="en-US" dirty="0" err="1"/>
+              <a:t>waitEventHandle.Set</a:t>
+            </a:r>
+            <a:r>
+              <a:rPr lang="en-US" dirty="0"/>
+              <a:t>();</a:t>
+            </a:r>
+            <a:endParaRPr lang="ru-RU" dirty="0"/>
+          </a:p>
+        </p:txBody>
+      </p:sp>
+      <p:sp>
+        <p:nvSpPr>
+          <p:cNvPr id="4" name="Номер слайда 3">
+            <a:extLst>
+              <a:ext uri="{FF2B5EF4-FFF2-40B4-BE49-F238E27FC236}">
+                <a16:creationId xmlns:a16="http://schemas.microsoft.com/office/drawing/2014/main" id="{EE22A325-E881-4B1E-B6E9-2797D5D38CCB}"/>
+              </a:ext>
+            </a:extLst>
+          </p:cNvPr>
+          <p:cNvSpPr>
+            <a:spLocks noGrp="1"/>
+          </p:cNvSpPr>
+          <p:nvPr>
+            <p:ph type="sldNum" sz="quarter" idx="12"/>
+          </p:nvPr>
+        </p:nvSpPr>
+        <p:spPr/>
+        <p:txBody>
+          <a:bodyPr/>
+          <a:lstStyle/>
+          <a:p>
+            <a:fld id="{227C91C0-7371-407B-9696-36B720B1D03F}" type="slidenum">
+              <a:rPr lang="ru-RU" smtClean="0"/>
+              <a:t>26</a:t>
+            </a:fld>
+            <a:endParaRPr lang="ru-RU"/>
+          </a:p>
+        </p:txBody>
+      </p:sp>
+    </p:spTree>
+    <p:extLst>
+      <p:ext uri="{BB962C8B-B14F-4D97-AF65-F5344CB8AC3E}">
+        <p14:creationId xmlns:p14="http://schemas.microsoft.com/office/powerpoint/2010/main" val="2564636470"/>
+      </p:ext>
+    </p:extLst>
+  </p:cSld>
+  <p:clrMapOvr>
+    <a:masterClrMapping/>
+  </p:clrMapOvr>
+</p:sld>
+</file>
+
+<file path=ppt/slides/slide27.xml><?xml version="1.0" encoding="utf-8"?>
+<p:sld xmlns:a="http://schemas.openxmlformats.org/drawingml/2006/main" xmlns:r="http://schemas.openxmlformats.org/officeDocument/2006/relationships" xmlns:p="http://schemas.openxmlformats.org/presentationml/2006/main">
+  <p:cSld>
+    <p:spTree>
+      <p:nvGrpSpPr>
+        <p:cNvPr id="1" name=""/>
+        <p:cNvGrpSpPr/>
+        <p:nvPr/>
+      </p:nvGrpSpPr>
+      <p:grpSpPr>
+        <a:xfrm>
+          <a:off x="0" y="0"/>
+          <a:ext cx="0" cy="0"/>
+          <a:chOff x="0" y="0"/>
+          <a:chExt cx="0" cy="0"/>
+        </a:xfrm>
+      </p:grpSpPr>
+      <p:sp>
+        <p:nvSpPr>
+          <p:cNvPr id="2" name="Заголовок 1">
+            <a:extLst>
+              <a:ext uri="{FF2B5EF4-FFF2-40B4-BE49-F238E27FC236}">
+                <a16:creationId xmlns:a16="http://schemas.microsoft.com/office/drawing/2014/main" id="{127F5C47-EE03-491F-B42F-3576124A7D65}"/>
+              </a:ext>
+            </a:extLst>
+          </p:cNvPr>
+          <p:cNvSpPr>
+            <a:spLocks noGrp="1"/>
+          </p:cNvSpPr>
+          <p:nvPr>
+            <p:ph type="title"/>
+          </p:nvPr>
+        </p:nvSpPr>
+        <p:spPr/>
+        <p:txBody>
+          <a:bodyPr/>
+          <a:lstStyle/>
+          <a:p>
+            <a:r>
+              <a:rPr lang="ru-RU" dirty="0"/>
+              <a:t>Семафоры</a:t>
+            </a:r>
+          </a:p>
+        </p:txBody>
+      </p:sp>
+      <p:sp>
+        <p:nvSpPr>
+          <p:cNvPr id="3" name="Объект 2">
+            <a:extLst>
+              <a:ext uri="{FF2B5EF4-FFF2-40B4-BE49-F238E27FC236}">
+                <a16:creationId xmlns:a16="http://schemas.microsoft.com/office/drawing/2014/main" id="{8F484CED-F050-461A-BAB6-71F7C24E26D6}"/>
+              </a:ext>
+            </a:extLst>
+          </p:cNvPr>
+          <p:cNvSpPr>
+            <a:spLocks noGrp="1"/>
+          </p:cNvSpPr>
+          <p:nvPr>
+            <p:ph idx="1"/>
+          </p:nvPr>
+        </p:nvSpPr>
+        <p:spPr/>
+        <p:txBody>
+          <a:bodyPr>
+            <a:normAutofit fontScale="92500" lnSpcReduction="10000"/>
+          </a:bodyPr>
+          <a:lstStyle/>
+          <a:p>
+            <a:pPr marL="0" indent="0">
+              <a:buNone/>
+            </a:pPr>
+            <a:r>
+              <a:rPr lang="en-US" dirty="0"/>
+              <a:t>Semaphore </a:t>
+            </a:r>
+            <a:r>
+              <a:rPr lang="en-US" dirty="0" err="1"/>
+              <a:t>semaphore</a:t>
+            </a:r>
+            <a:r>
+              <a:rPr lang="en-US" dirty="0"/>
+              <a:t> = new Semaphore(1, 10, "</a:t>
+            </a:r>
+            <a:r>
+              <a:rPr lang="en-US" dirty="0" err="1"/>
+              <a:t>mySemaphore</a:t>
+            </a:r>
+            <a:r>
+              <a:rPr lang="en-US" dirty="0"/>
+              <a:t>");</a:t>
+            </a:r>
+          </a:p>
+          <a:p>
+            <a:pPr marL="0" indent="0">
+              <a:buNone/>
+            </a:pPr>
+            <a:r>
+              <a:rPr lang="en-US" dirty="0" err="1"/>
+              <a:t>semaphore.WaitOne</a:t>
+            </a:r>
+            <a:r>
+              <a:rPr lang="en-US" dirty="0"/>
+              <a:t>()</a:t>
+            </a:r>
+            <a:r>
+              <a:rPr lang="ru-RU" dirty="0"/>
+              <a:t>;</a:t>
+            </a:r>
+            <a:r>
+              <a:rPr lang="en-US" dirty="0"/>
+              <a:t> // </a:t>
+            </a:r>
+            <a:r>
+              <a:rPr lang="ru-RU" dirty="0"/>
+              <a:t>Ожидает освобождения ресурса</a:t>
+            </a:r>
+            <a:endParaRPr lang="en-US" dirty="0"/>
+          </a:p>
+          <a:p>
+            <a:pPr marL="0" indent="0">
+              <a:buNone/>
+            </a:pPr>
+            <a:r>
+              <a:rPr lang="en-US" dirty="0"/>
+              <a:t>//</a:t>
+            </a:r>
+            <a:r>
+              <a:rPr lang="ru-RU" dirty="0"/>
+              <a:t>работа с ресурсом</a:t>
+            </a:r>
+            <a:endParaRPr lang="en-US" dirty="0"/>
+          </a:p>
+          <a:p>
+            <a:pPr marL="0" indent="0">
+              <a:buNone/>
+            </a:pPr>
+            <a:r>
+              <a:rPr lang="en-US" dirty="0" err="1"/>
+              <a:t>semaphore.Release</a:t>
+            </a:r>
+            <a:r>
+              <a:rPr lang="en-US" dirty="0"/>
+              <a:t>();</a:t>
+            </a:r>
+            <a:endParaRPr lang="ru-RU" dirty="0"/>
+          </a:p>
+          <a:p>
+            <a:pPr marL="0" indent="0">
+              <a:buNone/>
+            </a:pPr>
+            <a:endParaRPr lang="ru-RU" dirty="0"/>
+          </a:p>
+          <a:p>
+            <a:r>
+              <a:rPr lang="ru-RU" dirty="0"/>
+              <a:t>позволяет ограничить кол-во потоков, одновременно работающих с ресурсом. </a:t>
+            </a:r>
+          </a:p>
+          <a:p>
+            <a:r>
+              <a:rPr lang="ru-RU" dirty="0"/>
+              <a:t>Например, </a:t>
+            </a:r>
+            <a:r>
+              <a:rPr lang="ru-RU" dirty="0" err="1"/>
+              <a:t>м.б</a:t>
+            </a:r>
+            <a:r>
+              <a:rPr lang="ru-RU" dirty="0"/>
+              <a:t>. использован для обработки очереди запросов, в случае, если обработка запроса – «дорогая» операция. Используя семафоры можем добиться необходимой загрузки и скорости обработки.</a:t>
+            </a:r>
+          </a:p>
+          <a:p>
+            <a:pPr marL="0" indent="0">
+              <a:buNone/>
+            </a:pPr>
+            <a:endParaRPr lang="ru-RU" dirty="0"/>
+          </a:p>
+        </p:txBody>
+      </p:sp>
+      <p:sp>
+        <p:nvSpPr>
+          <p:cNvPr id="4" name="Номер слайда 3">
+            <a:extLst>
+              <a:ext uri="{FF2B5EF4-FFF2-40B4-BE49-F238E27FC236}">
+                <a16:creationId xmlns:a16="http://schemas.microsoft.com/office/drawing/2014/main" id="{0B20AFE1-9FC1-4C35-8C2E-5CE562FFF424}"/>
+              </a:ext>
+            </a:extLst>
+          </p:cNvPr>
+          <p:cNvSpPr>
+            <a:spLocks noGrp="1"/>
+          </p:cNvSpPr>
+          <p:nvPr>
+            <p:ph type="sldNum" sz="quarter" idx="12"/>
+          </p:nvPr>
+        </p:nvSpPr>
+        <p:spPr/>
+        <p:txBody>
+          <a:bodyPr/>
+          <a:lstStyle/>
+          <a:p>
+            <a:fld id="{227C91C0-7371-407B-9696-36B720B1D03F}" type="slidenum">
+              <a:rPr lang="ru-RU" smtClean="0"/>
+              <a:t>27</a:t>
+            </a:fld>
+            <a:endParaRPr lang="ru-RU"/>
+          </a:p>
+        </p:txBody>
+      </p:sp>
+    </p:spTree>
+    <p:extLst>
+      <p:ext uri="{BB962C8B-B14F-4D97-AF65-F5344CB8AC3E}">
+        <p14:creationId xmlns:p14="http://schemas.microsoft.com/office/powerpoint/2010/main" val="4233007441"/>
+      </p:ext>
+    </p:extLst>
+  </p:cSld>
+  <p:clrMapOvr>
+    <a:masterClrMapping/>
+  </p:clrMapOvr>
+</p:sld>
+</file>
+
+<file path=ppt/slides/slide28.xml><?xml version="1.0" encoding="utf-8"?>
+<p:sld xmlns:a="http://schemas.openxmlformats.org/drawingml/2006/main" xmlns:r="http://schemas.openxmlformats.org/officeDocument/2006/relationships" xmlns:p="http://schemas.openxmlformats.org/presentationml/2006/main">
+  <p:cSld>
+    <p:spTree>
+      <p:nvGrpSpPr>
+        <p:cNvPr id="1" name=""/>
+        <p:cNvGrpSpPr/>
+        <p:nvPr/>
+      </p:nvGrpSpPr>
+      <p:grpSpPr>
+        <a:xfrm>
+          <a:off x="0" y="0"/>
+          <a:ext cx="0" cy="0"/>
+          <a:chOff x="0" y="0"/>
+          <a:chExt cx="0" cy="0"/>
+        </a:xfrm>
+      </p:grpSpPr>
+      <p:sp>
+        <p:nvSpPr>
+          <p:cNvPr id="4" name="Номер слайда 3">
+            <a:extLst>
+              <a:ext uri="{FF2B5EF4-FFF2-40B4-BE49-F238E27FC236}">
+                <a16:creationId xmlns:a16="http://schemas.microsoft.com/office/drawing/2014/main" id="{E5372C07-CE74-46F0-A71E-A60E6FF630C3}"/>
+              </a:ext>
+            </a:extLst>
+          </p:cNvPr>
+          <p:cNvSpPr>
+            <a:spLocks noGrp="1"/>
+          </p:cNvSpPr>
+          <p:nvPr>
+            <p:ph type="sldNum" sz="quarter" idx="12"/>
+          </p:nvPr>
+        </p:nvSpPr>
+        <p:spPr/>
+        <p:txBody>
+          <a:bodyPr/>
+          <a:lstStyle/>
+          <a:p>
+            <a:fld id="{227C91C0-7371-407B-9696-36B720B1D03F}" type="slidenum">
+              <a:rPr lang="ru-RU" smtClean="0"/>
+              <a:t>28</a:t>
+            </a:fld>
+            <a:endParaRPr lang="ru-RU"/>
+          </a:p>
+        </p:txBody>
+      </p:sp>
+      <p:pic>
+        <p:nvPicPr>
+          <p:cNvPr id="3074" name="Picture 2">
+            <a:extLst>
+              <a:ext uri="{FF2B5EF4-FFF2-40B4-BE49-F238E27FC236}">
+                <a16:creationId xmlns:a16="http://schemas.microsoft.com/office/drawing/2014/main" id="{286D3E08-EF50-4535-A40A-EADF3982519F}"/>
+              </a:ext>
+            </a:extLst>
+          </p:cNvPr>
+          <p:cNvPicPr>
+            <a:picLocks noGrp="1" noChangeAspect="1" noChangeArrowheads="1"/>
+          </p:cNvPicPr>
+          <p:nvPr>
+            <p:ph idx="1"/>
+          </p:nvPr>
+        </p:nvPicPr>
+        <p:blipFill>
+          <a:blip r:embed="rId2">
+            <a:extLst>
+              <a:ext uri="{28A0092B-C50C-407E-A947-70E740481C1C}">
+                <a14:useLocalDpi xmlns:a14="http://schemas.microsoft.com/office/drawing/2010/main" val="0"/>
+              </a:ext>
+            </a:extLst>
+          </a:blip>
+          <a:srcRect/>
+          <a:stretch>
+            <a:fillRect/>
+          </a:stretch>
+        </p:blipFill>
+        <p:spPr bwMode="auto">
+          <a:xfrm>
+            <a:off x="1762018" y="917039"/>
+            <a:ext cx="9004774" cy="4877586"/>
+          </a:xfrm>
+          <a:prstGeom prst="rect">
+            <a:avLst/>
+          </a:prstGeom>
+          <a:noFill/>
+          <a:extLst>
+            <a:ext uri="{909E8E84-426E-40DD-AFC4-6F175D3DCCD1}">
+              <a14:hiddenFill xmlns:a14="http://schemas.microsoft.com/office/drawing/2010/main">
+                <a:solidFill>
+                  <a:srgbClr val="FFFFFF"/>
+                </a:solidFill>
+              </a14:hiddenFill>
+            </a:ext>
+          </a:extLst>
+        </p:spPr>
+      </p:pic>
+    </p:spTree>
+    <p:extLst>
+      <p:ext uri="{BB962C8B-B14F-4D97-AF65-F5344CB8AC3E}">
+        <p14:creationId xmlns:p14="http://schemas.microsoft.com/office/powerpoint/2010/main" val="563203875"/>
+      </p:ext>
+    </p:extLst>
+  </p:cSld>
+  <p:clrMapOvr>
+    <a:masterClrMapping/>
+  </p:clrMapOvr>
+</p:sld>
+</file>
+
+<file path=ppt/slides/slide29.xml><?xml version="1.0" encoding="utf-8"?>
+<p:sld xmlns:a="http://schemas.openxmlformats.org/drawingml/2006/main" xmlns:r="http://schemas.openxmlformats.org/officeDocument/2006/relationships" xmlns:p="http://schemas.openxmlformats.org/presentationml/2006/main">
+  <p:cSld>
+    <p:spTree>
+      <p:nvGrpSpPr>
+        <p:cNvPr id="1" name=""/>
+        <p:cNvGrpSpPr/>
+        <p:nvPr/>
+      </p:nvGrpSpPr>
+      <p:grpSpPr>
+        <a:xfrm>
+          <a:off x="0" y="0"/>
+          <a:ext cx="0" cy="0"/>
+          <a:chOff x="0" y="0"/>
+          <a:chExt cx="0" cy="0"/>
+        </a:xfrm>
+      </p:grpSpPr>
+      <p:sp>
+        <p:nvSpPr>
+          <p:cNvPr id="2" name="Заголовок 1">
+            <a:extLst>
+              <a:ext uri="{FF2B5EF4-FFF2-40B4-BE49-F238E27FC236}">
+                <a16:creationId xmlns:a16="http://schemas.microsoft.com/office/drawing/2014/main" id="{79013513-4DB7-4D2E-A02C-3FE5F93A00D7}"/>
+              </a:ext>
+            </a:extLst>
+          </p:cNvPr>
+          <p:cNvSpPr>
+            <a:spLocks noGrp="1"/>
+          </p:cNvSpPr>
+          <p:nvPr>
+            <p:ph type="title"/>
+          </p:nvPr>
+        </p:nvSpPr>
+        <p:spPr/>
+        <p:txBody>
+          <a:bodyPr/>
+          <a:lstStyle/>
+          <a:p>
+            <a:r>
+              <a:rPr lang="ru-RU" i="0" dirty="0">
+                <a:effectLst/>
+              </a:rPr>
+              <a:t>Класс </a:t>
+            </a:r>
+            <a:r>
+              <a:rPr lang="ru-RU" i="0" dirty="0" err="1">
+                <a:effectLst/>
+              </a:rPr>
+              <a:t>Thread</a:t>
+            </a:r>
+            <a:endParaRPr lang="ru-RU" dirty="0"/>
+          </a:p>
+        </p:txBody>
+      </p:sp>
+      <p:sp>
+        <p:nvSpPr>
+          <p:cNvPr id="3" name="Объект 2">
+            <a:extLst>
+              <a:ext uri="{FF2B5EF4-FFF2-40B4-BE49-F238E27FC236}">
+                <a16:creationId xmlns:a16="http://schemas.microsoft.com/office/drawing/2014/main" id="{42F7AF6A-2F31-4E9A-9952-5F24E4CB693B}"/>
+              </a:ext>
+            </a:extLst>
+          </p:cNvPr>
+          <p:cNvSpPr>
+            <a:spLocks noGrp="1"/>
+          </p:cNvSpPr>
+          <p:nvPr>
+            <p:ph idx="1"/>
+          </p:nvPr>
+        </p:nvSpPr>
+        <p:spPr/>
+        <p:txBody>
+          <a:bodyPr>
+            <a:normAutofit/>
+          </a:bodyPr>
+          <a:lstStyle/>
+          <a:p>
+            <a:r>
+              <a:rPr lang="ru-RU" dirty="0"/>
+              <a:t>Создание нового потока – дорогая операция</a:t>
+            </a:r>
+          </a:p>
+          <a:p>
+            <a:r>
+              <a:rPr lang="ru-RU" dirty="0"/>
+              <a:t>Является ресурсом ОС, нужно следить за освобождением (через вызов </a:t>
+            </a:r>
+            <a:r>
+              <a:rPr lang="en-US" dirty="0"/>
+              <a:t>Dispose)</a:t>
+            </a:r>
+          </a:p>
+          <a:p>
+            <a:r>
+              <a:rPr lang="ru-RU" dirty="0"/>
+              <a:t>делятся на </a:t>
+            </a:r>
+            <a:r>
+              <a:rPr lang="ru-RU" dirty="0" err="1"/>
+              <a:t>background</a:t>
+            </a:r>
+            <a:r>
+              <a:rPr lang="ru-RU" dirty="0"/>
+              <a:t> (фоновый) и </a:t>
+            </a:r>
+            <a:r>
+              <a:rPr lang="ru-RU" dirty="0" err="1"/>
+              <a:t>foreground</a:t>
+            </a:r>
+            <a:r>
+              <a:rPr lang="ru-RU" dirty="0"/>
+              <a:t> (основные). </a:t>
+            </a:r>
+            <a:r>
+              <a:rPr lang="en-US" dirty="0"/>
+              <a:t>f</a:t>
+            </a:r>
+            <a:r>
+              <a:rPr lang="ru-RU" dirty="0" err="1"/>
+              <a:t>oreground</a:t>
+            </a:r>
+            <a:r>
+              <a:rPr lang="ru-RU" dirty="0"/>
+              <a:t>-потоки препятствуют завершению программы. Как только все </a:t>
+            </a:r>
+            <a:r>
+              <a:rPr lang="ru-RU" dirty="0" err="1"/>
+              <a:t>foreground</a:t>
+            </a:r>
+            <a:r>
+              <a:rPr lang="ru-RU" dirty="0"/>
+              <a:t>-потоки остановлены, система автоматически остановит все </a:t>
+            </a:r>
+            <a:r>
+              <a:rPr lang="ru-RU" dirty="0" err="1"/>
+              <a:t>background</a:t>
+            </a:r>
+            <a:r>
+              <a:rPr lang="ru-RU" dirty="0"/>
+              <a:t> и завершит выполнение приложения.</a:t>
+            </a:r>
+            <a:r>
+              <a:rPr lang="en-US" dirty="0"/>
+              <a:t> </a:t>
+            </a:r>
+            <a:endParaRPr lang="ru-RU" dirty="0"/>
+          </a:p>
+          <a:p>
+            <a:r>
+              <a:rPr lang="ru-RU" dirty="0"/>
+              <a:t>Для простых операций рекомендуется использовать пул потоков</a:t>
+            </a:r>
+            <a:endParaRPr lang="en-US" dirty="0"/>
+          </a:p>
+          <a:p>
+            <a:endParaRPr lang="en-US" dirty="0"/>
+          </a:p>
+          <a:p>
+            <a:endParaRPr lang="ru-RU" dirty="0"/>
+          </a:p>
+        </p:txBody>
+      </p:sp>
+      <p:sp>
+        <p:nvSpPr>
+          <p:cNvPr id="4" name="Номер слайда 3">
+            <a:extLst>
+              <a:ext uri="{FF2B5EF4-FFF2-40B4-BE49-F238E27FC236}">
+                <a16:creationId xmlns:a16="http://schemas.microsoft.com/office/drawing/2014/main" id="{7BF289BB-D9CD-4106-B1A5-9B7CA75D62EA}"/>
+              </a:ext>
+            </a:extLst>
+          </p:cNvPr>
+          <p:cNvSpPr>
+            <a:spLocks noGrp="1"/>
+          </p:cNvSpPr>
+          <p:nvPr>
+            <p:ph type="sldNum" sz="quarter" idx="12"/>
+          </p:nvPr>
+        </p:nvSpPr>
+        <p:spPr/>
+        <p:txBody>
+          <a:bodyPr/>
+          <a:lstStyle/>
+          <a:p>
+            <a:fld id="{227C91C0-7371-407B-9696-36B720B1D03F}" type="slidenum">
+              <a:rPr lang="ru-RU" smtClean="0"/>
+              <a:t>29</a:t>
+            </a:fld>
+            <a:endParaRPr lang="ru-RU"/>
+          </a:p>
+        </p:txBody>
+      </p:sp>
+    </p:spTree>
+    <p:extLst>
+      <p:ext uri="{BB962C8B-B14F-4D97-AF65-F5344CB8AC3E}">
+        <p14:creationId xmlns:p14="http://schemas.microsoft.com/office/powerpoint/2010/main" val="3950520008"/>
+      </p:ext>
+    </p:extLst>
+  </p:cSld>
+  <p:clrMapOvr>
+    <a:masterClrMapping/>
+  </p:clrMapOvr>
+</p:sld>
+</file>
+
+<file path=ppt/slides/slide3.xml><?xml version="1.0" encoding="utf-8"?>
+<p:sld xmlns:a="http://schemas.openxmlformats.org/drawingml/2006/main" xmlns:r="http://schemas.openxmlformats.org/officeDocument/2006/relationships" xmlns:p="http://schemas.openxmlformats.org/presentationml/2006/main">
+  <p:cSld>
+    <p:spTree>
+      <p:nvGrpSpPr>
+        <p:cNvPr id="1" name=""/>
+        <p:cNvGrpSpPr/>
+        <p:nvPr/>
+      </p:nvGrpSpPr>
+      <p:grpSpPr>
+        <a:xfrm>
+          <a:off x="0" y="0"/>
+          <a:ext cx="0" cy="0"/>
+          <a:chOff x="0" y="0"/>
+          <a:chExt cx="0" cy="0"/>
+        </a:xfrm>
+      </p:grpSpPr>
+      <p:sp>
+        <p:nvSpPr>
+          <p:cNvPr id="2" name="Заголовок 1">
+            <a:extLst>
+              <a:ext uri="{FF2B5EF4-FFF2-40B4-BE49-F238E27FC236}">
+                <a16:creationId xmlns:a16="http://schemas.microsoft.com/office/drawing/2014/main" id="{F6307968-32ED-4935-A944-FE2CBE9D3BC3}"/>
+              </a:ext>
+            </a:extLst>
+          </p:cNvPr>
+          <p:cNvSpPr>
+            <a:spLocks noGrp="1"/>
+          </p:cNvSpPr>
+          <p:nvPr>
+            <p:ph type="title"/>
+          </p:nvPr>
+        </p:nvSpPr>
+        <p:spPr/>
+        <p:txBody>
+          <a:bodyPr/>
+          <a:lstStyle/>
+          <a:p>
+            <a:r>
+              <a:rPr lang="ru-RU" dirty="0"/>
+              <a:t>Понятие потока</a:t>
+            </a:r>
+          </a:p>
+        </p:txBody>
+      </p:sp>
+      <p:sp>
+        <p:nvSpPr>
+          <p:cNvPr id="3" name="Объект 2">
+            <a:extLst>
+              <a:ext uri="{FF2B5EF4-FFF2-40B4-BE49-F238E27FC236}">
+                <a16:creationId xmlns:a16="http://schemas.microsoft.com/office/drawing/2014/main" id="{47A0C9AA-4E8A-44B6-A644-87754B4F2762}"/>
+              </a:ext>
+            </a:extLst>
+          </p:cNvPr>
+          <p:cNvSpPr>
+            <a:spLocks noGrp="1"/>
+          </p:cNvSpPr>
+          <p:nvPr>
+            <p:ph idx="1"/>
+          </p:nvPr>
+        </p:nvSpPr>
+        <p:spPr/>
+        <p:txBody>
+          <a:bodyPr>
+            <a:normAutofit/>
+          </a:bodyPr>
+          <a:lstStyle/>
+          <a:p>
+            <a:r>
+              <a:rPr lang="ru-RU" dirty="0"/>
+              <a:t>некая последовательность команд для процессора, которые он последовательно параллельно либо псевдопараллельно относительно других потоков исполнения кода. </a:t>
+            </a:r>
+          </a:p>
+          <a:p>
+            <a:r>
+              <a:rPr lang="ru-RU" dirty="0"/>
+              <a:t>Параллельно — в случае, если код разных потоков исполняется на разных физических ядрах. </a:t>
+            </a:r>
+          </a:p>
+          <a:p>
+            <a:r>
+              <a:rPr lang="ru-RU" dirty="0"/>
+              <a:t>Псевдопараллельно — если код разных потоков исполняется на одном физическом ядре. Чтобы эмулировать параллельность задачи делятся по времени исполнения на очень короткие интервалы и чередуются, создавая видимость параллельного исполнения.</a:t>
+            </a:r>
+          </a:p>
+          <a:p>
+            <a:endParaRPr lang="ru-RU" dirty="0"/>
+          </a:p>
+        </p:txBody>
+      </p:sp>
+      <p:sp>
+        <p:nvSpPr>
+          <p:cNvPr id="4" name="Номер слайда 3">
+            <a:extLst>
+              <a:ext uri="{FF2B5EF4-FFF2-40B4-BE49-F238E27FC236}">
+                <a16:creationId xmlns:a16="http://schemas.microsoft.com/office/drawing/2014/main" id="{E83BAAA9-012B-4435-83F2-B18BB618507F}"/>
+              </a:ext>
+            </a:extLst>
+          </p:cNvPr>
+          <p:cNvSpPr>
+            <a:spLocks noGrp="1"/>
+          </p:cNvSpPr>
+          <p:nvPr>
+            <p:ph type="sldNum" sz="quarter" idx="12"/>
+          </p:nvPr>
+        </p:nvSpPr>
+        <p:spPr/>
+        <p:txBody>
+          <a:bodyPr/>
+          <a:lstStyle/>
+          <a:p>
+            <a:fld id="{227C91C0-7371-407B-9696-36B720B1D03F}" type="slidenum">
+              <a:rPr lang="ru-RU" smtClean="0"/>
+              <a:t>3</a:t>
+            </a:fld>
+            <a:endParaRPr lang="ru-RU"/>
+          </a:p>
+        </p:txBody>
+      </p:sp>
+    </p:spTree>
+    <p:extLst>
+      <p:ext uri="{BB962C8B-B14F-4D97-AF65-F5344CB8AC3E}">
+        <p14:creationId xmlns:p14="http://schemas.microsoft.com/office/powerpoint/2010/main" val="87589337"/>
+      </p:ext>
+    </p:extLst>
+  </p:cSld>
+  <p:clrMapOvr>
+    <a:masterClrMapping/>
+  </p:clrMapOvr>
+</p:sld>
+</file>
+
+<file path=ppt/slides/slide30.xml><?xml version="1.0" encoding="utf-8"?>
+<p:sld xmlns:a="http://schemas.openxmlformats.org/drawingml/2006/main" xmlns:r="http://schemas.openxmlformats.org/officeDocument/2006/relationships" xmlns:p="http://schemas.openxmlformats.org/presentationml/2006/main">
+  <p:cSld>
+    <p:spTree>
+      <p:nvGrpSpPr>
+        <p:cNvPr id="1" name=""/>
+        <p:cNvGrpSpPr/>
+        <p:nvPr/>
+      </p:nvGrpSpPr>
+      <p:grpSpPr>
+        <a:xfrm>
+          <a:off x="0" y="0"/>
+          <a:ext cx="0" cy="0"/>
+          <a:chOff x="0" y="0"/>
+          <a:chExt cx="0" cy="0"/>
+        </a:xfrm>
+      </p:grpSpPr>
+      <p:sp>
+        <p:nvSpPr>
+          <p:cNvPr id="2" name="Заголовок 1">
+            <a:extLst>
+              <a:ext uri="{FF2B5EF4-FFF2-40B4-BE49-F238E27FC236}">
+                <a16:creationId xmlns:a16="http://schemas.microsoft.com/office/drawing/2014/main" id="{6F61ABA8-F30C-4190-ACA1-B1203D07D412}"/>
+              </a:ext>
+            </a:extLst>
+          </p:cNvPr>
+          <p:cNvSpPr>
+            <a:spLocks noGrp="1"/>
+          </p:cNvSpPr>
+          <p:nvPr>
+            <p:ph type="title"/>
+          </p:nvPr>
+        </p:nvSpPr>
+        <p:spPr/>
+        <p:txBody>
+          <a:bodyPr/>
+          <a:lstStyle/>
+          <a:p>
+            <a:r>
+              <a:rPr lang="ru-RU" dirty="0"/>
+              <a:t>Пул потоков</a:t>
+            </a:r>
+          </a:p>
+        </p:txBody>
+      </p:sp>
+      <p:sp>
+        <p:nvSpPr>
+          <p:cNvPr id="3" name="Объект 2">
+            <a:extLst>
+              <a:ext uri="{FF2B5EF4-FFF2-40B4-BE49-F238E27FC236}">
+                <a16:creationId xmlns:a16="http://schemas.microsoft.com/office/drawing/2014/main" id="{FA0C50D5-0739-44FE-9820-D86D54D97C56}"/>
+              </a:ext>
+            </a:extLst>
+          </p:cNvPr>
+          <p:cNvSpPr>
+            <a:spLocks noGrp="1"/>
+          </p:cNvSpPr>
+          <p:nvPr>
+            <p:ph idx="1"/>
+          </p:nvPr>
+        </p:nvSpPr>
+        <p:spPr/>
+        <p:txBody>
+          <a:bodyPr>
+            <a:normAutofit fontScale="92500" lnSpcReduction="10000"/>
+          </a:bodyPr>
+          <a:lstStyle/>
+          <a:p>
+            <a:r>
+              <a:rPr lang="ru-RU" dirty="0"/>
+              <a:t>Экономия ресурсов: позволяет не создавать новые потоки каждый раз, когда они нужны, а использовать уже созданные;</a:t>
+            </a:r>
+          </a:p>
+          <a:p>
+            <a:r>
+              <a:rPr lang="ru-RU" dirty="0"/>
+              <a:t>управление временем жизни потоков: пул управляет временем жизни потоков, автоматически уничтожая те, которые не используются, и создавая новые при необходимости. Предотвращает утечки памяти и повышает производительность;</a:t>
+            </a:r>
+          </a:p>
+          <a:p>
+            <a:r>
+              <a:rPr lang="ru-RU" dirty="0"/>
+              <a:t>распределение нагрузки: пул может распределять нагрузку между потоками, что позволяет более эффективно использовать ресурсы процессора и ускорить выполнение задач;</a:t>
+            </a:r>
+          </a:p>
+          <a:p>
+            <a:r>
+              <a:rPr lang="ru-RU" dirty="0"/>
+              <a:t>упрощение кода: разработчикам не нужно заботиться о создании, уничтожении и управлении потоками.</a:t>
+            </a:r>
+          </a:p>
+        </p:txBody>
+      </p:sp>
+      <p:sp>
+        <p:nvSpPr>
+          <p:cNvPr id="4" name="Номер слайда 3">
+            <a:extLst>
+              <a:ext uri="{FF2B5EF4-FFF2-40B4-BE49-F238E27FC236}">
+                <a16:creationId xmlns:a16="http://schemas.microsoft.com/office/drawing/2014/main" id="{E5EC97BF-F77B-431B-906F-7580C61D426A}"/>
+              </a:ext>
+            </a:extLst>
+          </p:cNvPr>
+          <p:cNvSpPr>
+            <a:spLocks noGrp="1"/>
+          </p:cNvSpPr>
+          <p:nvPr>
+            <p:ph type="sldNum" sz="quarter" idx="12"/>
+          </p:nvPr>
+        </p:nvSpPr>
+        <p:spPr/>
+        <p:txBody>
+          <a:bodyPr/>
+          <a:lstStyle/>
+          <a:p>
+            <a:fld id="{227C91C0-7371-407B-9696-36B720B1D03F}" type="slidenum">
+              <a:rPr lang="ru-RU" smtClean="0"/>
+              <a:t>30</a:t>
+            </a:fld>
+            <a:endParaRPr lang="ru-RU"/>
+          </a:p>
+        </p:txBody>
+      </p:sp>
+    </p:spTree>
+    <p:extLst>
+      <p:ext uri="{BB962C8B-B14F-4D97-AF65-F5344CB8AC3E}">
+        <p14:creationId xmlns:p14="http://schemas.microsoft.com/office/powerpoint/2010/main" val="3418387891"/>
+      </p:ext>
+    </p:extLst>
+  </p:cSld>
+  <p:clrMapOvr>
+    <a:masterClrMapping/>
+  </p:clrMapOvr>
+</p:sld>
+</file>
+
+<file path=ppt/slides/slide31.xml><?xml version="1.0" encoding="utf-8"?>
+<p:sld xmlns:a="http://schemas.openxmlformats.org/drawingml/2006/main" xmlns:r="http://schemas.openxmlformats.org/officeDocument/2006/relationships" xmlns:p="http://schemas.openxmlformats.org/presentationml/2006/main">
+  <p:cSld>
+    <p:spTree>
+      <p:nvGrpSpPr>
+        <p:cNvPr id="1" name=""/>
+        <p:cNvGrpSpPr/>
+        <p:nvPr/>
+      </p:nvGrpSpPr>
+      <p:grpSpPr>
+        <a:xfrm>
+          <a:off x="0" y="0"/>
+          <a:ext cx="0" cy="0"/>
+          <a:chOff x="0" y="0"/>
+          <a:chExt cx="0" cy="0"/>
+        </a:xfrm>
+      </p:grpSpPr>
+      <p:sp>
+        <p:nvSpPr>
+          <p:cNvPr id="4" name="Номер слайда 3">
+            <a:extLst>
+              <a:ext uri="{FF2B5EF4-FFF2-40B4-BE49-F238E27FC236}">
+                <a16:creationId xmlns:a16="http://schemas.microsoft.com/office/drawing/2014/main" id="{85B8844E-54F3-4CE5-A4C2-3182D71BA2CA}"/>
+              </a:ext>
+            </a:extLst>
+          </p:cNvPr>
+          <p:cNvSpPr>
+            <a:spLocks noGrp="1"/>
+          </p:cNvSpPr>
+          <p:nvPr>
+            <p:ph type="sldNum" sz="quarter" idx="12"/>
+          </p:nvPr>
+        </p:nvSpPr>
+        <p:spPr/>
+        <p:txBody>
+          <a:bodyPr/>
+          <a:lstStyle/>
+          <a:p>
+            <a:fld id="{227C91C0-7371-407B-9696-36B720B1D03F}" type="slidenum">
+              <a:rPr lang="ru-RU" smtClean="0"/>
+              <a:t>31</a:t>
             </a:fld>
             <a:endParaRPr lang="ru-RU"/>
           </a:p>
@@ -7787,7 +9956,7 @@
 </p:sld>
 </file>
 
-<file path=ppt/slides/slide23.xml><?xml version="1.0" encoding="utf-8"?>
+<file path=ppt/slides/slide32.xml><?xml version="1.0" encoding="utf-8"?>
 <p:sld xmlns:a="http://schemas.openxmlformats.org/drawingml/2006/main" xmlns:r="http://schemas.openxmlformats.org/officeDocument/2006/relationships" xmlns:p="http://schemas.openxmlformats.org/presentationml/2006/main">
   <p:cSld>
     <p:spTree>
@@ -7905,7 +10074,7 @@
           <a:p>
             <a:fld id="{227C91C0-7371-407B-9696-36B720B1D03F}" type="slidenum">
               <a:rPr lang="ru-RU" smtClean="0"/>
-              <a:t>23</a:t>
+              <a:t>32</a:t>
             </a:fld>
             <a:endParaRPr lang="ru-RU"/>
           </a:p>
@@ -7924,7 +10093,7 @@
 </p:sld>
 </file>
 
-<file path=ppt/slides/slide24.xml><?xml version="1.0" encoding="utf-8"?>
+<file path=ppt/slides/slide33.xml><?xml version="1.0" encoding="utf-8"?>
 <p:sld xmlns:a="http://schemas.openxmlformats.org/drawingml/2006/main" xmlns:r="http://schemas.openxmlformats.org/officeDocument/2006/relationships" xmlns:p="http://schemas.openxmlformats.org/presentationml/2006/main">
   <p:cSld>
     <p:spTree>
@@ -8065,7 +10234,7 @@
           <a:p>
             <a:fld id="{227C91C0-7371-407B-9696-36B720B1D03F}" type="slidenum">
               <a:rPr lang="ru-RU" smtClean="0"/>
-              <a:t>24</a:t>
+              <a:t>33</a:t>
             </a:fld>
             <a:endParaRPr lang="ru-RU"/>
           </a:p>
@@ -8084,7 +10253,7 @@
 </p:sld>
 </file>
 
-<file path=ppt/slides/slide25.xml><?xml version="1.0" encoding="utf-8"?>
+<file path=ppt/slides/slide34.xml><?xml version="1.0" encoding="utf-8"?>
 <p:sld xmlns:a="http://schemas.openxmlformats.org/drawingml/2006/main" xmlns:r="http://schemas.openxmlformats.org/officeDocument/2006/relationships" xmlns:p="http://schemas.openxmlformats.org/presentationml/2006/main">
   <p:cSld>
     <p:spTree>
@@ -8231,7 +10400,7 @@
           <a:p>
             <a:fld id="{227C91C0-7371-407B-9696-36B720B1D03F}" type="slidenum">
               <a:rPr lang="ru-RU" smtClean="0"/>
-              <a:t>25</a:t>
+              <a:t>34</a:t>
             </a:fld>
             <a:endParaRPr lang="ru-RU"/>
           </a:p>
@@ -8250,7 +10419,7 @@
 </p:sld>
 </file>
 
-<file path=ppt/slides/slide26.xml><?xml version="1.0" encoding="utf-8"?>
+<file path=ppt/slides/slide35.xml><?xml version="1.0" encoding="utf-8"?>
 <p:sld xmlns:a="http://schemas.openxmlformats.org/drawingml/2006/main" xmlns:r="http://schemas.openxmlformats.org/officeDocument/2006/relationships" xmlns:p="http://schemas.openxmlformats.org/presentationml/2006/main">
   <p:cSld>
     <p:spTree>
@@ -8424,7 +10593,7 @@
           <a:p>
             <a:fld id="{227C91C0-7371-407B-9696-36B720B1D03F}" type="slidenum">
               <a:rPr lang="ru-RU" smtClean="0"/>
-              <a:t>26</a:t>
+              <a:t>35</a:t>
             </a:fld>
             <a:endParaRPr lang="ru-RU"/>
           </a:p>
@@ -8443,7 +10612,7 @@
 </p:sld>
 </file>
 
-<file path=ppt/slides/slide27.xml><?xml version="1.0" encoding="utf-8"?>
+<file path=ppt/slides/slide36.xml><?xml version="1.0" encoding="utf-8"?>
 <p:sld xmlns:a="http://schemas.openxmlformats.org/drawingml/2006/main" xmlns:r="http://schemas.openxmlformats.org/officeDocument/2006/relationships" xmlns:p="http://schemas.openxmlformats.org/presentationml/2006/main">
   <p:cSld>
     <p:spTree>
@@ -8558,7 +10727,7 @@
           <a:p>
             <a:fld id="{227C91C0-7371-407B-9696-36B720B1D03F}" type="slidenum">
               <a:rPr lang="ru-RU" smtClean="0"/>
-              <a:t>27</a:t>
+              <a:t>36</a:t>
             </a:fld>
             <a:endParaRPr lang="ru-RU"/>
           </a:p>
@@ -8568,138 +10737,6 @@
     <p:extLst>
       <p:ext uri="{BB962C8B-B14F-4D97-AF65-F5344CB8AC3E}">
         <p14:creationId xmlns:p14="http://schemas.microsoft.com/office/powerpoint/2010/main" val="3236139878"/>
-      </p:ext>
-    </p:extLst>
-  </p:cSld>
-  <p:clrMapOvr>
-    <a:masterClrMapping/>
-  </p:clrMapOvr>
-</p:sld>
-</file>
-
-<file path=ppt/slides/slide3.xml><?xml version="1.0" encoding="utf-8"?>
-<p:sld xmlns:a="http://schemas.openxmlformats.org/drawingml/2006/main" xmlns:r="http://schemas.openxmlformats.org/officeDocument/2006/relationships" xmlns:p="http://schemas.openxmlformats.org/presentationml/2006/main">
-  <p:cSld>
-    <p:spTree>
-      <p:nvGrpSpPr>
-        <p:cNvPr id="1" name=""/>
-        <p:cNvGrpSpPr/>
-        <p:nvPr/>
-      </p:nvGrpSpPr>
-      <p:grpSpPr>
-        <a:xfrm>
-          <a:off x="0" y="0"/>
-          <a:ext cx="0" cy="0"/>
-          <a:chOff x="0" y="0"/>
-          <a:chExt cx="0" cy="0"/>
-        </a:xfrm>
-      </p:grpSpPr>
-      <p:sp>
-        <p:nvSpPr>
-          <p:cNvPr id="2" name="Заголовок 1">
-            <a:extLst>
-              <a:ext uri="{FF2B5EF4-FFF2-40B4-BE49-F238E27FC236}">
-                <a16:creationId xmlns:a16="http://schemas.microsoft.com/office/drawing/2014/main" id="{F6307968-32ED-4935-A944-FE2CBE9D3BC3}"/>
-              </a:ext>
-            </a:extLst>
-          </p:cNvPr>
-          <p:cNvSpPr>
-            <a:spLocks noGrp="1"/>
-          </p:cNvSpPr>
-          <p:nvPr>
-            <p:ph type="title"/>
-          </p:nvPr>
-        </p:nvSpPr>
-        <p:spPr/>
-        <p:txBody>
-          <a:bodyPr/>
-          <a:lstStyle/>
-          <a:p>
-            <a:r>
-              <a:rPr lang="ru-RU" dirty="0"/>
-              <a:t>Понятие потока</a:t>
-            </a:r>
-          </a:p>
-        </p:txBody>
-      </p:sp>
-      <p:sp>
-        <p:nvSpPr>
-          <p:cNvPr id="3" name="Объект 2">
-            <a:extLst>
-              <a:ext uri="{FF2B5EF4-FFF2-40B4-BE49-F238E27FC236}">
-                <a16:creationId xmlns:a16="http://schemas.microsoft.com/office/drawing/2014/main" id="{47A0C9AA-4E8A-44B6-A644-87754B4F2762}"/>
-              </a:ext>
-            </a:extLst>
-          </p:cNvPr>
-          <p:cNvSpPr>
-            <a:spLocks noGrp="1"/>
-          </p:cNvSpPr>
-          <p:nvPr>
-            <p:ph idx="1"/>
-          </p:nvPr>
-        </p:nvSpPr>
-        <p:spPr/>
-        <p:txBody>
-          <a:bodyPr>
-            <a:normAutofit/>
-          </a:bodyPr>
-          <a:lstStyle/>
-          <a:p>
-            <a:r>
-              <a:rPr lang="ru-RU" dirty="0"/>
-              <a:t>некая последовательность команд для процессора, которые он последовательно параллельно либо псевдопараллельно относительно других потоков исполнения кода. </a:t>
-            </a:r>
-          </a:p>
-          <a:p>
-            <a:r>
-              <a:rPr lang="ru-RU" dirty="0"/>
-              <a:t>Параллельно — в случае, если код разных потоков исполняется на разных физических ядрах. </a:t>
-            </a:r>
-          </a:p>
-          <a:p>
-            <a:r>
-              <a:rPr lang="ru-RU" dirty="0"/>
-              <a:t>Псевдопараллельно — если код разных потоков исполняется на одном физическом ядре. Чтобы эмулировать параллельность задачи делятся по времени исполнения на очень короткие интервалы и чередуются, создавая видимость параллельного исполнения.</a:t>
-            </a:r>
-          </a:p>
-          <a:p>
-            <a:endParaRPr lang="ru-RU" dirty="0"/>
-          </a:p>
-        </p:txBody>
-      </p:sp>
-      <p:sp>
-        <p:nvSpPr>
-          <p:cNvPr id="4" name="Номер слайда 3">
-            <a:extLst>
-              <a:ext uri="{FF2B5EF4-FFF2-40B4-BE49-F238E27FC236}">
-                <a16:creationId xmlns:a16="http://schemas.microsoft.com/office/drawing/2014/main" id="{E83BAAA9-012B-4435-83F2-B18BB618507F}"/>
-              </a:ext>
-            </a:extLst>
-          </p:cNvPr>
-          <p:cNvSpPr>
-            <a:spLocks noGrp="1"/>
-          </p:cNvSpPr>
-          <p:nvPr>
-            <p:ph type="sldNum" sz="quarter" idx="12"/>
-          </p:nvPr>
-        </p:nvSpPr>
-        <p:spPr/>
-        <p:txBody>
-          <a:bodyPr/>
-          <a:lstStyle/>
-          <a:p>
-            <a:fld id="{227C91C0-7371-407B-9696-36B720B1D03F}" type="slidenum">
-              <a:rPr lang="ru-RU" smtClean="0"/>
-              <a:t>3</a:t>
-            </a:fld>
-            <a:endParaRPr lang="ru-RU"/>
-          </a:p>
-        </p:txBody>
-      </p:sp>
-    </p:spTree>
-    <p:extLst>
-      <p:ext uri="{BB962C8B-B14F-4D97-AF65-F5344CB8AC3E}">
-        <p14:creationId xmlns:p14="http://schemas.microsoft.com/office/powerpoint/2010/main" val="87589337"/>
       </p:ext>
     </p:extLst>
   </p:cSld>

--- a/Лекции/3 семестр/Часть 3/Программирование лекция 3.3.pptx
+++ b/Лекции/3 семестр/Часть 3/Программирование лекция 3.3.pptx
@@ -5,7 +5,7 @@
     <p:sldMasterId id="2147483648" r:id="rId1"/>
   </p:sldMasterIdLst>
   <p:notesMasterIdLst>
-    <p:notesMasterId r:id="rId38"/>
+    <p:notesMasterId r:id="rId45"/>
   </p:notesMasterIdLst>
   <p:sldIdLst>
     <p:sldId id="256" r:id="rId2"/>
@@ -33,17 +33,24 @@
     <p:sldId id="359" r:id="rId24"/>
     <p:sldId id="360" r:id="rId25"/>
     <p:sldId id="361" r:id="rId26"/>
-    <p:sldId id="364" r:id="rId27"/>
-    <p:sldId id="362" r:id="rId28"/>
-    <p:sldId id="363" r:id="rId29"/>
-    <p:sldId id="342" r:id="rId30"/>
-    <p:sldId id="343" r:id="rId31"/>
-    <p:sldId id="344" r:id="rId32"/>
-    <p:sldId id="345" r:id="rId33"/>
-    <p:sldId id="346" r:id="rId34"/>
-    <p:sldId id="347" r:id="rId35"/>
-    <p:sldId id="348" r:id="rId36"/>
-    <p:sldId id="351" r:id="rId37"/>
+    <p:sldId id="366" r:id="rId27"/>
+    <p:sldId id="364" r:id="rId28"/>
+    <p:sldId id="362" r:id="rId29"/>
+    <p:sldId id="367" r:id="rId30"/>
+    <p:sldId id="368" r:id="rId31"/>
+    <p:sldId id="342" r:id="rId32"/>
+    <p:sldId id="343" r:id="rId33"/>
+    <p:sldId id="344" r:id="rId34"/>
+    <p:sldId id="345" r:id="rId35"/>
+    <p:sldId id="346" r:id="rId36"/>
+    <p:sldId id="347" r:id="rId37"/>
+    <p:sldId id="348" r:id="rId38"/>
+    <p:sldId id="351" r:id="rId39"/>
+    <p:sldId id="369" r:id="rId40"/>
+    <p:sldId id="370" r:id="rId41"/>
+    <p:sldId id="371" r:id="rId42"/>
+    <p:sldId id="372" r:id="rId43"/>
+    <p:sldId id="373" r:id="rId44"/>
   </p:sldIdLst>
   <p:sldSz cx="12192000" cy="6858000"/>
   <p:notesSz cx="6858000" cy="9144000"/>
@@ -232,7 +239,7 @@
           <a:p>
             <a:fld id="{1DFBDE16-5B48-4340-A90D-4DD6140885ED}" type="datetimeFigureOut">
               <a:rPr lang="ru-RU" smtClean="0"/>
-              <a:t>14.10.2023</a:t>
+              <a:t>11.11.2023</a:t>
             </a:fld>
             <a:endParaRPr lang="ru-RU"/>
           </a:p>
@@ -602,6 +609,190 @@
 </p:notes>
 </file>
 
+<file path=ppt/notesSlides/notesSlide2.xml><?xml version="1.0" encoding="utf-8"?>
+<p:notes xmlns:a="http://schemas.openxmlformats.org/drawingml/2006/main" xmlns:r="http://schemas.openxmlformats.org/officeDocument/2006/relationships" xmlns:p="http://schemas.openxmlformats.org/presentationml/2006/main">
+  <p:cSld>
+    <p:spTree>
+      <p:nvGrpSpPr>
+        <p:cNvPr id="1" name=""/>
+        <p:cNvGrpSpPr/>
+        <p:nvPr/>
+      </p:nvGrpSpPr>
+      <p:grpSpPr>
+        <a:xfrm>
+          <a:off x="0" y="0"/>
+          <a:ext cx="0" cy="0"/>
+          <a:chOff x="0" y="0"/>
+          <a:chExt cx="0" cy="0"/>
+        </a:xfrm>
+      </p:grpSpPr>
+      <p:sp>
+        <p:nvSpPr>
+          <p:cNvPr id="2" name="Образ слайда 1"/>
+          <p:cNvSpPr>
+            <a:spLocks noGrp="1" noRot="1" noChangeAspect="1"/>
+          </p:cNvSpPr>
+          <p:nvPr>
+            <p:ph type="sldImg"/>
+          </p:nvPr>
+        </p:nvSpPr>
+        <p:spPr/>
+      </p:sp>
+      <p:sp>
+        <p:nvSpPr>
+          <p:cNvPr id="3" name="Заметки 2"/>
+          <p:cNvSpPr>
+            <a:spLocks noGrp="1"/>
+          </p:cNvSpPr>
+          <p:nvPr>
+            <p:ph type="body" idx="1"/>
+          </p:nvPr>
+        </p:nvSpPr>
+        <p:spPr/>
+        <p:txBody>
+          <a:bodyPr/>
+          <a:lstStyle/>
+          <a:p>
+            <a:r>
+              <a:rPr lang="ru-RU" dirty="0"/>
+              <a:t>Пример с помещением </a:t>
+            </a:r>
+            <a:r>
+              <a:rPr lang="ru-RU"/>
+              <a:t>ограниченного размера</a:t>
+            </a:r>
+          </a:p>
+        </p:txBody>
+      </p:sp>
+      <p:sp>
+        <p:nvSpPr>
+          <p:cNvPr id="4" name="Номер слайда 3"/>
+          <p:cNvSpPr>
+            <a:spLocks noGrp="1"/>
+          </p:cNvSpPr>
+          <p:nvPr>
+            <p:ph type="sldNum" sz="quarter" idx="5"/>
+          </p:nvPr>
+        </p:nvSpPr>
+        <p:spPr/>
+        <p:txBody>
+          <a:bodyPr/>
+          <a:lstStyle/>
+          <a:p>
+            <a:fld id="{FE2AB48A-37A8-4A81-8E9A-FD100D4B77F1}" type="slidenum">
+              <a:rPr lang="ru-RU" smtClean="0"/>
+              <a:t>29</a:t>
+            </a:fld>
+            <a:endParaRPr lang="ru-RU"/>
+          </a:p>
+        </p:txBody>
+      </p:sp>
+    </p:spTree>
+    <p:extLst>
+      <p:ext uri="{BB962C8B-B14F-4D97-AF65-F5344CB8AC3E}">
+        <p14:creationId xmlns:p14="http://schemas.microsoft.com/office/powerpoint/2010/main" val="3671216154"/>
+      </p:ext>
+    </p:extLst>
+  </p:cSld>
+  <p:clrMapOvr>
+    <a:masterClrMapping/>
+  </p:clrMapOvr>
+</p:notes>
+</file>
+
+<file path=ppt/notesSlides/notesSlide3.xml><?xml version="1.0" encoding="utf-8"?>
+<p:notes xmlns:a="http://schemas.openxmlformats.org/drawingml/2006/main" xmlns:r="http://schemas.openxmlformats.org/officeDocument/2006/relationships" xmlns:p="http://schemas.openxmlformats.org/presentationml/2006/main">
+  <p:cSld>
+    <p:spTree>
+      <p:nvGrpSpPr>
+        <p:cNvPr id="1" name=""/>
+        <p:cNvGrpSpPr/>
+        <p:nvPr/>
+      </p:nvGrpSpPr>
+      <p:grpSpPr>
+        <a:xfrm>
+          <a:off x="0" y="0"/>
+          <a:ext cx="0" cy="0"/>
+          <a:chOff x="0" y="0"/>
+          <a:chExt cx="0" cy="0"/>
+        </a:xfrm>
+      </p:grpSpPr>
+      <p:sp>
+        <p:nvSpPr>
+          <p:cNvPr id="2" name="Образ слайда 1"/>
+          <p:cNvSpPr>
+            <a:spLocks noGrp="1" noRot="1" noChangeAspect="1"/>
+          </p:cNvSpPr>
+          <p:nvPr>
+            <p:ph type="sldImg"/>
+          </p:nvPr>
+        </p:nvSpPr>
+        <p:spPr/>
+      </p:sp>
+      <p:sp>
+        <p:nvSpPr>
+          <p:cNvPr id="3" name="Заметки 2"/>
+          <p:cNvSpPr>
+            <a:spLocks noGrp="1"/>
+          </p:cNvSpPr>
+          <p:nvPr>
+            <p:ph type="body" idx="1"/>
+          </p:nvPr>
+        </p:nvSpPr>
+        <p:spPr/>
+        <p:txBody>
+          <a:bodyPr/>
+          <a:lstStyle/>
+          <a:p>
+            <a:r>
+              <a:rPr lang="ru-RU" dirty="0"/>
+              <a:t>Пример работы семафоров на обычной консоли, просто для демонстрации работы</a:t>
+            </a:r>
+          </a:p>
+          <a:p>
+            <a:r>
+              <a:rPr lang="ru-RU" dirty="0"/>
+              <a:t>+- реальный пример для ограничения количества  одновременных подключений к БД, организация пула</a:t>
+            </a:r>
+          </a:p>
+        </p:txBody>
+      </p:sp>
+      <p:sp>
+        <p:nvSpPr>
+          <p:cNvPr id="4" name="Номер слайда 3"/>
+          <p:cNvSpPr>
+            <a:spLocks noGrp="1"/>
+          </p:cNvSpPr>
+          <p:nvPr>
+            <p:ph type="sldNum" sz="quarter" idx="5"/>
+          </p:nvPr>
+        </p:nvSpPr>
+        <p:spPr/>
+        <p:txBody>
+          <a:bodyPr/>
+          <a:lstStyle/>
+          <a:p>
+            <a:fld id="{FE2AB48A-37A8-4A81-8E9A-FD100D4B77F1}" type="slidenum">
+              <a:rPr lang="ru-RU" smtClean="0"/>
+              <a:t>30</a:t>
+            </a:fld>
+            <a:endParaRPr lang="ru-RU"/>
+          </a:p>
+        </p:txBody>
+      </p:sp>
+    </p:spTree>
+    <p:extLst>
+      <p:ext uri="{BB962C8B-B14F-4D97-AF65-F5344CB8AC3E}">
+        <p14:creationId xmlns:p14="http://schemas.microsoft.com/office/powerpoint/2010/main" val="2998643530"/>
+      </p:ext>
+    </p:extLst>
+  </p:cSld>
+  <p:clrMapOvr>
+    <a:masterClrMapping/>
+  </p:clrMapOvr>
+</p:notes>
+</file>
+
 <file path=ppt/slideLayouts/slideLayout1.xml><?xml version="1.0" encoding="utf-8"?>
 <p:sldLayout xmlns:a="http://schemas.openxmlformats.org/drawingml/2006/main" xmlns:r="http://schemas.openxmlformats.org/officeDocument/2006/relationships" xmlns:p="http://schemas.openxmlformats.org/presentationml/2006/main" type="title" preserve="1">
   <p:cSld name="Титульный слайд">
@@ -749,7 +940,7 @@
           <a:p>
             <a:fld id="{F41DA7D1-1507-4266-9305-D9D976117699}" type="datetime1">
               <a:rPr lang="ru-RU" smtClean="0"/>
-              <a:t>14.10.2023</a:t>
+              <a:t>11.11.2023</a:t>
             </a:fld>
             <a:endParaRPr lang="ru-RU"/>
           </a:p>
@@ -947,7 +1138,7 @@
           <a:p>
             <a:fld id="{09B8B1D9-D5C0-4933-8D35-6096E21EBA53}" type="datetime1">
               <a:rPr lang="ru-RU" smtClean="0"/>
-              <a:t>14.10.2023</a:t>
+              <a:t>11.11.2023</a:t>
             </a:fld>
             <a:endParaRPr lang="ru-RU"/>
           </a:p>
@@ -1155,7 +1346,7 @@
           <a:p>
             <a:fld id="{571E2174-60B9-4D93-B161-65D5D8D291A9}" type="datetime1">
               <a:rPr lang="ru-RU" smtClean="0"/>
-              <a:t>14.10.2023</a:t>
+              <a:t>11.11.2023</a:t>
             </a:fld>
             <a:endParaRPr lang="ru-RU"/>
           </a:p>
@@ -1353,7 +1544,7 @@
           <a:p>
             <a:fld id="{495E6D17-6549-492A-8F0C-3F1C9FE6F0D0}" type="datetime1">
               <a:rPr lang="ru-RU" smtClean="0"/>
-              <a:t>14.10.2023</a:t>
+              <a:t>11.11.2023</a:t>
             </a:fld>
             <a:endParaRPr lang="ru-RU"/>
           </a:p>
@@ -1628,7 +1819,7 @@
           <a:p>
             <a:fld id="{E08945B4-69F6-431C-9382-AEFA596238B6}" type="datetime1">
               <a:rPr lang="ru-RU" smtClean="0"/>
-              <a:t>14.10.2023</a:t>
+              <a:t>11.11.2023</a:t>
             </a:fld>
             <a:endParaRPr lang="ru-RU"/>
           </a:p>
@@ -1893,7 +2084,7 @@
           <a:p>
             <a:fld id="{A7516350-5881-464D-B90A-019D53C87C87}" type="datetime1">
               <a:rPr lang="ru-RU" smtClean="0"/>
-              <a:t>14.10.2023</a:t>
+              <a:t>11.11.2023</a:t>
             </a:fld>
             <a:endParaRPr lang="ru-RU"/>
           </a:p>
@@ -2305,7 +2496,7 @@
           <a:p>
             <a:fld id="{3DE290D0-75C9-470D-B7BE-5F42616B87DB}" type="datetime1">
               <a:rPr lang="ru-RU" smtClean="0"/>
-              <a:t>14.10.2023</a:t>
+              <a:t>11.11.2023</a:t>
             </a:fld>
             <a:endParaRPr lang="ru-RU"/>
           </a:p>
@@ -2446,7 +2637,7 @@
           <a:p>
             <a:fld id="{25D2CC29-130B-4ABB-90FF-3B212105CC1B}" type="datetime1">
               <a:rPr lang="ru-RU" smtClean="0"/>
-              <a:t>14.10.2023</a:t>
+              <a:t>11.11.2023</a:t>
             </a:fld>
             <a:endParaRPr lang="ru-RU"/>
           </a:p>
@@ -2559,7 +2750,7 @@
           <a:p>
             <a:fld id="{B63335E3-9BAF-4439-9DD4-6CE08318DC6B}" type="datetime1">
               <a:rPr lang="ru-RU" smtClean="0"/>
-              <a:t>14.10.2023</a:t>
+              <a:t>11.11.2023</a:t>
             </a:fld>
             <a:endParaRPr lang="ru-RU"/>
           </a:p>
@@ -2870,7 +3061,7 @@
           <a:p>
             <a:fld id="{D4EB0FB4-4101-450F-8179-5504A41C85B8}" type="datetime1">
               <a:rPr lang="ru-RU" smtClean="0"/>
-              <a:t>14.10.2023</a:t>
+              <a:t>11.11.2023</a:t>
             </a:fld>
             <a:endParaRPr lang="ru-RU"/>
           </a:p>
@@ -3158,7 +3349,7 @@
           <a:p>
             <a:fld id="{7F222AF9-FD68-457C-92A0-426ADAE21948}" type="datetime1">
               <a:rPr lang="ru-RU" smtClean="0"/>
-              <a:t>14.10.2023</a:t>
+              <a:t>11.11.2023</a:t>
             </a:fld>
             <a:endParaRPr lang="ru-RU"/>
           </a:p>
@@ -3399,7 +3590,7 @@
           <a:p>
             <a:fld id="{54947EA2-CB44-449D-9F33-80421D88CC1D}" type="datetime1">
               <a:rPr lang="ru-RU" smtClean="0"/>
-              <a:t>14.10.2023</a:t>
+              <a:t>11.11.2023</a:t>
             </a:fld>
             <a:endParaRPr lang="ru-RU"/>
           </a:p>
@@ -7869,42 +8060,47 @@
             <p:ph type="title"/>
           </p:nvPr>
         </p:nvSpPr>
-        <p:spPr/>
-        <p:txBody>
-          <a:bodyPr/>
-          <a:lstStyle/>
-          <a:p>
-            <a:r>
-              <a:rPr lang="ru-RU" dirty="0"/>
-              <a:t>Мьютекс (</a:t>
-            </a:r>
-            <a:r>
-              <a:rPr lang="en-US" dirty="0"/>
-              <a:t>Mutex)</a:t>
-            </a:r>
-            <a:endParaRPr lang="ru-RU" dirty="0"/>
-          </a:p>
-        </p:txBody>
-      </p:sp>
-      <p:sp>
-        <p:nvSpPr>
-          <p:cNvPr id="3" name="Объект 2">
-            <a:extLst>
-              <a:ext uri="{FF2B5EF4-FFF2-40B4-BE49-F238E27FC236}">
-                <a16:creationId xmlns:a16="http://schemas.microsoft.com/office/drawing/2014/main" id="{7512455D-EEC2-47C0-A59A-201DF0E4BC6C}"/>
-              </a:ext>
-            </a:extLst>
-          </p:cNvPr>
-          <p:cNvSpPr>
-            <a:spLocks noGrp="1"/>
-          </p:cNvSpPr>
-          <p:nvPr>
-            <p:ph idx="1"/>
-          </p:nvPr>
-        </p:nvSpPr>
         <p:spPr>
           <a:xfrm>
-            <a:off x="838199" y="1520575"/>
+            <a:off x="838200" y="231364"/>
+            <a:ext cx="10515600" cy="1325563"/>
+          </a:xfrm>
+        </p:spPr>
+        <p:txBody>
+          <a:bodyPr/>
+          <a:lstStyle/>
+          <a:p>
+            <a:r>
+              <a:rPr lang="ru-RU" dirty="0"/>
+              <a:t>Мьютекс (</a:t>
+            </a:r>
+            <a:r>
+              <a:rPr lang="en-US" dirty="0"/>
+              <a:t>Mutex)</a:t>
+            </a:r>
+            <a:endParaRPr lang="ru-RU" dirty="0"/>
+          </a:p>
+        </p:txBody>
+      </p:sp>
+      <p:sp>
+        <p:nvSpPr>
+          <p:cNvPr id="3" name="Объект 2">
+            <a:extLst>
+              <a:ext uri="{FF2B5EF4-FFF2-40B4-BE49-F238E27FC236}">
+                <a16:creationId xmlns:a16="http://schemas.microsoft.com/office/drawing/2014/main" id="{7512455D-EEC2-47C0-A59A-201DF0E4BC6C}"/>
+              </a:ext>
+            </a:extLst>
+          </p:cNvPr>
+          <p:cNvSpPr>
+            <a:spLocks noGrp="1"/>
+          </p:cNvSpPr>
+          <p:nvPr>
+            <p:ph idx="1"/>
+          </p:nvPr>
+        </p:nvSpPr>
+        <p:spPr>
+          <a:xfrm>
+            <a:off x="838200" y="1384050"/>
             <a:ext cx="11141467" cy="4972300"/>
           </a:xfrm>
         </p:spPr>
@@ -8248,82 +8444,187 @@
         </p:nvSpPr>
         <p:spPr/>
         <p:txBody>
-          <a:bodyPr/>
-          <a:lstStyle/>
+          <a:bodyPr>
+            <a:normAutofit lnSpcReduction="10000"/>
+          </a:bodyPr>
+          <a:lstStyle/>
+          <a:p>
+            <a:r>
+              <a:rPr lang="ru-RU" b="0" i="0" dirty="0">
+                <a:effectLst/>
+                <a:latin typeface="+mj-lt"/>
+              </a:rPr>
+              <a:t>используются для ожидания выполнения некоторого условия или действия через использование метода </a:t>
+            </a:r>
+            <a:r>
+              <a:rPr lang="en-US" b="0" i="0" dirty="0" err="1">
+                <a:effectLst/>
+                <a:latin typeface="+mj-lt"/>
+              </a:rPr>
+              <a:t>WaitOne</a:t>
+            </a:r>
+            <a:r>
+              <a:rPr lang="en-US" b="0" i="0" dirty="0">
+                <a:effectLst/>
+                <a:latin typeface="+mj-lt"/>
+              </a:rPr>
+              <a:t>()</a:t>
+            </a:r>
+            <a:r>
+              <a:rPr lang="ru-RU" b="0" i="0" dirty="0">
+                <a:effectLst/>
+                <a:latin typeface="+mj-lt"/>
+              </a:rPr>
+              <a:t>;</a:t>
+            </a:r>
+          </a:p>
+          <a:p>
+            <a:r>
+              <a:rPr lang="ru-RU" dirty="0">
+                <a:latin typeface="+mj-lt"/>
+              </a:rPr>
+              <a:t>м</a:t>
+            </a:r>
+            <a:r>
+              <a:rPr lang="ru-RU" b="0" i="0" dirty="0">
+                <a:effectLst/>
+                <a:latin typeface="+mj-lt"/>
+              </a:rPr>
+              <a:t>огут находиться в 2х состояниях – установленном и сброшенном;</a:t>
+            </a:r>
+            <a:endParaRPr lang="en-US" b="0" i="0" dirty="0">
+              <a:effectLst/>
+              <a:latin typeface="+mj-lt"/>
+            </a:endParaRPr>
+          </a:p>
           <a:p>
             <a:pPr algn="l"/>
+            <a:r>
+              <a:rPr lang="ru-RU" b="0" i="0" dirty="0">
+                <a:effectLst/>
+                <a:latin typeface="+mj-lt"/>
+              </a:rPr>
+              <a:t>когда условие выполнено, необходимо установить событие (</a:t>
+            </a:r>
+            <a:r>
+              <a:rPr lang="ru-RU" dirty="0">
+                <a:latin typeface="+mj-lt"/>
+              </a:rPr>
+              <a:t>вызывать </a:t>
+            </a:r>
+            <a:r>
+              <a:rPr lang="en-US" dirty="0">
+                <a:latin typeface="+mj-lt"/>
+              </a:rPr>
+              <a:t>Set() )</a:t>
+            </a:r>
+            <a:r>
+              <a:rPr lang="ru-RU" dirty="0">
+                <a:latin typeface="+mj-lt"/>
+              </a:rPr>
+              <a:t> после этого:</a:t>
+            </a:r>
+          </a:p>
+          <a:p>
+            <a:pPr lvl="1"/>
+            <a:r>
+              <a:rPr lang="ru-RU" b="0" i="0" dirty="0">
+                <a:effectLst/>
+                <a:latin typeface="+mj-lt"/>
+              </a:rPr>
+              <a:t>поток, дождавшийся события </a:t>
+            </a:r>
             <a:r>
               <a:rPr lang="ru-RU" b="0" i="0" dirty="0" err="1">
                 <a:effectLst/>
-                <a:latin typeface="YS Text"/>
+                <a:latin typeface="+mj-lt"/>
               </a:rPr>
               <a:t>AutoResetEvent</a:t>
             </a:r>
             <a:r>
+              <a:rPr lang="en-US" b="0" i="0" dirty="0">
+                <a:effectLst/>
+                <a:latin typeface="+mj-lt"/>
+              </a:rPr>
+              <a:t> </a:t>
+            </a:r>
+            <a:r>
               <a:rPr lang="ru-RU" b="0" i="0" dirty="0">
                 <a:effectLst/>
-                <a:latin typeface="YS Text"/>
+                <a:latin typeface="+mj-lt"/>
               </a:rPr>
-              <a:t> используется для ожидания выполнения некоторого условия или действия. Когда условие выполнено, </a:t>
+              <a:t>продолжает выполнение, при этом объект </a:t>
             </a:r>
             <a:r>
               <a:rPr lang="ru-RU" b="0" i="0" dirty="0" err="1">
                 <a:effectLst/>
-                <a:latin typeface="YS Text"/>
+                <a:latin typeface="+mj-lt"/>
               </a:rPr>
               <a:t>AutoResetEvent</a:t>
             </a:r>
             <a:r>
               <a:rPr lang="ru-RU" b="0" i="0" dirty="0">
                 <a:effectLst/>
-                <a:latin typeface="YS Text"/>
+                <a:latin typeface="+mj-lt"/>
               </a:rPr>
-              <a:t> автоматически сбрасывается и позволяет потоку продолжить выполнение.</a:t>
-            </a:r>
-          </a:p>
-          <a:p>
-            <a:pPr algn="l"/>
+              <a:t> сбрасывается, что не позволяет начать работу другим потокам;</a:t>
+            </a:r>
+          </a:p>
+          <a:p>
+            <a:pPr lvl="1"/>
+            <a:r>
+              <a:rPr lang="ru-RU" dirty="0">
+                <a:latin typeface="+mj-lt"/>
+              </a:rPr>
+              <a:t>при использовании </a:t>
+            </a:r>
+            <a:r>
+              <a:rPr lang="en-US" dirty="0">
+                <a:latin typeface="+mj-lt"/>
+              </a:rPr>
+              <a:t>M</a:t>
+            </a:r>
             <a:r>
               <a:rPr lang="ru-RU" b="0" i="0" dirty="0" err="1">
                 <a:effectLst/>
-                <a:latin typeface="YS Text"/>
+                <a:latin typeface="+mj-lt"/>
+              </a:rPr>
+              <a:t>anualResetEvent</a:t>
+            </a:r>
+            <a:r>
+              <a:rPr lang="ru-RU" b="0" i="0" dirty="0">
+                <a:effectLst/>
+                <a:latin typeface="+mj-lt"/>
+              </a:rPr>
+              <a:t> работу продолжают все ожидающие потоки, для сброса события нужно явно вызвать метод </a:t>
+            </a:r>
+            <a:r>
+              <a:rPr lang="ru-RU" b="0" i="0" dirty="0" err="1">
+                <a:effectLst/>
+                <a:latin typeface="+mj-lt"/>
               </a:rPr>
               <a:t>ManualResetEvent</a:t>
             </a:r>
             <a:r>
               <a:rPr lang="ru-RU" b="0" i="0" dirty="0">
                 <a:effectLst/>
-                <a:latin typeface="YS Text"/>
+                <a:latin typeface="+mj-lt"/>
               </a:rPr>
-              <a:t> аналогично </a:t>
-            </a:r>
-            <a:r>
-              <a:rPr lang="ru-RU" b="0" i="0" dirty="0" err="1">
+              <a:t>.</a:t>
+            </a:r>
+            <a:r>
+              <a:rPr lang="en-US" b="0" i="0" dirty="0">
                 <a:effectLst/>
-                <a:latin typeface="YS Text"/>
+                <a:latin typeface="+mj-lt"/>
               </a:rPr>
-              <a:t>AutoResetEvent</a:t>
+              <a:t>Reset</a:t>
             </a:r>
             <a:r>
               <a:rPr lang="ru-RU" b="0" i="0" dirty="0">
                 <a:effectLst/>
-                <a:latin typeface="YS Text"/>
+                <a:latin typeface="+mj-lt"/>
               </a:rPr>
-              <a:t>, но отличается тем, что для продолжения выполнения потока после сброса события нужно явно вызвать метод </a:t>
-            </a:r>
-            <a:r>
-              <a:rPr lang="ru-RU" b="0" i="0" dirty="0" err="1">
-                <a:effectLst/>
-                <a:latin typeface="YS Text"/>
-              </a:rPr>
-              <a:t>ManualResetEvent.Set</a:t>
-            </a:r>
-            <a:r>
-              <a:rPr lang="ru-RU" b="0" i="0" dirty="0">
-                <a:effectLst/>
-                <a:latin typeface="YS Text"/>
-              </a:rPr>
-              <a:t>().</a:t>
+              <a:t>()</a:t>
             </a:r>
           </a:p>
         </p:txBody>
@@ -8760,20 +9061,46 @@
             <p:ph idx="1"/>
           </p:nvPr>
         </p:nvSpPr>
-        <p:spPr/>
+        <p:spPr>
+          <a:xfrm>
+            <a:off x="838200" y="1561672"/>
+            <a:ext cx="10515600" cy="4615291"/>
+          </a:xfrm>
+        </p:spPr>
         <p:txBody>
           <a:bodyPr>
-            <a:normAutofit fontScale="92500" lnSpcReduction="10000"/>
+            <a:normAutofit lnSpcReduction="10000"/>
           </a:bodyPr>
           <a:lstStyle/>
           <a:p>
             <a:pPr algn="l"/>
+            <a:r>
+              <a:rPr lang="en-US" b="0" i="0" dirty="0">
+                <a:effectLst/>
+                <a:latin typeface="YS Text"/>
+              </a:rPr>
+              <a:t>*</a:t>
+            </a:r>
+            <a:r>
+              <a:rPr lang="en-US" b="0" i="0" dirty="0" err="1">
+                <a:effectLst/>
+                <a:latin typeface="YS Text"/>
+              </a:rPr>
+              <a:t>ResetEvent</a:t>
+            </a:r>
+            <a:r>
+              <a:rPr lang="en-US" b="0" i="0" dirty="0">
+                <a:effectLst/>
+                <a:latin typeface="YS Text"/>
+              </a:rPr>
+              <a:t>’</a:t>
+            </a:r>
             <a:r>
               <a:rPr lang="ru-RU" b="0" i="0" dirty="0">
                 <a:effectLst/>
                 <a:latin typeface="YS Text"/>
               </a:rPr>
-              <a:t>События обычно используются для оповещения одного или нескольких потоков о том, что произошло определенное событие или условие. Например, можно использовать событие для уведомления потока, что данные были загружены или обработаны. После того, как событие сработало, поток может продолжить выполнение с того места, где оно было приостановлено.</a:t>
+              <a:t>ы обычно используются для оповещения одного или нескольких потоков о том, что произошло определенное событие или выполнено условие. Например, для уведомления потока, о том, что данные были загружены или обработаны. После того, как событие сработало, поток может продолжить выполнение с того места, где оно было приостановлено.</a:t>
             </a:r>
           </a:p>
           <a:p>
@@ -8783,7 +9110,20 @@
                 <a:effectLst/>
                 <a:latin typeface="YS Text"/>
               </a:rPr>
-              <a:t>Мьютекс предоставляет более прямой способ управления доступом к ресурсу. Он позволяет только одному потоку иметь доступ к ресурсу одновременно, блокируя все остальные потоки, пытающиеся получить доступ. Мьютексы обычно используются, когда вам нужно гарантировать, что только один поток будет работать с ресурсом в любой момент времени.</a:t>
+              <a:t>Мьютекс </a:t>
+            </a:r>
+            <a:r>
+              <a:rPr lang="ru-RU" dirty="0">
+                <a:latin typeface="YS Text"/>
+              </a:rPr>
+              <a:t>используются как </a:t>
+            </a:r>
+            <a:r>
+              <a:rPr lang="ru-RU" b="0" i="0" dirty="0">
+                <a:effectLst/>
+                <a:latin typeface="YS Text"/>
+              </a:rPr>
+              <a:t>способ управления доступом к ресурсу в многопоточной среде. Он позволяет только одному потоку иметь доступ к ресурсу одновременно, блокируя все остальные потоки, пытающиеся получить доступ. Мьютексы обычно используются, когда вам нужно гарантировать, что только один поток будет работать с ресурсом в любой момент времени.</a:t>
             </a:r>
           </a:p>
         </p:txBody>
@@ -8852,7 +9192,7 @@
           <p:cNvPr id="2" name="Заголовок 1">
             <a:extLst>
               <a:ext uri="{FF2B5EF4-FFF2-40B4-BE49-F238E27FC236}">
-                <a16:creationId xmlns:a16="http://schemas.microsoft.com/office/drawing/2014/main" id="{C16D13CC-C8A9-41A9-8153-D43804B5033B}"/>
+                <a16:creationId xmlns:a16="http://schemas.microsoft.com/office/drawing/2014/main" id="{E7B75A5E-EA50-45B7-9B61-42907C76253F}"/>
               </a:ext>
             </a:extLst>
           </p:cNvPr>
@@ -8861,148 +9201,184 @@
           </p:cNvSpPr>
           <p:nvPr>
             <p:ph type="title"/>
-          </p:nvPr>
-        </p:nvSpPr>
-        <p:spPr/>
-        <p:txBody>
-          <a:bodyPr/>
-          <a:lstStyle/>
-          <a:p>
-            <a:r>
-              <a:rPr lang="en-US" dirty="0" err="1"/>
-              <a:t>EventWaitHandle</a:t>
-            </a:r>
-            <a:endParaRPr lang="ru-RU" dirty="0"/>
-          </a:p>
-        </p:txBody>
-      </p:sp>
-      <p:sp>
-        <p:nvSpPr>
-          <p:cNvPr id="3" name="Объект 2">
-            <a:extLst>
-              <a:ext uri="{FF2B5EF4-FFF2-40B4-BE49-F238E27FC236}">
-                <a16:creationId xmlns:a16="http://schemas.microsoft.com/office/drawing/2014/main" id="{181EDD0E-BEFB-4039-BF05-DEC1CC57267B}"/>
-              </a:ext>
-            </a:extLst>
-          </p:cNvPr>
-          <p:cNvSpPr>
-            <a:spLocks noGrp="1"/>
-          </p:cNvSpPr>
-          <p:nvPr>
-            <p:ph idx="1"/>
           </p:nvPr>
         </p:nvSpPr>
         <p:spPr>
           <a:xfrm>
-            <a:off x="410967" y="1825625"/>
-            <a:ext cx="11661168" cy="4351338"/>
+            <a:off x="838199" y="365125"/>
+            <a:ext cx="11254484" cy="1325563"/>
           </a:xfrm>
         </p:spPr>
         <p:txBody>
           <a:bodyPr/>
           <a:lstStyle/>
           <a:p>
-            <a:pPr marL="0" indent="0">
-              <a:buNone/>
-            </a:pPr>
-            <a:r>
-              <a:rPr lang="ru-RU" dirty="0"/>
-              <a:t>События уровня ОС:</a:t>
-            </a:r>
-          </a:p>
-          <a:p>
-            <a:pPr marL="0" indent="0">
-              <a:buNone/>
-            </a:pPr>
+            <a:r>
+              <a:rPr lang="ru-RU" dirty="0"/>
+              <a:t>События и мьютексы. Области использования</a:t>
+            </a:r>
+          </a:p>
+        </p:txBody>
+      </p:sp>
+      <p:sp>
+        <p:nvSpPr>
+          <p:cNvPr id="3" name="Объект 2">
+            <a:extLst>
+              <a:ext uri="{FF2B5EF4-FFF2-40B4-BE49-F238E27FC236}">
+                <a16:creationId xmlns:a16="http://schemas.microsoft.com/office/drawing/2014/main" id="{C6D5D065-FD95-439E-8997-A3859621358F}"/>
+              </a:ext>
+            </a:extLst>
+          </p:cNvPr>
+          <p:cNvSpPr>
+            <a:spLocks noGrp="1"/>
+          </p:cNvSpPr>
+          <p:nvPr>
+            <p:ph idx="1"/>
+          </p:nvPr>
+        </p:nvSpPr>
+        <p:spPr/>
+        <p:txBody>
+          <a:bodyPr/>
+          <a:lstStyle/>
+          <a:p>
+            <a:r>
+              <a:rPr lang="ru-RU" dirty="0"/>
+              <a:t>Способ использования их также отличается:</a:t>
+            </a:r>
+          </a:p>
+          <a:p>
+            <a:pPr lvl="1"/>
+            <a:r>
+              <a:rPr lang="ru-RU" dirty="0"/>
+              <a:t>мьютексы: </a:t>
+            </a:r>
+          </a:p>
+          <a:p>
+            <a:pPr lvl="2"/>
+            <a:r>
+              <a:rPr lang="ru-RU" dirty="0"/>
+              <a:t>захват мьютекса потоком (</a:t>
+            </a:r>
+            <a:r>
+              <a:rPr lang="en-US" dirty="0" err="1"/>
+              <a:t>WaitOne</a:t>
+            </a:r>
+            <a:r>
+              <a:rPr lang="en-US" dirty="0"/>
+              <a:t>)</a:t>
+            </a:r>
+            <a:r>
+              <a:rPr lang="ru-RU" dirty="0"/>
+              <a:t>;</a:t>
+            </a:r>
+          </a:p>
+          <a:p>
+            <a:pPr lvl="2"/>
+            <a:r>
+              <a:rPr lang="ru-RU" dirty="0"/>
+              <a:t>выполнение полезной работы в критической секции;</a:t>
+            </a:r>
+          </a:p>
+          <a:p>
+            <a:pPr lvl="2"/>
+            <a:r>
+              <a:rPr lang="ru-RU" dirty="0"/>
+              <a:t>освобождение мьютекса (</a:t>
+            </a:r>
+            <a:r>
+              <a:rPr lang="en-US" dirty="0" err="1"/>
+              <a:t>ReleaseMutex</a:t>
+            </a:r>
+            <a:r>
+              <a:rPr lang="en-US" dirty="0"/>
+              <a:t>)</a:t>
+            </a:r>
+            <a:endParaRPr lang="ru-RU" dirty="0"/>
+          </a:p>
+          <a:p>
+            <a:pPr lvl="1"/>
+            <a:r>
+              <a:rPr lang="en-US" dirty="0"/>
+              <a:t>*</a:t>
+            </a:r>
+            <a:r>
+              <a:rPr lang="en-US" dirty="0" err="1"/>
+              <a:t>ResetEvent</a:t>
+            </a:r>
+            <a:r>
+              <a:rPr lang="en-US" dirty="0"/>
+              <a:t>’</a:t>
+            </a:r>
+            <a:r>
+              <a:rPr lang="ru-RU" dirty="0"/>
+              <a:t>ы:</a:t>
+            </a:r>
             <a:endParaRPr lang="en-US" dirty="0"/>
           </a:p>
           <a:p>
-            <a:pPr marL="0" indent="0">
-              <a:buNone/>
-            </a:pPr>
+            <a:pPr lvl="2"/>
+            <a:r>
+              <a:rPr lang="ru-RU" dirty="0"/>
+              <a:t>ожидание потоком установки события</a:t>
+            </a:r>
+            <a:r>
+              <a:rPr lang="en-US" dirty="0"/>
+              <a:t> (</a:t>
+            </a:r>
             <a:r>
               <a:rPr lang="en-US" dirty="0" err="1"/>
-              <a:t>EventWaitHandle</a:t>
-            </a:r>
-            <a:r>
-              <a:rPr lang="en-US" dirty="0"/>
-              <a:t> </a:t>
-            </a:r>
-            <a:r>
-              <a:rPr lang="en-US" dirty="0" err="1"/>
-              <a:t>waitEventHandle</a:t>
-            </a:r>
-            <a:r>
-              <a:rPr lang="en-US" dirty="0"/>
-              <a:t> = </a:t>
-            </a:r>
-          </a:p>
-          <a:p>
-            <a:pPr marL="0" indent="0">
-              <a:buNone/>
-            </a:pPr>
-            <a:r>
-              <a:rPr lang="en-US" dirty="0"/>
-              <a:t>    new </a:t>
-            </a:r>
-            <a:r>
-              <a:rPr lang="en-US" dirty="0" err="1"/>
-              <a:t>EventWaitHandle</a:t>
-            </a:r>
-            <a:r>
-              <a:rPr lang="en-US" dirty="0"/>
-              <a:t>(false, </a:t>
-            </a:r>
-            <a:r>
-              <a:rPr lang="en-US" dirty="0" err="1"/>
-              <a:t>EventResetMode.AutoReset</a:t>
-            </a:r>
-            <a:r>
-              <a:rPr lang="en-US" dirty="0"/>
-              <a:t>, "</a:t>
-            </a:r>
-            <a:r>
-              <a:rPr lang="en-US" dirty="0" err="1"/>
-              <a:t>myGlobalEvent</a:t>
-            </a:r>
-            <a:r>
-              <a:rPr lang="en-US" dirty="0"/>
-              <a:t>");</a:t>
-            </a:r>
-          </a:p>
-          <a:p>
-            <a:pPr marL="0" indent="0">
-              <a:buNone/>
-            </a:pPr>
-            <a:endParaRPr lang="en-US" dirty="0"/>
-          </a:p>
-          <a:p>
-            <a:pPr marL="0" indent="0">
-              <a:buNone/>
-            </a:pPr>
-            <a:r>
-              <a:rPr lang="en-US" dirty="0" err="1"/>
-              <a:t>waitEventHandle.WaitOne</a:t>
-            </a:r>
-            <a:r>
-              <a:rPr lang="en-US" dirty="0"/>
-              <a:t>();</a:t>
-            </a:r>
-          </a:p>
-          <a:p>
-            <a:pPr marL="0" indent="0">
-              <a:buNone/>
-            </a:pPr>
-            <a:r>
-              <a:rPr lang="en-US" dirty="0" err="1"/>
-              <a:t>waitEventHandle.Set</a:t>
-            </a:r>
-            <a:r>
-              <a:rPr lang="en-US" dirty="0"/>
-              <a:t>();</a:t>
-            </a:r>
+              <a:t>WaitOne</a:t>
+            </a:r>
+            <a:r>
+              <a:rPr lang="en-US" dirty="0"/>
+              <a:t>)</a:t>
+            </a:r>
+            <a:r>
+              <a:rPr lang="ru-RU" dirty="0"/>
+              <a:t>;</a:t>
+            </a:r>
+          </a:p>
+          <a:p>
+            <a:pPr lvl="2"/>
+            <a:r>
+              <a:rPr lang="ru-RU" dirty="0"/>
+              <a:t>установка события (</a:t>
+            </a:r>
+            <a:r>
+              <a:rPr lang="en-US" dirty="0"/>
+              <a:t>Set)</a:t>
+            </a:r>
+            <a:r>
+              <a:rPr lang="ru-RU" dirty="0"/>
+              <a:t> из другого потока;</a:t>
+            </a:r>
+          </a:p>
+          <a:p>
+            <a:pPr lvl="2"/>
+            <a:r>
+              <a:rPr lang="ru-RU" dirty="0"/>
+              <a:t>выполнение полезной работы одним или несколькими потоками, дождавшимися события;</a:t>
+            </a:r>
+          </a:p>
+          <a:p>
+            <a:pPr lvl="2"/>
+            <a:r>
+              <a:rPr lang="ru-RU" dirty="0"/>
+              <a:t>опционально – сброс события и повторение цепочки действий.</a:t>
+            </a:r>
+          </a:p>
+          <a:p>
+            <a:pPr lvl="2"/>
             <a:endParaRPr lang="ru-RU" dirty="0"/>
           </a:p>
+          <a:p>
+            <a:pPr lvl="2"/>
+            <a:endParaRPr lang="ru-RU" dirty="0"/>
+          </a:p>
+          <a:p>
+            <a:pPr lvl="2"/>
+            <a:endParaRPr lang="ru-RU" dirty="0"/>
+          </a:p>
         </p:txBody>
       </p:sp>
       <p:sp>
@@ -9010,7 +9386,7 @@
           <p:cNvPr id="4" name="Номер слайда 3">
             <a:extLst>
               <a:ext uri="{FF2B5EF4-FFF2-40B4-BE49-F238E27FC236}">
-                <a16:creationId xmlns:a16="http://schemas.microsoft.com/office/drawing/2014/main" id="{EE22A325-E881-4B1E-B6E9-2797D5D38CCB}"/>
+                <a16:creationId xmlns:a16="http://schemas.microsoft.com/office/drawing/2014/main" id="{79C2F790-65C2-4D58-90F4-850507F34195}"/>
               </a:ext>
             </a:extLst>
           </p:cNvPr>
@@ -9037,7 +9413,7 @@
     </p:spTree>
     <p:extLst>
       <p:ext uri="{BB962C8B-B14F-4D97-AF65-F5344CB8AC3E}">
-        <p14:creationId xmlns:p14="http://schemas.microsoft.com/office/powerpoint/2010/main" val="2564636470"/>
+        <p14:creationId xmlns:p14="http://schemas.microsoft.com/office/powerpoint/2010/main" val="2705080041"/>
       </p:ext>
     </p:extLst>
   </p:cSld>
@@ -9069,7 +9445,7 @@
           <p:cNvPr id="2" name="Заголовок 1">
             <a:extLst>
               <a:ext uri="{FF2B5EF4-FFF2-40B4-BE49-F238E27FC236}">
-                <a16:creationId xmlns:a16="http://schemas.microsoft.com/office/drawing/2014/main" id="{127F5C47-EE03-491F-B42F-3576124A7D65}"/>
+                <a16:creationId xmlns:a16="http://schemas.microsoft.com/office/drawing/2014/main" id="{C16D13CC-C8A9-41A9-8153-D43804B5033B}"/>
               </a:ext>
             </a:extLst>
           </p:cNvPr>
@@ -9086,9 +9462,10 @@
           <a:lstStyle/>
           <a:p>
             <a:r>
-              <a:rPr lang="ru-RU" dirty="0"/>
-              <a:t>Семафоры</a:t>
-            </a:r>
+              <a:rPr lang="en-US" dirty="0" err="1"/>
+              <a:t>EventWaitHandle</a:t>
+            </a:r>
+            <a:endParaRPr lang="ru-RU" dirty="0"/>
           </a:p>
         </p:txBody>
       </p:sp>
@@ -9097,7 +9474,7 @@
           <p:cNvPr id="3" name="Объект 2">
             <a:extLst>
               <a:ext uri="{FF2B5EF4-FFF2-40B4-BE49-F238E27FC236}">
-                <a16:creationId xmlns:a16="http://schemas.microsoft.com/office/drawing/2014/main" id="{8F484CED-F050-461A-BAB6-71F7C24E26D6}"/>
+                <a16:creationId xmlns:a16="http://schemas.microsoft.com/office/drawing/2014/main" id="{181EDD0E-BEFB-4039-BF05-DEC1CC57267B}"/>
               </a:ext>
             </a:extLst>
           </p:cNvPr>
@@ -9108,31 +9485,86 @@
             <p:ph idx="1"/>
           </p:nvPr>
         </p:nvSpPr>
-        <p:spPr/>
-        <p:txBody>
-          <a:bodyPr>
-            <a:normAutofit fontScale="92500" lnSpcReduction="10000"/>
-          </a:bodyPr>
+        <p:spPr>
+          <a:xfrm>
+            <a:off x="534255" y="1561672"/>
+            <a:ext cx="11537879" cy="4615291"/>
+          </a:xfrm>
+        </p:spPr>
+        <p:txBody>
+          <a:bodyPr/>
           <a:lstStyle/>
           <a:p>
             <a:pPr marL="0" indent="0">
               <a:buNone/>
             </a:pPr>
             <a:r>
-              <a:rPr lang="en-US" dirty="0"/>
-              <a:t>Semaphore </a:t>
-            </a:r>
-            <a:r>
               <a:rPr lang="en-US" dirty="0" err="1"/>
-              <a:t>semaphore</a:t>
-            </a:r>
-            <a:r>
-              <a:rPr lang="en-US" dirty="0"/>
-              <a:t> = new Semaphore(1, 10, "</a:t>
-            </a:r>
+              <a:t>ResetEvent</a:t>
+            </a:r>
+            <a:r>
+              <a:rPr lang="en-US" dirty="0"/>
+              <a:t>’</a:t>
+            </a:r>
+            <a:r>
+              <a:rPr lang="ru-RU" dirty="0"/>
+              <a:t>ы уровня операционной системы:</a:t>
+            </a:r>
+          </a:p>
+          <a:p>
+            <a:pPr marL="0" indent="0">
+              <a:buNone/>
+            </a:pPr>
+            <a:endParaRPr lang="en-US" dirty="0"/>
+          </a:p>
+          <a:p>
+            <a:pPr marL="0" indent="0">
+              <a:buNone/>
+            </a:pPr>
             <a:r>
               <a:rPr lang="en-US" dirty="0" err="1"/>
-              <a:t>mySemaphore</a:t>
+              <a:t>EventWaitHandle</a:t>
+            </a:r>
+            <a:r>
+              <a:rPr lang="en-US" dirty="0"/>
+              <a:t> </a:t>
+            </a:r>
+            <a:r>
+              <a:rPr lang="en-US" dirty="0" err="1"/>
+              <a:t>waitEventHandle</a:t>
+            </a:r>
+            <a:r>
+              <a:rPr lang="en-US" dirty="0"/>
+              <a:t> = </a:t>
+            </a:r>
+          </a:p>
+          <a:p>
+            <a:pPr marL="0" indent="0">
+              <a:buNone/>
+            </a:pPr>
+            <a:r>
+              <a:rPr lang="en-US" dirty="0"/>
+              <a:t>    new </a:t>
+            </a:r>
+            <a:r>
+              <a:rPr lang="en-US" dirty="0" err="1"/>
+              <a:t>EventWaitHandle</a:t>
+            </a:r>
+            <a:r>
+              <a:rPr lang="en-US" dirty="0"/>
+              <a:t>(false, </a:t>
+            </a:r>
+            <a:r>
+              <a:rPr lang="en-US" dirty="0" err="1"/>
+              <a:t>EventResetMode.AutoReset</a:t>
+            </a:r>
+            <a:r>
+              <a:rPr lang="en-US" dirty="0"/>
+              <a:t>, "</a:t>
+            </a:r>
+            <a:r>
+              <a:rPr lang="en-US" dirty="0" err="1"/>
+              <a:t>myGlobalEvent</a:t>
             </a:r>
             <a:r>
               <a:rPr lang="en-US" dirty="0"/>
@@ -9143,49 +9575,28 @@
             <a:pPr marL="0" indent="0">
               <a:buNone/>
             </a:pPr>
+            <a:endParaRPr lang="en-US" dirty="0"/>
+          </a:p>
+          <a:p>
+            <a:pPr marL="0" indent="0">
+              <a:buNone/>
+            </a:pPr>
             <a:r>
               <a:rPr lang="en-US" dirty="0" err="1"/>
-              <a:t>semaphore.WaitOne</a:t>
-            </a:r>
-            <a:r>
-              <a:rPr lang="en-US" dirty="0"/>
-              <a:t>()</a:t>
-            </a:r>
-            <a:r>
-              <a:rPr lang="ru-RU" dirty="0"/>
-              <a:t>;</a:t>
-            </a:r>
-            <a:r>
-              <a:rPr lang="en-US" dirty="0"/>
-              <a:t> // </a:t>
-            </a:r>
-            <a:r>
-              <a:rPr lang="ru-RU" dirty="0"/>
-              <a:t>Ожидает освобождения ресурса</a:t>
-            </a:r>
-            <a:endParaRPr lang="en-US" dirty="0"/>
+              <a:t>waitEventHandle.WaitOne</a:t>
+            </a:r>
+            <a:r>
+              <a:rPr lang="en-US" dirty="0"/>
+              <a:t>();</a:t>
+            </a:r>
           </a:p>
           <a:p>
             <a:pPr marL="0" indent="0">
               <a:buNone/>
             </a:pPr>
             <a:r>
-              <a:rPr lang="en-US" dirty="0"/>
-              <a:t>//</a:t>
-            </a:r>
-            <a:r>
-              <a:rPr lang="ru-RU" dirty="0"/>
-              <a:t>работа с ресурсом</a:t>
-            </a:r>
-            <a:endParaRPr lang="en-US" dirty="0"/>
-          </a:p>
-          <a:p>
-            <a:pPr marL="0" indent="0">
-              <a:buNone/>
-            </a:pPr>
-            <a:r>
               <a:rPr lang="en-US" dirty="0" err="1"/>
-              <a:t>semaphore.Release</a:t>
+              <a:t>waitEventHandle.Set</a:t>
             </a:r>
             <a:r>
               <a:rPr lang="en-US" dirty="0"/>
@@ -9193,38 +9604,6 @@
             </a:r>
             <a:endParaRPr lang="ru-RU" dirty="0"/>
           </a:p>
-          <a:p>
-            <a:pPr marL="0" indent="0">
-              <a:buNone/>
-            </a:pPr>
-            <a:endParaRPr lang="ru-RU" dirty="0"/>
-          </a:p>
-          <a:p>
-            <a:r>
-              <a:rPr lang="ru-RU" dirty="0"/>
-              <a:t>позволяет ограничить кол-во потоков, одновременно работающих с ресурсом. </a:t>
-            </a:r>
-          </a:p>
-          <a:p>
-            <a:r>
-              <a:rPr lang="ru-RU" dirty="0"/>
-              <a:t>Например, </a:t>
-            </a:r>
-            <a:r>
-              <a:rPr lang="ru-RU" dirty="0" err="1"/>
-              <a:t>м.б</a:t>
-            </a:r>
-            <a:r>
-              <a:rPr lang="ru-RU" dirty="0"/>
-              <a:t>. использован для обработки очереди запросов, в случае, если обработка запроса – «дорогая» операция. Используя семафоры можем добиться необходимой загрузки и скорости обработки.</a:t>
-            </a:r>
-          </a:p>
-          <a:p>
-            <a:pPr marL="0" indent="0">
-              <a:buNone/>
-            </a:pPr>
-            <a:endParaRPr lang="ru-RU" dirty="0"/>
-          </a:p>
         </p:txBody>
       </p:sp>
       <p:sp>
@@ -9232,7 +9611,7 @@
           <p:cNvPr id="4" name="Номер слайда 3">
             <a:extLst>
               <a:ext uri="{FF2B5EF4-FFF2-40B4-BE49-F238E27FC236}">
-                <a16:creationId xmlns:a16="http://schemas.microsoft.com/office/drawing/2014/main" id="{0B20AFE1-9FC1-4C35-8C2E-5CE562FFF424}"/>
+                <a16:creationId xmlns:a16="http://schemas.microsoft.com/office/drawing/2014/main" id="{EE22A325-E881-4B1E-B6E9-2797D5D38CCB}"/>
               </a:ext>
             </a:extLst>
           </p:cNvPr>
@@ -9259,7 +9638,7 @@
     </p:spTree>
     <p:extLst>
       <p:ext uri="{BB962C8B-B14F-4D97-AF65-F5344CB8AC3E}">
-        <p14:creationId xmlns:p14="http://schemas.microsoft.com/office/powerpoint/2010/main" val="4233007441"/>
+        <p14:creationId xmlns:p14="http://schemas.microsoft.com/office/powerpoint/2010/main" val="2564636470"/>
       </p:ext>
     </p:extLst>
   </p:cSld>
@@ -9288,10 +9667,98 @@
       </p:grpSpPr>
       <p:sp>
         <p:nvSpPr>
+          <p:cNvPr id="2" name="Заголовок 1">
+            <a:extLst>
+              <a:ext uri="{FF2B5EF4-FFF2-40B4-BE49-F238E27FC236}">
+                <a16:creationId xmlns:a16="http://schemas.microsoft.com/office/drawing/2014/main" id="{127F5C47-EE03-491F-B42F-3576124A7D65}"/>
+              </a:ext>
+            </a:extLst>
+          </p:cNvPr>
+          <p:cNvSpPr>
+            <a:spLocks noGrp="1"/>
+          </p:cNvSpPr>
+          <p:nvPr>
+            <p:ph type="title"/>
+          </p:nvPr>
+        </p:nvSpPr>
+        <p:spPr/>
+        <p:txBody>
+          <a:bodyPr/>
+          <a:lstStyle/>
+          <a:p>
+            <a:r>
+              <a:rPr lang="ru-RU" dirty="0"/>
+              <a:t>Семафоры</a:t>
+            </a:r>
+          </a:p>
+        </p:txBody>
+      </p:sp>
+      <p:sp>
+        <p:nvSpPr>
+          <p:cNvPr id="3" name="Объект 2">
+            <a:extLst>
+              <a:ext uri="{FF2B5EF4-FFF2-40B4-BE49-F238E27FC236}">
+                <a16:creationId xmlns:a16="http://schemas.microsoft.com/office/drawing/2014/main" id="{8F484CED-F050-461A-BAB6-71F7C24E26D6}"/>
+              </a:ext>
+            </a:extLst>
+          </p:cNvPr>
+          <p:cNvSpPr>
+            <a:spLocks noGrp="1"/>
+          </p:cNvSpPr>
+          <p:nvPr>
+            <p:ph idx="1"/>
+          </p:nvPr>
+        </p:nvSpPr>
+        <p:spPr/>
+        <p:txBody>
+          <a:bodyPr>
+            <a:normAutofit fontScale="92500" lnSpcReduction="20000"/>
+          </a:bodyPr>
+          <a:lstStyle/>
+          <a:p>
+            <a:r>
+              <a:rPr lang="ru-RU" dirty="0"/>
+              <a:t>используются для ограничения количества потоков, которые могут одновременно получить доступ к общему ресурсу;</a:t>
+            </a:r>
+          </a:p>
+          <a:p>
+            <a:r>
+              <a:rPr lang="ru-RU" dirty="0"/>
+              <a:t>Число потоков задается переменной типа Int32, хранящейся в ресурсах операционной системы;</a:t>
+            </a:r>
+          </a:p>
+          <a:p>
+            <a:r>
+              <a:rPr lang="ru-RU" dirty="0"/>
+              <a:t>при инициализации объекта семафора задается начальное значение, служащее для ограничения потоков, которые могут войти в критическую секцию;</a:t>
+            </a:r>
+          </a:p>
+          <a:p>
+            <a:r>
+              <a:rPr lang="ru-RU" dirty="0"/>
+              <a:t>когда поток входит в критическую секцию, он уменьшает значение этой переменной на 1, а когда поток выходит из критической секции, он увеличивает значение этой переменной на 1;</a:t>
+            </a:r>
+          </a:p>
+          <a:p>
+            <a:r>
+              <a:rPr lang="ru-RU" dirty="0"/>
+              <a:t>когда значение этой переменной равно 0, ни один поток не может войти в критическую секцию.</a:t>
+            </a:r>
+          </a:p>
+          <a:p>
+            <a:pPr marL="0" indent="0">
+              <a:buNone/>
+            </a:pPr>
+            <a:endParaRPr lang="ru-RU" dirty="0"/>
+          </a:p>
+        </p:txBody>
+      </p:sp>
+      <p:sp>
+        <p:nvSpPr>
           <p:cNvPr id="4" name="Номер слайда 3">
             <a:extLst>
               <a:ext uri="{FF2B5EF4-FFF2-40B4-BE49-F238E27FC236}">
-                <a16:creationId xmlns:a16="http://schemas.microsoft.com/office/drawing/2014/main" id="{E5372C07-CE74-46F0-A71E-A60E6FF630C3}"/>
+                <a16:creationId xmlns:a16="http://schemas.microsoft.com/office/drawing/2014/main" id="{0B20AFE1-9FC1-4C35-8C2E-5CE562FFF424}"/>
               </a:ext>
             </a:extLst>
           </p:cNvPr>
@@ -9315,59 +9782,10 @@
           </a:p>
         </p:txBody>
       </p:sp>
-      <p:pic>
-        <p:nvPicPr>
-          <p:cNvPr id="3074" name="Picture 2">
-            <a:extLst>
-              <a:ext uri="{FF2B5EF4-FFF2-40B4-BE49-F238E27FC236}">
-                <a16:creationId xmlns:a16="http://schemas.microsoft.com/office/drawing/2014/main" id="{286D3E08-EF50-4535-A40A-EADF3982519F}"/>
-              </a:ext>
-            </a:extLst>
-          </p:cNvPr>
-          <p:cNvPicPr>
-            <a:picLocks noGrp="1" noChangeAspect="1" noChangeArrowheads="1"/>
-          </p:cNvPicPr>
-          <p:nvPr>
-            <p:ph idx="1"/>
-          </p:nvPr>
-        </p:nvPicPr>
-        <p:blipFill>
-          <a:blip r:embed="rId2">
-            <a:extLst>
-              <a:ext uri="{28A0092B-C50C-407E-A947-70E740481C1C}">
-                <a14:useLocalDpi xmlns:a14="http://schemas.microsoft.com/office/drawing/2010/main" val="0"/>
-              </a:ext>
-            </a:extLst>
-          </a:blip>
-          <a:srcRect/>
-          <a:stretch>
-            <a:fillRect/>
-          </a:stretch>
-        </p:blipFill>
-        <p:spPr bwMode="auto">
-          <a:xfrm>
-            <a:off x="1762018" y="917039"/>
-            <a:ext cx="9004774" cy="4877586"/>
-          </a:xfrm>
-          <a:prstGeom prst="rect">
-            <a:avLst/>
-          </a:prstGeom>
-          <a:noFill/>
-          <a:extLst>
-            <a:ext uri="{909E8E84-426E-40DD-AFC4-6F175D3DCCD1}">
-              <a14:hiddenFill xmlns:a14="http://schemas.microsoft.com/office/drawing/2010/main">
-                <a:solidFill>
-                  <a:srgbClr val="FFFFFF"/>
-                </a:solidFill>
-              </a14:hiddenFill>
-            </a:ext>
-          </a:extLst>
-        </p:spPr>
-      </p:pic>
     </p:spTree>
     <p:extLst>
       <p:ext uri="{BB962C8B-B14F-4D97-AF65-F5344CB8AC3E}">
-        <p14:creationId xmlns:p14="http://schemas.microsoft.com/office/powerpoint/2010/main" val="563203875"/>
+        <p14:creationId xmlns:p14="http://schemas.microsoft.com/office/powerpoint/2010/main" val="4233007441"/>
       </p:ext>
     </p:extLst>
   </p:cSld>
@@ -9399,7 +9817,7 @@
           <p:cNvPr id="2" name="Заголовок 1">
             <a:extLst>
               <a:ext uri="{FF2B5EF4-FFF2-40B4-BE49-F238E27FC236}">
-                <a16:creationId xmlns:a16="http://schemas.microsoft.com/office/drawing/2014/main" id="{79013513-4DB7-4D2E-A02C-3FE5F93A00D7}"/>
+                <a16:creationId xmlns:a16="http://schemas.microsoft.com/office/drawing/2014/main" id="{127F5C47-EE03-491F-B42F-3576124A7D65}"/>
               </a:ext>
             </a:extLst>
           </p:cNvPr>
@@ -9416,127 +9834,157 @@
           <a:lstStyle/>
           <a:p>
             <a:r>
-              <a:rPr lang="ru-RU" i="0" dirty="0">
-                <a:effectLst/>
-              </a:rPr>
-              <a:t>Класс </a:t>
-            </a:r>
-            <a:r>
-              <a:rPr lang="ru-RU" i="0" dirty="0" err="1">
-                <a:effectLst/>
-              </a:rPr>
-              <a:t>Thread</a:t>
+              <a:rPr lang="ru-RU" dirty="0"/>
+              <a:t>Семафоры</a:t>
+            </a:r>
+          </a:p>
+        </p:txBody>
+      </p:sp>
+      <p:sp>
+        <p:nvSpPr>
+          <p:cNvPr id="3" name="Объект 2">
+            <a:extLst>
+              <a:ext uri="{FF2B5EF4-FFF2-40B4-BE49-F238E27FC236}">
+                <a16:creationId xmlns:a16="http://schemas.microsoft.com/office/drawing/2014/main" id="{8F484CED-F050-461A-BAB6-71F7C24E26D6}"/>
+              </a:ext>
+            </a:extLst>
+          </p:cNvPr>
+          <p:cNvSpPr>
+            <a:spLocks noGrp="1"/>
+          </p:cNvSpPr>
+          <p:nvPr>
+            <p:ph idx="1"/>
+          </p:nvPr>
+        </p:nvSpPr>
+        <p:spPr>
+          <a:xfrm>
+            <a:off x="838200" y="1623701"/>
+            <a:ext cx="10515600" cy="4667250"/>
+          </a:xfrm>
+        </p:spPr>
+        <p:txBody>
+          <a:bodyPr>
+            <a:normAutofit lnSpcReduction="10000"/>
+          </a:bodyPr>
+          <a:lstStyle/>
+          <a:p>
+            <a:pPr marL="0" indent="0">
+              <a:buNone/>
+            </a:pPr>
+            <a:r>
+              <a:rPr lang="en-US" dirty="0"/>
+              <a:t>Semaphore </a:t>
+            </a:r>
+            <a:r>
+              <a:rPr lang="en-US" dirty="0" err="1"/>
+              <a:t>semaphore</a:t>
+            </a:r>
+            <a:r>
+              <a:rPr lang="en-US" dirty="0"/>
+              <a:t> = new Semaphore( </a:t>
+            </a:r>
+            <a:r>
+              <a:rPr lang="en-US" dirty="0" err="1"/>
+              <a:t>initialCount</a:t>
+            </a:r>
+            <a:r>
+              <a:rPr lang="en-US" dirty="0"/>
+              <a:t>: 3, </a:t>
+            </a:r>
+          </a:p>
+          <a:p>
+            <a:pPr marL="0" indent="0">
+              <a:buNone/>
+            </a:pPr>
+            <a:r>
+              <a:rPr lang="en-US" dirty="0"/>
+              <a:t>      </a:t>
+            </a:r>
+            <a:r>
+              <a:rPr lang="en-US" dirty="0" err="1"/>
+              <a:t>maximumCount</a:t>
+            </a:r>
+            <a:r>
+              <a:rPr lang="en-US" dirty="0"/>
+              <a:t>: 3);</a:t>
+            </a:r>
+          </a:p>
+          <a:p>
+            <a:pPr marL="0" indent="0">
+              <a:buNone/>
+            </a:pPr>
+            <a:r>
+              <a:rPr lang="en-US" dirty="0" err="1"/>
+              <a:t>semaphore.WaitOne</a:t>
+            </a:r>
+            <a:r>
+              <a:rPr lang="en-US" dirty="0"/>
+              <a:t>()</a:t>
+            </a:r>
+            <a:r>
+              <a:rPr lang="ru-RU" dirty="0"/>
+              <a:t>;</a:t>
+            </a:r>
+            <a:r>
+              <a:rPr lang="en-US" dirty="0"/>
+              <a:t> // </a:t>
+            </a:r>
+            <a:r>
+              <a:rPr lang="ru-RU" dirty="0"/>
+              <a:t>ожидаем освобождения ресурса</a:t>
+            </a:r>
+            <a:endParaRPr lang="en-US" dirty="0"/>
+          </a:p>
+          <a:p>
+            <a:pPr marL="0" indent="0">
+              <a:buNone/>
+            </a:pPr>
+            <a:r>
+              <a:rPr lang="en-US" dirty="0"/>
+              <a:t>//</a:t>
+            </a:r>
+            <a:r>
+              <a:rPr lang="ru-RU" dirty="0"/>
+              <a:t>работа с ресурсом</a:t>
+            </a:r>
+            <a:endParaRPr lang="en-US" dirty="0"/>
+          </a:p>
+          <a:p>
+            <a:pPr marL="0" indent="0">
+              <a:buNone/>
+            </a:pPr>
+            <a:r>
+              <a:rPr lang="en-US" dirty="0" err="1"/>
+              <a:t>semaphore.Release</a:t>
+            </a:r>
+            <a:r>
+              <a:rPr lang="en-US" dirty="0"/>
+              <a:t>();</a:t>
             </a:r>
             <a:endParaRPr lang="ru-RU" dirty="0"/>
           </a:p>
-        </p:txBody>
-      </p:sp>
-      <p:sp>
-        <p:nvSpPr>
-          <p:cNvPr id="3" name="Объект 2">
-            <a:extLst>
-              <a:ext uri="{FF2B5EF4-FFF2-40B4-BE49-F238E27FC236}">
-                <a16:creationId xmlns:a16="http://schemas.microsoft.com/office/drawing/2014/main" id="{42F7AF6A-2F31-4E9A-9952-5F24E4CB693B}"/>
-              </a:ext>
-            </a:extLst>
-          </p:cNvPr>
-          <p:cNvSpPr>
-            <a:spLocks noGrp="1"/>
-          </p:cNvSpPr>
-          <p:nvPr>
-            <p:ph idx="1"/>
-          </p:nvPr>
-        </p:nvSpPr>
-        <p:spPr/>
-        <p:txBody>
-          <a:bodyPr>
-            <a:normAutofit/>
-          </a:bodyPr>
-          <a:lstStyle/>
-          <a:p>
-            <a:r>
-              <a:rPr lang="ru-RU" dirty="0"/>
-              <a:t>Создание нового потока – дорогая операция</a:t>
-            </a:r>
-          </a:p>
-          <a:p>
-            <a:r>
-              <a:rPr lang="ru-RU" dirty="0"/>
-              <a:t>Является ресурсом ОС, нужно следить за освобождением (через вызов </a:t>
-            </a:r>
-            <a:r>
-              <a:rPr lang="en-US" dirty="0"/>
-              <a:t>Dispose)</a:t>
-            </a:r>
-          </a:p>
-          <a:p>
-            <a:r>
-              <a:rPr lang="ru-RU" dirty="0"/>
-              <a:t>делятся на </a:t>
-            </a:r>
+          <a:p>
+            <a:r>
+              <a:rPr lang="ru-RU" dirty="0"/>
+              <a:t>позволяет ограничить кол-во потоков, одновременно работающих с ресурсом. </a:t>
+            </a:r>
+          </a:p>
+          <a:p>
             <a:r>
               <a:rPr lang="ru-RU" dirty="0" err="1"/>
-              <a:t>background</a:t>
-            </a:r>
-            <a:r>
-              <a:rPr lang="ru-RU" dirty="0"/>
-              <a:t> (фоновый) и </a:t>
-            </a:r>
-            <a:r>
-              <a:rPr lang="ru-RU" dirty="0" err="1"/>
-              <a:t>foreground</a:t>
-            </a:r>
-            <a:r>
-              <a:rPr lang="ru-RU" dirty="0"/>
-              <a:t> (основные). </a:t>
-            </a:r>
-            <a:r>
-              <a:rPr lang="en-US" dirty="0"/>
-              <a:t>f</a:t>
-            </a:r>
-            <a:r>
-              <a:rPr lang="ru-RU" dirty="0" err="1"/>
-              <a:t>oreground</a:t>
-            </a:r>
-            <a:r>
-              <a:rPr lang="ru-RU" dirty="0"/>
-              <a:t>-потоки препятствуют завершению программы. Как только все </a:t>
-            </a:r>
-            <a:r>
-              <a:rPr lang="ru-RU" dirty="0" err="1"/>
-              <a:t>foreground</a:t>
-            </a:r>
-            <a:r>
-              <a:rPr lang="ru-RU" dirty="0"/>
-              <a:t>-потоки остановлены, система автоматически остановит все </a:t>
-            </a:r>
-            <a:r>
-              <a:rPr lang="ru-RU" dirty="0" err="1"/>
-              <a:t>background</a:t>
-            </a:r>
-            <a:r>
-              <a:rPr lang="ru-RU" dirty="0"/>
-              <a:t> и завершит выполнение приложения.</a:t>
-            </a:r>
-            <a:r>
-              <a:rPr lang="en-US" dirty="0"/>
-              <a:t> </a:t>
-            </a:r>
+              <a:t>м.б</a:t>
+            </a:r>
+            <a:r>
+              <a:rPr lang="ru-RU" dirty="0"/>
+              <a:t>. использован для организации пула ресурсов, чтобы ограничить количество одновременно выполняемых операций. Используя семафоры можем добиться необходимой загрузки и скорости обработки.</a:t>
+            </a:r>
+          </a:p>
+          <a:p>
+            <a:pPr marL="0" indent="0">
+              <a:buNone/>
+            </a:pPr>
             <a:endParaRPr lang="ru-RU" dirty="0"/>
           </a:p>
-          <a:p>
-            <a:r>
-              <a:rPr lang="ru-RU" dirty="0"/>
-              <a:t>Для простых операций рекомендуется использовать пул потоков</a:t>
-            </a:r>
-            <a:endParaRPr lang="en-US" dirty="0"/>
-          </a:p>
-          <a:p>
-            <a:endParaRPr lang="en-US" dirty="0"/>
-          </a:p>
-          <a:p>
-            <a:endParaRPr lang="ru-RU" dirty="0"/>
-          </a:p>
         </p:txBody>
       </p:sp>
       <p:sp>
@@ -9544,7 +9992,7 @@
           <p:cNvPr id="4" name="Номер слайда 3">
             <a:extLst>
               <a:ext uri="{FF2B5EF4-FFF2-40B4-BE49-F238E27FC236}">
-                <a16:creationId xmlns:a16="http://schemas.microsoft.com/office/drawing/2014/main" id="{7BF289BB-D9CD-4106-B1A5-9B7CA75D62EA}"/>
+                <a16:creationId xmlns:a16="http://schemas.microsoft.com/office/drawing/2014/main" id="{0B20AFE1-9FC1-4C35-8C2E-5CE562FFF424}"/>
               </a:ext>
             </a:extLst>
           </p:cNvPr>
@@ -9571,7 +10019,7 @@
     </p:spTree>
     <p:extLst>
       <p:ext uri="{BB962C8B-B14F-4D97-AF65-F5344CB8AC3E}">
-        <p14:creationId xmlns:p14="http://schemas.microsoft.com/office/powerpoint/2010/main" val="3950520008"/>
+        <p14:creationId xmlns:p14="http://schemas.microsoft.com/office/powerpoint/2010/main" val="1743546476"/>
       </p:ext>
     </p:extLst>
   </p:cSld>
@@ -9735,7 +10183,7 @@
           <p:cNvPr id="2" name="Заголовок 1">
             <a:extLst>
               <a:ext uri="{FF2B5EF4-FFF2-40B4-BE49-F238E27FC236}">
-                <a16:creationId xmlns:a16="http://schemas.microsoft.com/office/drawing/2014/main" id="{6F61ABA8-F30C-4190-ACA1-B1203D07D412}"/>
+                <a16:creationId xmlns:a16="http://schemas.microsoft.com/office/drawing/2014/main" id="{AA931280-084B-4F03-8312-F93501F6C86F}"/>
               </a:ext>
             </a:extLst>
           </p:cNvPr>
@@ -9753,7 +10201,7 @@
           <a:p>
             <a:r>
               <a:rPr lang="ru-RU" dirty="0"/>
-              <a:t>Пул потоков</a:t>
+              <a:t>Пример…</a:t>
             </a:r>
           </a:p>
         </p:txBody>
@@ -9763,7 +10211,7 @@
           <p:cNvPr id="3" name="Объект 2">
             <a:extLst>
               <a:ext uri="{FF2B5EF4-FFF2-40B4-BE49-F238E27FC236}">
-                <a16:creationId xmlns:a16="http://schemas.microsoft.com/office/drawing/2014/main" id="{FA0C50D5-0739-44FE-9820-D86D54D97C56}"/>
+                <a16:creationId xmlns:a16="http://schemas.microsoft.com/office/drawing/2014/main" id="{902D277C-65F9-42D3-B41F-69550AF6EE11}"/>
               </a:ext>
             </a:extLst>
           </p:cNvPr>
@@ -9776,33 +10224,10 @@
         </p:nvSpPr>
         <p:spPr/>
         <p:txBody>
-          <a:bodyPr>
-            <a:normAutofit fontScale="92500" lnSpcReduction="10000"/>
-          </a:bodyPr>
-          <a:lstStyle/>
-          <a:p>
-            <a:r>
-              <a:rPr lang="ru-RU" dirty="0"/>
-              <a:t>Экономия ресурсов: позволяет не создавать новые потоки каждый раз, когда они нужны, а использовать уже созданные;</a:t>
-            </a:r>
-          </a:p>
-          <a:p>
-            <a:r>
-              <a:rPr lang="ru-RU" dirty="0"/>
-              <a:t>управление временем жизни потоков: пул управляет временем жизни потоков, автоматически уничтожая те, которые не используются, и создавая новые при необходимости. Предотвращает утечки памяти и повышает производительность;</a:t>
-            </a:r>
-          </a:p>
-          <a:p>
-            <a:r>
-              <a:rPr lang="ru-RU" dirty="0"/>
-              <a:t>распределение нагрузки: пул может распределять нагрузку между потоками, что позволяет более эффективно использовать ресурсы процессора и ускорить выполнение задач;</a:t>
-            </a:r>
-          </a:p>
-          <a:p>
-            <a:r>
-              <a:rPr lang="ru-RU" dirty="0"/>
-              <a:t>упрощение кода: разработчикам не нужно заботиться о создании, уничтожении и управлении потоками.</a:t>
-            </a:r>
+          <a:bodyPr/>
+          <a:lstStyle/>
+          <a:p>
+            <a:endParaRPr lang="ru-RU" dirty="0"/>
           </a:p>
         </p:txBody>
       </p:sp>
@@ -9811,7 +10236,7 @@
           <p:cNvPr id="4" name="Номер слайда 3">
             <a:extLst>
               <a:ext uri="{FF2B5EF4-FFF2-40B4-BE49-F238E27FC236}">
-                <a16:creationId xmlns:a16="http://schemas.microsoft.com/office/drawing/2014/main" id="{E5EC97BF-F77B-431B-906F-7580C61D426A}"/>
+                <a16:creationId xmlns:a16="http://schemas.microsoft.com/office/drawing/2014/main" id="{A1D32BDF-04C5-4355-9BA2-6A136374F36C}"/>
               </a:ext>
             </a:extLst>
           </p:cNvPr>
@@ -9838,7 +10263,7 @@
     </p:spTree>
     <p:extLst>
       <p:ext uri="{BB962C8B-B14F-4D97-AF65-F5344CB8AC3E}">
-        <p14:creationId xmlns:p14="http://schemas.microsoft.com/office/powerpoint/2010/main" val="3418387891"/>
+        <p14:creationId xmlns:p14="http://schemas.microsoft.com/office/powerpoint/2010/main" val="2957410815"/>
       </p:ext>
     </p:extLst>
   </p:cSld>
@@ -9867,10 +10292,155 @@
       </p:grpSpPr>
       <p:sp>
         <p:nvSpPr>
+          <p:cNvPr id="2" name="Заголовок 1">
+            <a:extLst>
+              <a:ext uri="{FF2B5EF4-FFF2-40B4-BE49-F238E27FC236}">
+                <a16:creationId xmlns:a16="http://schemas.microsoft.com/office/drawing/2014/main" id="{79013513-4DB7-4D2E-A02C-3FE5F93A00D7}"/>
+              </a:ext>
+            </a:extLst>
+          </p:cNvPr>
+          <p:cNvSpPr>
+            <a:spLocks noGrp="1"/>
+          </p:cNvSpPr>
+          <p:nvPr>
+            <p:ph type="title"/>
+          </p:nvPr>
+        </p:nvSpPr>
+        <p:spPr/>
+        <p:txBody>
+          <a:bodyPr/>
+          <a:lstStyle/>
+          <a:p>
+            <a:r>
+              <a:rPr lang="ru-RU" i="0" dirty="0">
+                <a:effectLst/>
+              </a:rPr>
+              <a:t>Класс </a:t>
+            </a:r>
+            <a:r>
+              <a:rPr lang="ru-RU" i="0" dirty="0" err="1">
+                <a:effectLst/>
+              </a:rPr>
+              <a:t>Thread</a:t>
+            </a:r>
+            <a:endParaRPr lang="ru-RU" dirty="0"/>
+          </a:p>
+        </p:txBody>
+      </p:sp>
+      <p:sp>
+        <p:nvSpPr>
+          <p:cNvPr id="3" name="Объект 2">
+            <a:extLst>
+              <a:ext uri="{FF2B5EF4-FFF2-40B4-BE49-F238E27FC236}">
+                <a16:creationId xmlns:a16="http://schemas.microsoft.com/office/drawing/2014/main" id="{42F7AF6A-2F31-4E9A-9952-5F24E4CB693B}"/>
+              </a:ext>
+            </a:extLst>
+          </p:cNvPr>
+          <p:cNvSpPr>
+            <a:spLocks noGrp="1"/>
+          </p:cNvSpPr>
+          <p:nvPr>
+            <p:ph idx="1"/>
+          </p:nvPr>
+        </p:nvSpPr>
+        <p:spPr/>
+        <p:txBody>
+          <a:bodyPr>
+            <a:normAutofit/>
+          </a:bodyPr>
+          <a:lstStyle/>
+          <a:p>
+            <a:r>
+              <a:rPr lang="ru-RU" dirty="0"/>
+              <a:t>Создание нового потока – дорогая операция</a:t>
+            </a:r>
+          </a:p>
+          <a:p>
+            <a:r>
+              <a:rPr lang="ru-RU" dirty="0"/>
+              <a:t>Является ресурсом ОС, нужно следить за освобождением (через вызов </a:t>
+            </a:r>
+            <a:r>
+              <a:rPr lang="en-US" dirty="0"/>
+              <a:t>Dispose)</a:t>
+            </a:r>
+          </a:p>
+          <a:p>
+            <a:r>
+              <a:rPr lang="ru-RU" dirty="0"/>
+              <a:t>делятся на </a:t>
+            </a:r>
+            <a:r>
+              <a:rPr lang="ru-RU" dirty="0" err="1"/>
+              <a:t>background</a:t>
+            </a:r>
+            <a:r>
+              <a:rPr lang="ru-RU" dirty="0"/>
+              <a:t> (фоновый) и </a:t>
+            </a:r>
+            <a:r>
+              <a:rPr lang="ru-RU" dirty="0" err="1"/>
+              <a:t>foreground</a:t>
+            </a:r>
+            <a:r>
+              <a:rPr lang="ru-RU" dirty="0"/>
+              <a:t> (основные). </a:t>
+            </a:r>
+            <a:r>
+              <a:rPr lang="en-US" dirty="0"/>
+              <a:t>f</a:t>
+            </a:r>
+            <a:r>
+              <a:rPr lang="ru-RU" dirty="0" err="1"/>
+              <a:t>oreground</a:t>
+            </a:r>
+            <a:r>
+              <a:rPr lang="ru-RU" dirty="0"/>
+              <a:t>-потоки препятствуют завершению программы. Как только все </a:t>
+            </a:r>
+            <a:r>
+              <a:rPr lang="ru-RU" dirty="0" err="1"/>
+              <a:t>foreground</a:t>
+            </a:r>
+            <a:r>
+              <a:rPr lang="ru-RU" dirty="0"/>
+              <a:t>-потоки остановлены, система автоматически остановит все </a:t>
+            </a:r>
+            <a:r>
+              <a:rPr lang="ru-RU" dirty="0" err="1"/>
+              <a:t>background</a:t>
+            </a:r>
+            <a:r>
+              <a:rPr lang="ru-RU" dirty="0"/>
+              <a:t> и завершит выполнение приложения.</a:t>
+            </a:r>
+            <a:r>
+              <a:rPr lang="en-US" dirty="0"/>
+              <a:t> </a:t>
+            </a:r>
+            <a:endParaRPr lang="ru-RU" dirty="0"/>
+          </a:p>
+          <a:p>
+            <a:r>
+              <a:rPr lang="ru-RU" dirty="0"/>
+              <a:t>Для простых операций рекомендуется использовать пул потоков</a:t>
+            </a:r>
+            <a:endParaRPr lang="en-US" dirty="0"/>
+          </a:p>
+          <a:p>
+            <a:endParaRPr lang="en-US" dirty="0"/>
+          </a:p>
+          <a:p>
+            <a:endParaRPr lang="ru-RU" dirty="0"/>
+          </a:p>
+        </p:txBody>
+      </p:sp>
+      <p:sp>
+        <p:nvSpPr>
           <p:cNvPr id="4" name="Номер слайда 3">
             <a:extLst>
               <a:ext uri="{FF2B5EF4-FFF2-40B4-BE49-F238E27FC236}">
-                <a16:creationId xmlns:a16="http://schemas.microsoft.com/office/drawing/2014/main" id="{85B8844E-54F3-4CE5-A4C2-3182D71BA2CA}"/>
+                <a16:creationId xmlns:a16="http://schemas.microsoft.com/office/drawing/2014/main" id="{7BF289BB-D9CD-4106-B1A5-9B7CA75D62EA}"/>
               </a:ext>
             </a:extLst>
           </p:cNvPr>
@@ -9889,6 +10459,200 @@
             <a:fld id="{227C91C0-7371-407B-9696-36B720B1D03F}" type="slidenum">
               <a:rPr lang="ru-RU" smtClean="0"/>
               <a:t>31</a:t>
+            </a:fld>
+            <a:endParaRPr lang="ru-RU"/>
+          </a:p>
+        </p:txBody>
+      </p:sp>
+    </p:spTree>
+    <p:extLst>
+      <p:ext uri="{BB962C8B-B14F-4D97-AF65-F5344CB8AC3E}">
+        <p14:creationId xmlns:p14="http://schemas.microsoft.com/office/powerpoint/2010/main" val="3950520008"/>
+      </p:ext>
+    </p:extLst>
+  </p:cSld>
+  <p:clrMapOvr>
+    <a:masterClrMapping/>
+  </p:clrMapOvr>
+</p:sld>
+</file>
+
+<file path=ppt/slides/slide32.xml><?xml version="1.0" encoding="utf-8"?>
+<p:sld xmlns:a="http://schemas.openxmlformats.org/drawingml/2006/main" xmlns:r="http://schemas.openxmlformats.org/officeDocument/2006/relationships" xmlns:p="http://schemas.openxmlformats.org/presentationml/2006/main">
+  <p:cSld>
+    <p:spTree>
+      <p:nvGrpSpPr>
+        <p:cNvPr id="1" name=""/>
+        <p:cNvGrpSpPr/>
+        <p:nvPr/>
+      </p:nvGrpSpPr>
+      <p:grpSpPr>
+        <a:xfrm>
+          <a:off x="0" y="0"/>
+          <a:ext cx="0" cy="0"/>
+          <a:chOff x="0" y="0"/>
+          <a:chExt cx="0" cy="0"/>
+        </a:xfrm>
+      </p:grpSpPr>
+      <p:sp>
+        <p:nvSpPr>
+          <p:cNvPr id="2" name="Заголовок 1">
+            <a:extLst>
+              <a:ext uri="{FF2B5EF4-FFF2-40B4-BE49-F238E27FC236}">
+                <a16:creationId xmlns:a16="http://schemas.microsoft.com/office/drawing/2014/main" id="{6F61ABA8-F30C-4190-ACA1-B1203D07D412}"/>
+              </a:ext>
+            </a:extLst>
+          </p:cNvPr>
+          <p:cNvSpPr>
+            <a:spLocks noGrp="1"/>
+          </p:cNvSpPr>
+          <p:nvPr>
+            <p:ph type="title"/>
+          </p:nvPr>
+        </p:nvSpPr>
+        <p:spPr/>
+        <p:txBody>
+          <a:bodyPr/>
+          <a:lstStyle/>
+          <a:p>
+            <a:r>
+              <a:rPr lang="ru-RU" dirty="0"/>
+              <a:t>Пул потоков</a:t>
+            </a:r>
+          </a:p>
+        </p:txBody>
+      </p:sp>
+      <p:sp>
+        <p:nvSpPr>
+          <p:cNvPr id="3" name="Объект 2">
+            <a:extLst>
+              <a:ext uri="{FF2B5EF4-FFF2-40B4-BE49-F238E27FC236}">
+                <a16:creationId xmlns:a16="http://schemas.microsoft.com/office/drawing/2014/main" id="{FA0C50D5-0739-44FE-9820-D86D54D97C56}"/>
+              </a:ext>
+            </a:extLst>
+          </p:cNvPr>
+          <p:cNvSpPr>
+            <a:spLocks noGrp="1"/>
+          </p:cNvSpPr>
+          <p:nvPr>
+            <p:ph idx="1"/>
+          </p:nvPr>
+        </p:nvSpPr>
+        <p:spPr/>
+        <p:txBody>
+          <a:bodyPr>
+            <a:normAutofit fontScale="92500" lnSpcReduction="10000"/>
+          </a:bodyPr>
+          <a:lstStyle/>
+          <a:p>
+            <a:r>
+              <a:rPr lang="ru-RU" dirty="0"/>
+              <a:t>Экономия ресурсов: позволяет не создавать новые потоки каждый раз, когда они нужны, а использовать уже созданные;</a:t>
+            </a:r>
+          </a:p>
+          <a:p>
+            <a:r>
+              <a:rPr lang="ru-RU" dirty="0"/>
+              <a:t>управление временем жизни потоков: пул управляет временем жизни потоков, автоматически уничтожая те, которые не используются, и создавая новые при необходимости. Предотвращает утечки памяти и повышает производительность;</a:t>
+            </a:r>
+          </a:p>
+          <a:p>
+            <a:r>
+              <a:rPr lang="ru-RU" dirty="0"/>
+              <a:t>распределение нагрузки: пул может распределять нагрузку между потоками, что позволяет более эффективно использовать ресурсы процессора и ускорить выполнение задач;</a:t>
+            </a:r>
+          </a:p>
+          <a:p>
+            <a:r>
+              <a:rPr lang="ru-RU" dirty="0"/>
+              <a:t>упрощение кода: разработчикам не нужно заботиться о создании, уничтожении и управлении потоками.</a:t>
+            </a:r>
+          </a:p>
+        </p:txBody>
+      </p:sp>
+      <p:sp>
+        <p:nvSpPr>
+          <p:cNvPr id="4" name="Номер слайда 3">
+            <a:extLst>
+              <a:ext uri="{FF2B5EF4-FFF2-40B4-BE49-F238E27FC236}">
+                <a16:creationId xmlns:a16="http://schemas.microsoft.com/office/drawing/2014/main" id="{E5EC97BF-F77B-431B-906F-7580C61D426A}"/>
+              </a:ext>
+            </a:extLst>
+          </p:cNvPr>
+          <p:cNvSpPr>
+            <a:spLocks noGrp="1"/>
+          </p:cNvSpPr>
+          <p:nvPr>
+            <p:ph type="sldNum" sz="quarter" idx="12"/>
+          </p:nvPr>
+        </p:nvSpPr>
+        <p:spPr/>
+        <p:txBody>
+          <a:bodyPr/>
+          <a:lstStyle/>
+          <a:p>
+            <a:fld id="{227C91C0-7371-407B-9696-36B720B1D03F}" type="slidenum">
+              <a:rPr lang="ru-RU" smtClean="0"/>
+              <a:t>32</a:t>
+            </a:fld>
+            <a:endParaRPr lang="ru-RU"/>
+          </a:p>
+        </p:txBody>
+      </p:sp>
+    </p:spTree>
+    <p:extLst>
+      <p:ext uri="{BB962C8B-B14F-4D97-AF65-F5344CB8AC3E}">
+        <p14:creationId xmlns:p14="http://schemas.microsoft.com/office/powerpoint/2010/main" val="3418387891"/>
+      </p:ext>
+    </p:extLst>
+  </p:cSld>
+  <p:clrMapOvr>
+    <a:masterClrMapping/>
+  </p:clrMapOvr>
+</p:sld>
+</file>
+
+<file path=ppt/slides/slide33.xml><?xml version="1.0" encoding="utf-8"?>
+<p:sld xmlns:a="http://schemas.openxmlformats.org/drawingml/2006/main" xmlns:r="http://schemas.openxmlformats.org/officeDocument/2006/relationships" xmlns:p="http://schemas.openxmlformats.org/presentationml/2006/main">
+  <p:cSld>
+    <p:spTree>
+      <p:nvGrpSpPr>
+        <p:cNvPr id="1" name=""/>
+        <p:cNvGrpSpPr/>
+        <p:nvPr/>
+      </p:nvGrpSpPr>
+      <p:grpSpPr>
+        <a:xfrm>
+          <a:off x="0" y="0"/>
+          <a:ext cx="0" cy="0"/>
+          <a:chOff x="0" y="0"/>
+          <a:chExt cx="0" cy="0"/>
+        </a:xfrm>
+      </p:grpSpPr>
+      <p:sp>
+        <p:nvSpPr>
+          <p:cNvPr id="4" name="Номер слайда 3">
+            <a:extLst>
+              <a:ext uri="{FF2B5EF4-FFF2-40B4-BE49-F238E27FC236}">
+                <a16:creationId xmlns:a16="http://schemas.microsoft.com/office/drawing/2014/main" id="{85B8844E-54F3-4CE5-A4C2-3182D71BA2CA}"/>
+              </a:ext>
+            </a:extLst>
+          </p:cNvPr>
+          <p:cNvSpPr>
+            <a:spLocks noGrp="1"/>
+          </p:cNvSpPr>
+          <p:nvPr>
+            <p:ph type="sldNum" sz="quarter" idx="12"/>
+          </p:nvPr>
+        </p:nvSpPr>
+        <p:spPr/>
+        <p:txBody>
+          <a:bodyPr/>
+          <a:lstStyle/>
+          <a:p>
+            <a:fld id="{227C91C0-7371-407B-9696-36B720B1D03F}" type="slidenum">
+              <a:rPr lang="ru-RU" smtClean="0"/>
+              <a:t>33</a:t>
             </a:fld>
             <a:endParaRPr lang="ru-RU"/>
           </a:p>
@@ -9956,303 +10720,6 @@
 </p:sld>
 </file>
 
-<file path=ppt/slides/slide32.xml><?xml version="1.0" encoding="utf-8"?>
-<p:sld xmlns:a="http://schemas.openxmlformats.org/drawingml/2006/main" xmlns:r="http://schemas.openxmlformats.org/officeDocument/2006/relationships" xmlns:p="http://schemas.openxmlformats.org/presentationml/2006/main">
-  <p:cSld>
-    <p:spTree>
-      <p:nvGrpSpPr>
-        <p:cNvPr id="1" name=""/>
-        <p:cNvGrpSpPr/>
-        <p:nvPr/>
-      </p:nvGrpSpPr>
-      <p:grpSpPr>
-        <a:xfrm>
-          <a:off x="0" y="0"/>
-          <a:ext cx="0" cy="0"/>
-          <a:chOff x="0" y="0"/>
-          <a:chExt cx="0" cy="0"/>
-        </a:xfrm>
-      </p:grpSpPr>
-      <p:sp>
-        <p:nvSpPr>
-          <p:cNvPr id="2" name="Заголовок 1">
-            <a:extLst>
-              <a:ext uri="{FF2B5EF4-FFF2-40B4-BE49-F238E27FC236}">
-                <a16:creationId xmlns:a16="http://schemas.microsoft.com/office/drawing/2014/main" id="{9083EB35-5839-437F-B07F-6B0C125943A9}"/>
-              </a:ext>
-            </a:extLst>
-          </p:cNvPr>
-          <p:cNvSpPr>
-            <a:spLocks noGrp="1"/>
-          </p:cNvSpPr>
-          <p:nvPr>
-            <p:ph type="title"/>
-          </p:nvPr>
-        </p:nvSpPr>
-        <p:spPr/>
-        <p:txBody>
-          <a:bodyPr/>
-          <a:lstStyle/>
-          <a:p>
-            <a:r>
-              <a:rPr lang="ru-RU" dirty="0"/>
-              <a:t>Класс </a:t>
-            </a:r>
-            <a:r>
-              <a:rPr lang="en-US" dirty="0" err="1"/>
-              <a:t>ThreadPool</a:t>
-            </a:r>
-            <a:endParaRPr lang="ru-RU" dirty="0"/>
-          </a:p>
-        </p:txBody>
-      </p:sp>
-      <p:sp>
-        <p:nvSpPr>
-          <p:cNvPr id="3" name="Объект 2">
-            <a:extLst>
-              <a:ext uri="{FF2B5EF4-FFF2-40B4-BE49-F238E27FC236}">
-                <a16:creationId xmlns:a16="http://schemas.microsoft.com/office/drawing/2014/main" id="{2931DB3A-F8AC-4353-AED9-B7F58FCD39E8}"/>
-              </a:ext>
-            </a:extLst>
-          </p:cNvPr>
-          <p:cNvSpPr>
-            <a:spLocks noGrp="1"/>
-          </p:cNvSpPr>
-          <p:nvPr>
-            <p:ph idx="1"/>
-          </p:nvPr>
-        </p:nvSpPr>
-        <p:spPr/>
-        <p:txBody>
-          <a:bodyPr>
-            <a:normAutofit/>
-          </a:bodyPr>
-          <a:lstStyle/>
-          <a:p>
-            <a:r>
-              <a:rPr lang="ru-RU" dirty="0"/>
-              <a:t>набор потоков, которые находятся в режиме ожидания и готовы выполнять любую полезную работу. </a:t>
-            </a:r>
-          </a:p>
-          <a:p>
-            <a:r>
-              <a:rPr lang="ru-RU" dirty="0"/>
-              <a:t>при запуске приложения пул-потоков запускает минимальное количество потоков, которые находятся в состоянии ожидания новых задач. </a:t>
-            </a:r>
-          </a:p>
-          <a:p>
-            <a:r>
-              <a:rPr lang="ru-RU" dirty="0"/>
-              <a:t>если активных потоков недостаточно для эффективного выполнения задач в пуле, он запускает новые и использует их по тому же принципу повторного использования. </a:t>
-            </a:r>
-          </a:p>
-          <a:p>
-            <a:endParaRPr lang="ru-RU" dirty="0"/>
-          </a:p>
-        </p:txBody>
-      </p:sp>
-      <p:sp>
-        <p:nvSpPr>
-          <p:cNvPr id="4" name="Номер слайда 3">
-            <a:extLst>
-              <a:ext uri="{FF2B5EF4-FFF2-40B4-BE49-F238E27FC236}">
-                <a16:creationId xmlns:a16="http://schemas.microsoft.com/office/drawing/2014/main" id="{39A56C05-1751-4E64-B48F-7AF1D39D8953}"/>
-              </a:ext>
-            </a:extLst>
-          </p:cNvPr>
-          <p:cNvSpPr>
-            <a:spLocks noGrp="1"/>
-          </p:cNvSpPr>
-          <p:nvPr>
-            <p:ph type="sldNum" sz="quarter" idx="12"/>
-          </p:nvPr>
-        </p:nvSpPr>
-        <p:spPr/>
-        <p:txBody>
-          <a:bodyPr/>
-          <a:lstStyle/>
-          <a:p>
-            <a:fld id="{227C91C0-7371-407B-9696-36B720B1D03F}" type="slidenum">
-              <a:rPr lang="ru-RU" smtClean="0"/>
-              <a:t>32</a:t>
-            </a:fld>
-            <a:endParaRPr lang="ru-RU"/>
-          </a:p>
-        </p:txBody>
-      </p:sp>
-    </p:spTree>
-    <p:extLst>
-      <p:ext uri="{BB962C8B-B14F-4D97-AF65-F5344CB8AC3E}">
-        <p14:creationId xmlns:p14="http://schemas.microsoft.com/office/powerpoint/2010/main" val="1815571512"/>
-      </p:ext>
-    </p:extLst>
-  </p:cSld>
-  <p:clrMapOvr>
-    <a:masterClrMapping/>
-  </p:clrMapOvr>
-</p:sld>
-</file>
-
-<file path=ppt/slides/slide33.xml><?xml version="1.0" encoding="utf-8"?>
-<p:sld xmlns:a="http://schemas.openxmlformats.org/drawingml/2006/main" xmlns:r="http://schemas.openxmlformats.org/officeDocument/2006/relationships" xmlns:p="http://schemas.openxmlformats.org/presentationml/2006/main">
-  <p:cSld>
-    <p:spTree>
-      <p:nvGrpSpPr>
-        <p:cNvPr id="1" name=""/>
-        <p:cNvGrpSpPr/>
-        <p:nvPr/>
-      </p:nvGrpSpPr>
-      <p:grpSpPr>
-        <a:xfrm>
-          <a:off x="0" y="0"/>
-          <a:ext cx="0" cy="0"/>
-          <a:chOff x="0" y="0"/>
-          <a:chExt cx="0" cy="0"/>
-        </a:xfrm>
-      </p:grpSpPr>
-      <p:sp>
-        <p:nvSpPr>
-          <p:cNvPr id="2" name="Заголовок 1">
-            <a:extLst>
-              <a:ext uri="{FF2B5EF4-FFF2-40B4-BE49-F238E27FC236}">
-                <a16:creationId xmlns:a16="http://schemas.microsoft.com/office/drawing/2014/main" id="{5AF31C3A-261D-4E7B-96B2-C53F5B5EC7EA}"/>
-              </a:ext>
-            </a:extLst>
-          </p:cNvPr>
-          <p:cNvSpPr>
-            <a:spLocks noGrp="1"/>
-          </p:cNvSpPr>
-          <p:nvPr>
-            <p:ph type="title"/>
-          </p:nvPr>
-        </p:nvSpPr>
-        <p:spPr/>
-        <p:txBody>
-          <a:bodyPr/>
-          <a:lstStyle/>
-          <a:p>
-            <a:r>
-              <a:rPr lang="ru-RU" dirty="0"/>
-              <a:t>Класс </a:t>
-            </a:r>
-            <a:r>
-              <a:rPr lang="en-US" dirty="0" err="1"/>
-              <a:t>ThreadPool</a:t>
-            </a:r>
-            <a:endParaRPr lang="ru-RU" dirty="0"/>
-          </a:p>
-        </p:txBody>
-      </p:sp>
-      <p:sp>
-        <p:nvSpPr>
-          <p:cNvPr id="3" name="Объект 2">
-            <a:extLst>
-              <a:ext uri="{FF2B5EF4-FFF2-40B4-BE49-F238E27FC236}">
-                <a16:creationId xmlns:a16="http://schemas.microsoft.com/office/drawing/2014/main" id="{EC715EBE-011E-49AE-8D9E-957D424B2AD3}"/>
-              </a:ext>
-            </a:extLst>
-          </p:cNvPr>
-          <p:cNvSpPr>
-            <a:spLocks noGrp="1"/>
-          </p:cNvSpPr>
-          <p:nvPr>
-            <p:ph idx="1"/>
-          </p:nvPr>
-        </p:nvSpPr>
-        <p:spPr/>
-        <p:txBody>
-          <a:bodyPr>
-            <a:normAutofit lnSpcReduction="10000"/>
-          </a:bodyPr>
-          <a:lstStyle/>
-          <a:p>
-            <a:r>
-              <a:rPr lang="ru-RU" dirty="0"/>
-              <a:t>Потоки внутри пула разделяются на две группы: </a:t>
-            </a:r>
-            <a:r>
-              <a:rPr lang="ru-RU" dirty="0" err="1"/>
-              <a:t>worker</a:t>
-            </a:r>
-            <a:r>
-              <a:rPr lang="ru-RU" dirty="0"/>
-              <a:t> и I/O-потоки. </a:t>
-            </a:r>
-            <a:endParaRPr lang="en-US" dirty="0"/>
-          </a:p>
-          <a:p>
-            <a:r>
-              <a:rPr lang="ru-RU" dirty="0"/>
-              <a:t>Рабочие потоки фокусируются на работе, связанной с загрузкой CPU (CPU </a:t>
-            </a:r>
-            <a:r>
-              <a:rPr lang="ru-RU" dirty="0" err="1"/>
-              <a:t>based</a:t>
-            </a:r>
-            <a:r>
-              <a:rPr lang="ru-RU" dirty="0"/>
-              <a:t>), в то время как I/O-потоки — на работе с устройствами ввода/вывода: файловая система, сетевая карта и другие. </a:t>
-            </a:r>
-            <a:endParaRPr lang="en-US" dirty="0"/>
-          </a:p>
-          <a:p>
-            <a:r>
-              <a:rPr lang="ru-RU" dirty="0"/>
-              <a:t>Если выполнять I/O-операцию на рабочем потоке (CPU </a:t>
-            </a:r>
-            <a:r>
-              <a:rPr lang="ru-RU" dirty="0" err="1"/>
-              <a:t>based</a:t>
-            </a:r>
-            <a:r>
-              <a:rPr lang="ru-RU" dirty="0"/>
-              <a:t>), то расход ресурсов менее эффективен, т.к. поток будет находиться в состоянии ожидания завершения I/O-операции. Для подобных задач предназначены отдельные I/O-потоки. При использовании пула потоков это скрыто в явном виде от разработчиков. </a:t>
-            </a:r>
-          </a:p>
-        </p:txBody>
-      </p:sp>
-      <p:sp>
-        <p:nvSpPr>
-          <p:cNvPr id="4" name="Номер слайда 3">
-            <a:extLst>
-              <a:ext uri="{FF2B5EF4-FFF2-40B4-BE49-F238E27FC236}">
-                <a16:creationId xmlns:a16="http://schemas.microsoft.com/office/drawing/2014/main" id="{8D7D51CF-507E-470D-B06A-9ADC96773C0D}"/>
-              </a:ext>
-            </a:extLst>
-          </p:cNvPr>
-          <p:cNvSpPr>
-            <a:spLocks noGrp="1"/>
-          </p:cNvSpPr>
-          <p:nvPr>
-            <p:ph type="sldNum" sz="quarter" idx="12"/>
-          </p:nvPr>
-        </p:nvSpPr>
-        <p:spPr/>
-        <p:txBody>
-          <a:bodyPr/>
-          <a:lstStyle/>
-          <a:p>
-            <a:fld id="{227C91C0-7371-407B-9696-36B720B1D03F}" type="slidenum">
-              <a:rPr lang="ru-RU" smtClean="0"/>
-              <a:t>33</a:t>
-            </a:fld>
-            <a:endParaRPr lang="ru-RU"/>
-          </a:p>
-        </p:txBody>
-      </p:sp>
-    </p:spTree>
-    <p:extLst>
-      <p:ext uri="{BB962C8B-B14F-4D97-AF65-F5344CB8AC3E}">
-        <p14:creationId xmlns:p14="http://schemas.microsoft.com/office/powerpoint/2010/main" val="1891878043"/>
-      </p:ext>
-    </p:extLst>
-  </p:cSld>
-  <p:clrMapOvr>
-    <a:masterClrMapping/>
-  </p:clrMapOvr>
-</p:sld>
-</file>
-
 <file path=ppt/slides/slide34.xml><?xml version="1.0" encoding="utf-8"?>
 <p:sld xmlns:a="http://schemas.openxmlformats.org/drawingml/2006/main" xmlns:r="http://schemas.openxmlformats.org/officeDocument/2006/relationships" xmlns:p="http://schemas.openxmlformats.org/presentationml/2006/main">
   <p:cSld>
@@ -10275,7 +10742,7 @@
           <p:cNvPr id="2" name="Заголовок 1">
             <a:extLst>
               <a:ext uri="{FF2B5EF4-FFF2-40B4-BE49-F238E27FC236}">
-                <a16:creationId xmlns:a16="http://schemas.microsoft.com/office/drawing/2014/main" id="{676354C6-1068-4428-BA30-476CA5CE8E11}"/>
+                <a16:creationId xmlns:a16="http://schemas.microsoft.com/office/drawing/2014/main" id="{9083EB35-5839-437F-B07F-6B0C125943A9}"/>
               </a:ext>
             </a:extLst>
           </p:cNvPr>
@@ -10308,7 +10775,7 @@
           <p:cNvPr id="3" name="Объект 2">
             <a:extLst>
               <a:ext uri="{FF2B5EF4-FFF2-40B4-BE49-F238E27FC236}">
-                <a16:creationId xmlns:a16="http://schemas.microsoft.com/office/drawing/2014/main" id="{0936038C-71D5-4382-8F72-AD166BD9FA44}"/>
+                <a16:creationId xmlns:a16="http://schemas.microsoft.com/office/drawing/2014/main" id="{2931DB3A-F8AC-4353-AED9-B7F58FCD39E8}"/>
               </a:ext>
             </a:extLst>
           </p:cNvPr>
@@ -10321,55 +10788,26 @@
         </p:nvSpPr>
         <p:spPr/>
         <p:txBody>
-          <a:bodyPr/>
-          <a:lstStyle/>
-          <a:p>
-            <a:pPr algn="l">
-              <a:buFont typeface="Arial" panose="020B0604020202020204" pitchFamily="34" charset="0"/>
-              <a:buChar char="•"/>
-            </a:pPr>
-            <a:r>
-              <a:rPr lang="ru-RU" dirty="0"/>
-              <a:t>Потокам из пула невозможно назначить имя</a:t>
-            </a:r>
-          </a:p>
-          <a:p>
-            <a:pPr algn="l">
-              <a:buFont typeface="Arial" panose="020B0604020202020204" pitchFamily="34" charset="0"/>
-              <a:buChar char="•"/>
-            </a:pPr>
-            <a:r>
-              <a:rPr lang="ru-RU" dirty="0"/>
-              <a:t>Потоки из пула всегда фоновые (</a:t>
-            </a:r>
-            <a:r>
-              <a:rPr lang="ru-RU" dirty="0" err="1"/>
-              <a:t>background</a:t>
-            </a:r>
-            <a:r>
-              <a:rPr lang="ru-RU" dirty="0"/>
-              <a:t>)</a:t>
-            </a:r>
-          </a:p>
-          <a:p>
-            <a:pPr algn="l">
-              <a:buFont typeface="Arial" panose="020B0604020202020204" pitchFamily="34" charset="0"/>
-              <a:buChar char="•"/>
-            </a:pPr>
-            <a:r>
-              <a:rPr lang="ru-RU" dirty="0"/>
-              <a:t>Блокировка потоков из пула может привести к запуску дополнительных потоков и падению производительности</a:t>
-            </a:r>
-            <a:endParaRPr lang="en-US" dirty="0"/>
-          </a:p>
-          <a:p>
-            <a:pPr algn="l">
-              <a:buFont typeface="Arial" panose="020B0604020202020204" pitchFamily="34" charset="0"/>
-              <a:buChar char="•"/>
-            </a:pPr>
-            <a:r>
-              <a:rPr lang="ru-RU" dirty="0"/>
-              <a:t>Имеет размер, при его достижении (кол-во активных задач = кол-ву потоков) может увеличиваться, добавляя 2 потока в секунду. </a:t>
+          <a:bodyPr>
+            <a:normAutofit/>
+          </a:bodyPr>
+          <a:lstStyle/>
+          <a:p>
+            <a:r>
+              <a:rPr lang="ru-RU" dirty="0"/>
+              <a:t>набор потоков, которые находятся в режиме ожидания и готовы выполнять любую полезную работу. </a:t>
+            </a:r>
+          </a:p>
+          <a:p>
+            <a:r>
+              <a:rPr lang="ru-RU" dirty="0"/>
+              <a:t>при запуске приложения пул-потоков запускает минимальное количество потоков, которые находятся в состоянии ожидания новых задач. </a:t>
+            </a:r>
+          </a:p>
+          <a:p>
+            <a:r>
+              <a:rPr lang="ru-RU" dirty="0"/>
+              <a:t>если активных потоков недостаточно для эффективного выполнения задач в пуле, он запускает новые и использует их по тому же принципу повторного использования. </a:t>
             </a:r>
           </a:p>
           <a:p>
@@ -10382,7 +10820,7 @@
           <p:cNvPr id="4" name="Номер слайда 3">
             <a:extLst>
               <a:ext uri="{FF2B5EF4-FFF2-40B4-BE49-F238E27FC236}">
-                <a16:creationId xmlns:a16="http://schemas.microsoft.com/office/drawing/2014/main" id="{06FEAD00-49AE-454C-9CB7-A49593326D3C}"/>
+                <a16:creationId xmlns:a16="http://schemas.microsoft.com/office/drawing/2014/main" id="{39A56C05-1751-4E64-B48F-7AF1D39D8953}"/>
               </a:ext>
             </a:extLst>
           </p:cNvPr>
@@ -10409,7 +10847,7 @@
     </p:spTree>
     <p:extLst>
       <p:ext uri="{BB962C8B-B14F-4D97-AF65-F5344CB8AC3E}">
-        <p14:creationId xmlns:p14="http://schemas.microsoft.com/office/powerpoint/2010/main" val="3723394403"/>
+        <p14:creationId xmlns:p14="http://schemas.microsoft.com/office/powerpoint/2010/main" val="1815571512"/>
       </p:ext>
     </p:extLst>
   </p:cSld>
@@ -10441,7 +10879,7 @@
           <p:cNvPr id="2" name="Заголовок 1">
             <a:extLst>
               <a:ext uri="{FF2B5EF4-FFF2-40B4-BE49-F238E27FC236}">
-                <a16:creationId xmlns:a16="http://schemas.microsoft.com/office/drawing/2014/main" id="{81F5B19E-8037-46FC-A32A-51C9A5237032}"/>
+                <a16:creationId xmlns:a16="http://schemas.microsoft.com/office/drawing/2014/main" id="{5AF31C3A-261D-4E7B-96B2-C53F5B5EC7EA}"/>
               </a:ext>
             </a:extLst>
           </p:cNvPr>
@@ -10474,7 +10912,7 @@
           <p:cNvPr id="3" name="Объект 2">
             <a:extLst>
               <a:ext uri="{FF2B5EF4-FFF2-40B4-BE49-F238E27FC236}">
-                <a16:creationId xmlns:a16="http://schemas.microsoft.com/office/drawing/2014/main" id="{065AA1CE-4CFF-4167-A588-B4CCEC8F0E4B}"/>
+                <a16:creationId xmlns:a16="http://schemas.microsoft.com/office/drawing/2014/main" id="{EC715EBE-011E-49AE-8D9E-957D424B2AD3}"/>
               </a:ext>
             </a:extLst>
           </p:cNvPr>
@@ -10487,86 +10925,53 @@
         </p:nvSpPr>
         <p:spPr/>
         <p:txBody>
-          <a:bodyPr/>
-          <a:lstStyle/>
-          <a:p>
-            <a:pPr marL="0" indent="0">
-              <a:buNone/>
-            </a:pPr>
-            <a:r>
-              <a:rPr lang="en-US" sz="2400" dirty="0"/>
-              <a:t>static void MakeSomeWork5 (object state)</a:t>
-            </a:r>
-          </a:p>
-          <a:p>
-            <a:pPr marL="0" indent="0">
-              <a:buNone/>
-            </a:pPr>
-            <a:r>
-              <a:rPr lang="en-US" sz="2400" dirty="0"/>
-              <a:t>{</a:t>
-            </a:r>
-          </a:p>
-          <a:p>
-            <a:pPr marL="0" indent="0">
-              <a:buNone/>
-            </a:pPr>
-            <a:r>
-              <a:rPr lang="en-US" sz="2400" dirty="0"/>
-              <a:t>      //</a:t>
-            </a:r>
-            <a:r>
-              <a:rPr lang="ru-RU" sz="2400" dirty="0"/>
-              <a:t>код выполнения какой-то длительной операции</a:t>
-            </a:r>
-            <a:endParaRPr lang="en-US" sz="2400" dirty="0"/>
-          </a:p>
-          <a:p>
-            <a:pPr marL="0" indent="0">
-              <a:buNone/>
-            </a:pPr>
-            <a:r>
-              <a:rPr lang="en-US" sz="2400" dirty="0"/>
-              <a:t>}</a:t>
-            </a:r>
-          </a:p>
-          <a:p>
-            <a:pPr marL="0" indent="0">
-              <a:buNone/>
-            </a:pPr>
+          <a:bodyPr>
+            <a:normAutofit lnSpcReduction="10000"/>
+          </a:bodyPr>
+          <a:lstStyle/>
+          <a:p>
+            <a:r>
+              <a:rPr lang="ru-RU" dirty="0"/>
+              <a:t>Потоки внутри пула разделяются на две группы: </a:t>
+            </a:r>
+            <a:r>
+              <a:rPr lang="ru-RU" dirty="0" err="1"/>
+              <a:t>worker</a:t>
+            </a:r>
+            <a:r>
+              <a:rPr lang="ru-RU" dirty="0"/>
+              <a:t> и I/O-потоки. </a:t>
+            </a:r>
             <a:endParaRPr lang="en-US" dirty="0"/>
           </a:p>
           <a:p>
-            <a:pPr marL="0" indent="0">
-              <a:buNone/>
-            </a:pPr>
-            <a:r>
-              <a:rPr lang="en-US" sz="2400" dirty="0" err="1"/>
-              <a:t>ThreadPool.QueueUserWorkItem</a:t>
-            </a:r>
-            <a:r>
-              <a:rPr lang="en-US" sz="2400" dirty="0"/>
-              <a:t>(MakeSomeWork5);</a:t>
-            </a:r>
-          </a:p>
-          <a:p>
-            <a:pPr marL="0" indent="0">
-              <a:buNone/>
-            </a:pPr>
-            <a:r>
-              <a:rPr lang="en-US" sz="2400" dirty="0" err="1"/>
-              <a:t>ThreadPool.QueueUserWorkItem</a:t>
-            </a:r>
-            <a:r>
-              <a:rPr lang="en-US" sz="2400" dirty="0"/>
-              <a:t>(MakeSomeWork5);</a:t>
-            </a:r>
-          </a:p>
-          <a:p>
-            <a:pPr marL="0" indent="0">
-              <a:buNone/>
-            </a:pPr>
-            <a:endParaRPr lang="ru-RU" dirty="0"/>
+            <a:r>
+              <a:rPr lang="ru-RU" dirty="0"/>
+              <a:t>Рабочие потоки фокусируются на работе, связанной с загрузкой CPU (CPU </a:t>
+            </a:r>
+            <a:r>
+              <a:rPr lang="ru-RU" dirty="0" err="1"/>
+              <a:t>based</a:t>
+            </a:r>
+            <a:r>
+              <a:rPr lang="ru-RU" dirty="0"/>
+              <a:t>), в то время как I/O-потоки — на работе с устройствами ввода/вывода: файловая система, сетевая карта и другие. </a:t>
+            </a:r>
+            <a:endParaRPr lang="en-US" dirty="0"/>
+          </a:p>
+          <a:p>
+            <a:r>
+              <a:rPr lang="ru-RU" dirty="0"/>
+              <a:t>Если выполнять I/O-операцию на рабочем потоке (CPU </a:t>
+            </a:r>
+            <a:r>
+              <a:rPr lang="ru-RU" dirty="0" err="1"/>
+              <a:t>based</a:t>
+            </a:r>
+            <a:r>
+              <a:rPr lang="ru-RU" dirty="0"/>
+              <a:t>), то расход ресурсов менее эффективен, т.к. поток будет находиться в состоянии ожидания завершения I/O-операции. Для подобных задач предназначены отдельные I/O-потоки. При использовании пула потоков это скрыто в явном виде от разработчиков. </a:t>
+            </a:r>
           </a:p>
         </p:txBody>
       </p:sp>
@@ -10575,7 +10980,7 @@
           <p:cNvPr id="4" name="Номер слайда 3">
             <a:extLst>
               <a:ext uri="{FF2B5EF4-FFF2-40B4-BE49-F238E27FC236}">
-                <a16:creationId xmlns:a16="http://schemas.microsoft.com/office/drawing/2014/main" id="{97BEB4B6-512D-4E77-9302-00384600B510}"/>
+                <a16:creationId xmlns:a16="http://schemas.microsoft.com/office/drawing/2014/main" id="{8D7D51CF-507E-470D-B06A-9ADC96773C0D}"/>
               </a:ext>
             </a:extLst>
           </p:cNvPr>
@@ -10602,7 +11007,7 @@
     </p:spTree>
     <p:extLst>
       <p:ext uri="{BB962C8B-B14F-4D97-AF65-F5344CB8AC3E}">
-        <p14:creationId xmlns:p14="http://schemas.microsoft.com/office/powerpoint/2010/main" val="2888488691"/>
+        <p14:creationId xmlns:p14="http://schemas.microsoft.com/office/powerpoint/2010/main" val="1891878043"/>
       </p:ext>
     </p:extLst>
   </p:cSld>
@@ -10634,7 +11039,7 @@
           <p:cNvPr id="2" name="Заголовок 1">
             <a:extLst>
               <a:ext uri="{FF2B5EF4-FFF2-40B4-BE49-F238E27FC236}">
-                <a16:creationId xmlns:a16="http://schemas.microsoft.com/office/drawing/2014/main" id="{2BFDA040-41AC-4AD9-8EF0-5440C8509D66}"/>
+                <a16:creationId xmlns:a16="http://schemas.microsoft.com/office/drawing/2014/main" id="{676354C6-1068-4428-BA30-476CA5CE8E11}"/>
               </a:ext>
             </a:extLst>
           </p:cNvPr>
@@ -10667,7 +11072,7 @@
           <p:cNvPr id="3" name="Объект 2">
             <a:extLst>
               <a:ext uri="{FF2B5EF4-FFF2-40B4-BE49-F238E27FC236}">
-                <a16:creationId xmlns:a16="http://schemas.microsoft.com/office/drawing/2014/main" id="{EBD7D7B0-4BBD-4527-A5EE-4962A5C40D73}"/>
+                <a16:creationId xmlns:a16="http://schemas.microsoft.com/office/drawing/2014/main" id="{0936038C-71D5-4382-8F72-AD166BD9FA44}"/>
               </a:ext>
             </a:extLst>
           </p:cNvPr>
@@ -10683,21 +11088,53 @@
           <a:bodyPr/>
           <a:lstStyle/>
           <a:p>
-            <a:r>
-              <a:rPr lang="ru-RU" dirty="0"/>
-              <a:t>Использование класса </a:t>
-            </a:r>
-            <a:r>
-              <a:rPr lang="en-US" sz="2800" dirty="0" err="1"/>
-              <a:t>ThreadPool</a:t>
-            </a:r>
-            <a:r>
-              <a:rPr lang="ru-RU" sz="2800" dirty="0"/>
-              <a:t> не позволяет отслеживать состояние задачи, управлять ее выполнением;</a:t>
-            </a:r>
-          </a:p>
-          <a:p>
-            <a:endParaRPr lang="en-US" sz="2800" dirty="0"/>
+            <a:pPr algn="l">
+              <a:buFont typeface="Arial" panose="020B0604020202020204" pitchFamily="34" charset="0"/>
+              <a:buChar char="•"/>
+            </a:pPr>
+            <a:r>
+              <a:rPr lang="ru-RU" dirty="0"/>
+              <a:t>Потокам из пула невозможно назначить имя</a:t>
+            </a:r>
+          </a:p>
+          <a:p>
+            <a:pPr algn="l">
+              <a:buFont typeface="Arial" panose="020B0604020202020204" pitchFamily="34" charset="0"/>
+              <a:buChar char="•"/>
+            </a:pPr>
+            <a:r>
+              <a:rPr lang="ru-RU" dirty="0"/>
+              <a:t>Потоки из пула всегда фоновые (</a:t>
+            </a:r>
+            <a:r>
+              <a:rPr lang="ru-RU" dirty="0" err="1"/>
+              <a:t>background</a:t>
+            </a:r>
+            <a:r>
+              <a:rPr lang="ru-RU" dirty="0"/>
+              <a:t>)</a:t>
+            </a:r>
+          </a:p>
+          <a:p>
+            <a:pPr algn="l">
+              <a:buFont typeface="Arial" panose="020B0604020202020204" pitchFamily="34" charset="0"/>
+              <a:buChar char="•"/>
+            </a:pPr>
+            <a:r>
+              <a:rPr lang="ru-RU" dirty="0"/>
+              <a:t>Блокировка потоков из пула может привести к запуску дополнительных потоков и падению производительности</a:t>
+            </a:r>
+            <a:endParaRPr lang="en-US" dirty="0"/>
+          </a:p>
+          <a:p>
+            <a:pPr algn="l">
+              <a:buFont typeface="Arial" panose="020B0604020202020204" pitchFamily="34" charset="0"/>
+              <a:buChar char="•"/>
+            </a:pPr>
+            <a:r>
+              <a:rPr lang="ru-RU" dirty="0"/>
+              <a:t>Имеет размер, при его достижении (кол-во активных задач = кол-ву потоков) может увеличиваться, добавляя 2 потока в секунду. </a:t>
+            </a:r>
           </a:p>
           <a:p>
             <a:endParaRPr lang="ru-RU" dirty="0"/>
@@ -10709,7 +11146,7 @@
           <p:cNvPr id="4" name="Номер слайда 3">
             <a:extLst>
               <a:ext uri="{FF2B5EF4-FFF2-40B4-BE49-F238E27FC236}">
-                <a16:creationId xmlns:a16="http://schemas.microsoft.com/office/drawing/2014/main" id="{D1D6AF9C-BFAB-4BA8-8CF3-280D541AF2CA}"/>
+                <a16:creationId xmlns:a16="http://schemas.microsoft.com/office/drawing/2014/main" id="{06FEAD00-49AE-454C-9CB7-A49593326D3C}"/>
               </a:ext>
             </a:extLst>
           </p:cNvPr>
@@ -10736,7 +11173,487 @@
     </p:spTree>
     <p:extLst>
       <p:ext uri="{BB962C8B-B14F-4D97-AF65-F5344CB8AC3E}">
+        <p14:creationId xmlns:p14="http://schemas.microsoft.com/office/powerpoint/2010/main" val="3723394403"/>
+      </p:ext>
+    </p:extLst>
+  </p:cSld>
+  <p:clrMapOvr>
+    <a:masterClrMapping/>
+  </p:clrMapOvr>
+</p:sld>
+</file>
+
+<file path=ppt/slides/slide37.xml><?xml version="1.0" encoding="utf-8"?>
+<p:sld xmlns:a="http://schemas.openxmlformats.org/drawingml/2006/main" xmlns:r="http://schemas.openxmlformats.org/officeDocument/2006/relationships" xmlns:p="http://schemas.openxmlformats.org/presentationml/2006/main">
+  <p:cSld>
+    <p:spTree>
+      <p:nvGrpSpPr>
+        <p:cNvPr id="1" name=""/>
+        <p:cNvGrpSpPr/>
+        <p:nvPr/>
+      </p:nvGrpSpPr>
+      <p:grpSpPr>
+        <a:xfrm>
+          <a:off x="0" y="0"/>
+          <a:ext cx="0" cy="0"/>
+          <a:chOff x="0" y="0"/>
+          <a:chExt cx="0" cy="0"/>
+        </a:xfrm>
+      </p:grpSpPr>
+      <p:sp>
+        <p:nvSpPr>
+          <p:cNvPr id="2" name="Заголовок 1">
+            <a:extLst>
+              <a:ext uri="{FF2B5EF4-FFF2-40B4-BE49-F238E27FC236}">
+                <a16:creationId xmlns:a16="http://schemas.microsoft.com/office/drawing/2014/main" id="{81F5B19E-8037-46FC-A32A-51C9A5237032}"/>
+              </a:ext>
+            </a:extLst>
+          </p:cNvPr>
+          <p:cNvSpPr>
+            <a:spLocks noGrp="1"/>
+          </p:cNvSpPr>
+          <p:nvPr>
+            <p:ph type="title"/>
+          </p:nvPr>
+        </p:nvSpPr>
+        <p:spPr/>
+        <p:txBody>
+          <a:bodyPr/>
+          <a:lstStyle/>
+          <a:p>
+            <a:r>
+              <a:rPr lang="ru-RU" dirty="0"/>
+              <a:t>Класс </a:t>
+            </a:r>
+            <a:r>
+              <a:rPr lang="en-US" dirty="0" err="1"/>
+              <a:t>ThreadPool</a:t>
+            </a:r>
+            <a:endParaRPr lang="ru-RU" dirty="0"/>
+          </a:p>
+        </p:txBody>
+      </p:sp>
+      <p:sp>
+        <p:nvSpPr>
+          <p:cNvPr id="3" name="Объект 2">
+            <a:extLst>
+              <a:ext uri="{FF2B5EF4-FFF2-40B4-BE49-F238E27FC236}">
+                <a16:creationId xmlns:a16="http://schemas.microsoft.com/office/drawing/2014/main" id="{065AA1CE-4CFF-4167-A588-B4CCEC8F0E4B}"/>
+              </a:ext>
+            </a:extLst>
+          </p:cNvPr>
+          <p:cNvSpPr>
+            <a:spLocks noGrp="1"/>
+          </p:cNvSpPr>
+          <p:nvPr>
+            <p:ph idx="1"/>
+          </p:nvPr>
+        </p:nvSpPr>
+        <p:spPr/>
+        <p:txBody>
+          <a:bodyPr/>
+          <a:lstStyle/>
+          <a:p>
+            <a:pPr marL="0" indent="0">
+              <a:buNone/>
+            </a:pPr>
+            <a:r>
+              <a:rPr lang="en-US" sz="2400" dirty="0"/>
+              <a:t>static void MakeSomeWork5 (object state)</a:t>
+            </a:r>
+          </a:p>
+          <a:p>
+            <a:pPr marL="0" indent="0">
+              <a:buNone/>
+            </a:pPr>
+            <a:r>
+              <a:rPr lang="en-US" sz="2400" dirty="0"/>
+              <a:t>{</a:t>
+            </a:r>
+          </a:p>
+          <a:p>
+            <a:pPr marL="0" indent="0">
+              <a:buNone/>
+            </a:pPr>
+            <a:r>
+              <a:rPr lang="en-US" sz="2400" dirty="0"/>
+              <a:t>      //</a:t>
+            </a:r>
+            <a:r>
+              <a:rPr lang="ru-RU" sz="2400" dirty="0"/>
+              <a:t>код выполнения какой-то длительной операции</a:t>
+            </a:r>
+            <a:endParaRPr lang="en-US" sz="2400" dirty="0"/>
+          </a:p>
+          <a:p>
+            <a:pPr marL="0" indent="0">
+              <a:buNone/>
+            </a:pPr>
+            <a:r>
+              <a:rPr lang="en-US" sz="2400" dirty="0"/>
+              <a:t>}</a:t>
+            </a:r>
+          </a:p>
+          <a:p>
+            <a:pPr marL="0" indent="0">
+              <a:buNone/>
+            </a:pPr>
+            <a:endParaRPr lang="en-US" dirty="0"/>
+          </a:p>
+          <a:p>
+            <a:pPr marL="0" indent="0">
+              <a:buNone/>
+            </a:pPr>
+            <a:r>
+              <a:rPr lang="en-US" sz="2400" dirty="0" err="1"/>
+              <a:t>ThreadPool.QueueUserWorkItem</a:t>
+            </a:r>
+            <a:r>
+              <a:rPr lang="en-US" sz="2400" dirty="0"/>
+              <a:t>(MakeSomeWork5);</a:t>
+            </a:r>
+          </a:p>
+          <a:p>
+            <a:pPr marL="0" indent="0">
+              <a:buNone/>
+            </a:pPr>
+            <a:r>
+              <a:rPr lang="en-US" sz="2400" dirty="0" err="1"/>
+              <a:t>ThreadPool.QueueUserWorkItem</a:t>
+            </a:r>
+            <a:r>
+              <a:rPr lang="en-US" sz="2400" dirty="0"/>
+              <a:t>(MakeSomeWork5);</a:t>
+            </a:r>
+          </a:p>
+          <a:p>
+            <a:pPr marL="0" indent="0">
+              <a:buNone/>
+            </a:pPr>
+            <a:endParaRPr lang="ru-RU" dirty="0"/>
+          </a:p>
+        </p:txBody>
+      </p:sp>
+      <p:sp>
+        <p:nvSpPr>
+          <p:cNvPr id="4" name="Номер слайда 3">
+            <a:extLst>
+              <a:ext uri="{FF2B5EF4-FFF2-40B4-BE49-F238E27FC236}">
+                <a16:creationId xmlns:a16="http://schemas.microsoft.com/office/drawing/2014/main" id="{97BEB4B6-512D-4E77-9302-00384600B510}"/>
+              </a:ext>
+            </a:extLst>
+          </p:cNvPr>
+          <p:cNvSpPr>
+            <a:spLocks noGrp="1"/>
+          </p:cNvSpPr>
+          <p:nvPr>
+            <p:ph type="sldNum" sz="quarter" idx="12"/>
+          </p:nvPr>
+        </p:nvSpPr>
+        <p:spPr/>
+        <p:txBody>
+          <a:bodyPr/>
+          <a:lstStyle/>
+          <a:p>
+            <a:fld id="{227C91C0-7371-407B-9696-36B720B1D03F}" type="slidenum">
+              <a:rPr lang="ru-RU" smtClean="0"/>
+              <a:t>37</a:t>
+            </a:fld>
+            <a:endParaRPr lang="ru-RU"/>
+          </a:p>
+        </p:txBody>
+      </p:sp>
+    </p:spTree>
+    <p:extLst>
+      <p:ext uri="{BB962C8B-B14F-4D97-AF65-F5344CB8AC3E}">
+        <p14:creationId xmlns:p14="http://schemas.microsoft.com/office/powerpoint/2010/main" val="2888488691"/>
+      </p:ext>
+    </p:extLst>
+  </p:cSld>
+  <p:clrMapOvr>
+    <a:masterClrMapping/>
+  </p:clrMapOvr>
+</p:sld>
+</file>
+
+<file path=ppt/slides/slide38.xml><?xml version="1.0" encoding="utf-8"?>
+<p:sld xmlns:a="http://schemas.openxmlformats.org/drawingml/2006/main" xmlns:r="http://schemas.openxmlformats.org/officeDocument/2006/relationships" xmlns:p="http://schemas.openxmlformats.org/presentationml/2006/main">
+  <p:cSld>
+    <p:spTree>
+      <p:nvGrpSpPr>
+        <p:cNvPr id="1" name=""/>
+        <p:cNvGrpSpPr/>
+        <p:nvPr/>
+      </p:nvGrpSpPr>
+      <p:grpSpPr>
+        <a:xfrm>
+          <a:off x="0" y="0"/>
+          <a:ext cx="0" cy="0"/>
+          <a:chOff x="0" y="0"/>
+          <a:chExt cx="0" cy="0"/>
+        </a:xfrm>
+      </p:grpSpPr>
+      <p:sp>
+        <p:nvSpPr>
+          <p:cNvPr id="2" name="Заголовок 1">
+            <a:extLst>
+              <a:ext uri="{FF2B5EF4-FFF2-40B4-BE49-F238E27FC236}">
+                <a16:creationId xmlns:a16="http://schemas.microsoft.com/office/drawing/2014/main" id="{2BFDA040-41AC-4AD9-8EF0-5440C8509D66}"/>
+              </a:ext>
+            </a:extLst>
+          </p:cNvPr>
+          <p:cNvSpPr>
+            <a:spLocks noGrp="1"/>
+          </p:cNvSpPr>
+          <p:nvPr>
+            <p:ph type="title"/>
+          </p:nvPr>
+        </p:nvSpPr>
+        <p:spPr/>
+        <p:txBody>
+          <a:bodyPr/>
+          <a:lstStyle/>
+          <a:p>
+            <a:r>
+              <a:rPr lang="ru-RU" dirty="0"/>
+              <a:t>Класс </a:t>
+            </a:r>
+            <a:r>
+              <a:rPr lang="en-US" dirty="0" err="1"/>
+              <a:t>ThreadPool</a:t>
+            </a:r>
+            <a:endParaRPr lang="ru-RU" dirty="0"/>
+          </a:p>
+        </p:txBody>
+      </p:sp>
+      <p:sp>
+        <p:nvSpPr>
+          <p:cNvPr id="3" name="Объект 2">
+            <a:extLst>
+              <a:ext uri="{FF2B5EF4-FFF2-40B4-BE49-F238E27FC236}">
+                <a16:creationId xmlns:a16="http://schemas.microsoft.com/office/drawing/2014/main" id="{EBD7D7B0-4BBD-4527-A5EE-4962A5C40D73}"/>
+              </a:ext>
+            </a:extLst>
+          </p:cNvPr>
+          <p:cNvSpPr>
+            <a:spLocks noGrp="1"/>
+          </p:cNvSpPr>
+          <p:nvPr>
+            <p:ph idx="1"/>
+          </p:nvPr>
+        </p:nvSpPr>
+        <p:spPr/>
+        <p:txBody>
+          <a:bodyPr/>
+          <a:lstStyle/>
+          <a:p>
+            <a:r>
+              <a:rPr lang="ru-RU" dirty="0"/>
+              <a:t>Использование класса </a:t>
+            </a:r>
+            <a:r>
+              <a:rPr lang="en-US" sz="2800" dirty="0" err="1"/>
+              <a:t>ThreadPool</a:t>
+            </a:r>
+            <a:r>
+              <a:rPr lang="ru-RU" sz="2800" dirty="0"/>
+              <a:t> не позволяет отслеживать состояние задачи, управлять ее выполнением;</a:t>
+            </a:r>
+          </a:p>
+          <a:p>
+            <a:endParaRPr lang="en-US" sz="2800" dirty="0"/>
+          </a:p>
+          <a:p>
+            <a:endParaRPr lang="ru-RU" dirty="0"/>
+          </a:p>
+        </p:txBody>
+      </p:sp>
+      <p:sp>
+        <p:nvSpPr>
+          <p:cNvPr id="4" name="Номер слайда 3">
+            <a:extLst>
+              <a:ext uri="{FF2B5EF4-FFF2-40B4-BE49-F238E27FC236}">
+                <a16:creationId xmlns:a16="http://schemas.microsoft.com/office/drawing/2014/main" id="{D1D6AF9C-BFAB-4BA8-8CF3-280D541AF2CA}"/>
+              </a:ext>
+            </a:extLst>
+          </p:cNvPr>
+          <p:cNvSpPr>
+            <a:spLocks noGrp="1"/>
+          </p:cNvSpPr>
+          <p:nvPr>
+            <p:ph type="sldNum" sz="quarter" idx="12"/>
+          </p:nvPr>
+        </p:nvSpPr>
+        <p:spPr/>
+        <p:txBody>
+          <a:bodyPr/>
+          <a:lstStyle/>
+          <a:p>
+            <a:fld id="{227C91C0-7371-407B-9696-36B720B1D03F}" type="slidenum">
+              <a:rPr lang="ru-RU" smtClean="0"/>
+              <a:t>38</a:t>
+            </a:fld>
+            <a:endParaRPr lang="ru-RU"/>
+          </a:p>
+        </p:txBody>
+      </p:sp>
+    </p:spTree>
+    <p:extLst>
+      <p:ext uri="{BB962C8B-B14F-4D97-AF65-F5344CB8AC3E}">
         <p14:creationId xmlns:p14="http://schemas.microsoft.com/office/powerpoint/2010/main" val="3236139878"/>
+      </p:ext>
+    </p:extLst>
+  </p:cSld>
+  <p:clrMapOvr>
+    <a:masterClrMapping/>
+  </p:clrMapOvr>
+</p:sld>
+</file>
+
+<file path=ppt/slides/slide39.xml><?xml version="1.0" encoding="utf-8"?>
+<p:sld xmlns:a="http://schemas.openxmlformats.org/drawingml/2006/main" xmlns:r="http://schemas.openxmlformats.org/officeDocument/2006/relationships" xmlns:p="http://schemas.openxmlformats.org/presentationml/2006/main">
+  <p:cSld>
+    <p:spTree>
+      <p:nvGrpSpPr>
+        <p:cNvPr id="1" name=""/>
+        <p:cNvGrpSpPr/>
+        <p:nvPr/>
+      </p:nvGrpSpPr>
+      <p:grpSpPr>
+        <a:xfrm>
+          <a:off x="0" y="0"/>
+          <a:ext cx="0" cy="0"/>
+          <a:chOff x="0" y="0"/>
+          <a:chExt cx="0" cy="0"/>
+        </a:xfrm>
+      </p:grpSpPr>
+      <p:sp>
+        <p:nvSpPr>
+          <p:cNvPr id="2" name="Заголовок 1">
+            <a:extLst>
+              <a:ext uri="{FF2B5EF4-FFF2-40B4-BE49-F238E27FC236}">
+                <a16:creationId xmlns:a16="http://schemas.microsoft.com/office/drawing/2014/main" id="{9264F687-D355-4495-B091-D16ED0B2F530}"/>
+              </a:ext>
+            </a:extLst>
+          </p:cNvPr>
+          <p:cNvSpPr>
+            <a:spLocks noGrp="1"/>
+          </p:cNvSpPr>
+          <p:nvPr>
+            <p:ph type="title"/>
+          </p:nvPr>
+        </p:nvSpPr>
+        <p:spPr/>
+        <p:txBody>
+          <a:bodyPr/>
+          <a:lstStyle/>
+          <a:p>
+            <a:r>
+              <a:rPr lang="ru-RU" dirty="0"/>
+              <a:t>Класс </a:t>
+            </a:r>
+            <a:r>
+              <a:rPr lang="en-US" dirty="0"/>
+              <a:t>Task</a:t>
+            </a:r>
+            <a:endParaRPr lang="ru-RU" dirty="0"/>
+          </a:p>
+        </p:txBody>
+      </p:sp>
+      <p:sp>
+        <p:nvSpPr>
+          <p:cNvPr id="3" name="Объект 2">
+            <a:extLst>
+              <a:ext uri="{FF2B5EF4-FFF2-40B4-BE49-F238E27FC236}">
+                <a16:creationId xmlns:a16="http://schemas.microsoft.com/office/drawing/2014/main" id="{C93D5AE5-B04B-4669-B070-07AFDCA71869}"/>
+              </a:ext>
+            </a:extLst>
+          </p:cNvPr>
+          <p:cNvSpPr>
+            <a:spLocks noGrp="1"/>
+          </p:cNvSpPr>
+          <p:nvPr>
+            <p:ph idx="1"/>
+          </p:nvPr>
+        </p:nvSpPr>
+        <p:spPr/>
+        <p:txBody>
+          <a:bodyPr>
+            <a:normAutofit/>
+          </a:bodyPr>
+          <a:lstStyle/>
+          <a:p>
+            <a:r>
+              <a:rPr lang="ru-RU" dirty="0"/>
+              <a:t>представляют асинхронные операции;</a:t>
+            </a:r>
+          </a:p>
+          <a:p>
+            <a:r>
+              <a:rPr lang="ru-RU" dirty="0"/>
+              <a:t>выгодны для использования, когда есть операции, которые могут быть выполнены параллельно, не блокируя основной поток выполнения</a:t>
+            </a:r>
+            <a:r>
+              <a:rPr lang="en-US" dirty="0"/>
+              <a:t> (</a:t>
+            </a:r>
+            <a:r>
+              <a:rPr lang="ru-RU" dirty="0"/>
+              <a:t>ввод-вывод файлов, запросы к сети или операции с базой данных</a:t>
+            </a:r>
+            <a:r>
+              <a:rPr lang="en-US" dirty="0"/>
+              <a:t>, …)</a:t>
+            </a:r>
+            <a:r>
+              <a:rPr lang="ru-RU" dirty="0"/>
+              <a:t>;</a:t>
+            </a:r>
+          </a:p>
+          <a:p>
+            <a:r>
+              <a:rPr lang="ru-RU" dirty="0"/>
+              <a:t>позволяют обрабатывать результат выполнения операции.</a:t>
+            </a:r>
+          </a:p>
+          <a:p>
+            <a:endParaRPr lang="ru-RU" dirty="0"/>
+          </a:p>
+        </p:txBody>
+      </p:sp>
+      <p:sp>
+        <p:nvSpPr>
+          <p:cNvPr id="4" name="Номер слайда 3">
+            <a:extLst>
+              <a:ext uri="{FF2B5EF4-FFF2-40B4-BE49-F238E27FC236}">
+                <a16:creationId xmlns:a16="http://schemas.microsoft.com/office/drawing/2014/main" id="{F2B3EA3C-95D1-4DBA-B51D-87AA4CD59C6E}"/>
+              </a:ext>
+            </a:extLst>
+          </p:cNvPr>
+          <p:cNvSpPr>
+            <a:spLocks noGrp="1"/>
+          </p:cNvSpPr>
+          <p:nvPr>
+            <p:ph type="sldNum" sz="quarter" idx="12"/>
+          </p:nvPr>
+        </p:nvSpPr>
+        <p:spPr/>
+        <p:txBody>
+          <a:bodyPr/>
+          <a:lstStyle/>
+          <a:p>
+            <a:fld id="{227C91C0-7371-407B-9696-36B720B1D03F}" type="slidenum">
+              <a:rPr lang="ru-RU" smtClean="0"/>
+              <a:t>39</a:t>
+            </a:fld>
+            <a:endParaRPr lang="ru-RU"/>
+          </a:p>
+        </p:txBody>
+      </p:sp>
+    </p:spTree>
+    <p:extLst>
+      <p:ext uri="{BB962C8B-B14F-4D97-AF65-F5344CB8AC3E}">
+        <p14:creationId xmlns:p14="http://schemas.microsoft.com/office/powerpoint/2010/main" val="743631170"/>
       </p:ext>
     </p:extLst>
   </p:cSld>
@@ -10863,6 +11780,849 @@
     <p:extLst>
       <p:ext uri="{BB962C8B-B14F-4D97-AF65-F5344CB8AC3E}">
         <p14:creationId xmlns:p14="http://schemas.microsoft.com/office/powerpoint/2010/main" val="161001921"/>
+      </p:ext>
+    </p:extLst>
+  </p:cSld>
+  <p:clrMapOvr>
+    <a:masterClrMapping/>
+  </p:clrMapOvr>
+</p:sld>
+</file>
+
+<file path=ppt/slides/slide40.xml><?xml version="1.0" encoding="utf-8"?>
+<p:sld xmlns:a="http://schemas.openxmlformats.org/drawingml/2006/main" xmlns:r="http://schemas.openxmlformats.org/officeDocument/2006/relationships" xmlns:p="http://schemas.openxmlformats.org/presentationml/2006/main">
+  <p:cSld>
+    <p:spTree>
+      <p:nvGrpSpPr>
+        <p:cNvPr id="1" name=""/>
+        <p:cNvGrpSpPr/>
+        <p:nvPr/>
+      </p:nvGrpSpPr>
+      <p:grpSpPr>
+        <a:xfrm>
+          <a:off x="0" y="0"/>
+          <a:ext cx="0" cy="0"/>
+          <a:chOff x="0" y="0"/>
+          <a:chExt cx="0" cy="0"/>
+        </a:xfrm>
+      </p:grpSpPr>
+      <p:sp>
+        <p:nvSpPr>
+          <p:cNvPr id="2" name="Заголовок 1">
+            <a:extLst>
+              <a:ext uri="{FF2B5EF4-FFF2-40B4-BE49-F238E27FC236}">
+                <a16:creationId xmlns:a16="http://schemas.microsoft.com/office/drawing/2014/main" id="{EDD2BE43-A8EF-4258-BD33-951DE5C4D9E2}"/>
+              </a:ext>
+            </a:extLst>
+          </p:cNvPr>
+          <p:cNvSpPr>
+            <a:spLocks noGrp="1"/>
+          </p:cNvSpPr>
+          <p:nvPr>
+            <p:ph type="title"/>
+          </p:nvPr>
+        </p:nvSpPr>
+        <p:spPr/>
+        <p:txBody>
+          <a:bodyPr/>
+          <a:lstStyle/>
+          <a:p>
+            <a:r>
+              <a:rPr lang="ru-RU" dirty="0"/>
+              <a:t>Класс </a:t>
+            </a:r>
+            <a:r>
+              <a:rPr lang="en-US" dirty="0"/>
+              <a:t>Task</a:t>
+            </a:r>
+            <a:endParaRPr lang="ru-RU" dirty="0"/>
+          </a:p>
+        </p:txBody>
+      </p:sp>
+      <p:sp>
+        <p:nvSpPr>
+          <p:cNvPr id="3" name="Объект 2">
+            <a:extLst>
+              <a:ext uri="{FF2B5EF4-FFF2-40B4-BE49-F238E27FC236}">
+                <a16:creationId xmlns:a16="http://schemas.microsoft.com/office/drawing/2014/main" id="{028B13A9-55A9-4AFB-B6D5-80339DF2C463}"/>
+              </a:ext>
+            </a:extLst>
+          </p:cNvPr>
+          <p:cNvSpPr>
+            <a:spLocks noGrp="1"/>
+          </p:cNvSpPr>
+          <p:nvPr>
+            <p:ph idx="1"/>
+          </p:nvPr>
+        </p:nvSpPr>
+        <p:spPr>
+          <a:xfrm>
+            <a:off x="838200" y="1690688"/>
+            <a:ext cx="10515600" cy="4486275"/>
+          </a:xfrm>
+        </p:spPr>
+        <p:txBody>
+          <a:bodyPr>
+            <a:normAutofit/>
+          </a:bodyPr>
+          <a:lstStyle/>
+          <a:p>
+            <a:r>
+              <a:rPr lang="ru-RU" dirty="0"/>
+              <a:t>метод </a:t>
+            </a:r>
+            <a:r>
+              <a:rPr lang="ru-RU" dirty="0" err="1"/>
+              <a:t>Task.Run</a:t>
+            </a:r>
+            <a:r>
+              <a:rPr lang="ru-RU" dirty="0"/>
+              <a:t> в C# используется для запуска операции в отдельном потоке;</a:t>
+            </a:r>
+          </a:p>
+          <a:p>
+            <a:r>
+              <a:rPr lang="ru-RU" dirty="0"/>
+              <a:t>в качестве параметра принимает делегат Action и возвращает объект Task, представляющий выполнение этой операции. </a:t>
+            </a:r>
+          </a:p>
+          <a:p>
+            <a:pPr marL="457200" lvl="1" indent="0">
+              <a:buNone/>
+            </a:pPr>
+            <a:endParaRPr lang="ru-RU" dirty="0"/>
+          </a:p>
+        </p:txBody>
+      </p:sp>
+      <p:sp>
+        <p:nvSpPr>
+          <p:cNvPr id="4" name="Номер слайда 3">
+            <a:extLst>
+              <a:ext uri="{FF2B5EF4-FFF2-40B4-BE49-F238E27FC236}">
+                <a16:creationId xmlns:a16="http://schemas.microsoft.com/office/drawing/2014/main" id="{25685FD7-B50A-4686-BF2A-32B9272ADFD3}"/>
+              </a:ext>
+            </a:extLst>
+          </p:cNvPr>
+          <p:cNvSpPr>
+            <a:spLocks noGrp="1"/>
+          </p:cNvSpPr>
+          <p:nvPr>
+            <p:ph type="sldNum" sz="quarter" idx="12"/>
+          </p:nvPr>
+        </p:nvSpPr>
+        <p:spPr/>
+        <p:txBody>
+          <a:bodyPr/>
+          <a:lstStyle/>
+          <a:p>
+            <a:fld id="{227C91C0-7371-407B-9696-36B720B1D03F}" type="slidenum">
+              <a:rPr lang="ru-RU" smtClean="0"/>
+              <a:t>40</a:t>
+            </a:fld>
+            <a:endParaRPr lang="ru-RU"/>
+          </a:p>
+        </p:txBody>
+      </p:sp>
+    </p:spTree>
+    <p:extLst>
+      <p:ext uri="{BB962C8B-B14F-4D97-AF65-F5344CB8AC3E}">
+        <p14:creationId xmlns:p14="http://schemas.microsoft.com/office/powerpoint/2010/main" val="2117578503"/>
+      </p:ext>
+    </p:extLst>
+  </p:cSld>
+  <p:clrMapOvr>
+    <a:masterClrMapping/>
+  </p:clrMapOvr>
+</p:sld>
+</file>
+
+<file path=ppt/slides/slide41.xml><?xml version="1.0" encoding="utf-8"?>
+<p:sld xmlns:a="http://schemas.openxmlformats.org/drawingml/2006/main" xmlns:r="http://schemas.openxmlformats.org/officeDocument/2006/relationships" xmlns:p="http://schemas.openxmlformats.org/presentationml/2006/main">
+  <p:cSld>
+    <p:spTree>
+      <p:nvGrpSpPr>
+        <p:cNvPr id="1" name=""/>
+        <p:cNvGrpSpPr/>
+        <p:nvPr/>
+      </p:nvGrpSpPr>
+      <p:grpSpPr>
+        <a:xfrm>
+          <a:off x="0" y="0"/>
+          <a:ext cx="0" cy="0"/>
+          <a:chOff x="0" y="0"/>
+          <a:chExt cx="0" cy="0"/>
+        </a:xfrm>
+      </p:grpSpPr>
+      <p:sp>
+        <p:nvSpPr>
+          <p:cNvPr id="2" name="Заголовок 1">
+            <a:extLst>
+              <a:ext uri="{FF2B5EF4-FFF2-40B4-BE49-F238E27FC236}">
+                <a16:creationId xmlns:a16="http://schemas.microsoft.com/office/drawing/2014/main" id="{3DEE1405-1E5A-42C1-B4E6-6E43E8DC646E}"/>
+              </a:ext>
+            </a:extLst>
+          </p:cNvPr>
+          <p:cNvSpPr>
+            <a:spLocks noGrp="1"/>
+          </p:cNvSpPr>
+          <p:nvPr>
+            <p:ph type="title"/>
+          </p:nvPr>
+        </p:nvSpPr>
+        <p:spPr/>
+        <p:txBody>
+          <a:bodyPr/>
+          <a:lstStyle/>
+          <a:p>
+            <a:r>
+              <a:rPr lang="ru-RU" dirty="0"/>
+              <a:t>Класс </a:t>
+            </a:r>
+            <a:r>
+              <a:rPr lang="en-US" dirty="0"/>
+              <a:t>Task</a:t>
+            </a:r>
+            <a:endParaRPr lang="ru-RU" dirty="0"/>
+          </a:p>
+        </p:txBody>
+      </p:sp>
+      <p:sp>
+        <p:nvSpPr>
+          <p:cNvPr id="3" name="Объект 2">
+            <a:extLst>
+              <a:ext uri="{FF2B5EF4-FFF2-40B4-BE49-F238E27FC236}">
+                <a16:creationId xmlns:a16="http://schemas.microsoft.com/office/drawing/2014/main" id="{BDEDA93C-534D-4E36-A3E3-4A50639BA95A}"/>
+              </a:ext>
+            </a:extLst>
+          </p:cNvPr>
+          <p:cNvSpPr>
+            <a:spLocks noGrp="1"/>
+          </p:cNvSpPr>
+          <p:nvPr>
+            <p:ph idx="1"/>
+          </p:nvPr>
+        </p:nvSpPr>
+        <p:spPr/>
+        <p:txBody>
+          <a:bodyPr>
+            <a:normAutofit fontScale="92500" lnSpcReduction="20000"/>
+          </a:bodyPr>
+          <a:lstStyle/>
+          <a:p>
+            <a:r>
+              <a:rPr lang="ru-RU" dirty="0"/>
+              <a:t>допустим, есть CPU-затратная функция, которая выполняет сложные вычисления:</a:t>
+            </a:r>
+          </a:p>
+          <a:p>
+            <a:pPr marL="457200" lvl="1" indent="0">
+              <a:buNone/>
+            </a:pPr>
+            <a:r>
+              <a:rPr lang="ru-RU" dirty="0" err="1"/>
+              <a:t>public</a:t>
+            </a:r>
+            <a:r>
+              <a:rPr lang="ru-RU" dirty="0"/>
+              <a:t> </a:t>
+            </a:r>
+            <a:r>
+              <a:rPr lang="ru-RU" dirty="0" err="1"/>
+              <a:t>int</a:t>
+            </a:r>
+            <a:r>
+              <a:rPr lang="ru-RU" dirty="0"/>
+              <a:t> </a:t>
+            </a:r>
+            <a:r>
+              <a:rPr lang="ru-RU" dirty="0" err="1"/>
+              <a:t>DoComplexCalculation</a:t>
+            </a:r>
+            <a:r>
+              <a:rPr lang="ru-RU" dirty="0"/>
+              <a:t>()</a:t>
+            </a:r>
+          </a:p>
+          <a:p>
+            <a:pPr marL="457200" lvl="1" indent="0">
+              <a:buNone/>
+            </a:pPr>
+            <a:r>
+              <a:rPr lang="ru-RU" dirty="0"/>
+              <a:t>{</a:t>
+            </a:r>
+          </a:p>
+          <a:p>
+            <a:pPr marL="457200" lvl="1" indent="0">
+              <a:buNone/>
+            </a:pPr>
+            <a:r>
+              <a:rPr lang="ru-RU" dirty="0"/>
+              <a:t>    </a:t>
+            </a:r>
+            <a:r>
+              <a:rPr lang="ru-RU" dirty="0" err="1"/>
+              <a:t>int</a:t>
+            </a:r>
+            <a:r>
+              <a:rPr lang="ru-RU" dirty="0"/>
+              <a:t> </a:t>
+            </a:r>
+            <a:r>
+              <a:rPr lang="ru-RU" dirty="0" err="1"/>
+              <a:t>result</a:t>
+            </a:r>
+            <a:r>
+              <a:rPr lang="ru-RU" dirty="0"/>
+              <a:t> = 0;</a:t>
+            </a:r>
+          </a:p>
+          <a:p>
+            <a:pPr marL="457200" lvl="1" indent="0">
+              <a:buNone/>
+            </a:pPr>
+            <a:r>
+              <a:rPr lang="ru-RU" dirty="0"/>
+              <a:t>    </a:t>
+            </a:r>
+            <a:r>
+              <a:rPr lang="ru-RU" dirty="0" err="1"/>
+              <a:t>for</a:t>
+            </a:r>
+            <a:r>
+              <a:rPr lang="ru-RU" dirty="0"/>
+              <a:t> (</a:t>
+            </a:r>
+            <a:r>
+              <a:rPr lang="ru-RU" dirty="0" err="1"/>
+              <a:t>int</a:t>
+            </a:r>
+            <a:r>
+              <a:rPr lang="ru-RU" dirty="0"/>
+              <a:t> i = 0; i &lt; 1000000; i++)</a:t>
+            </a:r>
+          </a:p>
+          <a:p>
+            <a:pPr marL="457200" lvl="1" indent="0">
+              <a:buNone/>
+            </a:pPr>
+            <a:r>
+              <a:rPr lang="ru-RU" dirty="0"/>
+              <a:t>    {</a:t>
+            </a:r>
+          </a:p>
+          <a:p>
+            <a:pPr marL="457200" lvl="1" indent="0">
+              <a:buNone/>
+            </a:pPr>
+            <a:r>
+              <a:rPr lang="ru-RU" dirty="0"/>
+              <a:t>        </a:t>
+            </a:r>
+            <a:r>
+              <a:rPr lang="ru-RU" dirty="0" err="1"/>
+              <a:t>result</a:t>
+            </a:r>
+            <a:r>
+              <a:rPr lang="ru-RU" dirty="0"/>
+              <a:t> += i;</a:t>
+            </a:r>
+          </a:p>
+          <a:p>
+            <a:pPr marL="457200" lvl="1" indent="0">
+              <a:buNone/>
+            </a:pPr>
+            <a:r>
+              <a:rPr lang="ru-RU" dirty="0"/>
+              <a:t>    }</a:t>
+            </a:r>
+          </a:p>
+          <a:p>
+            <a:pPr marL="457200" lvl="1" indent="0">
+              <a:buNone/>
+            </a:pPr>
+            <a:r>
+              <a:rPr lang="ru-RU" dirty="0"/>
+              <a:t>    </a:t>
+            </a:r>
+            <a:r>
+              <a:rPr lang="ru-RU" dirty="0" err="1"/>
+              <a:t>return</a:t>
+            </a:r>
+            <a:r>
+              <a:rPr lang="ru-RU" dirty="0"/>
+              <a:t> </a:t>
+            </a:r>
+            <a:r>
+              <a:rPr lang="ru-RU" dirty="0" err="1"/>
+              <a:t>result</a:t>
+            </a:r>
+            <a:r>
+              <a:rPr lang="ru-RU" dirty="0"/>
+              <a:t>;</a:t>
+            </a:r>
+          </a:p>
+          <a:p>
+            <a:pPr marL="457200" lvl="1" indent="0">
+              <a:buNone/>
+            </a:pPr>
+            <a:r>
+              <a:rPr lang="ru-RU" dirty="0"/>
+              <a:t>}</a:t>
+            </a:r>
+          </a:p>
+          <a:p>
+            <a:pPr marL="457200" lvl="1" indent="0">
+              <a:buNone/>
+            </a:pPr>
+            <a:r>
+              <a:rPr lang="ru-RU" dirty="0"/>
+              <a:t>чтобы запустить ее выполнение асинхронно, можем использовать след. код:</a:t>
+            </a:r>
+          </a:p>
+          <a:p>
+            <a:pPr marL="457200" lvl="1" indent="0">
+              <a:buNone/>
+            </a:pPr>
+            <a:endParaRPr lang="ru-RU" dirty="0"/>
+          </a:p>
+          <a:p>
+            <a:pPr marL="457200" lvl="1" indent="0">
+              <a:buNone/>
+            </a:pPr>
+            <a:r>
+              <a:rPr lang="en-US" dirty="0"/>
+              <a:t>Task&lt;int&gt; </a:t>
+            </a:r>
+            <a:r>
+              <a:rPr lang="en-US" dirty="0" err="1"/>
+              <a:t>calculationTask</a:t>
+            </a:r>
+            <a:r>
+              <a:rPr lang="en-US" dirty="0"/>
+              <a:t> = </a:t>
+            </a:r>
+            <a:r>
+              <a:rPr lang="en-US" dirty="0" err="1"/>
+              <a:t>Task.Run</a:t>
+            </a:r>
+            <a:r>
+              <a:rPr lang="en-US" dirty="0"/>
+              <a:t>(() =&gt; </a:t>
+            </a:r>
+            <a:r>
+              <a:rPr lang="en-US" dirty="0" err="1"/>
+              <a:t>DoComplexCalculation</a:t>
+            </a:r>
+            <a:r>
+              <a:rPr lang="en-US" dirty="0"/>
+              <a:t>());</a:t>
+            </a:r>
+          </a:p>
+          <a:p>
+            <a:endParaRPr lang="ru-RU" dirty="0"/>
+          </a:p>
+        </p:txBody>
+      </p:sp>
+      <p:sp>
+        <p:nvSpPr>
+          <p:cNvPr id="4" name="Номер слайда 3">
+            <a:extLst>
+              <a:ext uri="{FF2B5EF4-FFF2-40B4-BE49-F238E27FC236}">
+                <a16:creationId xmlns:a16="http://schemas.microsoft.com/office/drawing/2014/main" id="{E4791C05-B695-4838-A1C4-862D6DC42A0B}"/>
+              </a:ext>
+            </a:extLst>
+          </p:cNvPr>
+          <p:cNvSpPr>
+            <a:spLocks noGrp="1"/>
+          </p:cNvSpPr>
+          <p:nvPr>
+            <p:ph type="sldNum" sz="quarter" idx="12"/>
+          </p:nvPr>
+        </p:nvSpPr>
+        <p:spPr/>
+        <p:txBody>
+          <a:bodyPr/>
+          <a:lstStyle/>
+          <a:p>
+            <a:fld id="{227C91C0-7371-407B-9696-36B720B1D03F}" type="slidenum">
+              <a:rPr lang="ru-RU" smtClean="0"/>
+              <a:t>41</a:t>
+            </a:fld>
+            <a:endParaRPr lang="ru-RU"/>
+          </a:p>
+        </p:txBody>
+      </p:sp>
+    </p:spTree>
+    <p:extLst>
+      <p:ext uri="{BB962C8B-B14F-4D97-AF65-F5344CB8AC3E}">
+        <p14:creationId xmlns:p14="http://schemas.microsoft.com/office/powerpoint/2010/main" val="1506326020"/>
+      </p:ext>
+    </p:extLst>
+  </p:cSld>
+  <p:clrMapOvr>
+    <a:masterClrMapping/>
+  </p:clrMapOvr>
+</p:sld>
+</file>
+
+<file path=ppt/slides/slide42.xml><?xml version="1.0" encoding="utf-8"?>
+<p:sld xmlns:a="http://schemas.openxmlformats.org/drawingml/2006/main" xmlns:r="http://schemas.openxmlformats.org/officeDocument/2006/relationships" xmlns:p="http://schemas.openxmlformats.org/presentationml/2006/main">
+  <p:cSld>
+    <p:spTree>
+      <p:nvGrpSpPr>
+        <p:cNvPr id="1" name=""/>
+        <p:cNvGrpSpPr/>
+        <p:nvPr/>
+      </p:nvGrpSpPr>
+      <p:grpSpPr>
+        <a:xfrm>
+          <a:off x="0" y="0"/>
+          <a:ext cx="0" cy="0"/>
+          <a:chOff x="0" y="0"/>
+          <a:chExt cx="0" cy="0"/>
+        </a:xfrm>
+      </p:grpSpPr>
+      <p:sp>
+        <p:nvSpPr>
+          <p:cNvPr id="2" name="Заголовок 1">
+            <a:extLst>
+              <a:ext uri="{FF2B5EF4-FFF2-40B4-BE49-F238E27FC236}">
+                <a16:creationId xmlns:a16="http://schemas.microsoft.com/office/drawing/2014/main" id="{CD1DC563-AC3A-47E8-84F3-1B6CE4EA4702}"/>
+              </a:ext>
+            </a:extLst>
+          </p:cNvPr>
+          <p:cNvSpPr>
+            <a:spLocks noGrp="1"/>
+          </p:cNvSpPr>
+          <p:nvPr>
+            <p:ph type="title"/>
+          </p:nvPr>
+        </p:nvSpPr>
+        <p:spPr/>
+        <p:txBody>
+          <a:bodyPr/>
+          <a:lstStyle/>
+          <a:p>
+            <a:r>
+              <a:rPr lang="ru-RU" dirty="0"/>
+              <a:t>Класс </a:t>
+            </a:r>
+            <a:r>
+              <a:rPr lang="en-US" dirty="0"/>
+              <a:t>Task</a:t>
+            </a:r>
+            <a:endParaRPr lang="ru-RU" dirty="0"/>
+          </a:p>
+        </p:txBody>
+      </p:sp>
+      <p:sp>
+        <p:nvSpPr>
+          <p:cNvPr id="3" name="Объект 2">
+            <a:extLst>
+              <a:ext uri="{FF2B5EF4-FFF2-40B4-BE49-F238E27FC236}">
+                <a16:creationId xmlns:a16="http://schemas.microsoft.com/office/drawing/2014/main" id="{4765DD22-BA50-4F00-845B-B19D449E8571}"/>
+              </a:ext>
+            </a:extLst>
+          </p:cNvPr>
+          <p:cNvSpPr>
+            <a:spLocks noGrp="1"/>
+          </p:cNvSpPr>
+          <p:nvPr>
+            <p:ph idx="1"/>
+          </p:nvPr>
+        </p:nvSpPr>
+        <p:spPr/>
+        <p:txBody>
+          <a:bodyPr>
+            <a:normAutofit/>
+          </a:bodyPr>
+          <a:lstStyle/>
+          <a:p>
+            <a:r>
+              <a:rPr lang="ru-RU" dirty="0"/>
+              <a:t>Здесь </a:t>
+            </a:r>
+            <a:r>
+              <a:rPr lang="ru-RU" dirty="0" err="1"/>
+              <a:t>Task.Run</a:t>
+            </a:r>
+            <a:r>
+              <a:rPr lang="ru-RU" dirty="0"/>
+              <a:t> запускает </a:t>
+            </a:r>
+            <a:r>
+              <a:rPr lang="ru-RU" dirty="0" err="1"/>
+              <a:t>DoComplexCalculation</a:t>
+            </a:r>
+            <a:r>
+              <a:rPr lang="ru-RU" dirty="0"/>
+              <a:t> в отдельном потоке и возвращает задачу, представляющую эту операцию. </a:t>
+            </a:r>
+          </a:p>
+          <a:p>
+            <a:r>
+              <a:rPr lang="ru-RU" dirty="0"/>
+              <a:t>чтобы управлять выполнением можно использовать свойства и методы объекта Task, такие как </a:t>
+            </a:r>
+            <a:r>
+              <a:rPr lang="ru-RU" dirty="0" err="1"/>
+              <a:t>IsCompleted</a:t>
+            </a:r>
+            <a:r>
+              <a:rPr lang="ru-RU" dirty="0"/>
+              <a:t>, </a:t>
+            </a:r>
+            <a:r>
+              <a:rPr lang="ru-RU" dirty="0" err="1"/>
+              <a:t>Result</a:t>
+            </a:r>
+            <a:r>
+              <a:rPr lang="ru-RU" dirty="0"/>
+              <a:t> или </a:t>
+            </a:r>
+            <a:r>
+              <a:rPr lang="ru-RU" dirty="0" err="1"/>
+              <a:t>Wait</a:t>
+            </a:r>
+            <a:r>
+              <a:rPr lang="ru-RU" dirty="0"/>
+              <a:t> этой операции;</a:t>
+            </a:r>
+          </a:p>
+          <a:p>
+            <a:r>
+              <a:rPr lang="ru-RU" dirty="0"/>
+              <a:t>для получения результата </a:t>
+            </a:r>
+            <a:r>
+              <a:rPr lang="ru-RU" dirty="0" err="1"/>
+              <a:t>м.б</a:t>
+            </a:r>
+            <a:r>
+              <a:rPr lang="ru-RU" dirty="0"/>
+              <a:t>. использовано свойство </a:t>
+            </a:r>
+            <a:r>
+              <a:rPr lang="ru-RU" dirty="0" err="1"/>
+              <a:t>Result</a:t>
+            </a:r>
+            <a:r>
+              <a:rPr lang="ru-RU" dirty="0"/>
+              <a:t>. Оно будет блокировать выполнение вашего кода до тех пор, пока задача не будет завершена:</a:t>
+            </a:r>
+            <a:br>
+              <a:rPr lang="ru-RU" dirty="0"/>
+            </a:br>
+            <a:r>
+              <a:rPr lang="en-US" dirty="0"/>
+              <a:t>int result = </a:t>
+            </a:r>
+            <a:r>
+              <a:rPr lang="en-US" dirty="0" err="1"/>
+              <a:t>calculationTask.Result</a:t>
+            </a:r>
+            <a:r>
+              <a:rPr lang="en-US" dirty="0"/>
+              <a:t>;</a:t>
+            </a:r>
+          </a:p>
+          <a:p>
+            <a:endParaRPr lang="ru-RU" dirty="0"/>
+          </a:p>
+        </p:txBody>
+      </p:sp>
+      <p:sp>
+        <p:nvSpPr>
+          <p:cNvPr id="4" name="Номер слайда 3">
+            <a:extLst>
+              <a:ext uri="{FF2B5EF4-FFF2-40B4-BE49-F238E27FC236}">
+                <a16:creationId xmlns:a16="http://schemas.microsoft.com/office/drawing/2014/main" id="{BB1592EE-92EB-42D5-BA9B-74BEB77FA2E5}"/>
+              </a:ext>
+            </a:extLst>
+          </p:cNvPr>
+          <p:cNvSpPr>
+            <a:spLocks noGrp="1"/>
+          </p:cNvSpPr>
+          <p:nvPr>
+            <p:ph type="sldNum" sz="quarter" idx="12"/>
+          </p:nvPr>
+        </p:nvSpPr>
+        <p:spPr/>
+        <p:txBody>
+          <a:bodyPr/>
+          <a:lstStyle/>
+          <a:p>
+            <a:fld id="{227C91C0-7371-407B-9696-36B720B1D03F}" type="slidenum">
+              <a:rPr lang="ru-RU" smtClean="0"/>
+              <a:t>42</a:t>
+            </a:fld>
+            <a:endParaRPr lang="ru-RU"/>
+          </a:p>
+        </p:txBody>
+      </p:sp>
+    </p:spTree>
+    <p:extLst>
+      <p:ext uri="{BB962C8B-B14F-4D97-AF65-F5344CB8AC3E}">
+        <p14:creationId xmlns:p14="http://schemas.microsoft.com/office/powerpoint/2010/main" val="665211496"/>
+      </p:ext>
+    </p:extLst>
+  </p:cSld>
+  <p:clrMapOvr>
+    <a:masterClrMapping/>
+  </p:clrMapOvr>
+</p:sld>
+</file>
+
+<file path=ppt/slides/slide43.xml><?xml version="1.0" encoding="utf-8"?>
+<p:sld xmlns:a="http://schemas.openxmlformats.org/drawingml/2006/main" xmlns:r="http://schemas.openxmlformats.org/officeDocument/2006/relationships" xmlns:p="http://schemas.openxmlformats.org/presentationml/2006/main">
+  <p:cSld>
+    <p:spTree>
+      <p:nvGrpSpPr>
+        <p:cNvPr id="1" name=""/>
+        <p:cNvGrpSpPr/>
+        <p:nvPr/>
+      </p:nvGrpSpPr>
+      <p:grpSpPr>
+        <a:xfrm>
+          <a:off x="0" y="0"/>
+          <a:ext cx="0" cy="0"/>
+          <a:chOff x="0" y="0"/>
+          <a:chExt cx="0" cy="0"/>
+        </a:xfrm>
+      </p:grpSpPr>
+      <p:sp>
+        <p:nvSpPr>
+          <p:cNvPr id="2" name="Заголовок 1">
+            <a:extLst>
+              <a:ext uri="{FF2B5EF4-FFF2-40B4-BE49-F238E27FC236}">
+                <a16:creationId xmlns:a16="http://schemas.microsoft.com/office/drawing/2014/main" id="{0B1F9ED5-9F7D-47EB-A8E2-8B7B9C75AFDB}"/>
+              </a:ext>
+            </a:extLst>
+          </p:cNvPr>
+          <p:cNvSpPr>
+            <a:spLocks noGrp="1"/>
+          </p:cNvSpPr>
+          <p:nvPr>
+            <p:ph type="title"/>
+          </p:nvPr>
+        </p:nvSpPr>
+        <p:spPr/>
+        <p:txBody>
+          <a:bodyPr/>
+          <a:lstStyle/>
+          <a:p>
+            <a:r>
+              <a:rPr lang="ru-RU" dirty="0"/>
+              <a:t>Класс </a:t>
+            </a:r>
+            <a:r>
+              <a:rPr lang="en-US" dirty="0"/>
+              <a:t>Task</a:t>
+            </a:r>
+            <a:endParaRPr lang="ru-RU" dirty="0"/>
+          </a:p>
+        </p:txBody>
+      </p:sp>
+      <p:sp>
+        <p:nvSpPr>
+          <p:cNvPr id="3" name="Объект 2">
+            <a:extLst>
+              <a:ext uri="{FF2B5EF4-FFF2-40B4-BE49-F238E27FC236}">
+                <a16:creationId xmlns:a16="http://schemas.microsoft.com/office/drawing/2014/main" id="{25F190EE-6179-482A-A97B-EDF42F4824A8}"/>
+              </a:ext>
+            </a:extLst>
+          </p:cNvPr>
+          <p:cNvSpPr>
+            <a:spLocks noGrp="1"/>
+          </p:cNvSpPr>
+          <p:nvPr>
+            <p:ph idx="1"/>
+          </p:nvPr>
+        </p:nvSpPr>
+        <p:spPr/>
+        <p:txBody>
+          <a:bodyPr/>
+          <a:lstStyle/>
+          <a:p>
+            <a:r>
+              <a:rPr lang="ru-RU" dirty="0"/>
+              <a:t>Но стоит отметить, что использование свойства </a:t>
+            </a:r>
+            <a:r>
+              <a:rPr lang="ru-RU" dirty="0" err="1"/>
+              <a:t>Result</a:t>
+            </a:r>
+            <a:r>
+              <a:rPr lang="ru-RU" dirty="0"/>
+              <a:t> может привести к блокировке вашего кода и ухудшению производительности. </a:t>
+            </a:r>
+          </a:p>
+          <a:p>
+            <a:r>
+              <a:rPr lang="ru-RU" dirty="0"/>
+              <a:t>Вместо этого, рекомендуется использовать ключевое слово </a:t>
+            </a:r>
+            <a:r>
+              <a:rPr lang="ru-RU" dirty="0" err="1"/>
+              <a:t>await</a:t>
+            </a:r>
+            <a:r>
+              <a:rPr lang="ru-RU" dirty="0"/>
+              <a:t> для асинхронного ожидания завершения задачи:</a:t>
+            </a:r>
+            <a:br>
+              <a:rPr lang="ru-RU" dirty="0"/>
+            </a:br>
+            <a:r>
+              <a:rPr lang="en-US" dirty="0"/>
+              <a:t>int result = await </a:t>
+            </a:r>
+            <a:r>
+              <a:rPr lang="en-US" dirty="0" err="1"/>
+              <a:t>calculationTask</a:t>
+            </a:r>
+            <a:r>
+              <a:rPr lang="en-US"/>
+              <a:t>;</a:t>
+            </a:r>
+            <a:endParaRPr lang="ru-RU" dirty="0"/>
+          </a:p>
+        </p:txBody>
+      </p:sp>
+      <p:sp>
+        <p:nvSpPr>
+          <p:cNvPr id="4" name="Номер слайда 3">
+            <a:extLst>
+              <a:ext uri="{FF2B5EF4-FFF2-40B4-BE49-F238E27FC236}">
+                <a16:creationId xmlns:a16="http://schemas.microsoft.com/office/drawing/2014/main" id="{E79E5900-A2EF-4785-B148-7D7DA8B8CF37}"/>
+              </a:ext>
+            </a:extLst>
+          </p:cNvPr>
+          <p:cNvSpPr>
+            <a:spLocks noGrp="1"/>
+          </p:cNvSpPr>
+          <p:nvPr>
+            <p:ph type="sldNum" sz="quarter" idx="12"/>
+          </p:nvPr>
+        </p:nvSpPr>
+        <p:spPr/>
+        <p:txBody>
+          <a:bodyPr/>
+          <a:lstStyle/>
+          <a:p>
+            <a:fld id="{227C91C0-7371-407B-9696-36B720B1D03F}" type="slidenum">
+              <a:rPr lang="ru-RU" smtClean="0"/>
+              <a:t>43</a:t>
+            </a:fld>
+            <a:endParaRPr lang="ru-RU"/>
+          </a:p>
+        </p:txBody>
+      </p:sp>
+    </p:spTree>
+    <p:extLst>
+      <p:ext uri="{BB962C8B-B14F-4D97-AF65-F5344CB8AC3E}">
+        <p14:creationId xmlns:p14="http://schemas.microsoft.com/office/powerpoint/2010/main" val="3568403997"/>
       </p:ext>
     </p:extLst>
   </p:cSld>

--- a/Лекции/3 семестр/Часть 3/Программирование лекция 3.3.pptx
+++ b/Лекции/3 семестр/Часть 3/Программирование лекция 3.3.pptx
@@ -5,7 +5,7 @@
     <p:sldMasterId id="2147483648" r:id="rId1"/>
   </p:sldMasterIdLst>
   <p:notesMasterIdLst>
-    <p:notesMasterId r:id="rId45"/>
+    <p:notesMasterId r:id="rId50"/>
   </p:notesMasterIdLst>
   <p:sldIdLst>
     <p:sldId id="256" r:id="rId2"/>
@@ -38,19 +38,24 @@
     <p:sldId id="362" r:id="rId29"/>
     <p:sldId id="367" r:id="rId30"/>
     <p:sldId id="368" r:id="rId31"/>
-    <p:sldId id="342" r:id="rId32"/>
-    <p:sldId id="343" r:id="rId33"/>
-    <p:sldId id="344" r:id="rId34"/>
-    <p:sldId id="345" r:id="rId35"/>
-    <p:sldId id="346" r:id="rId36"/>
-    <p:sldId id="347" r:id="rId37"/>
-    <p:sldId id="348" r:id="rId38"/>
-    <p:sldId id="351" r:id="rId39"/>
-    <p:sldId id="369" r:id="rId40"/>
-    <p:sldId id="370" r:id="rId41"/>
-    <p:sldId id="371" r:id="rId42"/>
-    <p:sldId id="372" r:id="rId43"/>
-    <p:sldId id="373" r:id="rId44"/>
+    <p:sldId id="374" r:id="rId32"/>
+    <p:sldId id="342" r:id="rId33"/>
+    <p:sldId id="343" r:id="rId34"/>
+    <p:sldId id="344" r:id="rId35"/>
+    <p:sldId id="345" r:id="rId36"/>
+    <p:sldId id="346" r:id="rId37"/>
+    <p:sldId id="347" r:id="rId38"/>
+    <p:sldId id="348" r:id="rId39"/>
+    <p:sldId id="351" r:id="rId40"/>
+    <p:sldId id="369" r:id="rId41"/>
+    <p:sldId id="370" r:id="rId42"/>
+    <p:sldId id="371" r:id="rId43"/>
+    <p:sldId id="372" r:id="rId44"/>
+    <p:sldId id="373" r:id="rId45"/>
+    <p:sldId id="375" r:id="rId46"/>
+    <p:sldId id="376" r:id="rId47"/>
+    <p:sldId id="377" r:id="rId48"/>
+    <p:sldId id="378" r:id="rId49"/>
   </p:sldIdLst>
   <p:sldSz cx="12192000" cy="6858000"/>
   <p:notesSz cx="6858000" cy="9144000"/>
@@ -239,7 +244,7 @@
           <a:p>
             <a:fld id="{1DFBDE16-5B48-4340-A90D-4DD6140885ED}" type="datetimeFigureOut">
               <a:rPr lang="ru-RU" smtClean="0"/>
-              <a:t>11.11.2023</a:t>
+              <a:t>25.11.2023</a:t>
             </a:fld>
             <a:endParaRPr lang="ru-RU"/>
           </a:p>
@@ -940,7 +945,7 @@
           <a:p>
             <a:fld id="{F41DA7D1-1507-4266-9305-D9D976117699}" type="datetime1">
               <a:rPr lang="ru-RU" smtClean="0"/>
-              <a:t>11.11.2023</a:t>
+              <a:t>25.11.2023</a:t>
             </a:fld>
             <a:endParaRPr lang="ru-RU"/>
           </a:p>
@@ -1138,7 +1143,7 @@
           <a:p>
             <a:fld id="{09B8B1D9-D5C0-4933-8D35-6096E21EBA53}" type="datetime1">
               <a:rPr lang="ru-RU" smtClean="0"/>
-              <a:t>11.11.2023</a:t>
+              <a:t>25.11.2023</a:t>
             </a:fld>
             <a:endParaRPr lang="ru-RU"/>
           </a:p>
@@ -1346,7 +1351,7 @@
           <a:p>
             <a:fld id="{571E2174-60B9-4D93-B161-65D5D8D291A9}" type="datetime1">
               <a:rPr lang="ru-RU" smtClean="0"/>
-              <a:t>11.11.2023</a:t>
+              <a:t>25.11.2023</a:t>
             </a:fld>
             <a:endParaRPr lang="ru-RU"/>
           </a:p>
@@ -1544,7 +1549,7 @@
           <a:p>
             <a:fld id="{495E6D17-6549-492A-8F0C-3F1C9FE6F0D0}" type="datetime1">
               <a:rPr lang="ru-RU" smtClean="0"/>
-              <a:t>11.11.2023</a:t>
+              <a:t>25.11.2023</a:t>
             </a:fld>
             <a:endParaRPr lang="ru-RU"/>
           </a:p>
@@ -1819,7 +1824,7 @@
           <a:p>
             <a:fld id="{E08945B4-69F6-431C-9382-AEFA596238B6}" type="datetime1">
               <a:rPr lang="ru-RU" smtClean="0"/>
-              <a:t>11.11.2023</a:t>
+              <a:t>25.11.2023</a:t>
             </a:fld>
             <a:endParaRPr lang="ru-RU"/>
           </a:p>
@@ -2084,7 +2089,7 @@
           <a:p>
             <a:fld id="{A7516350-5881-464D-B90A-019D53C87C87}" type="datetime1">
               <a:rPr lang="ru-RU" smtClean="0"/>
-              <a:t>11.11.2023</a:t>
+              <a:t>25.11.2023</a:t>
             </a:fld>
             <a:endParaRPr lang="ru-RU"/>
           </a:p>
@@ -2496,7 +2501,7 @@
           <a:p>
             <a:fld id="{3DE290D0-75C9-470D-B7BE-5F42616B87DB}" type="datetime1">
               <a:rPr lang="ru-RU" smtClean="0"/>
-              <a:t>11.11.2023</a:t>
+              <a:t>25.11.2023</a:t>
             </a:fld>
             <a:endParaRPr lang="ru-RU"/>
           </a:p>
@@ -2637,7 +2642,7 @@
           <a:p>
             <a:fld id="{25D2CC29-130B-4ABB-90FF-3B212105CC1B}" type="datetime1">
               <a:rPr lang="ru-RU" smtClean="0"/>
-              <a:t>11.11.2023</a:t>
+              <a:t>25.11.2023</a:t>
             </a:fld>
             <a:endParaRPr lang="ru-RU"/>
           </a:p>
@@ -2750,7 +2755,7 @@
           <a:p>
             <a:fld id="{B63335E3-9BAF-4439-9DD4-6CE08318DC6B}" type="datetime1">
               <a:rPr lang="ru-RU" smtClean="0"/>
-              <a:t>11.11.2023</a:t>
+              <a:t>25.11.2023</a:t>
             </a:fld>
             <a:endParaRPr lang="ru-RU"/>
           </a:p>
@@ -3061,7 +3066,7 @@
           <a:p>
             <a:fld id="{D4EB0FB4-4101-450F-8179-5504A41C85B8}" type="datetime1">
               <a:rPr lang="ru-RU" smtClean="0"/>
-              <a:t>11.11.2023</a:t>
+              <a:t>25.11.2023</a:t>
             </a:fld>
             <a:endParaRPr lang="ru-RU"/>
           </a:p>
@@ -3349,7 +3354,7 @@
           <a:p>
             <a:fld id="{7F222AF9-FD68-457C-92A0-426ADAE21948}" type="datetime1">
               <a:rPr lang="ru-RU" smtClean="0"/>
-              <a:t>11.11.2023</a:t>
+              <a:t>25.11.2023</a:t>
             </a:fld>
             <a:endParaRPr lang="ru-RU"/>
           </a:p>
@@ -3590,7 +3595,7 @@
           <a:p>
             <a:fld id="{54947EA2-CB44-449D-9F33-80421D88CC1D}" type="datetime1">
               <a:rPr lang="ru-RU" smtClean="0"/>
-              <a:t>11.11.2023</a:t>
+              <a:t>25.11.2023</a:t>
             </a:fld>
             <a:endParaRPr lang="ru-RU"/>
           </a:p>
@@ -10194,14 +10199,28 @@
             <p:ph type="title"/>
           </p:nvPr>
         </p:nvSpPr>
-        <p:spPr/>
-        <p:txBody>
-          <a:bodyPr/>
-          <a:lstStyle/>
-          <a:p>
-            <a:r>
-              <a:rPr lang="ru-RU" dirty="0"/>
-              <a:t>Пример…</a:t>
+        <p:spPr>
+          <a:xfrm>
+            <a:off x="396411" y="205286"/>
+            <a:ext cx="11244209" cy="1325563"/>
+          </a:xfrm>
+        </p:spPr>
+        <p:txBody>
+          <a:bodyPr>
+            <a:normAutofit/>
+          </a:bodyPr>
+          <a:lstStyle/>
+          <a:p>
+            <a:r>
+              <a:rPr lang="ru-RU" dirty="0"/>
+              <a:t>Пример - пул ресурсов (подключений к БД, </a:t>
+            </a:r>
+            <a:br>
+              <a:rPr lang="ru-RU" dirty="0"/>
+            </a:br>
+            <a:r>
+              <a:rPr lang="ru-RU" dirty="0"/>
+              <a:t>упрощенная реализация)</a:t>
             </a:r>
           </a:p>
         </p:txBody>
@@ -10222,12 +10241,84 @@
             <p:ph idx="1"/>
           </p:nvPr>
         </p:nvSpPr>
-        <p:spPr/>
-        <p:txBody>
-          <a:bodyPr/>
-          <a:lstStyle/>
-          <a:p>
-            <a:endParaRPr lang="ru-RU" dirty="0"/>
+        <p:spPr>
+          <a:xfrm>
+            <a:off x="551380" y="1710236"/>
+            <a:ext cx="10802420" cy="4646114"/>
+          </a:xfrm>
+        </p:spPr>
+        <p:txBody>
+          <a:bodyPr>
+            <a:normAutofit fontScale="92500" lnSpcReduction="20000"/>
+          </a:bodyPr>
+          <a:lstStyle/>
+          <a:p>
+            <a:pPr algn="l" fontAlgn="base"/>
+            <a:r>
+              <a:rPr lang="ru-RU" dirty="0"/>
+              <a:t>пул будет иметь фиксированный размер, все подключения создаются сразу, но висят неактивными (в реальности создается пустым, подключения добавляются по мере необходимости);</a:t>
+            </a:r>
+          </a:p>
+          <a:p>
+            <a:pPr algn="l" fontAlgn="base"/>
+            <a:r>
+              <a:rPr lang="ru-RU" dirty="0"/>
+              <a:t>если запрашивается подключение из пула, он отдает первое доступное подключение, если таких нет – приложение висит в ожидании;</a:t>
+            </a:r>
+          </a:p>
+          <a:p>
+            <a:pPr algn="l" fontAlgn="base"/>
+            <a:r>
+              <a:rPr lang="ru-RU" dirty="0"/>
+              <a:t>после подключения приложение отправляет запрос на выполнение, получает результаты и отображает их пользователю, затем приложение возвращает соединение в пул;</a:t>
+            </a:r>
+          </a:p>
+          <a:p>
+            <a:pPr algn="l" fontAlgn="base">
+              <a:buFont typeface="Arial" panose="020B0604020202020204" pitchFamily="34" charset="0"/>
+              <a:buChar char="•"/>
+            </a:pPr>
+            <a:r>
+              <a:rPr lang="ru-RU" dirty="0"/>
+              <a:t>если подключение повреждено, оно будет удалено из пула;</a:t>
+            </a:r>
+          </a:p>
+          <a:p>
+            <a:pPr algn="l" fontAlgn="base">
+              <a:buFont typeface="Arial" panose="020B0604020202020204" pitchFamily="34" charset="0"/>
+              <a:buChar char="•"/>
+            </a:pPr>
+            <a:r>
+              <a:rPr lang="ru-RU" dirty="0"/>
+              <a:t>для определения кол-ва доступных подключений будут использованы семафоры;</a:t>
+            </a:r>
+          </a:p>
+          <a:p>
+            <a:pPr algn="l" fontAlgn="base">
+              <a:buFont typeface="Arial" panose="020B0604020202020204" pitchFamily="34" charset="0"/>
+              <a:buChar char="•"/>
+            </a:pPr>
+            <a:r>
+              <a:rPr lang="ru-RU" dirty="0"/>
+              <a:t>для добавления</a:t>
+            </a:r>
+            <a:r>
+              <a:rPr lang="en-US" dirty="0"/>
+              <a:t>/</a:t>
+            </a:r>
+            <a:r>
+              <a:rPr lang="ru-RU" dirty="0"/>
+              <a:t>удаления подключений в пул – обычная блокировка (либо использование </a:t>
+            </a:r>
+            <a:r>
+              <a:rPr lang="ru-RU" dirty="0" err="1"/>
+              <a:t>потокобезопасных</a:t>
+            </a:r>
+            <a:r>
+              <a:rPr lang="ru-RU" dirty="0"/>
+              <a:t> коллекций).</a:t>
+            </a:r>
+            <a:endParaRPr lang="en-US" dirty="0"/>
           </a:p>
         </p:txBody>
       </p:sp>
@@ -10292,155 +10383,10 @@
       </p:grpSpPr>
       <p:sp>
         <p:nvSpPr>
-          <p:cNvPr id="2" name="Заголовок 1">
-            <a:extLst>
-              <a:ext uri="{FF2B5EF4-FFF2-40B4-BE49-F238E27FC236}">
-                <a16:creationId xmlns:a16="http://schemas.microsoft.com/office/drawing/2014/main" id="{79013513-4DB7-4D2E-A02C-3FE5F93A00D7}"/>
-              </a:ext>
-            </a:extLst>
-          </p:cNvPr>
-          <p:cNvSpPr>
-            <a:spLocks noGrp="1"/>
-          </p:cNvSpPr>
-          <p:nvPr>
-            <p:ph type="title"/>
-          </p:nvPr>
-        </p:nvSpPr>
-        <p:spPr/>
-        <p:txBody>
-          <a:bodyPr/>
-          <a:lstStyle/>
-          <a:p>
-            <a:r>
-              <a:rPr lang="ru-RU" i="0" dirty="0">
-                <a:effectLst/>
-              </a:rPr>
-              <a:t>Класс </a:t>
-            </a:r>
-            <a:r>
-              <a:rPr lang="ru-RU" i="0" dirty="0" err="1">
-                <a:effectLst/>
-              </a:rPr>
-              <a:t>Thread</a:t>
-            </a:r>
-            <a:endParaRPr lang="ru-RU" dirty="0"/>
-          </a:p>
-        </p:txBody>
-      </p:sp>
-      <p:sp>
-        <p:nvSpPr>
-          <p:cNvPr id="3" name="Объект 2">
-            <a:extLst>
-              <a:ext uri="{FF2B5EF4-FFF2-40B4-BE49-F238E27FC236}">
-                <a16:creationId xmlns:a16="http://schemas.microsoft.com/office/drawing/2014/main" id="{42F7AF6A-2F31-4E9A-9952-5F24E4CB693B}"/>
-              </a:ext>
-            </a:extLst>
-          </p:cNvPr>
-          <p:cNvSpPr>
-            <a:spLocks noGrp="1"/>
-          </p:cNvSpPr>
-          <p:nvPr>
-            <p:ph idx="1"/>
-          </p:nvPr>
-        </p:nvSpPr>
-        <p:spPr/>
-        <p:txBody>
-          <a:bodyPr>
-            <a:normAutofit/>
-          </a:bodyPr>
-          <a:lstStyle/>
-          <a:p>
-            <a:r>
-              <a:rPr lang="ru-RU" dirty="0"/>
-              <a:t>Создание нового потока – дорогая операция</a:t>
-            </a:r>
-          </a:p>
-          <a:p>
-            <a:r>
-              <a:rPr lang="ru-RU" dirty="0"/>
-              <a:t>Является ресурсом ОС, нужно следить за освобождением (через вызов </a:t>
-            </a:r>
-            <a:r>
-              <a:rPr lang="en-US" dirty="0"/>
-              <a:t>Dispose)</a:t>
-            </a:r>
-          </a:p>
-          <a:p>
-            <a:r>
-              <a:rPr lang="ru-RU" dirty="0"/>
-              <a:t>делятся на </a:t>
-            </a:r>
-            <a:r>
-              <a:rPr lang="ru-RU" dirty="0" err="1"/>
-              <a:t>background</a:t>
-            </a:r>
-            <a:r>
-              <a:rPr lang="ru-RU" dirty="0"/>
-              <a:t> (фоновый) и </a:t>
-            </a:r>
-            <a:r>
-              <a:rPr lang="ru-RU" dirty="0" err="1"/>
-              <a:t>foreground</a:t>
-            </a:r>
-            <a:r>
-              <a:rPr lang="ru-RU" dirty="0"/>
-              <a:t> (основные). </a:t>
-            </a:r>
-            <a:r>
-              <a:rPr lang="en-US" dirty="0"/>
-              <a:t>f</a:t>
-            </a:r>
-            <a:r>
-              <a:rPr lang="ru-RU" dirty="0" err="1"/>
-              <a:t>oreground</a:t>
-            </a:r>
-            <a:r>
-              <a:rPr lang="ru-RU" dirty="0"/>
-              <a:t>-потоки препятствуют завершению программы. Как только все </a:t>
-            </a:r>
-            <a:r>
-              <a:rPr lang="ru-RU" dirty="0" err="1"/>
-              <a:t>foreground</a:t>
-            </a:r>
-            <a:r>
-              <a:rPr lang="ru-RU" dirty="0"/>
-              <a:t>-потоки остановлены, система автоматически остановит все </a:t>
-            </a:r>
-            <a:r>
-              <a:rPr lang="ru-RU" dirty="0" err="1"/>
-              <a:t>background</a:t>
-            </a:r>
-            <a:r>
-              <a:rPr lang="ru-RU" dirty="0"/>
-              <a:t> и завершит выполнение приложения.</a:t>
-            </a:r>
-            <a:r>
-              <a:rPr lang="en-US" dirty="0"/>
-              <a:t> </a:t>
-            </a:r>
-            <a:endParaRPr lang="ru-RU" dirty="0"/>
-          </a:p>
-          <a:p>
-            <a:r>
-              <a:rPr lang="ru-RU" dirty="0"/>
-              <a:t>Для простых операций рекомендуется использовать пул потоков</a:t>
-            </a:r>
-            <a:endParaRPr lang="en-US" dirty="0"/>
-          </a:p>
-          <a:p>
-            <a:endParaRPr lang="en-US" dirty="0"/>
-          </a:p>
-          <a:p>
-            <a:endParaRPr lang="ru-RU" dirty="0"/>
-          </a:p>
-        </p:txBody>
-      </p:sp>
-      <p:sp>
-        <p:nvSpPr>
           <p:cNvPr id="4" name="Номер слайда 3">
             <a:extLst>
               <a:ext uri="{FF2B5EF4-FFF2-40B4-BE49-F238E27FC236}">
-                <a16:creationId xmlns:a16="http://schemas.microsoft.com/office/drawing/2014/main" id="{7BF289BB-D9CD-4106-B1A5-9B7CA75D62EA}"/>
+                <a16:creationId xmlns:a16="http://schemas.microsoft.com/office/drawing/2014/main" id="{F3416153-525A-4132-BC70-218FFA0A96E3}"/>
               </a:ext>
             </a:extLst>
           </p:cNvPr>
@@ -10464,10 +10410,67 @@
           </a:p>
         </p:txBody>
       </p:sp>
+      <p:pic>
+        <p:nvPicPr>
+          <p:cNvPr id="1026" name="Picture 2">
+            <a:extLst>
+              <a:ext uri="{FF2B5EF4-FFF2-40B4-BE49-F238E27FC236}">
+                <a16:creationId xmlns:a16="http://schemas.microsoft.com/office/drawing/2014/main" id="{A1BCC8ED-EE2F-4045-8F7D-E63356DE10CE}"/>
+              </a:ext>
+            </a:extLst>
+          </p:cNvPr>
+          <p:cNvPicPr>
+            <a:picLocks noGrp="1" noChangeAspect="1" noChangeArrowheads="1"/>
+          </p:cNvPicPr>
+          <p:nvPr>
+            <p:ph idx="1"/>
+          </p:nvPr>
+        </p:nvPicPr>
+        <p:blipFill>
+          <a:blip r:embed="rId2">
+            <a:extLst>
+              <a:ext uri="{BEBA8EAE-BF5A-486C-A8C5-ECC9F3942E4B}">
+                <a14:imgProps xmlns:a14="http://schemas.microsoft.com/office/drawing/2010/main">
+                  <a14:imgLayer r:embed="rId3">
+                    <a14:imgEffect>
+                      <a14:brightnessContrast bright="20000" contrast="40000"/>
+                    </a14:imgEffect>
+                  </a14:imgLayer>
+                </a14:imgProps>
+              </a:ext>
+              <a:ext uri="{28A0092B-C50C-407E-A947-70E740481C1C}">
+                <a14:useLocalDpi xmlns:a14="http://schemas.microsoft.com/office/drawing/2010/main" val="0"/>
+              </a:ext>
+            </a:extLst>
+          </a:blip>
+          <a:srcRect/>
+          <a:stretch>
+            <a:fillRect/>
+          </a:stretch>
+        </p:blipFill>
+        <p:spPr bwMode="auto">
+          <a:xfrm>
+            <a:off x="1362727" y="253660"/>
+            <a:ext cx="8623753" cy="6467815"/>
+          </a:xfrm>
+          <a:prstGeom prst="rect">
+            <a:avLst/>
+          </a:prstGeom>
+          <a:extLst>
+            <a:ext uri="{909E8E84-426E-40DD-AFC4-6F175D3DCCD1}">
+              <a14:hiddenFill xmlns:a14="http://schemas.microsoft.com/office/drawing/2010/main">
+                <a:solidFill>
+                  <a:srgbClr val="FFFFFF"/>
+                </a:solidFill>
+              </a14:hiddenFill>
+            </a:ext>
+          </a:extLst>
+        </p:spPr>
+      </p:pic>
     </p:spTree>
     <p:extLst>
       <p:ext uri="{BB962C8B-B14F-4D97-AF65-F5344CB8AC3E}">
-        <p14:creationId xmlns:p14="http://schemas.microsoft.com/office/powerpoint/2010/main" val="3950520008"/>
+        <p14:creationId xmlns:p14="http://schemas.microsoft.com/office/powerpoint/2010/main" val="3926340662"/>
       </p:ext>
     </p:extLst>
   </p:cSld>
@@ -10499,7 +10502,7 @@
           <p:cNvPr id="2" name="Заголовок 1">
             <a:extLst>
               <a:ext uri="{FF2B5EF4-FFF2-40B4-BE49-F238E27FC236}">
-                <a16:creationId xmlns:a16="http://schemas.microsoft.com/office/drawing/2014/main" id="{6F61ABA8-F30C-4190-ACA1-B1203D07D412}"/>
+                <a16:creationId xmlns:a16="http://schemas.microsoft.com/office/drawing/2014/main" id="{79013513-4DB7-4D2E-A02C-3FE5F93A00D7}"/>
               </a:ext>
             </a:extLst>
           </p:cNvPr>
@@ -10516,9 +10519,18 @@
           <a:lstStyle/>
           <a:p>
             <a:r>
-              <a:rPr lang="ru-RU" dirty="0"/>
-              <a:t>Пул потоков</a:t>
-            </a:r>
+              <a:rPr lang="ru-RU" i="0" dirty="0">
+                <a:effectLst/>
+              </a:rPr>
+              <a:t>Класс </a:t>
+            </a:r>
+            <a:r>
+              <a:rPr lang="ru-RU" i="0" dirty="0" err="1">
+                <a:effectLst/>
+              </a:rPr>
+              <a:t>Thread</a:t>
+            </a:r>
+            <a:endParaRPr lang="ru-RU" dirty="0"/>
           </a:p>
         </p:txBody>
       </p:sp>
@@ -10527,7 +10539,7 @@
           <p:cNvPr id="3" name="Объект 2">
             <a:extLst>
               <a:ext uri="{FF2B5EF4-FFF2-40B4-BE49-F238E27FC236}">
-                <a16:creationId xmlns:a16="http://schemas.microsoft.com/office/drawing/2014/main" id="{FA0C50D5-0739-44FE-9820-D86D54D97C56}"/>
+                <a16:creationId xmlns:a16="http://schemas.microsoft.com/office/drawing/2014/main" id="{42F7AF6A-2F31-4E9A-9952-5F24E4CB693B}"/>
               </a:ext>
             </a:extLst>
           </p:cNvPr>
@@ -10541,32 +10553,92 @@
         <p:spPr/>
         <p:txBody>
           <a:bodyPr>
-            <a:normAutofit fontScale="92500" lnSpcReduction="10000"/>
+            <a:normAutofit/>
           </a:bodyPr>
           <a:lstStyle/>
           <a:p>
             <a:r>
               <a:rPr lang="ru-RU" dirty="0"/>
-              <a:t>Экономия ресурсов: позволяет не создавать новые потоки каждый раз, когда они нужны, а использовать уже созданные;</a:t>
-            </a:r>
-          </a:p>
-          <a:p>
-            <a:r>
-              <a:rPr lang="ru-RU" dirty="0"/>
-              <a:t>управление временем жизни потоков: пул управляет временем жизни потоков, автоматически уничтожая те, которые не используются, и создавая новые при необходимости. Предотвращает утечки памяти и повышает производительность;</a:t>
-            </a:r>
-          </a:p>
-          <a:p>
-            <a:r>
-              <a:rPr lang="ru-RU" dirty="0"/>
-              <a:t>распределение нагрузки: пул может распределять нагрузку между потоками, что позволяет более эффективно использовать ресурсы процессора и ускорить выполнение задач;</a:t>
-            </a:r>
-          </a:p>
-          <a:p>
-            <a:r>
-              <a:rPr lang="ru-RU" dirty="0"/>
-              <a:t>упрощение кода: разработчикам не нужно заботиться о создании, уничтожении и управлении потоками.</a:t>
-            </a:r>
+              <a:t>Создание нового потока – дорогая операция</a:t>
+            </a:r>
+          </a:p>
+          <a:p>
+            <a:r>
+              <a:rPr lang="ru-RU" dirty="0"/>
+              <a:t>Является ресурсом ОС, нужно следить за освобождением (через вызов </a:t>
+            </a:r>
+            <a:r>
+              <a:rPr lang="en-US" dirty="0"/>
+              <a:t>Dispose)</a:t>
+            </a:r>
+          </a:p>
+          <a:p>
+            <a:r>
+              <a:rPr lang="ru-RU" dirty="0"/>
+              <a:t>делятся на </a:t>
+            </a:r>
+            <a:r>
+              <a:rPr lang="ru-RU" dirty="0" err="1"/>
+              <a:t>background</a:t>
+            </a:r>
+            <a:r>
+              <a:rPr lang="ru-RU" dirty="0"/>
+              <a:t> (фоновый) и </a:t>
+            </a:r>
+            <a:r>
+              <a:rPr lang="ru-RU" dirty="0" err="1"/>
+              <a:t>foreground</a:t>
+            </a:r>
+            <a:r>
+              <a:rPr lang="ru-RU" dirty="0"/>
+              <a:t> (основные). </a:t>
+            </a:r>
+            <a:r>
+              <a:rPr lang="en-US" dirty="0"/>
+              <a:t>f</a:t>
+            </a:r>
+            <a:r>
+              <a:rPr lang="ru-RU" dirty="0" err="1"/>
+              <a:t>oreground</a:t>
+            </a:r>
+            <a:r>
+              <a:rPr lang="ru-RU" dirty="0"/>
+              <a:t>-потоки препятствуют завершению программы. Как только все </a:t>
+            </a:r>
+            <a:r>
+              <a:rPr lang="ru-RU" dirty="0" err="1"/>
+              <a:t>foreground</a:t>
+            </a:r>
+            <a:r>
+              <a:rPr lang="ru-RU" dirty="0"/>
+              <a:t>-потоки остановлены, система автоматически остановит все </a:t>
+            </a:r>
+            <a:r>
+              <a:rPr lang="ru-RU" dirty="0" err="1"/>
+              <a:t>background</a:t>
+            </a:r>
+            <a:r>
+              <a:rPr lang="ru-RU" dirty="0"/>
+              <a:t> и завершит выполнение приложения.</a:t>
+            </a:r>
+            <a:r>
+              <a:rPr lang="en-US" dirty="0"/>
+              <a:t> </a:t>
+            </a:r>
+            <a:endParaRPr lang="ru-RU" dirty="0"/>
+          </a:p>
+          <a:p>
+            <a:r>
+              <a:rPr lang="ru-RU" dirty="0"/>
+              <a:t>Для простых операций рекомендуется использовать пул потоков</a:t>
+            </a:r>
+            <a:endParaRPr lang="en-US" dirty="0"/>
+          </a:p>
+          <a:p>
+            <a:endParaRPr lang="en-US" dirty="0"/>
+          </a:p>
+          <a:p>
+            <a:endParaRPr lang="ru-RU" dirty="0"/>
           </a:p>
         </p:txBody>
       </p:sp>
@@ -10575,7 +10647,7 @@
           <p:cNvPr id="4" name="Номер слайда 3">
             <a:extLst>
               <a:ext uri="{FF2B5EF4-FFF2-40B4-BE49-F238E27FC236}">
-                <a16:creationId xmlns:a16="http://schemas.microsoft.com/office/drawing/2014/main" id="{E5EC97BF-F77B-431B-906F-7580C61D426A}"/>
+                <a16:creationId xmlns:a16="http://schemas.microsoft.com/office/drawing/2014/main" id="{7BF289BB-D9CD-4106-B1A5-9B7CA75D62EA}"/>
               </a:ext>
             </a:extLst>
           </p:cNvPr>
@@ -10602,7 +10674,7 @@
     </p:spTree>
     <p:extLst>
       <p:ext uri="{BB962C8B-B14F-4D97-AF65-F5344CB8AC3E}">
-        <p14:creationId xmlns:p14="http://schemas.microsoft.com/office/powerpoint/2010/main" val="3418387891"/>
+        <p14:creationId xmlns:p14="http://schemas.microsoft.com/office/powerpoint/2010/main" val="3950520008"/>
       </p:ext>
     </p:extLst>
   </p:cSld>
@@ -10631,10 +10703,86 @@
       </p:grpSpPr>
       <p:sp>
         <p:nvSpPr>
+          <p:cNvPr id="2" name="Заголовок 1">
+            <a:extLst>
+              <a:ext uri="{FF2B5EF4-FFF2-40B4-BE49-F238E27FC236}">
+                <a16:creationId xmlns:a16="http://schemas.microsoft.com/office/drawing/2014/main" id="{6F61ABA8-F30C-4190-ACA1-B1203D07D412}"/>
+              </a:ext>
+            </a:extLst>
+          </p:cNvPr>
+          <p:cNvSpPr>
+            <a:spLocks noGrp="1"/>
+          </p:cNvSpPr>
+          <p:nvPr>
+            <p:ph type="title"/>
+          </p:nvPr>
+        </p:nvSpPr>
+        <p:spPr/>
+        <p:txBody>
+          <a:bodyPr/>
+          <a:lstStyle/>
+          <a:p>
+            <a:r>
+              <a:rPr lang="ru-RU" dirty="0"/>
+              <a:t>Пул потоков</a:t>
+            </a:r>
+          </a:p>
+        </p:txBody>
+      </p:sp>
+      <p:sp>
+        <p:nvSpPr>
+          <p:cNvPr id="3" name="Объект 2">
+            <a:extLst>
+              <a:ext uri="{FF2B5EF4-FFF2-40B4-BE49-F238E27FC236}">
+                <a16:creationId xmlns:a16="http://schemas.microsoft.com/office/drawing/2014/main" id="{FA0C50D5-0739-44FE-9820-D86D54D97C56}"/>
+              </a:ext>
+            </a:extLst>
+          </p:cNvPr>
+          <p:cNvSpPr>
+            <a:spLocks noGrp="1"/>
+          </p:cNvSpPr>
+          <p:nvPr>
+            <p:ph idx="1"/>
+          </p:nvPr>
+        </p:nvSpPr>
+        <p:spPr/>
+        <p:txBody>
+          <a:bodyPr>
+            <a:normAutofit fontScale="92500" lnSpcReduction="10000"/>
+          </a:bodyPr>
+          <a:lstStyle/>
+          <a:p>
+            <a:r>
+              <a:rPr lang="ru-RU" dirty="0"/>
+              <a:t>Экономия ресурсов: позволяет не создавать новые потоки каждый раз, когда они нужны, а использовать уже созданные;</a:t>
+            </a:r>
+          </a:p>
+          <a:p>
+            <a:r>
+              <a:rPr lang="ru-RU" dirty="0"/>
+              <a:t>управление временем жизни потоков: пул управляет временем жизни потоков, автоматически уничтожая те, которые не используются, и создавая новые при необходимости. Предотвращает утечки памяти и повышает производительность;</a:t>
+            </a:r>
+          </a:p>
+          <a:p>
+            <a:r>
+              <a:rPr lang="ru-RU" dirty="0"/>
+              <a:t>распределение нагрузки: пул может распределять нагрузку между потоками, что позволяет более эффективно использовать ресурсы процессора и ускорить выполнение задач;</a:t>
+            </a:r>
+          </a:p>
+          <a:p>
+            <a:r>
+              <a:rPr lang="ru-RU" dirty="0"/>
+              <a:t>упрощение кода: разработчикам не нужно заботиться о создании, уничтожении и управлении потоками.</a:t>
+            </a:r>
+          </a:p>
+        </p:txBody>
+      </p:sp>
+      <p:sp>
+        <p:nvSpPr>
           <p:cNvPr id="4" name="Номер слайда 3">
             <a:extLst>
               <a:ext uri="{FF2B5EF4-FFF2-40B4-BE49-F238E27FC236}">
-                <a16:creationId xmlns:a16="http://schemas.microsoft.com/office/drawing/2014/main" id="{85B8844E-54F3-4CE5-A4C2-3182D71BA2CA}"/>
+                <a16:creationId xmlns:a16="http://schemas.microsoft.com/office/drawing/2014/main" id="{E5EC97BF-F77B-431B-906F-7580C61D426A}"/>
               </a:ext>
             </a:extLst>
           </p:cNvPr>
@@ -10653,6 +10801,65 @@
             <a:fld id="{227C91C0-7371-407B-9696-36B720B1D03F}" type="slidenum">
               <a:rPr lang="ru-RU" smtClean="0"/>
               <a:t>33</a:t>
+            </a:fld>
+            <a:endParaRPr lang="ru-RU"/>
+          </a:p>
+        </p:txBody>
+      </p:sp>
+    </p:spTree>
+    <p:extLst>
+      <p:ext uri="{BB962C8B-B14F-4D97-AF65-F5344CB8AC3E}">
+        <p14:creationId xmlns:p14="http://schemas.microsoft.com/office/powerpoint/2010/main" val="3418387891"/>
+      </p:ext>
+    </p:extLst>
+  </p:cSld>
+  <p:clrMapOvr>
+    <a:masterClrMapping/>
+  </p:clrMapOvr>
+</p:sld>
+</file>
+
+<file path=ppt/slides/slide34.xml><?xml version="1.0" encoding="utf-8"?>
+<p:sld xmlns:a="http://schemas.openxmlformats.org/drawingml/2006/main" xmlns:r="http://schemas.openxmlformats.org/officeDocument/2006/relationships" xmlns:p="http://schemas.openxmlformats.org/presentationml/2006/main">
+  <p:cSld>
+    <p:spTree>
+      <p:nvGrpSpPr>
+        <p:cNvPr id="1" name=""/>
+        <p:cNvGrpSpPr/>
+        <p:nvPr/>
+      </p:nvGrpSpPr>
+      <p:grpSpPr>
+        <a:xfrm>
+          <a:off x="0" y="0"/>
+          <a:ext cx="0" cy="0"/>
+          <a:chOff x="0" y="0"/>
+          <a:chExt cx="0" cy="0"/>
+        </a:xfrm>
+      </p:grpSpPr>
+      <p:sp>
+        <p:nvSpPr>
+          <p:cNvPr id="4" name="Номер слайда 3">
+            <a:extLst>
+              <a:ext uri="{FF2B5EF4-FFF2-40B4-BE49-F238E27FC236}">
+                <a16:creationId xmlns:a16="http://schemas.microsoft.com/office/drawing/2014/main" id="{85B8844E-54F3-4CE5-A4C2-3182D71BA2CA}"/>
+              </a:ext>
+            </a:extLst>
+          </p:cNvPr>
+          <p:cNvSpPr>
+            <a:spLocks noGrp="1"/>
+          </p:cNvSpPr>
+          <p:nvPr>
+            <p:ph type="sldNum" sz="quarter" idx="12"/>
+          </p:nvPr>
+        </p:nvSpPr>
+        <p:spPr/>
+        <p:txBody>
+          <a:bodyPr/>
+          <a:lstStyle/>
+          <a:p>
+            <a:fld id="{227C91C0-7371-407B-9696-36B720B1D03F}" type="slidenum">
+              <a:rPr lang="ru-RU" smtClean="0"/>
+              <a:t>34</a:t>
             </a:fld>
             <a:endParaRPr lang="ru-RU"/>
           </a:p>
@@ -10720,143 +10927,6 @@
 </p:sld>
 </file>
 
-<file path=ppt/slides/slide34.xml><?xml version="1.0" encoding="utf-8"?>
-<p:sld xmlns:a="http://schemas.openxmlformats.org/drawingml/2006/main" xmlns:r="http://schemas.openxmlformats.org/officeDocument/2006/relationships" xmlns:p="http://schemas.openxmlformats.org/presentationml/2006/main">
-  <p:cSld>
-    <p:spTree>
-      <p:nvGrpSpPr>
-        <p:cNvPr id="1" name=""/>
-        <p:cNvGrpSpPr/>
-        <p:nvPr/>
-      </p:nvGrpSpPr>
-      <p:grpSpPr>
-        <a:xfrm>
-          <a:off x="0" y="0"/>
-          <a:ext cx="0" cy="0"/>
-          <a:chOff x="0" y="0"/>
-          <a:chExt cx="0" cy="0"/>
-        </a:xfrm>
-      </p:grpSpPr>
-      <p:sp>
-        <p:nvSpPr>
-          <p:cNvPr id="2" name="Заголовок 1">
-            <a:extLst>
-              <a:ext uri="{FF2B5EF4-FFF2-40B4-BE49-F238E27FC236}">
-                <a16:creationId xmlns:a16="http://schemas.microsoft.com/office/drawing/2014/main" id="{9083EB35-5839-437F-B07F-6B0C125943A9}"/>
-              </a:ext>
-            </a:extLst>
-          </p:cNvPr>
-          <p:cNvSpPr>
-            <a:spLocks noGrp="1"/>
-          </p:cNvSpPr>
-          <p:nvPr>
-            <p:ph type="title"/>
-          </p:nvPr>
-        </p:nvSpPr>
-        <p:spPr/>
-        <p:txBody>
-          <a:bodyPr/>
-          <a:lstStyle/>
-          <a:p>
-            <a:r>
-              <a:rPr lang="ru-RU" dirty="0"/>
-              <a:t>Класс </a:t>
-            </a:r>
-            <a:r>
-              <a:rPr lang="en-US" dirty="0" err="1"/>
-              <a:t>ThreadPool</a:t>
-            </a:r>
-            <a:endParaRPr lang="ru-RU" dirty="0"/>
-          </a:p>
-        </p:txBody>
-      </p:sp>
-      <p:sp>
-        <p:nvSpPr>
-          <p:cNvPr id="3" name="Объект 2">
-            <a:extLst>
-              <a:ext uri="{FF2B5EF4-FFF2-40B4-BE49-F238E27FC236}">
-                <a16:creationId xmlns:a16="http://schemas.microsoft.com/office/drawing/2014/main" id="{2931DB3A-F8AC-4353-AED9-B7F58FCD39E8}"/>
-              </a:ext>
-            </a:extLst>
-          </p:cNvPr>
-          <p:cNvSpPr>
-            <a:spLocks noGrp="1"/>
-          </p:cNvSpPr>
-          <p:nvPr>
-            <p:ph idx="1"/>
-          </p:nvPr>
-        </p:nvSpPr>
-        <p:spPr/>
-        <p:txBody>
-          <a:bodyPr>
-            <a:normAutofit/>
-          </a:bodyPr>
-          <a:lstStyle/>
-          <a:p>
-            <a:r>
-              <a:rPr lang="ru-RU" dirty="0"/>
-              <a:t>набор потоков, которые находятся в режиме ожидания и готовы выполнять любую полезную работу. </a:t>
-            </a:r>
-          </a:p>
-          <a:p>
-            <a:r>
-              <a:rPr lang="ru-RU" dirty="0"/>
-              <a:t>при запуске приложения пул-потоков запускает минимальное количество потоков, которые находятся в состоянии ожидания новых задач. </a:t>
-            </a:r>
-          </a:p>
-          <a:p>
-            <a:r>
-              <a:rPr lang="ru-RU" dirty="0"/>
-              <a:t>если активных потоков недостаточно для эффективного выполнения задач в пуле, он запускает новые и использует их по тому же принципу повторного использования. </a:t>
-            </a:r>
-          </a:p>
-          <a:p>
-            <a:endParaRPr lang="ru-RU" dirty="0"/>
-          </a:p>
-        </p:txBody>
-      </p:sp>
-      <p:sp>
-        <p:nvSpPr>
-          <p:cNvPr id="4" name="Номер слайда 3">
-            <a:extLst>
-              <a:ext uri="{FF2B5EF4-FFF2-40B4-BE49-F238E27FC236}">
-                <a16:creationId xmlns:a16="http://schemas.microsoft.com/office/drawing/2014/main" id="{39A56C05-1751-4E64-B48F-7AF1D39D8953}"/>
-              </a:ext>
-            </a:extLst>
-          </p:cNvPr>
-          <p:cNvSpPr>
-            <a:spLocks noGrp="1"/>
-          </p:cNvSpPr>
-          <p:nvPr>
-            <p:ph type="sldNum" sz="quarter" idx="12"/>
-          </p:nvPr>
-        </p:nvSpPr>
-        <p:spPr/>
-        <p:txBody>
-          <a:bodyPr/>
-          <a:lstStyle/>
-          <a:p>
-            <a:fld id="{227C91C0-7371-407B-9696-36B720B1D03F}" type="slidenum">
-              <a:rPr lang="ru-RU" smtClean="0"/>
-              <a:t>34</a:t>
-            </a:fld>
-            <a:endParaRPr lang="ru-RU"/>
-          </a:p>
-        </p:txBody>
-      </p:sp>
-    </p:spTree>
-    <p:extLst>
-      <p:ext uri="{BB962C8B-B14F-4D97-AF65-F5344CB8AC3E}">
-        <p14:creationId xmlns:p14="http://schemas.microsoft.com/office/powerpoint/2010/main" val="1815571512"/>
-      </p:ext>
-    </p:extLst>
-  </p:cSld>
-  <p:clrMapOvr>
-    <a:masterClrMapping/>
-  </p:clrMapOvr>
-</p:sld>
-</file>
-
 <file path=ppt/slides/slide35.xml><?xml version="1.0" encoding="utf-8"?>
 <p:sld xmlns:a="http://schemas.openxmlformats.org/drawingml/2006/main" xmlns:r="http://schemas.openxmlformats.org/officeDocument/2006/relationships" xmlns:p="http://schemas.openxmlformats.org/presentationml/2006/main">
   <p:cSld>
@@ -10879,7 +10949,7 @@
           <p:cNvPr id="2" name="Заголовок 1">
             <a:extLst>
               <a:ext uri="{FF2B5EF4-FFF2-40B4-BE49-F238E27FC236}">
-                <a16:creationId xmlns:a16="http://schemas.microsoft.com/office/drawing/2014/main" id="{5AF31C3A-261D-4E7B-96B2-C53F5B5EC7EA}"/>
+                <a16:creationId xmlns:a16="http://schemas.microsoft.com/office/drawing/2014/main" id="{9083EB35-5839-437F-B07F-6B0C125943A9}"/>
               </a:ext>
             </a:extLst>
           </p:cNvPr>
@@ -10912,7 +10982,7 @@
           <p:cNvPr id="3" name="Объект 2">
             <a:extLst>
               <a:ext uri="{FF2B5EF4-FFF2-40B4-BE49-F238E27FC236}">
-                <a16:creationId xmlns:a16="http://schemas.microsoft.com/office/drawing/2014/main" id="{EC715EBE-011E-49AE-8D9E-957D424B2AD3}"/>
+                <a16:creationId xmlns:a16="http://schemas.microsoft.com/office/drawing/2014/main" id="{2931DB3A-F8AC-4353-AED9-B7F58FCD39E8}"/>
               </a:ext>
             </a:extLst>
           </p:cNvPr>
@@ -10926,52 +10996,29 @@
         <p:spPr/>
         <p:txBody>
           <a:bodyPr>
-            <a:normAutofit lnSpcReduction="10000"/>
+            <a:normAutofit/>
           </a:bodyPr>
           <a:lstStyle/>
           <a:p>
             <a:r>
               <a:rPr lang="ru-RU" dirty="0"/>
-              <a:t>Потоки внутри пула разделяются на две группы: </a:t>
-            </a:r>
-            <a:r>
-              <a:rPr lang="ru-RU" dirty="0" err="1"/>
-              <a:t>worker</a:t>
-            </a:r>
-            <a:r>
-              <a:rPr lang="ru-RU" dirty="0"/>
-              <a:t> и I/O-потоки. </a:t>
-            </a:r>
-            <a:endParaRPr lang="en-US" dirty="0"/>
-          </a:p>
-          <a:p>
-            <a:r>
-              <a:rPr lang="ru-RU" dirty="0"/>
-              <a:t>Рабочие потоки фокусируются на работе, связанной с загрузкой CPU (CPU </a:t>
-            </a:r>
-            <a:r>
-              <a:rPr lang="ru-RU" dirty="0" err="1"/>
-              <a:t>based</a:t>
-            </a:r>
-            <a:r>
-              <a:rPr lang="ru-RU" dirty="0"/>
-              <a:t>), в то время как I/O-потоки — на работе с устройствами ввода/вывода: файловая система, сетевая карта и другие. </a:t>
-            </a:r>
-            <a:endParaRPr lang="en-US" dirty="0"/>
-          </a:p>
-          <a:p>
-            <a:r>
-              <a:rPr lang="ru-RU" dirty="0"/>
-              <a:t>Если выполнять I/O-операцию на рабочем потоке (CPU </a:t>
-            </a:r>
-            <a:r>
-              <a:rPr lang="ru-RU" dirty="0" err="1"/>
-              <a:t>based</a:t>
-            </a:r>
-            <a:r>
-              <a:rPr lang="ru-RU" dirty="0"/>
-              <a:t>), то расход ресурсов менее эффективен, т.к. поток будет находиться в состоянии ожидания завершения I/O-операции. Для подобных задач предназначены отдельные I/O-потоки. При использовании пула потоков это скрыто в явном виде от разработчиков. </a:t>
-            </a:r>
+              <a:t>набор потоков, которые находятся в режиме ожидания и готовы выполнять любую полезную работу. </a:t>
+            </a:r>
+          </a:p>
+          <a:p>
+            <a:r>
+              <a:rPr lang="ru-RU" dirty="0"/>
+              <a:t>при запуске приложения пул-потоков запускает минимальное количество потоков, которые находятся в состоянии ожидания новых задач. </a:t>
+            </a:r>
+          </a:p>
+          <a:p>
+            <a:r>
+              <a:rPr lang="ru-RU" dirty="0"/>
+              <a:t>если активных потоков недостаточно для эффективного выполнения задач в пуле, он запускает новые и использует их по тому же принципу повторного использования. </a:t>
+            </a:r>
+          </a:p>
+          <a:p>
+            <a:endParaRPr lang="ru-RU" dirty="0"/>
           </a:p>
         </p:txBody>
       </p:sp>
@@ -10980,7 +11027,7 @@
           <p:cNvPr id="4" name="Номер слайда 3">
             <a:extLst>
               <a:ext uri="{FF2B5EF4-FFF2-40B4-BE49-F238E27FC236}">
-                <a16:creationId xmlns:a16="http://schemas.microsoft.com/office/drawing/2014/main" id="{8D7D51CF-507E-470D-B06A-9ADC96773C0D}"/>
+                <a16:creationId xmlns:a16="http://schemas.microsoft.com/office/drawing/2014/main" id="{39A56C05-1751-4E64-B48F-7AF1D39D8953}"/>
               </a:ext>
             </a:extLst>
           </p:cNvPr>
@@ -11007,7 +11054,7 @@
     </p:spTree>
     <p:extLst>
       <p:ext uri="{BB962C8B-B14F-4D97-AF65-F5344CB8AC3E}">
-        <p14:creationId xmlns:p14="http://schemas.microsoft.com/office/powerpoint/2010/main" val="1891878043"/>
+        <p14:creationId xmlns:p14="http://schemas.microsoft.com/office/powerpoint/2010/main" val="1815571512"/>
       </p:ext>
     </p:extLst>
   </p:cSld>
@@ -11039,7 +11086,7 @@
           <p:cNvPr id="2" name="Заголовок 1">
             <a:extLst>
               <a:ext uri="{FF2B5EF4-FFF2-40B4-BE49-F238E27FC236}">
-                <a16:creationId xmlns:a16="http://schemas.microsoft.com/office/drawing/2014/main" id="{676354C6-1068-4428-BA30-476CA5CE8E11}"/>
+                <a16:creationId xmlns:a16="http://schemas.microsoft.com/office/drawing/2014/main" id="{5AF31C3A-261D-4E7B-96B2-C53F5B5EC7EA}"/>
               </a:ext>
             </a:extLst>
           </p:cNvPr>
@@ -11072,7 +11119,7 @@
           <p:cNvPr id="3" name="Объект 2">
             <a:extLst>
               <a:ext uri="{FF2B5EF4-FFF2-40B4-BE49-F238E27FC236}">
-                <a16:creationId xmlns:a16="http://schemas.microsoft.com/office/drawing/2014/main" id="{0936038C-71D5-4382-8F72-AD166BD9FA44}"/>
+                <a16:creationId xmlns:a16="http://schemas.microsoft.com/office/drawing/2014/main" id="{EC715EBE-011E-49AE-8D9E-957D424B2AD3}"/>
               </a:ext>
             </a:extLst>
           </p:cNvPr>
@@ -11085,59 +11132,53 @@
         </p:nvSpPr>
         <p:spPr/>
         <p:txBody>
-          <a:bodyPr/>
-          <a:lstStyle/>
-          <a:p>
-            <a:pPr algn="l">
-              <a:buFont typeface="Arial" panose="020B0604020202020204" pitchFamily="34" charset="0"/>
-              <a:buChar char="•"/>
-            </a:pPr>
-            <a:r>
-              <a:rPr lang="ru-RU" dirty="0"/>
-              <a:t>Потокам из пула невозможно назначить имя</a:t>
-            </a:r>
-          </a:p>
-          <a:p>
-            <a:pPr algn="l">
-              <a:buFont typeface="Arial" panose="020B0604020202020204" pitchFamily="34" charset="0"/>
-              <a:buChar char="•"/>
-            </a:pPr>
-            <a:r>
-              <a:rPr lang="ru-RU" dirty="0"/>
-              <a:t>Потоки из пула всегда фоновые (</a:t>
+          <a:bodyPr>
+            <a:normAutofit lnSpcReduction="10000"/>
+          </a:bodyPr>
+          <a:lstStyle/>
+          <a:p>
+            <a:r>
+              <a:rPr lang="ru-RU" dirty="0"/>
+              <a:t>Потоки внутри пула разделяются на две группы: </a:t>
             </a:r>
             <a:r>
               <a:rPr lang="ru-RU" dirty="0" err="1"/>
-              <a:t>background</a:t>
-            </a:r>
-            <a:r>
-              <a:rPr lang="ru-RU" dirty="0"/>
-              <a:t>)</a:t>
-            </a:r>
-          </a:p>
-          <a:p>
-            <a:pPr algn="l">
-              <a:buFont typeface="Arial" panose="020B0604020202020204" pitchFamily="34" charset="0"/>
-              <a:buChar char="•"/>
-            </a:pPr>
-            <a:r>
-              <a:rPr lang="ru-RU" dirty="0"/>
-              <a:t>Блокировка потоков из пула может привести к запуску дополнительных потоков и падению производительности</a:t>
+              <a:t>worker</a:t>
+            </a:r>
+            <a:r>
+              <a:rPr lang="ru-RU" dirty="0"/>
+              <a:t> и I/O-потоки. </a:t>
             </a:r>
             <a:endParaRPr lang="en-US" dirty="0"/>
           </a:p>
           <a:p>
-            <a:pPr algn="l">
-              <a:buFont typeface="Arial" panose="020B0604020202020204" pitchFamily="34" charset="0"/>
-              <a:buChar char="•"/>
-            </a:pPr>
-            <a:r>
-              <a:rPr lang="ru-RU" dirty="0"/>
-              <a:t>Имеет размер, при его достижении (кол-во активных задач = кол-ву потоков) может увеличиваться, добавляя 2 потока в секунду. </a:t>
-            </a:r>
-          </a:p>
-          <a:p>
-            <a:endParaRPr lang="ru-RU" dirty="0"/>
+            <a:r>
+              <a:rPr lang="ru-RU" dirty="0"/>
+              <a:t>Рабочие потоки фокусируются на работе, связанной с загрузкой CPU (CPU </a:t>
+            </a:r>
+            <a:r>
+              <a:rPr lang="ru-RU" dirty="0" err="1"/>
+              <a:t>based</a:t>
+            </a:r>
+            <a:r>
+              <a:rPr lang="ru-RU" dirty="0"/>
+              <a:t>), в то время как I/O-потоки — на работе с устройствами ввода/вывода: файловая система, сетевая карта и другие. </a:t>
+            </a:r>
+            <a:endParaRPr lang="en-US" dirty="0"/>
+          </a:p>
+          <a:p>
+            <a:r>
+              <a:rPr lang="ru-RU" dirty="0"/>
+              <a:t>Если выполнять I/O-операцию на рабочем потоке (CPU </a:t>
+            </a:r>
+            <a:r>
+              <a:rPr lang="ru-RU" dirty="0" err="1"/>
+              <a:t>based</a:t>
+            </a:r>
+            <a:r>
+              <a:rPr lang="ru-RU" dirty="0"/>
+              <a:t>), то расход ресурсов менее эффективен, т.к. поток будет находиться в состоянии ожидания завершения I/O-операции. Для подобных задач предназначены отдельные I/O-потоки. При использовании пула потоков это скрыто в явном виде от разработчиков. </a:t>
+            </a:r>
           </a:p>
         </p:txBody>
       </p:sp>
@@ -11146,7 +11187,7 @@
           <p:cNvPr id="4" name="Номер слайда 3">
             <a:extLst>
               <a:ext uri="{FF2B5EF4-FFF2-40B4-BE49-F238E27FC236}">
-                <a16:creationId xmlns:a16="http://schemas.microsoft.com/office/drawing/2014/main" id="{06FEAD00-49AE-454C-9CB7-A49593326D3C}"/>
+                <a16:creationId xmlns:a16="http://schemas.microsoft.com/office/drawing/2014/main" id="{8D7D51CF-507E-470D-B06A-9ADC96773C0D}"/>
               </a:ext>
             </a:extLst>
           </p:cNvPr>
@@ -11173,7 +11214,7 @@
     </p:spTree>
     <p:extLst>
       <p:ext uri="{BB962C8B-B14F-4D97-AF65-F5344CB8AC3E}">
-        <p14:creationId xmlns:p14="http://schemas.microsoft.com/office/powerpoint/2010/main" val="3723394403"/>
+        <p14:creationId xmlns:p14="http://schemas.microsoft.com/office/powerpoint/2010/main" val="1891878043"/>
       </p:ext>
     </p:extLst>
   </p:cSld>
@@ -11205,7 +11246,7 @@
           <p:cNvPr id="2" name="Заголовок 1">
             <a:extLst>
               <a:ext uri="{FF2B5EF4-FFF2-40B4-BE49-F238E27FC236}">
-                <a16:creationId xmlns:a16="http://schemas.microsoft.com/office/drawing/2014/main" id="{81F5B19E-8037-46FC-A32A-51C9A5237032}"/>
+                <a16:creationId xmlns:a16="http://schemas.microsoft.com/office/drawing/2014/main" id="{676354C6-1068-4428-BA30-476CA5CE8E11}"/>
               </a:ext>
             </a:extLst>
           </p:cNvPr>
@@ -11238,7 +11279,7 @@
           <p:cNvPr id="3" name="Объект 2">
             <a:extLst>
               <a:ext uri="{FF2B5EF4-FFF2-40B4-BE49-F238E27FC236}">
-                <a16:creationId xmlns:a16="http://schemas.microsoft.com/office/drawing/2014/main" id="{065AA1CE-4CFF-4167-A588-B4CCEC8F0E4B}"/>
+                <a16:creationId xmlns:a16="http://schemas.microsoft.com/office/drawing/2014/main" id="{0936038C-71D5-4382-8F72-AD166BD9FA44}"/>
               </a:ext>
             </a:extLst>
           </p:cNvPr>
@@ -11254,82 +11295,55 @@
           <a:bodyPr/>
           <a:lstStyle/>
           <a:p>
-            <a:pPr marL="0" indent="0">
-              <a:buNone/>
-            </a:pPr>
-            <a:r>
-              <a:rPr lang="en-US" sz="2400" dirty="0"/>
-              <a:t>static void MakeSomeWork5 (object state)</a:t>
-            </a:r>
-          </a:p>
-          <a:p>
-            <a:pPr marL="0" indent="0">
-              <a:buNone/>
-            </a:pPr>
-            <a:r>
-              <a:rPr lang="en-US" sz="2400" dirty="0"/>
-              <a:t>{</a:t>
-            </a:r>
-          </a:p>
-          <a:p>
-            <a:pPr marL="0" indent="0">
-              <a:buNone/>
-            </a:pPr>
-            <a:r>
-              <a:rPr lang="en-US" sz="2400" dirty="0"/>
-              <a:t>      //</a:t>
-            </a:r>
-            <a:r>
-              <a:rPr lang="ru-RU" sz="2400" dirty="0"/>
-              <a:t>код выполнения какой-то длительной операции</a:t>
-            </a:r>
-            <a:endParaRPr lang="en-US" sz="2400" dirty="0"/>
-          </a:p>
-          <a:p>
-            <a:pPr marL="0" indent="0">
-              <a:buNone/>
-            </a:pPr>
-            <a:r>
-              <a:rPr lang="en-US" sz="2400" dirty="0"/>
-              <a:t>}</a:t>
-            </a:r>
-          </a:p>
-          <a:p>
-            <a:pPr marL="0" indent="0">
-              <a:buNone/>
-            </a:pPr>
+            <a:pPr algn="l">
+              <a:buFont typeface="Arial" panose="020B0604020202020204" pitchFamily="34" charset="0"/>
+              <a:buChar char="•"/>
+            </a:pPr>
+            <a:r>
+              <a:rPr lang="ru-RU" dirty="0"/>
+              <a:t>Потокам из пула невозможно назначить имя</a:t>
+            </a:r>
+          </a:p>
+          <a:p>
+            <a:pPr algn="l">
+              <a:buFont typeface="Arial" panose="020B0604020202020204" pitchFamily="34" charset="0"/>
+              <a:buChar char="•"/>
+            </a:pPr>
+            <a:r>
+              <a:rPr lang="ru-RU" dirty="0"/>
+              <a:t>Потоки из пула всегда фоновые (</a:t>
+            </a:r>
+            <a:r>
+              <a:rPr lang="ru-RU" dirty="0" err="1"/>
+              <a:t>background</a:t>
+            </a:r>
+            <a:r>
+              <a:rPr lang="ru-RU" dirty="0"/>
+              <a:t>)</a:t>
+            </a:r>
+          </a:p>
+          <a:p>
+            <a:pPr algn="l">
+              <a:buFont typeface="Arial" panose="020B0604020202020204" pitchFamily="34" charset="0"/>
+              <a:buChar char="•"/>
+            </a:pPr>
+            <a:r>
+              <a:rPr lang="ru-RU" dirty="0"/>
+              <a:t>Блокировка потоков из пула может привести к запуску дополнительных потоков и падению производительности</a:t>
+            </a:r>
             <a:endParaRPr lang="en-US" dirty="0"/>
           </a:p>
           <a:p>
-            <a:pPr marL="0" indent="0">
-              <a:buNone/>
-            </a:pPr>
-            <a:r>
-              <a:rPr lang="en-US" sz="2400" dirty="0" err="1"/>
-              <a:t>ThreadPool.QueueUserWorkItem</a:t>
-            </a:r>
-            <a:r>
-              <a:rPr lang="en-US" sz="2400" dirty="0"/>
-              <a:t>(MakeSomeWork5);</a:t>
-            </a:r>
-          </a:p>
-          <a:p>
-            <a:pPr marL="0" indent="0">
-              <a:buNone/>
-            </a:pPr>
-            <a:r>
-              <a:rPr lang="en-US" sz="2400" dirty="0" err="1"/>
-              <a:t>ThreadPool.QueueUserWorkItem</a:t>
-            </a:r>
-            <a:r>
-              <a:rPr lang="en-US" sz="2400" dirty="0"/>
-              <a:t>(MakeSomeWork5);</a:t>
-            </a:r>
-          </a:p>
-          <a:p>
-            <a:pPr marL="0" indent="0">
-              <a:buNone/>
-            </a:pPr>
+            <a:pPr algn="l">
+              <a:buFont typeface="Arial" panose="020B0604020202020204" pitchFamily="34" charset="0"/>
+              <a:buChar char="•"/>
+            </a:pPr>
+            <a:r>
+              <a:rPr lang="ru-RU" dirty="0"/>
+              <a:t>Имеет размер, при его достижении (кол-во активных задач = кол-ву потоков) может увеличиваться, добавляя 2 потока в секунду. </a:t>
+            </a:r>
+          </a:p>
+          <a:p>
             <a:endParaRPr lang="ru-RU" dirty="0"/>
           </a:p>
         </p:txBody>
@@ -11339,7 +11353,7 @@
           <p:cNvPr id="4" name="Номер слайда 3">
             <a:extLst>
               <a:ext uri="{FF2B5EF4-FFF2-40B4-BE49-F238E27FC236}">
-                <a16:creationId xmlns:a16="http://schemas.microsoft.com/office/drawing/2014/main" id="{97BEB4B6-512D-4E77-9302-00384600B510}"/>
+                <a16:creationId xmlns:a16="http://schemas.microsoft.com/office/drawing/2014/main" id="{06FEAD00-49AE-454C-9CB7-A49593326D3C}"/>
               </a:ext>
             </a:extLst>
           </p:cNvPr>
@@ -11366,7 +11380,7 @@
     </p:spTree>
     <p:extLst>
       <p:ext uri="{BB962C8B-B14F-4D97-AF65-F5344CB8AC3E}">
-        <p14:creationId xmlns:p14="http://schemas.microsoft.com/office/powerpoint/2010/main" val="2888488691"/>
+        <p14:creationId xmlns:p14="http://schemas.microsoft.com/office/powerpoint/2010/main" val="3723394403"/>
       </p:ext>
     </p:extLst>
   </p:cSld>
@@ -11398,7 +11412,7 @@
           <p:cNvPr id="2" name="Заголовок 1">
             <a:extLst>
               <a:ext uri="{FF2B5EF4-FFF2-40B4-BE49-F238E27FC236}">
-                <a16:creationId xmlns:a16="http://schemas.microsoft.com/office/drawing/2014/main" id="{2BFDA040-41AC-4AD9-8EF0-5440C8509D66}"/>
+                <a16:creationId xmlns:a16="http://schemas.microsoft.com/office/drawing/2014/main" id="{81F5B19E-8037-46FC-A32A-51C9A5237032}"/>
               </a:ext>
             </a:extLst>
           </p:cNvPr>
@@ -11431,7 +11445,7 @@
           <p:cNvPr id="3" name="Объект 2">
             <a:extLst>
               <a:ext uri="{FF2B5EF4-FFF2-40B4-BE49-F238E27FC236}">
-                <a16:creationId xmlns:a16="http://schemas.microsoft.com/office/drawing/2014/main" id="{EBD7D7B0-4BBD-4527-A5EE-4962A5C40D73}"/>
+                <a16:creationId xmlns:a16="http://schemas.microsoft.com/office/drawing/2014/main" id="{065AA1CE-4CFF-4167-A588-B4CCEC8F0E4B}"/>
               </a:ext>
             </a:extLst>
           </p:cNvPr>
@@ -11447,23 +11461,82 @@
           <a:bodyPr/>
           <a:lstStyle/>
           <a:p>
-            <a:r>
-              <a:rPr lang="ru-RU" dirty="0"/>
-              <a:t>Использование класса </a:t>
-            </a:r>
-            <a:r>
-              <a:rPr lang="en-US" sz="2800" dirty="0" err="1"/>
-              <a:t>ThreadPool</a:t>
-            </a:r>
-            <a:r>
-              <a:rPr lang="ru-RU" sz="2800" dirty="0"/>
-              <a:t> не позволяет отслеживать состояние задачи, управлять ее выполнением;</a:t>
-            </a:r>
-          </a:p>
-          <a:p>
-            <a:endParaRPr lang="en-US" sz="2800" dirty="0"/>
-          </a:p>
-          <a:p>
+            <a:pPr marL="0" indent="0">
+              <a:buNone/>
+            </a:pPr>
+            <a:r>
+              <a:rPr lang="en-US" sz="2400" dirty="0"/>
+              <a:t>static void MakeSomeWork5 (object state)</a:t>
+            </a:r>
+          </a:p>
+          <a:p>
+            <a:pPr marL="0" indent="0">
+              <a:buNone/>
+            </a:pPr>
+            <a:r>
+              <a:rPr lang="en-US" sz="2400" dirty="0"/>
+              <a:t>{</a:t>
+            </a:r>
+          </a:p>
+          <a:p>
+            <a:pPr marL="0" indent="0">
+              <a:buNone/>
+            </a:pPr>
+            <a:r>
+              <a:rPr lang="en-US" sz="2400" dirty="0"/>
+              <a:t>      //</a:t>
+            </a:r>
+            <a:r>
+              <a:rPr lang="ru-RU" sz="2400" dirty="0"/>
+              <a:t>код выполнения какой-то длительной операции</a:t>
+            </a:r>
+            <a:endParaRPr lang="en-US" sz="2400" dirty="0"/>
+          </a:p>
+          <a:p>
+            <a:pPr marL="0" indent="0">
+              <a:buNone/>
+            </a:pPr>
+            <a:r>
+              <a:rPr lang="en-US" sz="2400" dirty="0"/>
+              <a:t>}</a:t>
+            </a:r>
+          </a:p>
+          <a:p>
+            <a:pPr marL="0" indent="0">
+              <a:buNone/>
+            </a:pPr>
+            <a:endParaRPr lang="en-US" dirty="0"/>
+          </a:p>
+          <a:p>
+            <a:pPr marL="0" indent="0">
+              <a:buNone/>
+            </a:pPr>
+            <a:r>
+              <a:rPr lang="en-US" sz="2400" dirty="0" err="1"/>
+              <a:t>ThreadPool.QueueUserWorkItem</a:t>
+            </a:r>
+            <a:r>
+              <a:rPr lang="en-US" sz="2400" dirty="0"/>
+              <a:t>(MakeSomeWork5);</a:t>
+            </a:r>
+          </a:p>
+          <a:p>
+            <a:pPr marL="0" indent="0">
+              <a:buNone/>
+            </a:pPr>
+            <a:r>
+              <a:rPr lang="en-US" sz="2400" dirty="0" err="1"/>
+              <a:t>ThreadPool.QueueUserWorkItem</a:t>
+            </a:r>
+            <a:r>
+              <a:rPr lang="en-US" sz="2400" dirty="0"/>
+              <a:t>(MakeSomeWork5);</a:t>
+            </a:r>
+          </a:p>
+          <a:p>
+            <a:pPr marL="0" indent="0">
+              <a:buNone/>
+            </a:pPr>
             <a:endParaRPr lang="ru-RU" dirty="0"/>
           </a:p>
         </p:txBody>
@@ -11473,7 +11546,7 @@
           <p:cNvPr id="4" name="Номер слайда 3">
             <a:extLst>
               <a:ext uri="{FF2B5EF4-FFF2-40B4-BE49-F238E27FC236}">
-                <a16:creationId xmlns:a16="http://schemas.microsoft.com/office/drawing/2014/main" id="{D1D6AF9C-BFAB-4BA8-8CF3-280D541AF2CA}"/>
+                <a16:creationId xmlns:a16="http://schemas.microsoft.com/office/drawing/2014/main" id="{97BEB4B6-512D-4E77-9302-00384600B510}"/>
               </a:ext>
             </a:extLst>
           </p:cNvPr>
@@ -11500,7 +11573,7 @@
     </p:spTree>
     <p:extLst>
       <p:ext uri="{BB962C8B-B14F-4D97-AF65-F5344CB8AC3E}">
-        <p14:creationId xmlns:p14="http://schemas.microsoft.com/office/powerpoint/2010/main" val="3236139878"/>
+        <p14:creationId xmlns:p14="http://schemas.microsoft.com/office/powerpoint/2010/main" val="2888488691"/>
       </p:ext>
     </p:extLst>
   </p:cSld>
@@ -11532,7 +11605,7 @@
           <p:cNvPr id="2" name="Заголовок 1">
             <a:extLst>
               <a:ext uri="{FF2B5EF4-FFF2-40B4-BE49-F238E27FC236}">
-                <a16:creationId xmlns:a16="http://schemas.microsoft.com/office/drawing/2014/main" id="{9264F687-D355-4495-B091-D16ED0B2F530}"/>
+                <a16:creationId xmlns:a16="http://schemas.microsoft.com/office/drawing/2014/main" id="{2BFDA040-41AC-4AD9-8EF0-5440C8509D66}"/>
               </a:ext>
             </a:extLst>
           </p:cNvPr>
@@ -11553,8 +11626,8 @@
               <a:t>Класс </a:t>
             </a:r>
             <a:r>
-              <a:rPr lang="en-US" dirty="0"/>
-              <a:t>Task</a:t>
+              <a:rPr lang="en-US" dirty="0" err="1"/>
+              <a:t>ThreadPool</a:t>
             </a:r>
             <a:endParaRPr lang="ru-RU" dirty="0"/>
           </a:p>
@@ -11565,7 +11638,7 @@
           <p:cNvPr id="3" name="Объект 2">
             <a:extLst>
               <a:ext uri="{FF2B5EF4-FFF2-40B4-BE49-F238E27FC236}">
-                <a16:creationId xmlns:a16="http://schemas.microsoft.com/office/drawing/2014/main" id="{C93D5AE5-B04B-4669-B070-07AFDCA71869}"/>
+                <a16:creationId xmlns:a16="http://schemas.microsoft.com/office/drawing/2014/main" id="{EBD7D7B0-4BBD-4527-A5EE-4962A5C40D73}"/>
               </a:ext>
             </a:extLst>
           </p:cNvPr>
@@ -11578,43 +11651,24 @@
         </p:nvSpPr>
         <p:spPr/>
         <p:txBody>
-          <a:bodyPr>
-            <a:normAutofit/>
-          </a:bodyPr>
-          <a:lstStyle/>
-          <a:p>
-            <a:r>
-              <a:rPr lang="ru-RU" dirty="0"/>
-              <a:t>представляют асинхронные операции;</a:t>
-            </a:r>
-          </a:p>
-          <a:p>
-            <a:r>
-              <a:rPr lang="ru-RU" dirty="0"/>
-              <a:t>выгодны для использования, когда есть операции, которые могут быть выполнены параллельно, не блокируя основной поток выполнения</a:t>
-            </a:r>
-            <a:r>
-              <a:rPr lang="en-US" dirty="0"/>
-              <a:t> (</a:t>
-            </a:r>
-            <a:r>
-              <a:rPr lang="ru-RU" dirty="0"/>
-              <a:t>ввод-вывод файлов, запросы к сети или операции с базой данных</a:t>
-            </a:r>
-            <a:r>
-              <a:rPr lang="en-US" dirty="0"/>
-              <a:t>, …)</a:t>
-            </a:r>
-            <a:r>
-              <a:rPr lang="ru-RU" dirty="0"/>
-              <a:t>;</a:t>
-            </a:r>
-          </a:p>
-          <a:p>
-            <a:r>
-              <a:rPr lang="ru-RU" dirty="0"/>
-              <a:t>позволяют обрабатывать результат выполнения операции.</a:t>
-            </a:r>
+          <a:bodyPr/>
+          <a:lstStyle/>
+          <a:p>
+            <a:r>
+              <a:rPr lang="ru-RU" dirty="0"/>
+              <a:t>Использование класса </a:t>
+            </a:r>
+            <a:r>
+              <a:rPr lang="en-US" sz="2800" dirty="0" err="1"/>
+              <a:t>ThreadPool</a:t>
+            </a:r>
+            <a:r>
+              <a:rPr lang="ru-RU" sz="2800" dirty="0"/>
+              <a:t> не позволяет отслеживать состояние задачи, управлять ее выполнением;</a:t>
+            </a:r>
+          </a:p>
+          <a:p>
+            <a:endParaRPr lang="en-US" sz="2800" dirty="0"/>
           </a:p>
           <a:p>
             <a:endParaRPr lang="ru-RU" dirty="0"/>
@@ -11626,7 +11680,7 @@
           <p:cNvPr id="4" name="Номер слайда 3">
             <a:extLst>
               <a:ext uri="{FF2B5EF4-FFF2-40B4-BE49-F238E27FC236}">
-                <a16:creationId xmlns:a16="http://schemas.microsoft.com/office/drawing/2014/main" id="{F2B3EA3C-95D1-4DBA-B51D-87AA4CD59C6E}"/>
+                <a16:creationId xmlns:a16="http://schemas.microsoft.com/office/drawing/2014/main" id="{D1D6AF9C-BFAB-4BA8-8CF3-280D541AF2CA}"/>
               </a:ext>
             </a:extLst>
           </p:cNvPr>
@@ -11653,7 +11707,7 @@
     </p:spTree>
     <p:extLst>
       <p:ext uri="{BB962C8B-B14F-4D97-AF65-F5344CB8AC3E}">
-        <p14:creationId xmlns:p14="http://schemas.microsoft.com/office/powerpoint/2010/main" val="743631170"/>
+        <p14:creationId xmlns:p14="http://schemas.microsoft.com/office/powerpoint/2010/main" val="3236139878"/>
       </p:ext>
     </p:extLst>
   </p:cSld>
@@ -11811,7 +11865,7 @@
           <p:cNvPr id="2" name="Заголовок 1">
             <a:extLst>
               <a:ext uri="{FF2B5EF4-FFF2-40B4-BE49-F238E27FC236}">
-                <a16:creationId xmlns:a16="http://schemas.microsoft.com/office/drawing/2014/main" id="{EDD2BE43-A8EF-4258-BD33-951DE5C4D9E2}"/>
+                <a16:creationId xmlns:a16="http://schemas.microsoft.com/office/drawing/2014/main" id="{9264F687-D355-4495-B091-D16ED0B2F530}"/>
               </a:ext>
             </a:extLst>
           </p:cNvPr>
@@ -11844,7 +11898,7 @@
           <p:cNvPr id="3" name="Объект 2">
             <a:extLst>
               <a:ext uri="{FF2B5EF4-FFF2-40B4-BE49-F238E27FC236}">
-                <a16:creationId xmlns:a16="http://schemas.microsoft.com/office/drawing/2014/main" id="{028B13A9-55A9-4AFB-B6D5-80339DF2C463}"/>
+                <a16:creationId xmlns:a16="http://schemas.microsoft.com/office/drawing/2014/main" id="{C93D5AE5-B04B-4669-B070-07AFDCA71869}"/>
               </a:ext>
             </a:extLst>
           </p:cNvPr>
@@ -11855,12 +11909,7 @@
             <p:ph idx="1"/>
           </p:nvPr>
         </p:nvSpPr>
-        <p:spPr>
-          <a:xfrm>
-            <a:off x="838200" y="1690688"/>
-            <a:ext cx="10515600" cy="4486275"/>
-          </a:xfrm>
-        </p:spPr>
+        <p:spPr/>
         <p:txBody>
           <a:bodyPr>
             <a:normAutofit/>
@@ -11869,27 +11918,57 @@
           <a:p>
             <a:r>
               <a:rPr lang="ru-RU" dirty="0"/>
-              <a:t>метод </a:t>
+              <a:t>представляют собой некоторую задачу</a:t>
+            </a:r>
+            <a:r>
+              <a:rPr lang="en-US" dirty="0"/>
+              <a:t>;</a:t>
+            </a:r>
+            <a:endParaRPr lang="ru-RU" dirty="0"/>
+          </a:p>
+          <a:p>
+            <a:r>
+              <a:rPr lang="ru-RU" dirty="0"/>
+              <a:t>задача </a:t>
             </a:r>
             <a:r>
               <a:rPr lang="ru-RU" dirty="0" err="1"/>
-              <a:t>Task.Run</a:t>
-            </a:r>
-            <a:r>
-              <a:rPr lang="ru-RU" dirty="0"/>
-              <a:t> в C# используется для запуска операции в отдельном потоке;</a:t>
-            </a:r>
-          </a:p>
-          <a:p>
-            <a:r>
-              <a:rPr lang="ru-RU" dirty="0"/>
-              <a:t>в качестве параметра принимает делегат Action и возвращает объект Task, представляющий выполнение этой операции. </a:t>
-            </a:r>
-          </a:p>
-          <a:p>
-            <a:pPr marL="457200" lvl="1" indent="0">
-              <a:buNone/>
-            </a:pPr>
+              <a:t>м.б</a:t>
+            </a:r>
+            <a:r>
+              <a:rPr lang="ru-RU" dirty="0"/>
+              <a:t>. выполнена асинхронно;</a:t>
+            </a:r>
+          </a:p>
+          <a:p>
+            <a:r>
+              <a:rPr lang="ru-RU" dirty="0"/>
+              <a:t>могут использоваться для выполнения операций без блокировки основного потока выполнения</a:t>
+            </a:r>
+            <a:r>
+              <a:rPr lang="en-US" dirty="0"/>
+              <a:t> (</a:t>
+            </a:r>
+            <a:r>
+              <a:rPr lang="ru-RU" dirty="0"/>
+              <a:t>ввод-вывод файлов, запросы к сети или операции с базой данных</a:t>
+            </a:r>
+            <a:r>
+              <a:rPr lang="en-US" dirty="0"/>
+              <a:t>, …)</a:t>
+            </a:r>
+            <a:r>
+              <a:rPr lang="ru-RU" dirty="0"/>
+              <a:t>;</a:t>
+            </a:r>
+          </a:p>
+          <a:p>
+            <a:r>
+              <a:rPr lang="ru-RU" dirty="0"/>
+              <a:t>позволяют обрабатывать результат выполнения операции.</a:t>
+            </a:r>
+          </a:p>
+          <a:p>
             <a:endParaRPr lang="ru-RU" dirty="0"/>
           </a:p>
         </p:txBody>
@@ -11899,7 +11978,7 @@
           <p:cNvPr id="4" name="Номер слайда 3">
             <a:extLst>
               <a:ext uri="{FF2B5EF4-FFF2-40B4-BE49-F238E27FC236}">
-                <a16:creationId xmlns:a16="http://schemas.microsoft.com/office/drawing/2014/main" id="{25685FD7-B50A-4686-BF2A-32B9272ADFD3}"/>
+                <a16:creationId xmlns:a16="http://schemas.microsoft.com/office/drawing/2014/main" id="{F2B3EA3C-95D1-4DBA-B51D-87AA4CD59C6E}"/>
               </a:ext>
             </a:extLst>
           </p:cNvPr>
@@ -11926,7 +12005,7 @@
     </p:spTree>
     <p:extLst>
       <p:ext uri="{BB962C8B-B14F-4D97-AF65-F5344CB8AC3E}">
-        <p14:creationId xmlns:p14="http://schemas.microsoft.com/office/powerpoint/2010/main" val="2117578503"/>
+        <p14:creationId xmlns:p14="http://schemas.microsoft.com/office/powerpoint/2010/main" val="743631170"/>
       </p:ext>
     </p:extLst>
   </p:cSld>
@@ -11958,7 +12037,7 @@
           <p:cNvPr id="2" name="Заголовок 1">
             <a:extLst>
               <a:ext uri="{FF2B5EF4-FFF2-40B4-BE49-F238E27FC236}">
-                <a16:creationId xmlns:a16="http://schemas.microsoft.com/office/drawing/2014/main" id="{3DEE1405-1E5A-42C1-B4E6-6E43E8DC646E}"/>
+                <a16:creationId xmlns:a16="http://schemas.microsoft.com/office/drawing/2014/main" id="{EDD2BE43-A8EF-4258-BD33-951DE5C4D9E2}"/>
               </a:ext>
             </a:extLst>
           </p:cNvPr>
@@ -11991,7 +12070,7 @@
           <p:cNvPr id="3" name="Объект 2">
             <a:extLst>
               <a:ext uri="{FF2B5EF4-FFF2-40B4-BE49-F238E27FC236}">
-                <a16:creationId xmlns:a16="http://schemas.microsoft.com/office/drawing/2014/main" id="{BDEDA93C-534D-4E36-A3E3-4A50639BA95A}"/>
+                <a16:creationId xmlns:a16="http://schemas.microsoft.com/office/drawing/2014/main" id="{028B13A9-55A9-4AFB-B6D5-80339DF2C463}"/>
               </a:ext>
             </a:extLst>
           </p:cNvPr>
@@ -12002,226 +12081,67 @@
             <p:ph idx="1"/>
           </p:nvPr>
         </p:nvSpPr>
-        <p:spPr/>
+        <p:spPr>
+          <a:xfrm>
+            <a:off x="838200" y="1690688"/>
+            <a:ext cx="10515600" cy="4486275"/>
+          </a:xfrm>
+        </p:spPr>
         <p:txBody>
           <a:bodyPr>
-            <a:normAutofit fontScale="92500" lnSpcReduction="20000"/>
+            <a:normAutofit/>
           </a:bodyPr>
           <a:lstStyle/>
           <a:p>
             <a:r>
               <a:rPr lang="ru-RU" dirty="0"/>
-              <a:t>допустим, есть CPU-затратная функция, которая выполняет сложные вычисления:</a:t>
+              <a:t>метод </a:t>
+            </a:r>
+            <a:r>
+              <a:rPr lang="ru-RU" dirty="0" err="1"/>
+              <a:t>Task.Run</a:t>
+            </a:r>
+            <a:r>
+              <a:rPr lang="ru-RU" dirty="0"/>
+              <a:t> в C# используется для запуска операции в отдельном потоке</a:t>
+            </a:r>
+            <a:r>
+              <a:rPr lang="en-US" dirty="0"/>
+              <a:t> (</a:t>
+            </a:r>
+            <a:r>
+              <a:rPr lang="ru-RU" dirty="0"/>
+              <a:t>по умолчанию из пула);</a:t>
+            </a:r>
+          </a:p>
+          <a:p>
+            <a:r>
+              <a:rPr lang="ru-RU" dirty="0"/>
+              <a:t>в качестве параметра принимает делегаты Action</a:t>
+            </a:r>
+            <a:r>
+              <a:rPr lang="en-US" dirty="0"/>
+              <a:t>/</a:t>
+            </a:r>
+            <a:r>
+              <a:rPr lang="en-US" dirty="0" err="1"/>
+              <a:t>Func</a:t>
+            </a:r>
+            <a:r>
+              <a:rPr lang="en-US" dirty="0"/>
+              <a:t>, </a:t>
+            </a:r>
+            <a:r>
+              <a:rPr lang="ru-RU" dirty="0"/>
+              <a:t>содержащие ссылку на выполняемый метод, и возвращает объект Task, представляющий выполнение этой операции. </a:t>
             </a:r>
           </a:p>
           <a:p>
             <a:pPr marL="457200" lvl="1" indent="0">
               <a:buNone/>
             </a:pPr>
-            <a:r>
-              <a:rPr lang="ru-RU" dirty="0" err="1"/>
-              <a:t>public</a:t>
-            </a:r>
-            <a:r>
-              <a:rPr lang="ru-RU" dirty="0"/>
-              <a:t> </a:t>
-            </a:r>
-            <a:r>
-              <a:rPr lang="ru-RU" dirty="0" err="1"/>
-              <a:t>int</a:t>
-            </a:r>
-            <a:r>
-              <a:rPr lang="ru-RU" dirty="0"/>
-              <a:t> </a:t>
-            </a:r>
-            <a:r>
-              <a:rPr lang="ru-RU" dirty="0" err="1"/>
-              <a:t>DoComplexCalculation</a:t>
-            </a:r>
-            <a:r>
-              <a:rPr lang="ru-RU" dirty="0"/>
-              <a:t>()</a:t>
-            </a:r>
-          </a:p>
-          <a:p>
-            <a:pPr marL="457200" lvl="1" indent="0">
-              <a:buNone/>
-            </a:pPr>
-            <a:r>
-              <a:rPr lang="ru-RU" dirty="0"/>
-              <a:t>{</a:t>
-            </a:r>
-          </a:p>
-          <a:p>
-            <a:pPr marL="457200" lvl="1" indent="0">
-              <a:buNone/>
-            </a:pPr>
-            <a:r>
-              <a:rPr lang="ru-RU" dirty="0"/>
-              <a:t>    </a:t>
-            </a:r>
-            <a:r>
-              <a:rPr lang="ru-RU" dirty="0" err="1"/>
-              <a:t>int</a:t>
-            </a:r>
-            <a:r>
-              <a:rPr lang="ru-RU" dirty="0"/>
-              <a:t> </a:t>
-            </a:r>
-            <a:r>
-              <a:rPr lang="ru-RU" dirty="0" err="1"/>
-              <a:t>result</a:t>
-            </a:r>
-            <a:r>
-              <a:rPr lang="ru-RU" dirty="0"/>
-              <a:t> = 0;</a:t>
-            </a:r>
-          </a:p>
-          <a:p>
-            <a:pPr marL="457200" lvl="1" indent="0">
-              <a:buNone/>
-            </a:pPr>
-            <a:r>
-              <a:rPr lang="ru-RU" dirty="0"/>
-              <a:t>    </a:t>
-            </a:r>
-            <a:r>
-              <a:rPr lang="ru-RU" dirty="0" err="1"/>
-              <a:t>for</a:t>
-            </a:r>
-            <a:r>
-              <a:rPr lang="ru-RU" dirty="0"/>
-              <a:t> (</a:t>
-            </a:r>
-            <a:r>
-              <a:rPr lang="ru-RU" dirty="0" err="1"/>
-              <a:t>int</a:t>
-            </a:r>
-            <a:r>
-              <a:rPr lang="ru-RU" dirty="0"/>
-              <a:t> i = 0; i &lt; 1000000; i++)</a:t>
-            </a:r>
-          </a:p>
-          <a:p>
-            <a:pPr marL="457200" lvl="1" indent="0">
-              <a:buNone/>
-            </a:pPr>
-            <a:r>
-              <a:rPr lang="ru-RU" dirty="0"/>
-              <a:t>    {</a:t>
-            </a:r>
-          </a:p>
-          <a:p>
-            <a:pPr marL="457200" lvl="1" indent="0">
-              <a:buNone/>
-            </a:pPr>
-            <a:r>
-              <a:rPr lang="ru-RU" dirty="0"/>
-              <a:t>        </a:t>
-            </a:r>
-            <a:r>
-              <a:rPr lang="ru-RU" dirty="0" err="1"/>
-              <a:t>result</a:t>
-            </a:r>
-            <a:r>
-              <a:rPr lang="ru-RU" dirty="0"/>
-              <a:t> += i;</a:t>
-            </a:r>
-          </a:p>
-          <a:p>
-            <a:pPr marL="457200" lvl="1" indent="0">
-              <a:buNone/>
-            </a:pPr>
-            <a:r>
-              <a:rPr lang="ru-RU" dirty="0"/>
-              <a:t>    }</a:t>
-            </a:r>
-          </a:p>
-          <a:p>
-            <a:pPr marL="457200" lvl="1" indent="0">
-              <a:buNone/>
-            </a:pPr>
-            <a:r>
-              <a:rPr lang="ru-RU" dirty="0"/>
-              <a:t>    </a:t>
-            </a:r>
-            <a:r>
-              <a:rPr lang="ru-RU" dirty="0" err="1"/>
-              <a:t>return</a:t>
-            </a:r>
-            <a:r>
-              <a:rPr lang="ru-RU" dirty="0"/>
-              <a:t> </a:t>
-            </a:r>
-            <a:r>
-              <a:rPr lang="ru-RU" dirty="0" err="1"/>
-              <a:t>result</a:t>
-            </a:r>
-            <a:r>
-              <a:rPr lang="ru-RU" dirty="0"/>
-              <a:t>;</a:t>
-            </a:r>
-          </a:p>
-          <a:p>
-            <a:pPr marL="457200" lvl="1" indent="0">
-              <a:buNone/>
-            </a:pPr>
-            <a:r>
-              <a:rPr lang="ru-RU" dirty="0"/>
-              <a:t>}</a:t>
-            </a:r>
-          </a:p>
-          <a:p>
-            <a:pPr marL="457200" lvl="1" indent="0">
-              <a:buNone/>
-            </a:pPr>
-            <a:r>
-              <a:rPr lang="ru-RU" dirty="0"/>
-              <a:t>чтобы запустить ее выполнение асинхронно, можем использовать след. код:</a:t>
-            </a:r>
-          </a:p>
-          <a:p>
-            <a:pPr marL="457200" lvl="1" indent="0">
-              <a:buNone/>
-            </a:pPr>
             <a:endParaRPr lang="ru-RU" dirty="0"/>
           </a:p>
-          <a:p>
-            <a:pPr marL="457200" lvl="1" indent="0">
-              <a:buNone/>
-            </a:pPr>
-            <a:r>
-              <a:rPr lang="en-US" dirty="0"/>
-              <a:t>Task&lt;int&gt; </a:t>
-            </a:r>
-            <a:r>
-              <a:rPr lang="en-US" dirty="0" err="1"/>
-              <a:t>calculationTask</a:t>
-            </a:r>
-            <a:r>
-              <a:rPr lang="en-US" dirty="0"/>
-              <a:t> = </a:t>
-            </a:r>
-            <a:r>
-              <a:rPr lang="en-US" dirty="0" err="1"/>
-              <a:t>Task.Run</a:t>
-            </a:r>
-            <a:r>
-              <a:rPr lang="en-US" dirty="0"/>
-              <a:t>(() =&gt; </a:t>
-            </a:r>
-            <a:r>
-              <a:rPr lang="en-US" dirty="0" err="1"/>
-              <a:t>DoComplexCalculation</a:t>
-            </a:r>
-            <a:r>
-              <a:rPr lang="en-US" dirty="0"/>
-              <a:t>());</a:t>
-            </a:r>
-          </a:p>
-          <a:p>
-            <a:endParaRPr lang="ru-RU" dirty="0"/>
-          </a:p>
         </p:txBody>
       </p:sp>
       <p:sp>
@@ -12229,7 +12149,7 @@
           <p:cNvPr id="4" name="Номер слайда 3">
             <a:extLst>
               <a:ext uri="{FF2B5EF4-FFF2-40B4-BE49-F238E27FC236}">
-                <a16:creationId xmlns:a16="http://schemas.microsoft.com/office/drawing/2014/main" id="{E4791C05-B695-4838-A1C4-862D6DC42A0B}"/>
+                <a16:creationId xmlns:a16="http://schemas.microsoft.com/office/drawing/2014/main" id="{25685FD7-B50A-4686-BF2A-32B9272ADFD3}"/>
               </a:ext>
             </a:extLst>
           </p:cNvPr>
@@ -12256,7 +12176,7 @@
     </p:spTree>
     <p:extLst>
       <p:ext uri="{BB962C8B-B14F-4D97-AF65-F5344CB8AC3E}">
-        <p14:creationId xmlns:p14="http://schemas.microsoft.com/office/powerpoint/2010/main" val="1506326020"/>
+        <p14:creationId xmlns:p14="http://schemas.microsoft.com/office/powerpoint/2010/main" val="2117578503"/>
       </p:ext>
     </p:extLst>
   </p:cSld>
@@ -12288,7 +12208,7 @@
           <p:cNvPr id="2" name="Заголовок 1">
             <a:extLst>
               <a:ext uri="{FF2B5EF4-FFF2-40B4-BE49-F238E27FC236}">
-                <a16:creationId xmlns:a16="http://schemas.microsoft.com/office/drawing/2014/main" id="{CD1DC563-AC3A-47E8-84F3-1B6CE4EA4702}"/>
+                <a16:creationId xmlns:a16="http://schemas.microsoft.com/office/drawing/2014/main" id="{3DEE1405-1E5A-42C1-B4E6-6E43E8DC646E}"/>
               </a:ext>
             </a:extLst>
           </p:cNvPr>
@@ -12321,7 +12241,7 @@
           <p:cNvPr id="3" name="Объект 2">
             <a:extLst>
               <a:ext uri="{FF2B5EF4-FFF2-40B4-BE49-F238E27FC236}">
-                <a16:creationId xmlns:a16="http://schemas.microsoft.com/office/drawing/2014/main" id="{4765DD22-BA50-4F00-845B-B19D449E8571}"/>
+                <a16:creationId xmlns:a16="http://schemas.microsoft.com/office/drawing/2014/main" id="{BDEDA93C-534D-4E36-A3E3-4A50639BA95A}"/>
               </a:ext>
             </a:extLst>
           </p:cNvPr>
@@ -12335,21 +12255,34 @@
         <p:spPr/>
         <p:txBody>
           <a:bodyPr>
-            <a:normAutofit/>
+            <a:normAutofit fontScale="92500" lnSpcReduction="20000"/>
           </a:bodyPr>
           <a:lstStyle/>
           <a:p>
             <a:r>
               <a:rPr lang="ru-RU" dirty="0"/>
-              <a:t>Здесь </a:t>
-            </a:r>
+              <a:t>допустим, есть CPU-затратная функция, которая выполняет сложные вычисления:</a:t>
+            </a:r>
+          </a:p>
+          <a:p>
+            <a:pPr marL="457200" lvl="1" indent="0">
+              <a:buNone/>
+            </a:pPr>
             <a:r>
               <a:rPr lang="ru-RU" dirty="0" err="1"/>
-              <a:t>Task.Run</a:t>
-            </a:r>
-            <a:r>
-              <a:rPr lang="ru-RU" dirty="0"/>
-              <a:t> запускает </a:t>
+              <a:t>public</a:t>
+            </a:r>
+            <a:r>
+              <a:rPr lang="ru-RU" dirty="0"/>
+              <a:t> </a:t>
+            </a:r>
+            <a:r>
+              <a:rPr lang="ru-RU" dirty="0" err="1"/>
+              <a:t>int</a:t>
+            </a:r>
+            <a:r>
+              <a:rPr lang="ru-RU" dirty="0"/>
+              <a:t> </a:t>
             </a:r>
             <a:r>
               <a:rPr lang="ru-RU" dirty="0" err="1"/>
@@ -12357,74 +12290,183 @@
             </a:r>
             <a:r>
               <a:rPr lang="ru-RU" dirty="0"/>
-              <a:t> в отдельном потоке и возвращает задачу, представляющую эту операцию. </a:t>
-            </a:r>
-          </a:p>
-          <a:p>
-            <a:r>
-              <a:rPr lang="ru-RU" dirty="0"/>
-              <a:t>чтобы управлять выполнением можно использовать свойства и методы объекта Task, такие как </a:t>
+              <a:t>()</a:t>
+            </a:r>
+          </a:p>
+          <a:p>
+            <a:pPr marL="457200" lvl="1" indent="0">
+              <a:buNone/>
+            </a:pPr>
+            <a:r>
+              <a:rPr lang="ru-RU" dirty="0"/>
+              <a:t>{</a:t>
+            </a:r>
+          </a:p>
+          <a:p>
+            <a:pPr marL="457200" lvl="1" indent="0">
+              <a:buNone/>
+            </a:pPr>
+            <a:r>
+              <a:rPr lang="ru-RU" dirty="0"/>
+              <a:t>    </a:t>
             </a:r>
             <a:r>
               <a:rPr lang="ru-RU" dirty="0" err="1"/>
-              <a:t>IsCompleted</a:t>
-            </a:r>
-            <a:r>
-              <a:rPr lang="ru-RU" dirty="0"/>
-              <a:t>, </a:t>
+              <a:t>int</a:t>
+            </a:r>
+            <a:r>
+              <a:rPr lang="ru-RU" dirty="0"/>
+              <a:t> </a:t>
             </a:r>
             <a:r>
               <a:rPr lang="ru-RU" dirty="0" err="1"/>
-              <a:t>Result</a:t>
-            </a:r>
-            <a:r>
-              <a:rPr lang="ru-RU" dirty="0"/>
-              <a:t> или </a:t>
+              <a:t>result</a:t>
+            </a:r>
+            <a:r>
+              <a:rPr lang="ru-RU" dirty="0"/>
+              <a:t> = 0;</a:t>
+            </a:r>
+          </a:p>
+          <a:p>
+            <a:pPr marL="457200" lvl="1" indent="0">
+              <a:buNone/>
+            </a:pPr>
+            <a:r>
+              <a:rPr lang="ru-RU" dirty="0"/>
+              <a:t>    </a:t>
             </a:r>
             <a:r>
               <a:rPr lang="ru-RU" dirty="0" err="1"/>
-              <a:t>Wait</a:t>
-            </a:r>
-            <a:r>
-              <a:rPr lang="ru-RU" dirty="0"/>
-              <a:t> этой операции;</a:t>
-            </a:r>
-          </a:p>
-          <a:p>
-            <a:r>
-              <a:rPr lang="ru-RU" dirty="0"/>
-              <a:t>для получения результата </a:t>
+              <a:t>for</a:t>
+            </a:r>
+            <a:r>
+              <a:rPr lang="ru-RU" dirty="0"/>
+              <a:t> (</a:t>
             </a:r>
             <a:r>
               <a:rPr lang="ru-RU" dirty="0" err="1"/>
-              <a:t>м.б</a:t>
-            </a:r>
-            <a:r>
-              <a:rPr lang="ru-RU" dirty="0"/>
-              <a:t>. использовано свойство </a:t>
+              <a:t>int</a:t>
+            </a:r>
+            <a:r>
+              <a:rPr lang="ru-RU" dirty="0"/>
+              <a:t> i = 0; i &lt; 1000000; i++)</a:t>
+            </a:r>
+          </a:p>
+          <a:p>
+            <a:pPr marL="457200" lvl="1" indent="0">
+              <a:buNone/>
+            </a:pPr>
+            <a:r>
+              <a:rPr lang="ru-RU" dirty="0"/>
+              <a:t>    {</a:t>
+            </a:r>
+          </a:p>
+          <a:p>
+            <a:pPr marL="457200" lvl="1" indent="0">
+              <a:buNone/>
+            </a:pPr>
+            <a:r>
+              <a:rPr lang="ru-RU" dirty="0"/>
+              <a:t>        </a:t>
             </a:r>
             <a:r>
               <a:rPr lang="ru-RU" dirty="0" err="1"/>
-              <a:t>Result</a:t>
-            </a:r>
-            <a:r>
-              <a:rPr lang="ru-RU" dirty="0"/>
-              <a:t>. Оно будет блокировать выполнение вашего кода до тех пор, пока задача не будет завершена:</a:t>
-            </a:r>
-            <a:br>
-              <a:rPr lang="ru-RU" dirty="0"/>
-            </a:br>
-            <a:r>
-              <a:rPr lang="en-US" dirty="0"/>
-              <a:t>int result = </a:t>
+              <a:t>result</a:t>
+            </a:r>
+            <a:r>
+              <a:rPr lang="ru-RU" dirty="0"/>
+              <a:t> += i;</a:t>
+            </a:r>
+          </a:p>
+          <a:p>
+            <a:pPr marL="457200" lvl="1" indent="0">
+              <a:buNone/>
+            </a:pPr>
+            <a:r>
+              <a:rPr lang="ru-RU" dirty="0"/>
+              <a:t>    }</a:t>
+            </a:r>
+          </a:p>
+          <a:p>
+            <a:pPr marL="457200" lvl="1" indent="0">
+              <a:buNone/>
+            </a:pPr>
+            <a:r>
+              <a:rPr lang="ru-RU" dirty="0"/>
+              <a:t>    </a:t>
+            </a:r>
+            <a:r>
+              <a:rPr lang="ru-RU" dirty="0" err="1"/>
+              <a:t>return</a:t>
+            </a:r>
+            <a:r>
+              <a:rPr lang="ru-RU" dirty="0"/>
+              <a:t> </a:t>
+            </a:r>
+            <a:r>
+              <a:rPr lang="ru-RU" dirty="0" err="1"/>
+              <a:t>result</a:t>
+            </a:r>
+            <a:r>
+              <a:rPr lang="ru-RU" dirty="0"/>
+              <a:t>;</a:t>
+            </a:r>
+          </a:p>
+          <a:p>
+            <a:pPr marL="457200" lvl="1" indent="0">
+              <a:buNone/>
+            </a:pPr>
+            <a:r>
+              <a:rPr lang="ru-RU" dirty="0"/>
+              <a:t>}</a:t>
+            </a:r>
+          </a:p>
+          <a:p>
+            <a:pPr marL="457200" lvl="1" indent="0">
+              <a:buNone/>
+            </a:pPr>
+            <a:r>
+              <a:rPr lang="ru-RU" dirty="0"/>
+              <a:t>чтобы запустить ее выполнение асинхронно, можем использовать след. код:</a:t>
+            </a:r>
+          </a:p>
+          <a:p>
+            <a:pPr marL="457200" lvl="1" indent="0">
+              <a:buNone/>
+            </a:pPr>
+            <a:endParaRPr lang="ru-RU" dirty="0"/>
+          </a:p>
+          <a:p>
+            <a:pPr marL="457200" lvl="1" indent="0">
+              <a:buNone/>
+            </a:pPr>
+            <a:r>
+              <a:rPr lang="en-US" dirty="0"/>
+              <a:t>Task&lt;int&gt; </a:t>
             </a:r>
             <a:r>
               <a:rPr lang="en-US" dirty="0" err="1"/>
-              <a:t>calculationTask.Result</a:t>
-            </a:r>
-            <a:r>
-              <a:rPr lang="en-US" dirty="0"/>
-              <a:t>;</a:t>
+              <a:t>calculationTask</a:t>
+            </a:r>
+            <a:r>
+              <a:rPr lang="en-US" dirty="0"/>
+              <a:t> = </a:t>
+            </a:r>
+            <a:r>
+              <a:rPr lang="en-US" dirty="0" err="1"/>
+              <a:t>Task.Run</a:t>
+            </a:r>
+            <a:r>
+              <a:rPr lang="en-US" dirty="0"/>
+              <a:t>(() =&gt; </a:t>
+            </a:r>
+            <a:r>
+              <a:rPr lang="en-US" dirty="0" err="1"/>
+              <a:t>DoComplexCalculation</a:t>
+            </a:r>
+            <a:r>
+              <a:rPr lang="en-US" dirty="0"/>
+              <a:t>());</a:t>
             </a:r>
           </a:p>
           <a:p>
@@ -12437,7 +12479,7 @@
           <p:cNvPr id="4" name="Номер слайда 3">
             <a:extLst>
               <a:ext uri="{FF2B5EF4-FFF2-40B4-BE49-F238E27FC236}">
-                <a16:creationId xmlns:a16="http://schemas.microsoft.com/office/drawing/2014/main" id="{BB1592EE-92EB-42D5-BA9B-74BEB77FA2E5}"/>
+                <a16:creationId xmlns:a16="http://schemas.microsoft.com/office/drawing/2014/main" id="{E4791C05-B695-4838-A1C4-862D6DC42A0B}"/>
               </a:ext>
             </a:extLst>
           </p:cNvPr>
@@ -12464,7 +12506,7 @@
     </p:spTree>
     <p:extLst>
       <p:ext uri="{BB962C8B-B14F-4D97-AF65-F5344CB8AC3E}">
-        <p14:creationId xmlns:p14="http://schemas.microsoft.com/office/powerpoint/2010/main" val="665211496"/>
+        <p14:creationId xmlns:p14="http://schemas.microsoft.com/office/powerpoint/2010/main" val="1506326020"/>
       </p:ext>
     </p:extLst>
   </p:cSld>
@@ -12496,7 +12538,7 @@
           <p:cNvPr id="2" name="Заголовок 1">
             <a:extLst>
               <a:ext uri="{FF2B5EF4-FFF2-40B4-BE49-F238E27FC236}">
-                <a16:creationId xmlns:a16="http://schemas.microsoft.com/office/drawing/2014/main" id="{0B1F9ED5-9F7D-47EB-A8E2-8B7B9C75AFDB}"/>
+                <a16:creationId xmlns:a16="http://schemas.microsoft.com/office/drawing/2014/main" id="{CD1DC563-AC3A-47E8-84F3-1B6CE4EA4702}"/>
               </a:ext>
             </a:extLst>
           </p:cNvPr>
@@ -12529,7 +12571,7 @@
           <p:cNvPr id="3" name="Объект 2">
             <a:extLst>
               <a:ext uri="{FF2B5EF4-FFF2-40B4-BE49-F238E27FC236}">
-                <a16:creationId xmlns:a16="http://schemas.microsoft.com/office/drawing/2014/main" id="{25F190EE-6179-482A-A97B-EDF42F4824A8}"/>
+                <a16:creationId xmlns:a16="http://schemas.microsoft.com/office/drawing/2014/main" id="{4765DD22-BA50-4F00-845B-B19D449E8571}"/>
               </a:ext>
             </a:extLst>
           </p:cNvPr>
@@ -12542,12 +12584,44 @@
         </p:nvSpPr>
         <p:spPr/>
         <p:txBody>
-          <a:bodyPr/>
-          <a:lstStyle/>
-          <a:p>
-            <a:r>
-              <a:rPr lang="ru-RU" dirty="0"/>
-              <a:t>Но стоит отметить, что использование свойства </a:t>
+          <a:bodyPr>
+            <a:normAutofit/>
+          </a:bodyPr>
+          <a:lstStyle/>
+          <a:p>
+            <a:r>
+              <a:rPr lang="ru-RU" dirty="0"/>
+              <a:t>Здесь </a:t>
+            </a:r>
+            <a:r>
+              <a:rPr lang="ru-RU" dirty="0" err="1"/>
+              <a:t>Task.Run</a:t>
+            </a:r>
+            <a:r>
+              <a:rPr lang="ru-RU" dirty="0"/>
+              <a:t> запускает </a:t>
+            </a:r>
+            <a:r>
+              <a:rPr lang="ru-RU" dirty="0" err="1"/>
+              <a:t>DoComplexCalculation</a:t>
+            </a:r>
+            <a:r>
+              <a:rPr lang="ru-RU" dirty="0"/>
+              <a:t> в отдельном потоке и возвращает задачу, представляющую эту операцию. </a:t>
+            </a:r>
+          </a:p>
+          <a:p>
+            <a:r>
+              <a:rPr lang="ru-RU" dirty="0"/>
+              <a:t>чтобы управлять выполнением можно использовать свойства и методы объекта Task, такие как </a:t>
+            </a:r>
+            <a:r>
+              <a:rPr lang="ru-RU" dirty="0" err="1"/>
+              <a:t>IsCompleted</a:t>
+            </a:r>
+            <a:r>
+              <a:rPr lang="ru-RU" dirty="0"/>
+              <a:t>, </a:t>
             </a:r>
             <a:r>
               <a:rPr lang="ru-RU" dirty="0" err="1"/>
@@ -12555,37 +12629,55 @@
             </a:r>
             <a:r>
               <a:rPr lang="ru-RU" dirty="0"/>
-              <a:t> может привести к блокировке вашего кода и ухудшению производительности. </a:t>
-            </a:r>
-          </a:p>
-          <a:p>
-            <a:r>
-              <a:rPr lang="ru-RU" dirty="0"/>
-              <a:t>Вместо этого, рекомендуется использовать ключевое слово </a:t>
+              <a:t> или </a:t>
             </a:r>
             <a:r>
               <a:rPr lang="ru-RU" dirty="0" err="1"/>
-              <a:t>await</a:t>
-            </a:r>
-            <a:r>
-              <a:rPr lang="ru-RU" dirty="0"/>
-              <a:t> для асинхронного ожидания завершения задачи:</a:t>
+              <a:t>Wait</a:t>
+            </a:r>
+            <a:r>
+              <a:rPr lang="ru-RU" dirty="0"/>
+              <a:t> этой операции;</a:t>
+            </a:r>
+          </a:p>
+          <a:p>
+            <a:r>
+              <a:rPr lang="ru-RU" dirty="0"/>
+              <a:t>для получения результата </a:t>
+            </a:r>
+            <a:r>
+              <a:rPr lang="ru-RU" dirty="0" err="1"/>
+              <a:t>м.б</a:t>
+            </a:r>
+            <a:r>
+              <a:rPr lang="ru-RU" dirty="0"/>
+              <a:t>. использовано свойство </a:t>
+            </a:r>
+            <a:r>
+              <a:rPr lang="ru-RU" dirty="0" err="1"/>
+              <a:t>Result</a:t>
+            </a:r>
+            <a:r>
+              <a:rPr lang="ru-RU" dirty="0"/>
+              <a:t>. Оно будет блокировать выполнение вашего кода до тех пор, пока задача не будет завершена:</a:t>
             </a:r>
             <a:br>
               <a:rPr lang="ru-RU" dirty="0"/>
             </a:br>
             <a:r>
               <a:rPr lang="en-US" dirty="0"/>
-              <a:t>int result = await </a:t>
+              <a:t>int result = </a:t>
             </a:r>
             <a:r>
               <a:rPr lang="en-US" dirty="0" err="1"/>
-              <a:t>calculationTask</a:t>
-            </a:r>
-            <a:r>
-              <a:rPr lang="en-US"/>
+              <a:t>calculationTask.Result</a:t>
+            </a:r>
+            <a:r>
+              <a:rPr lang="en-US" dirty="0"/>
               <a:t>;</a:t>
             </a:r>
+          </a:p>
+          <a:p>
             <a:endParaRPr lang="ru-RU" dirty="0"/>
           </a:p>
         </p:txBody>
@@ -12595,7 +12687,7 @@
           <p:cNvPr id="4" name="Номер слайда 3">
             <a:extLst>
               <a:ext uri="{FF2B5EF4-FFF2-40B4-BE49-F238E27FC236}">
-                <a16:creationId xmlns:a16="http://schemas.microsoft.com/office/drawing/2014/main" id="{E79E5900-A2EF-4785-B148-7D7DA8B8CF37}"/>
+                <a16:creationId xmlns:a16="http://schemas.microsoft.com/office/drawing/2014/main" id="{BB1592EE-92EB-42D5-BA9B-74BEB77FA2E5}"/>
               </a:ext>
             </a:extLst>
           </p:cNvPr>
@@ -12622,7 +12714,1069 @@
     </p:spTree>
     <p:extLst>
       <p:ext uri="{BB962C8B-B14F-4D97-AF65-F5344CB8AC3E}">
+        <p14:creationId xmlns:p14="http://schemas.microsoft.com/office/powerpoint/2010/main" val="665211496"/>
+      </p:ext>
+    </p:extLst>
+  </p:cSld>
+  <p:clrMapOvr>
+    <a:masterClrMapping/>
+  </p:clrMapOvr>
+</p:sld>
+</file>
+
+<file path=ppt/slides/slide44.xml><?xml version="1.0" encoding="utf-8"?>
+<p:sld xmlns:a="http://schemas.openxmlformats.org/drawingml/2006/main" xmlns:r="http://schemas.openxmlformats.org/officeDocument/2006/relationships" xmlns:p="http://schemas.openxmlformats.org/presentationml/2006/main">
+  <p:cSld>
+    <p:spTree>
+      <p:nvGrpSpPr>
+        <p:cNvPr id="1" name=""/>
+        <p:cNvGrpSpPr/>
+        <p:nvPr/>
+      </p:nvGrpSpPr>
+      <p:grpSpPr>
+        <a:xfrm>
+          <a:off x="0" y="0"/>
+          <a:ext cx="0" cy="0"/>
+          <a:chOff x="0" y="0"/>
+          <a:chExt cx="0" cy="0"/>
+        </a:xfrm>
+      </p:grpSpPr>
+      <p:sp>
+        <p:nvSpPr>
+          <p:cNvPr id="2" name="Заголовок 1">
+            <a:extLst>
+              <a:ext uri="{FF2B5EF4-FFF2-40B4-BE49-F238E27FC236}">
+                <a16:creationId xmlns:a16="http://schemas.microsoft.com/office/drawing/2014/main" id="{0B1F9ED5-9F7D-47EB-A8E2-8B7B9C75AFDB}"/>
+              </a:ext>
+            </a:extLst>
+          </p:cNvPr>
+          <p:cNvSpPr>
+            <a:spLocks noGrp="1"/>
+          </p:cNvSpPr>
+          <p:nvPr>
+            <p:ph type="title"/>
+          </p:nvPr>
+        </p:nvSpPr>
+        <p:spPr/>
+        <p:txBody>
+          <a:bodyPr/>
+          <a:lstStyle/>
+          <a:p>
+            <a:r>
+              <a:rPr lang="ru-RU" dirty="0"/>
+              <a:t>Класс </a:t>
+            </a:r>
+            <a:r>
+              <a:rPr lang="en-US" dirty="0"/>
+              <a:t>Task</a:t>
+            </a:r>
+            <a:endParaRPr lang="ru-RU" dirty="0"/>
+          </a:p>
+        </p:txBody>
+      </p:sp>
+      <p:sp>
+        <p:nvSpPr>
+          <p:cNvPr id="3" name="Объект 2">
+            <a:extLst>
+              <a:ext uri="{FF2B5EF4-FFF2-40B4-BE49-F238E27FC236}">
+                <a16:creationId xmlns:a16="http://schemas.microsoft.com/office/drawing/2014/main" id="{25F190EE-6179-482A-A97B-EDF42F4824A8}"/>
+              </a:ext>
+            </a:extLst>
+          </p:cNvPr>
+          <p:cNvSpPr>
+            <a:spLocks noGrp="1"/>
+          </p:cNvSpPr>
+          <p:nvPr>
+            <p:ph idx="1"/>
+          </p:nvPr>
+        </p:nvSpPr>
+        <p:spPr/>
+        <p:txBody>
+          <a:bodyPr/>
+          <a:lstStyle/>
+          <a:p>
+            <a:r>
+              <a:rPr lang="ru-RU" dirty="0"/>
+              <a:t>Но стоит отметить, что использование свойства </a:t>
+            </a:r>
+            <a:r>
+              <a:rPr lang="ru-RU" dirty="0" err="1"/>
+              <a:t>Result</a:t>
+            </a:r>
+            <a:r>
+              <a:rPr lang="ru-RU" dirty="0"/>
+              <a:t> может привести к блокировке вашего кода и ухудшению производительности. </a:t>
+            </a:r>
+          </a:p>
+          <a:p>
+            <a:r>
+              <a:rPr lang="ru-RU" dirty="0"/>
+              <a:t>Вместо этого, рекомендуется использовать ключевое слово </a:t>
+            </a:r>
+            <a:r>
+              <a:rPr lang="ru-RU" dirty="0" err="1"/>
+              <a:t>await</a:t>
+            </a:r>
+            <a:r>
+              <a:rPr lang="ru-RU" dirty="0"/>
+              <a:t> для асинхронного ожидания завершения задачи:</a:t>
+            </a:r>
+            <a:br>
+              <a:rPr lang="ru-RU" dirty="0"/>
+            </a:br>
+            <a:r>
+              <a:rPr lang="en-US" dirty="0"/>
+              <a:t>int result = await </a:t>
+            </a:r>
+            <a:r>
+              <a:rPr lang="en-US" dirty="0" err="1"/>
+              <a:t>calculationTask</a:t>
+            </a:r>
+            <a:r>
+              <a:rPr lang="en-US"/>
+              <a:t>;</a:t>
+            </a:r>
+            <a:endParaRPr lang="ru-RU" dirty="0"/>
+          </a:p>
+        </p:txBody>
+      </p:sp>
+      <p:sp>
+        <p:nvSpPr>
+          <p:cNvPr id="4" name="Номер слайда 3">
+            <a:extLst>
+              <a:ext uri="{FF2B5EF4-FFF2-40B4-BE49-F238E27FC236}">
+                <a16:creationId xmlns:a16="http://schemas.microsoft.com/office/drawing/2014/main" id="{E79E5900-A2EF-4785-B148-7D7DA8B8CF37}"/>
+              </a:ext>
+            </a:extLst>
+          </p:cNvPr>
+          <p:cNvSpPr>
+            <a:spLocks noGrp="1"/>
+          </p:cNvSpPr>
+          <p:nvPr>
+            <p:ph type="sldNum" sz="quarter" idx="12"/>
+          </p:nvPr>
+        </p:nvSpPr>
+        <p:spPr/>
+        <p:txBody>
+          <a:bodyPr/>
+          <a:lstStyle/>
+          <a:p>
+            <a:fld id="{227C91C0-7371-407B-9696-36B720B1D03F}" type="slidenum">
+              <a:rPr lang="ru-RU" smtClean="0"/>
+              <a:t>44</a:t>
+            </a:fld>
+            <a:endParaRPr lang="ru-RU"/>
+          </a:p>
+        </p:txBody>
+      </p:sp>
+    </p:spTree>
+    <p:extLst>
+      <p:ext uri="{BB962C8B-B14F-4D97-AF65-F5344CB8AC3E}">
         <p14:creationId xmlns:p14="http://schemas.microsoft.com/office/powerpoint/2010/main" val="3568403997"/>
+      </p:ext>
+    </p:extLst>
+  </p:cSld>
+  <p:clrMapOvr>
+    <a:masterClrMapping/>
+  </p:clrMapOvr>
+</p:sld>
+</file>
+
+<file path=ppt/slides/slide45.xml><?xml version="1.0" encoding="utf-8"?>
+<p:sld xmlns:a="http://schemas.openxmlformats.org/drawingml/2006/main" xmlns:r="http://schemas.openxmlformats.org/officeDocument/2006/relationships" xmlns:p="http://schemas.openxmlformats.org/presentationml/2006/main">
+  <p:cSld>
+    <p:spTree>
+      <p:nvGrpSpPr>
+        <p:cNvPr id="1" name=""/>
+        <p:cNvGrpSpPr/>
+        <p:nvPr/>
+      </p:nvGrpSpPr>
+      <p:grpSpPr>
+        <a:xfrm>
+          <a:off x="0" y="0"/>
+          <a:ext cx="0" cy="0"/>
+          <a:chOff x="0" y="0"/>
+          <a:chExt cx="0" cy="0"/>
+        </a:xfrm>
+      </p:grpSpPr>
+      <p:sp>
+        <p:nvSpPr>
+          <p:cNvPr id="2" name="Заголовок 1">
+            <a:extLst>
+              <a:ext uri="{FF2B5EF4-FFF2-40B4-BE49-F238E27FC236}">
+                <a16:creationId xmlns:a16="http://schemas.microsoft.com/office/drawing/2014/main" id="{08544C7D-41F0-49B3-83D1-D1F9EEA0CD42}"/>
+              </a:ext>
+            </a:extLst>
+          </p:cNvPr>
+          <p:cNvSpPr>
+            <a:spLocks noGrp="1"/>
+          </p:cNvSpPr>
+          <p:nvPr>
+            <p:ph type="title"/>
+          </p:nvPr>
+        </p:nvSpPr>
+        <p:spPr/>
+        <p:txBody>
+          <a:bodyPr/>
+          <a:lstStyle/>
+          <a:p>
+            <a:r>
+              <a:rPr lang="en-US" dirty="0"/>
+              <a:t>async/await</a:t>
+            </a:r>
+            <a:endParaRPr lang="ru-RU" dirty="0"/>
+          </a:p>
+        </p:txBody>
+      </p:sp>
+      <p:sp>
+        <p:nvSpPr>
+          <p:cNvPr id="3" name="Объект 2">
+            <a:extLst>
+              <a:ext uri="{FF2B5EF4-FFF2-40B4-BE49-F238E27FC236}">
+                <a16:creationId xmlns:a16="http://schemas.microsoft.com/office/drawing/2014/main" id="{8CE08D3A-7D2C-4EAD-AE57-0B36D799661F}"/>
+              </a:ext>
+            </a:extLst>
+          </p:cNvPr>
+          <p:cNvSpPr>
+            <a:spLocks noGrp="1"/>
+          </p:cNvSpPr>
+          <p:nvPr>
+            <p:ph idx="1"/>
+          </p:nvPr>
+        </p:nvSpPr>
+        <p:spPr/>
+        <p:txBody>
+          <a:bodyPr>
+            <a:normAutofit fontScale="92500" lnSpcReduction="10000"/>
+          </a:bodyPr>
+          <a:lstStyle/>
+          <a:p>
+            <a:r>
+              <a:rPr lang="ru-RU" dirty="0"/>
+              <a:t>Конструкции </a:t>
+            </a:r>
+            <a:r>
+              <a:rPr lang="ru-RU" dirty="0" err="1"/>
+              <a:t>async</a:t>
+            </a:r>
+            <a:r>
+              <a:rPr lang="ru-RU" dirty="0"/>
+              <a:t> и </a:t>
+            </a:r>
+            <a:r>
+              <a:rPr lang="ru-RU" dirty="0" err="1"/>
+              <a:t>await</a:t>
+            </a:r>
+            <a:r>
+              <a:rPr lang="ru-RU" dirty="0"/>
+              <a:t> в C# используются для упрощения написания асинхронного кода и делают его более понятным и читаемым. </a:t>
+            </a:r>
+            <a:endParaRPr lang="en-US" dirty="0"/>
+          </a:p>
+          <a:p>
+            <a:r>
+              <a:rPr lang="ru-RU" dirty="0"/>
+              <a:t>Ключевое слово </a:t>
+            </a:r>
+            <a:r>
+              <a:rPr lang="ru-RU" dirty="0" err="1"/>
+              <a:t>async</a:t>
+            </a:r>
+            <a:r>
+              <a:rPr lang="ru-RU" dirty="0"/>
+              <a:t> перед функцией обозначает, что функция возвращает Task или Task&lt;T&gt;. </a:t>
+            </a:r>
+            <a:endParaRPr lang="en-US" dirty="0"/>
+          </a:p>
+          <a:p>
+            <a:r>
+              <a:rPr lang="ru-RU" dirty="0" err="1"/>
+              <a:t>await</a:t>
+            </a:r>
+            <a:r>
+              <a:rPr lang="ru-RU" dirty="0"/>
+              <a:t> может быть использован только внутри </a:t>
+            </a:r>
+            <a:r>
+              <a:rPr lang="ru-RU" dirty="0" err="1"/>
+              <a:t>async</a:t>
+            </a:r>
+            <a:r>
+              <a:rPr lang="ru-RU" dirty="0"/>
+              <a:t> функций и означает, что выполнение функции будет приостановлено до тех пор, пока не будет получен результат асинхронной операции.</a:t>
+            </a:r>
+            <a:endParaRPr lang="en-US" dirty="0"/>
+          </a:p>
+          <a:p>
+            <a:r>
+              <a:rPr lang="ru-RU" dirty="0" err="1"/>
+              <a:t>await</a:t>
+            </a:r>
+            <a:r>
+              <a:rPr lang="ru-RU" dirty="0"/>
+              <a:t> позволяет приостановить выполнение текущей функции до завершения асинхронной операции, не блокируя выполнение всего приложения. Это позволяет эффективно использовать системные ресурсы</a:t>
+            </a:r>
+            <a:r>
+              <a:rPr lang="en-US" dirty="0"/>
+              <a:t>.</a:t>
+            </a:r>
+            <a:endParaRPr lang="ru-RU" dirty="0"/>
+          </a:p>
+          <a:p>
+            <a:endParaRPr lang="ru-RU" dirty="0"/>
+          </a:p>
+        </p:txBody>
+      </p:sp>
+      <p:sp>
+        <p:nvSpPr>
+          <p:cNvPr id="4" name="Номер слайда 3">
+            <a:extLst>
+              <a:ext uri="{FF2B5EF4-FFF2-40B4-BE49-F238E27FC236}">
+                <a16:creationId xmlns:a16="http://schemas.microsoft.com/office/drawing/2014/main" id="{FF7A70FA-9F5B-4DE4-A91D-A8B0B579E802}"/>
+              </a:ext>
+            </a:extLst>
+          </p:cNvPr>
+          <p:cNvSpPr>
+            <a:spLocks noGrp="1"/>
+          </p:cNvSpPr>
+          <p:nvPr>
+            <p:ph type="sldNum" sz="quarter" idx="12"/>
+          </p:nvPr>
+        </p:nvSpPr>
+        <p:spPr/>
+        <p:txBody>
+          <a:bodyPr/>
+          <a:lstStyle/>
+          <a:p>
+            <a:fld id="{227C91C0-7371-407B-9696-36B720B1D03F}" type="slidenum">
+              <a:rPr lang="ru-RU" smtClean="0"/>
+              <a:t>45</a:t>
+            </a:fld>
+            <a:endParaRPr lang="ru-RU"/>
+          </a:p>
+        </p:txBody>
+      </p:sp>
+    </p:spTree>
+    <p:extLst>
+      <p:ext uri="{BB962C8B-B14F-4D97-AF65-F5344CB8AC3E}">
+        <p14:creationId xmlns:p14="http://schemas.microsoft.com/office/powerpoint/2010/main" val="3205051323"/>
+      </p:ext>
+    </p:extLst>
+  </p:cSld>
+  <p:clrMapOvr>
+    <a:masterClrMapping/>
+  </p:clrMapOvr>
+</p:sld>
+</file>
+
+<file path=ppt/slides/slide46.xml><?xml version="1.0" encoding="utf-8"?>
+<p:sld xmlns:a="http://schemas.openxmlformats.org/drawingml/2006/main" xmlns:r="http://schemas.openxmlformats.org/officeDocument/2006/relationships" xmlns:p="http://schemas.openxmlformats.org/presentationml/2006/main">
+  <p:cSld>
+    <p:spTree>
+      <p:nvGrpSpPr>
+        <p:cNvPr id="1" name=""/>
+        <p:cNvGrpSpPr/>
+        <p:nvPr/>
+      </p:nvGrpSpPr>
+      <p:grpSpPr>
+        <a:xfrm>
+          <a:off x="0" y="0"/>
+          <a:ext cx="0" cy="0"/>
+          <a:chOff x="0" y="0"/>
+          <a:chExt cx="0" cy="0"/>
+        </a:xfrm>
+      </p:grpSpPr>
+      <p:sp>
+        <p:nvSpPr>
+          <p:cNvPr id="3" name="Объект 2">
+            <a:extLst>
+              <a:ext uri="{FF2B5EF4-FFF2-40B4-BE49-F238E27FC236}">
+                <a16:creationId xmlns:a16="http://schemas.microsoft.com/office/drawing/2014/main" id="{69B0F1AC-97F9-4190-BB98-EFBEA321E5BA}"/>
+              </a:ext>
+            </a:extLst>
+          </p:cNvPr>
+          <p:cNvSpPr>
+            <a:spLocks noGrp="1"/>
+          </p:cNvSpPr>
+          <p:nvPr>
+            <p:ph idx="1"/>
+          </p:nvPr>
+        </p:nvSpPr>
+        <p:spPr>
+          <a:xfrm>
+            <a:off x="838200" y="410966"/>
+            <a:ext cx="10515600" cy="5765997"/>
+          </a:xfrm>
+        </p:spPr>
+        <p:txBody>
+          <a:bodyPr>
+            <a:normAutofit fontScale="85000" lnSpcReduction="20000"/>
+          </a:bodyPr>
+          <a:lstStyle/>
+          <a:p>
+            <a:pPr marL="0" indent="0">
+              <a:buNone/>
+            </a:pPr>
+            <a:r>
+              <a:rPr lang="en-US" dirty="0"/>
+              <a:t> async Task </a:t>
+            </a:r>
+            <a:r>
+              <a:rPr lang="en-US" dirty="0" err="1"/>
+              <a:t>MyMethodAsync</a:t>
+            </a:r>
+            <a:r>
+              <a:rPr lang="en-US" dirty="0"/>
+              <a:t>()</a:t>
+            </a:r>
+          </a:p>
+          <a:p>
+            <a:pPr marL="0" indent="0">
+              <a:buNone/>
+            </a:pPr>
+            <a:r>
+              <a:rPr lang="en-US" dirty="0"/>
+              <a:t>    {</a:t>
+            </a:r>
+          </a:p>
+          <a:p>
+            <a:pPr marL="0" indent="0">
+              <a:buNone/>
+            </a:pPr>
+            <a:r>
+              <a:rPr lang="en-US" dirty="0"/>
+              <a:t>        // </a:t>
+            </a:r>
+            <a:r>
+              <a:rPr lang="ru-RU" dirty="0"/>
+              <a:t>Код здесь</a:t>
+            </a:r>
+          </a:p>
+          <a:p>
+            <a:pPr marL="0" indent="0">
+              <a:buNone/>
+            </a:pPr>
+            <a:r>
+              <a:rPr lang="ru-RU" dirty="0"/>
+              <a:t>    }</a:t>
+            </a:r>
+            <a:endParaRPr lang="en-US" dirty="0"/>
+          </a:p>
+          <a:p>
+            <a:pPr marL="0" indent="0">
+              <a:buNone/>
+            </a:pPr>
+            <a:r>
+              <a:rPr lang="en-US" dirty="0"/>
+              <a:t> async void  </a:t>
+            </a:r>
+            <a:r>
+              <a:rPr lang="en-US" dirty="0" err="1"/>
+              <a:t>MyMethodAsync</a:t>
+            </a:r>
+            <a:r>
+              <a:rPr lang="en-US" dirty="0"/>
+              <a:t>()</a:t>
+            </a:r>
+          </a:p>
+          <a:p>
+            <a:pPr marL="0" indent="0">
+              <a:buNone/>
+            </a:pPr>
+            <a:r>
+              <a:rPr lang="en-US" dirty="0"/>
+              <a:t>    {</a:t>
+            </a:r>
+          </a:p>
+          <a:p>
+            <a:pPr marL="0" indent="0">
+              <a:buNone/>
+            </a:pPr>
+            <a:r>
+              <a:rPr lang="en-US" dirty="0"/>
+              <a:t>        // </a:t>
+            </a:r>
+            <a:r>
+              <a:rPr lang="ru-RU" dirty="0"/>
+              <a:t>Код здесь</a:t>
+            </a:r>
+          </a:p>
+          <a:p>
+            <a:pPr marL="0" indent="0">
+              <a:buNone/>
+            </a:pPr>
+            <a:r>
+              <a:rPr lang="ru-RU" dirty="0"/>
+              <a:t>    }</a:t>
+            </a:r>
+            <a:endParaRPr lang="en-US" dirty="0"/>
+          </a:p>
+          <a:p>
+            <a:pPr marL="0" indent="0">
+              <a:buNone/>
+            </a:pPr>
+            <a:endParaRPr lang="en-US" dirty="0"/>
+          </a:p>
+          <a:p>
+            <a:pPr marL="0" indent="0">
+              <a:buNone/>
+            </a:pPr>
+            <a:r>
+              <a:rPr lang="en-US" dirty="0"/>
+              <a:t> async Task&lt;int&gt; </a:t>
+            </a:r>
+            <a:r>
+              <a:rPr lang="en-US" dirty="0" err="1"/>
+              <a:t>GetCountAsync</a:t>
+            </a:r>
+            <a:r>
+              <a:rPr lang="en-US" dirty="0"/>
+              <a:t>()</a:t>
+            </a:r>
+          </a:p>
+          <a:p>
+            <a:pPr marL="0" indent="0">
+              <a:buNone/>
+            </a:pPr>
+            <a:r>
+              <a:rPr lang="en-US" dirty="0"/>
+              <a:t>    {</a:t>
+            </a:r>
+          </a:p>
+          <a:p>
+            <a:pPr marL="0" indent="0">
+              <a:buNone/>
+            </a:pPr>
+            <a:r>
+              <a:rPr lang="en-US" dirty="0"/>
+              <a:t>        // </a:t>
+            </a:r>
+            <a:r>
+              <a:rPr lang="ru-RU" dirty="0"/>
+              <a:t>Код здесь</a:t>
+            </a:r>
+          </a:p>
+          <a:p>
+            <a:pPr marL="0" indent="0">
+              <a:buNone/>
+            </a:pPr>
+            <a:r>
+              <a:rPr lang="ru-RU" dirty="0"/>
+              <a:t>        </a:t>
+            </a:r>
+            <a:r>
+              <a:rPr lang="en-US" dirty="0"/>
+              <a:t>return count;</a:t>
+            </a:r>
+          </a:p>
+          <a:p>
+            <a:pPr marL="0" indent="0">
+              <a:buNone/>
+            </a:pPr>
+            <a:r>
+              <a:rPr lang="en-US" dirty="0"/>
+              <a:t>    }</a:t>
+            </a:r>
+            <a:endParaRPr lang="ru-RU" dirty="0"/>
+          </a:p>
+        </p:txBody>
+      </p:sp>
+      <p:sp>
+        <p:nvSpPr>
+          <p:cNvPr id="4" name="Номер слайда 3">
+            <a:extLst>
+              <a:ext uri="{FF2B5EF4-FFF2-40B4-BE49-F238E27FC236}">
+                <a16:creationId xmlns:a16="http://schemas.microsoft.com/office/drawing/2014/main" id="{AAFA5D0F-CD47-476D-8AB5-D0C3E20CB7EE}"/>
+              </a:ext>
+            </a:extLst>
+          </p:cNvPr>
+          <p:cNvSpPr>
+            <a:spLocks noGrp="1"/>
+          </p:cNvSpPr>
+          <p:nvPr>
+            <p:ph type="sldNum" sz="quarter" idx="12"/>
+          </p:nvPr>
+        </p:nvSpPr>
+        <p:spPr/>
+        <p:txBody>
+          <a:bodyPr/>
+          <a:lstStyle/>
+          <a:p>
+            <a:fld id="{227C91C0-7371-407B-9696-36B720B1D03F}" type="slidenum">
+              <a:rPr lang="ru-RU" smtClean="0"/>
+              <a:t>46</a:t>
+            </a:fld>
+            <a:endParaRPr lang="ru-RU"/>
+          </a:p>
+        </p:txBody>
+      </p:sp>
+    </p:spTree>
+    <p:extLst>
+      <p:ext uri="{BB962C8B-B14F-4D97-AF65-F5344CB8AC3E}">
+        <p14:creationId xmlns:p14="http://schemas.microsoft.com/office/powerpoint/2010/main" val="3364010752"/>
+      </p:ext>
+    </p:extLst>
+  </p:cSld>
+  <p:clrMapOvr>
+    <a:masterClrMapping/>
+  </p:clrMapOvr>
+</p:sld>
+</file>
+
+<file path=ppt/slides/slide47.xml><?xml version="1.0" encoding="utf-8"?>
+<p:sld xmlns:a="http://schemas.openxmlformats.org/drawingml/2006/main" xmlns:r="http://schemas.openxmlformats.org/officeDocument/2006/relationships" xmlns:p="http://schemas.openxmlformats.org/presentationml/2006/main">
+  <p:cSld>
+    <p:spTree>
+      <p:nvGrpSpPr>
+        <p:cNvPr id="1" name=""/>
+        <p:cNvGrpSpPr/>
+        <p:nvPr/>
+      </p:nvGrpSpPr>
+      <p:grpSpPr>
+        <a:xfrm>
+          <a:off x="0" y="0"/>
+          <a:ext cx="0" cy="0"/>
+          <a:chOff x="0" y="0"/>
+          <a:chExt cx="0" cy="0"/>
+        </a:xfrm>
+      </p:grpSpPr>
+      <p:sp>
+        <p:nvSpPr>
+          <p:cNvPr id="2" name="Заголовок 1">
+            <a:extLst>
+              <a:ext uri="{FF2B5EF4-FFF2-40B4-BE49-F238E27FC236}">
+                <a16:creationId xmlns:a16="http://schemas.microsoft.com/office/drawing/2014/main" id="{2B7F0EB0-513A-469C-8ACC-6A585E4EA29F}"/>
+              </a:ext>
+            </a:extLst>
+          </p:cNvPr>
+          <p:cNvSpPr>
+            <a:spLocks noGrp="1"/>
+          </p:cNvSpPr>
+          <p:nvPr>
+            <p:ph type="title"/>
+          </p:nvPr>
+        </p:nvSpPr>
+        <p:spPr/>
+        <p:txBody>
+          <a:bodyPr>
+            <a:normAutofit/>
+          </a:bodyPr>
+          <a:lstStyle/>
+          <a:p>
+            <a:r>
+              <a:rPr lang="ru-RU" dirty="0"/>
+              <a:t>Использование </a:t>
+            </a:r>
+            <a:r>
+              <a:rPr lang="ru-RU" dirty="0" err="1"/>
+              <a:t>await</a:t>
+            </a:r>
+            <a:r>
+              <a:rPr lang="ru-RU" dirty="0"/>
+              <a:t> для ожидания завершения асинхронной операции</a:t>
+            </a:r>
+          </a:p>
+        </p:txBody>
+      </p:sp>
+      <p:sp>
+        <p:nvSpPr>
+          <p:cNvPr id="3" name="Объект 2">
+            <a:extLst>
+              <a:ext uri="{FF2B5EF4-FFF2-40B4-BE49-F238E27FC236}">
+                <a16:creationId xmlns:a16="http://schemas.microsoft.com/office/drawing/2014/main" id="{E1F568AD-5C9B-430B-B07A-E3E90FF181D6}"/>
+              </a:ext>
+            </a:extLst>
+          </p:cNvPr>
+          <p:cNvSpPr>
+            <a:spLocks noGrp="1"/>
+          </p:cNvSpPr>
+          <p:nvPr>
+            <p:ph idx="1"/>
+          </p:nvPr>
+        </p:nvSpPr>
+        <p:spPr/>
+        <p:txBody>
+          <a:bodyPr/>
+          <a:lstStyle/>
+          <a:p>
+            <a:pPr marL="0" indent="0">
+              <a:buNone/>
+            </a:pPr>
+            <a:r>
+              <a:rPr lang="en-US" dirty="0"/>
+              <a:t> async Task&lt;int&gt; </a:t>
+            </a:r>
+            <a:r>
+              <a:rPr lang="en-US" dirty="0" err="1"/>
+              <a:t>GetCountAsync</a:t>
+            </a:r>
+            <a:r>
+              <a:rPr lang="en-US" dirty="0"/>
+              <a:t>()</a:t>
+            </a:r>
+          </a:p>
+          <a:p>
+            <a:pPr marL="0" indent="0">
+              <a:buNone/>
+            </a:pPr>
+            <a:r>
+              <a:rPr lang="en-US" dirty="0"/>
+              <a:t>    {</a:t>
+            </a:r>
+          </a:p>
+          <a:p>
+            <a:pPr marL="0" indent="0">
+              <a:buNone/>
+            </a:pPr>
+            <a:r>
+              <a:rPr lang="en-US" dirty="0"/>
+              <a:t>        int count = await </a:t>
+            </a:r>
+            <a:r>
+              <a:rPr lang="en-US" dirty="0" err="1"/>
+              <a:t>GetSomeCountAsync</a:t>
+            </a:r>
+            <a:r>
+              <a:rPr lang="en-US" dirty="0"/>
+              <a:t>(); // </a:t>
+            </a:r>
+            <a:r>
+              <a:rPr lang="ru-RU" dirty="0"/>
+              <a:t>Ожидание завершения </a:t>
+            </a:r>
+            <a:r>
+              <a:rPr lang="en-US" dirty="0" err="1"/>
+              <a:t>GetSomeCountAsync</a:t>
+            </a:r>
+            <a:endParaRPr lang="en-US" dirty="0"/>
+          </a:p>
+          <a:p>
+            <a:pPr marL="0" indent="0">
+              <a:buNone/>
+            </a:pPr>
+            <a:r>
+              <a:rPr lang="en-US" dirty="0"/>
+              <a:t>        return count;</a:t>
+            </a:r>
+          </a:p>
+          <a:p>
+            <a:pPr marL="0" indent="0">
+              <a:buNone/>
+            </a:pPr>
+            <a:r>
+              <a:rPr lang="en-US" dirty="0"/>
+              <a:t>    }</a:t>
+            </a:r>
+            <a:endParaRPr lang="ru-RU" dirty="0"/>
+          </a:p>
+        </p:txBody>
+      </p:sp>
+      <p:sp>
+        <p:nvSpPr>
+          <p:cNvPr id="4" name="Номер слайда 3">
+            <a:extLst>
+              <a:ext uri="{FF2B5EF4-FFF2-40B4-BE49-F238E27FC236}">
+                <a16:creationId xmlns:a16="http://schemas.microsoft.com/office/drawing/2014/main" id="{497E75F5-687F-4091-9FCF-E4374AA8F4BC}"/>
+              </a:ext>
+            </a:extLst>
+          </p:cNvPr>
+          <p:cNvSpPr>
+            <a:spLocks noGrp="1"/>
+          </p:cNvSpPr>
+          <p:nvPr>
+            <p:ph type="sldNum" sz="quarter" idx="12"/>
+          </p:nvPr>
+        </p:nvSpPr>
+        <p:spPr/>
+        <p:txBody>
+          <a:bodyPr/>
+          <a:lstStyle/>
+          <a:p>
+            <a:fld id="{227C91C0-7371-407B-9696-36B720B1D03F}" type="slidenum">
+              <a:rPr lang="ru-RU" smtClean="0"/>
+              <a:t>47</a:t>
+            </a:fld>
+            <a:endParaRPr lang="ru-RU"/>
+          </a:p>
+        </p:txBody>
+      </p:sp>
+    </p:spTree>
+    <p:extLst>
+      <p:ext uri="{BB962C8B-B14F-4D97-AF65-F5344CB8AC3E}">
+        <p14:creationId xmlns:p14="http://schemas.microsoft.com/office/powerpoint/2010/main" val="2739806119"/>
+      </p:ext>
+    </p:extLst>
+  </p:cSld>
+  <p:clrMapOvr>
+    <a:masterClrMapping/>
+  </p:clrMapOvr>
+</p:sld>
+</file>
+
+<file path=ppt/slides/slide48.xml><?xml version="1.0" encoding="utf-8"?>
+<p:sld xmlns:a="http://schemas.openxmlformats.org/drawingml/2006/main" xmlns:r="http://schemas.openxmlformats.org/officeDocument/2006/relationships" xmlns:p="http://schemas.openxmlformats.org/presentationml/2006/main">
+  <p:cSld>
+    <p:spTree>
+      <p:nvGrpSpPr>
+        <p:cNvPr id="1" name=""/>
+        <p:cNvGrpSpPr/>
+        <p:nvPr/>
+      </p:nvGrpSpPr>
+      <p:grpSpPr>
+        <a:xfrm>
+          <a:off x="0" y="0"/>
+          <a:ext cx="0" cy="0"/>
+          <a:chOff x="0" y="0"/>
+          <a:chExt cx="0" cy="0"/>
+        </a:xfrm>
+      </p:grpSpPr>
+      <p:sp>
+        <p:nvSpPr>
+          <p:cNvPr id="2" name="Заголовок 1">
+            <a:extLst>
+              <a:ext uri="{FF2B5EF4-FFF2-40B4-BE49-F238E27FC236}">
+                <a16:creationId xmlns:a16="http://schemas.microsoft.com/office/drawing/2014/main" id="{319EC73F-B4BE-4B6F-962A-685864A6B6F9}"/>
+              </a:ext>
+            </a:extLst>
+          </p:cNvPr>
+          <p:cNvSpPr>
+            <a:spLocks noGrp="1"/>
+          </p:cNvSpPr>
+          <p:nvPr>
+            <p:ph type="title"/>
+          </p:nvPr>
+        </p:nvSpPr>
+        <p:spPr/>
+        <p:txBody>
+          <a:bodyPr>
+            <a:normAutofit/>
+          </a:bodyPr>
+          <a:lstStyle/>
+          <a:p>
+            <a:r>
+              <a:rPr lang="ru-RU" dirty="0"/>
+              <a:t>Обработка исключений в асинхронном коде</a:t>
+            </a:r>
+          </a:p>
+        </p:txBody>
+      </p:sp>
+      <p:sp>
+        <p:nvSpPr>
+          <p:cNvPr id="3" name="Объект 2">
+            <a:extLst>
+              <a:ext uri="{FF2B5EF4-FFF2-40B4-BE49-F238E27FC236}">
+                <a16:creationId xmlns:a16="http://schemas.microsoft.com/office/drawing/2014/main" id="{F4E28868-C2C4-4FF6-A3F0-0BD9C441E684}"/>
+              </a:ext>
+            </a:extLst>
+          </p:cNvPr>
+          <p:cNvSpPr>
+            <a:spLocks noGrp="1"/>
+          </p:cNvSpPr>
+          <p:nvPr>
+            <p:ph idx="1"/>
+          </p:nvPr>
+        </p:nvSpPr>
+        <p:spPr/>
+        <p:txBody>
+          <a:bodyPr>
+            <a:normAutofit fontScale="77500" lnSpcReduction="20000"/>
+          </a:bodyPr>
+          <a:lstStyle/>
+          <a:p>
+            <a:pPr marL="0" indent="0">
+              <a:buNone/>
+            </a:pPr>
+            <a:r>
+              <a:rPr lang="en-US" dirty="0"/>
+              <a:t> async Task&lt;int&gt; </a:t>
+            </a:r>
+            <a:r>
+              <a:rPr lang="en-US" dirty="0" err="1"/>
+              <a:t>GetCountAsync</a:t>
+            </a:r>
+            <a:r>
+              <a:rPr lang="en-US" dirty="0"/>
+              <a:t>()</a:t>
+            </a:r>
+          </a:p>
+          <a:p>
+            <a:pPr marL="0" indent="0">
+              <a:buNone/>
+            </a:pPr>
+            <a:r>
+              <a:rPr lang="en-US" dirty="0"/>
+              <a:t>    {</a:t>
+            </a:r>
+          </a:p>
+          <a:p>
+            <a:pPr marL="0" indent="0">
+              <a:buNone/>
+            </a:pPr>
+            <a:r>
+              <a:rPr lang="en-US" dirty="0"/>
+              <a:t>        try</a:t>
+            </a:r>
+          </a:p>
+          <a:p>
+            <a:pPr marL="0" indent="0">
+              <a:buNone/>
+            </a:pPr>
+            <a:r>
+              <a:rPr lang="en-US" dirty="0"/>
+              <a:t>        {</a:t>
+            </a:r>
+          </a:p>
+          <a:p>
+            <a:pPr marL="0" indent="0">
+              <a:buNone/>
+            </a:pPr>
+            <a:r>
+              <a:rPr lang="en-US" dirty="0"/>
+              <a:t>            int count = await </a:t>
+            </a:r>
+            <a:r>
+              <a:rPr lang="en-US" dirty="0" err="1"/>
+              <a:t>GetSomeCountAsync</a:t>
+            </a:r>
+            <a:r>
+              <a:rPr lang="en-US" dirty="0"/>
+              <a:t>(); // </a:t>
+            </a:r>
+            <a:r>
+              <a:rPr lang="ru-RU" dirty="0"/>
+              <a:t>Может вызывать исключение</a:t>
+            </a:r>
+          </a:p>
+          <a:p>
+            <a:pPr marL="0" indent="0">
+              <a:buNone/>
+            </a:pPr>
+            <a:r>
+              <a:rPr lang="ru-RU" dirty="0"/>
+              <a:t>            </a:t>
+            </a:r>
+            <a:r>
+              <a:rPr lang="en-US" dirty="0"/>
+              <a:t>return count;</a:t>
+            </a:r>
+          </a:p>
+          <a:p>
+            <a:pPr marL="0" indent="0">
+              <a:buNone/>
+            </a:pPr>
+            <a:r>
+              <a:rPr lang="en-US" dirty="0"/>
+              <a:t>        }</a:t>
+            </a:r>
+          </a:p>
+          <a:p>
+            <a:pPr marL="0" indent="0">
+              <a:buNone/>
+            </a:pPr>
+            <a:r>
+              <a:rPr lang="en-US" dirty="0"/>
+              <a:t>        catch (Exception ex)</a:t>
+            </a:r>
+          </a:p>
+          <a:p>
+            <a:pPr marL="0" indent="0">
+              <a:buNone/>
+            </a:pPr>
+            <a:r>
+              <a:rPr lang="en-US" dirty="0"/>
+              <a:t>        {</a:t>
+            </a:r>
+          </a:p>
+          <a:p>
+            <a:pPr marL="0" indent="0">
+              <a:buNone/>
+            </a:pPr>
+            <a:r>
+              <a:rPr lang="en-US" dirty="0"/>
+              <a:t>            // </a:t>
+            </a:r>
+            <a:r>
+              <a:rPr lang="ru-RU" dirty="0"/>
+              <a:t>Обрабатываем исключение</a:t>
+            </a:r>
+          </a:p>
+          <a:p>
+            <a:pPr marL="0" indent="0">
+              <a:buNone/>
+            </a:pPr>
+            <a:r>
+              <a:rPr lang="ru-RU" dirty="0"/>
+              <a:t>            </a:t>
+            </a:r>
+            <a:r>
+              <a:rPr lang="en-US" dirty="0" err="1"/>
+              <a:t>Console.WriteLine</a:t>
+            </a:r>
+            <a:r>
+              <a:rPr lang="en-US" dirty="0"/>
+              <a:t>(</a:t>
+            </a:r>
+            <a:r>
+              <a:rPr lang="en-US" dirty="0" err="1"/>
+              <a:t>ex.Message</a:t>
+            </a:r>
+            <a:r>
+              <a:rPr lang="en-US"/>
+              <a:t>);</a:t>
+            </a:r>
+            <a:r>
+              <a:rPr lang="ru-RU"/>
+              <a:t> </a:t>
+            </a:r>
+            <a:r>
+              <a:rPr lang="ru-RU" dirty="0"/>
+              <a:t>}</a:t>
+            </a:r>
+          </a:p>
+          <a:p>
+            <a:pPr marL="0" indent="0">
+              <a:buNone/>
+            </a:pPr>
+            <a:r>
+              <a:rPr lang="ru-RU" dirty="0"/>
+              <a:t>    }</a:t>
+            </a:r>
+          </a:p>
+        </p:txBody>
+      </p:sp>
+      <p:sp>
+        <p:nvSpPr>
+          <p:cNvPr id="4" name="Номер слайда 3">
+            <a:extLst>
+              <a:ext uri="{FF2B5EF4-FFF2-40B4-BE49-F238E27FC236}">
+                <a16:creationId xmlns:a16="http://schemas.microsoft.com/office/drawing/2014/main" id="{3266452E-D10B-42DC-8A29-181B3F67B541}"/>
+              </a:ext>
+            </a:extLst>
+          </p:cNvPr>
+          <p:cNvSpPr>
+            <a:spLocks noGrp="1"/>
+          </p:cNvSpPr>
+          <p:nvPr>
+            <p:ph type="sldNum" sz="quarter" idx="12"/>
+          </p:nvPr>
+        </p:nvSpPr>
+        <p:spPr/>
+        <p:txBody>
+          <a:bodyPr/>
+          <a:lstStyle/>
+          <a:p>
+            <a:fld id="{227C91C0-7371-407B-9696-36B720B1D03F}" type="slidenum">
+              <a:rPr lang="ru-RU" smtClean="0"/>
+              <a:t>48</a:t>
+            </a:fld>
+            <a:endParaRPr lang="ru-RU"/>
+          </a:p>
+        </p:txBody>
+      </p:sp>
+    </p:spTree>
+    <p:extLst>
+      <p:ext uri="{BB962C8B-B14F-4D97-AF65-F5344CB8AC3E}">
+        <p14:creationId xmlns:p14="http://schemas.microsoft.com/office/powerpoint/2010/main" val="1013656836"/>
       </p:ext>
     </p:extLst>
   </p:cSld>
